--- a/figures/model.pptx
+++ b/figures/model.pptx
@@ -6,6 +6,7 @@
   </p:sldMasterIdLst>
   <p:sldIdLst>
     <p:sldId id="256" r:id="rId2"/>
+    <p:sldId id="257" r:id="rId3"/>
   </p:sldIdLst>
   <p:sldSz cx="8928100" cy="3419475"/>
   <p:notesSz cx="6858000" cy="9144000"/>
@@ -243,7 +244,7 @@
           <a:p>
             <a:fld id="{8DAEAD0A-DAD5-4728-A269-B7525C65528F}" type="datetimeFigureOut">
               <a:rPr lang="zh-CN" altLang="en-US" smtClean="0"/>
-              <a:t>2019/3/18</a:t>
+              <a:t>2019/3/19</a:t>
             </a:fld>
             <a:endParaRPr lang="zh-CN" altLang="en-US"/>
           </a:p>
@@ -389,7 +390,7 @@
           <a:p>
             <a:fld id="{8DAEAD0A-DAD5-4728-A269-B7525C65528F}" type="datetimeFigureOut">
               <a:rPr lang="zh-CN" altLang="en-US" smtClean="0"/>
-              <a:t>2019/3/18</a:t>
+              <a:t>2019/3/19</a:t>
             </a:fld>
             <a:endParaRPr lang="zh-CN" altLang="en-US"/>
           </a:p>
@@ -545,7 +546,7 @@
           <a:p>
             <a:fld id="{8DAEAD0A-DAD5-4728-A269-B7525C65528F}" type="datetimeFigureOut">
               <a:rPr lang="zh-CN" altLang="en-US" smtClean="0"/>
-              <a:t>2019/3/18</a:t>
+              <a:t>2019/3/19</a:t>
             </a:fld>
             <a:endParaRPr lang="zh-CN" altLang="en-US"/>
           </a:p>
@@ -691,7 +692,7 @@
           <a:p>
             <a:fld id="{8DAEAD0A-DAD5-4728-A269-B7525C65528F}" type="datetimeFigureOut">
               <a:rPr lang="zh-CN" altLang="en-US" smtClean="0"/>
-              <a:t>2019/3/18</a:t>
+              <a:t>2019/3/19</a:t>
             </a:fld>
             <a:endParaRPr lang="zh-CN" altLang="en-US"/>
           </a:p>
@@ -942,7 +943,7 @@
           <a:p>
             <a:fld id="{8DAEAD0A-DAD5-4728-A269-B7525C65528F}" type="datetimeFigureOut">
               <a:rPr lang="zh-CN" altLang="en-US" smtClean="0"/>
-              <a:t>2019/3/18</a:t>
+              <a:t>2019/3/19</a:t>
             </a:fld>
             <a:endParaRPr lang="zh-CN" altLang="en-US"/>
           </a:p>
@@ -1126,7 +1127,7 @@
           <a:p>
             <a:fld id="{8DAEAD0A-DAD5-4728-A269-B7525C65528F}" type="datetimeFigureOut">
               <a:rPr lang="zh-CN" altLang="en-US" smtClean="0"/>
-              <a:t>2019/3/18</a:t>
+              <a:t>2019/3/19</a:t>
             </a:fld>
             <a:endParaRPr lang="zh-CN" altLang="en-US"/>
           </a:p>
@@ -1455,7 +1456,7 @@
           <a:p>
             <a:fld id="{8DAEAD0A-DAD5-4728-A269-B7525C65528F}" type="datetimeFigureOut">
               <a:rPr lang="zh-CN" altLang="en-US" smtClean="0"/>
-              <a:t>2019/3/18</a:t>
+              <a:t>2019/3/19</a:t>
             </a:fld>
             <a:endParaRPr lang="zh-CN" altLang="en-US"/>
           </a:p>
@@ -1573,7 +1574,7 @@
           <a:p>
             <a:fld id="{8DAEAD0A-DAD5-4728-A269-B7525C65528F}" type="datetimeFigureOut">
               <a:rPr lang="zh-CN" altLang="en-US" smtClean="0"/>
-              <a:t>2019/3/18</a:t>
+              <a:t>2019/3/19</a:t>
             </a:fld>
             <a:endParaRPr lang="zh-CN" altLang="en-US"/>
           </a:p>
@@ -1668,7 +1669,7 @@
           <a:p>
             <a:fld id="{8DAEAD0A-DAD5-4728-A269-B7525C65528F}" type="datetimeFigureOut">
               <a:rPr lang="zh-CN" altLang="en-US" smtClean="0"/>
-              <a:t>2019/3/18</a:t>
+              <a:t>2019/3/19</a:t>
             </a:fld>
             <a:endParaRPr lang="zh-CN" altLang="en-US"/>
           </a:p>
@@ -1926,7 +1927,7 @@
           <a:p>
             <a:fld id="{8DAEAD0A-DAD5-4728-A269-B7525C65528F}" type="datetimeFigureOut">
               <a:rPr lang="zh-CN" altLang="en-US" smtClean="0"/>
-              <a:t>2019/3/18</a:t>
+              <a:t>2019/3/19</a:t>
             </a:fld>
             <a:endParaRPr lang="zh-CN" altLang="en-US"/>
           </a:p>
@@ -2188,7 +2189,7 @@
           <a:p>
             <a:fld id="{8DAEAD0A-DAD5-4728-A269-B7525C65528F}" type="datetimeFigureOut">
               <a:rPr lang="zh-CN" altLang="en-US" smtClean="0"/>
-              <a:t>2019/3/18</a:t>
+              <a:t>2019/3/19</a:t>
             </a:fld>
             <a:endParaRPr lang="zh-CN" altLang="en-US"/>
           </a:p>
@@ -2377,7 +2378,7 @@
           <a:p>
             <a:fld id="{8DAEAD0A-DAD5-4728-A269-B7525C65528F}" type="datetimeFigureOut">
               <a:rPr lang="zh-CN" altLang="en-US" smtClean="0"/>
-              <a:t>2019/3/18</a:t>
+              <a:t>2019/3/19</a:t>
             </a:fld>
             <a:endParaRPr lang="zh-CN" altLang="en-US"/>
           </a:p>
@@ -14103,6 +14104,72 @@
 </p:sld>
 </file>
 
+<file path=ppt/slides/slide2.xml><?xml version="1.0" encoding="utf-8"?>
+<p:sld xmlns:a="http://schemas.openxmlformats.org/drawingml/2006/main" xmlns:r="http://schemas.openxmlformats.org/officeDocument/2006/relationships" xmlns:p="http://schemas.openxmlformats.org/presentationml/2006/main">
+  <p:cSld>
+    <p:spTree>
+      <p:nvGrpSpPr>
+        <p:cNvPr id="1" name=""/>
+        <p:cNvGrpSpPr/>
+        <p:nvPr/>
+      </p:nvGrpSpPr>
+      <p:grpSpPr>
+        <a:xfrm>
+          <a:off x="0" y="0"/>
+          <a:ext cx="0" cy="0"/>
+          <a:chOff x="0" y="0"/>
+          <a:chExt cx="0" cy="0"/>
+        </a:xfrm>
+      </p:grpSpPr>
+      <p:pic>
+        <p:nvPicPr>
+          <p:cNvPr id="28" name="图片 27">
+            <a:extLst>
+              <a:ext uri="{FF2B5EF4-FFF2-40B4-BE49-F238E27FC236}">
+                <a16:creationId xmlns:a16="http://schemas.microsoft.com/office/drawing/2014/main" id="{790E0782-D8C0-B548-9A43-AB9BE722E56C}"/>
+              </a:ext>
+            </a:extLst>
+          </p:cNvPr>
+          <p:cNvPicPr>
+            <a:picLocks noChangeAspect="1"/>
+          </p:cNvPicPr>
+          <p:nvPr/>
+        </p:nvPicPr>
+        <p:blipFill>
+          <a:blip r:embed="rId2">
+            <a:extLst>
+              <a:ext uri="{28A0092B-C50C-407E-A947-70E740481C1C}">
+                <a14:useLocalDpi xmlns:a14="http://schemas.microsoft.com/office/drawing/2010/main" val="0"/>
+              </a:ext>
+            </a:extLst>
+          </a:blip>
+          <a:stretch>
+            <a:fillRect/>
+          </a:stretch>
+        </p:blipFill>
+        <p:spPr>
+          <a:xfrm>
+            <a:off x="2218912" y="40477"/>
+            <a:ext cx="4788176" cy="3378998"/>
+          </a:xfrm>
+          <a:prstGeom prst="rect">
+            <a:avLst/>
+          </a:prstGeom>
+        </p:spPr>
+      </p:pic>
+    </p:spTree>
+    <p:extLst>
+      <p:ext uri="{BB962C8B-B14F-4D97-AF65-F5344CB8AC3E}">
+        <p14:creationId xmlns:p14="http://schemas.microsoft.com/office/powerpoint/2010/main" val="380373488"/>
+      </p:ext>
+    </p:extLst>
+  </p:cSld>
+  <p:clrMapOvr>
+    <a:masterClrMapping/>
+  </p:clrMapOvr>
+</p:sld>
+</file>
+
 <file path=ppt/theme/theme1.xml><?xml version="1.0" encoding="utf-8"?>
 <a:theme xmlns:a="http://schemas.openxmlformats.org/drawingml/2006/main" name="Office 主题​​">
   <a:themeElements>

--- a/figures/model.pptx
+++ b/figures/model.pptx
@@ -4,9 +4,13 @@
   <p:sldMasterIdLst>
     <p:sldMasterId id="2147483720" r:id="rId1"/>
   </p:sldMasterIdLst>
+  <p:notesMasterIdLst>
+    <p:notesMasterId r:id="rId5"/>
+  </p:notesMasterIdLst>
   <p:sldIdLst>
     <p:sldId id="256" r:id="rId2"/>
     <p:sldId id="257" r:id="rId3"/>
+    <p:sldId id="350" r:id="rId4"/>
   </p:sldIdLst>
   <p:sldSz cx="8928100" cy="3419475"/>
   <p:notesSz cx="6858000" cy="9144000"/>
@@ -113,6 +117,444 @@
 </p:presentation>
 </file>
 
+<file path=ppt/notesMasters/notesMaster1.xml><?xml version="1.0" encoding="utf-8"?>
+<p:notesMaster xmlns:a="http://schemas.openxmlformats.org/drawingml/2006/main" xmlns:r="http://schemas.openxmlformats.org/officeDocument/2006/relationships" xmlns:p="http://schemas.openxmlformats.org/presentationml/2006/main">
+  <p:cSld>
+    <p:bg>
+      <p:bgRef idx="1001">
+        <a:schemeClr val="bg1"/>
+      </p:bgRef>
+    </p:bg>
+    <p:spTree>
+      <p:nvGrpSpPr>
+        <p:cNvPr id="1" name=""/>
+        <p:cNvGrpSpPr/>
+        <p:nvPr/>
+      </p:nvGrpSpPr>
+      <p:grpSpPr>
+        <a:xfrm>
+          <a:off x="0" y="0"/>
+          <a:ext cx="0" cy="0"/>
+          <a:chOff x="0" y="0"/>
+          <a:chExt cx="0" cy="0"/>
+        </a:xfrm>
+      </p:grpSpPr>
+      <p:sp>
+        <p:nvSpPr>
+          <p:cNvPr id="2" name="页眉占位符 1"/>
+          <p:cNvSpPr>
+            <a:spLocks noGrp="1"/>
+          </p:cNvSpPr>
+          <p:nvPr>
+            <p:ph type="hdr" sz="quarter"/>
+          </p:nvPr>
+        </p:nvSpPr>
+        <p:spPr>
+          <a:xfrm>
+            <a:off x="0" y="0"/>
+            <a:ext cx="2971800" cy="458788"/>
+          </a:xfrm>
+          <a:prstGeom prst="rect">
+            <a:avLst/>
+          </a:prstGeom>
+        </p:spPr>
+        <p:txBody>
+          <a:bodyPr vert="horz" lIns="91440" tIns="45720" rIns="91440" bIns="45720" rtlCol="0"/>
+          <a:lstStyle>
+            <a:lvl1pPr algn="l">
+              <a:defRPr sz="1200"/>
+            </a:lvl1pPr>
+          </a:lstStyle>
+          <a:p>
+            <a:endParaRPr kumimoji="1" lang="zh-CN" altLang="en-US"/>
+          </a:p>
+        </p:txBody>
+      </p:sp>
+      <p:sp>
+        <p:nvSpPr>
+          <p:cNvPr id="3" name="日期占位符 2"/>
+          <p:cNvSpPr>
+            <a:spLocks noGrp="1"/>
+          </p:cNvSpPr>
+          <p:nvPr>
+            <p:ph type="dt" idx="1"/>
+          </p:nvPr>
+        </p:nvSpPr>
+        <p:spPr>
+          <a:xfrm>
+            <a:off x="3884613" y="0"/>
+            <a:ext cx="2971800" cy="458788"/>
+          </a:xfrm>
+          <a:prstGeom prst="rect">
+            <a:avLst/>
+          </a:prstGeom>
+        </p:spPr>
+        <p:txBody>
+          <a:bodyPr vert="horz" lIns="91440" tIns="45720" rIns="91440" bIns="45720" rtlCol="0"/>
+          <a:lstStyle>
+            <a:lvl1pPr algn="r">
+              <a:defRPr sz="1200"/>
+            </a:lvl1pPr>
+          </a:lstStyle>
+          <a:p>
+            <a:fld id="{82E91903-46AE-AE4A-A63E-AF738F56B93D}" type="datetimeFigureOut">
+              <a:rPr kumimoji="1" lang="zh-CN" altLang="en-US" smtClean="0"/>
+              <a:t>2019/4/23</a:t>
+            </a:fld>
+            <a:endParaRPr kumimoji="1" lang="zh-CN" altLang="en-US"/>
+          </a:p>
+        </p:txBody>
+      </p:sp>
+      <p:sp>
+        <p:nvSpPr>
+          <p:cNvPr id="4" name="幻灯片图像占位符 3"/>
+          <p:cNvSpPr>
+            <a:spLocks noGrp="1" noRot="1" noChangeAspect="1"/>
+          </p:cNvSpPr>
+          <p:nvPr>
+            <p:ph type="sldImg" idx="2"/>
+          </p:nvPr>
+        </p:nvSpPr>
+        <p:spPr>
+          <a:xfrm>
+            <a:off x="-598488" y="1143000"/>
+            <a:ext cx="8054976" cy="3086100"/>
+          </a:xfrm>
+          <a:prstGeom prst="rect">
+            <a:avLst/>
+          </a:prstGeom>
+          <a:noFill/>
+          <a:ln w="12700">
+            <a:solidFill>
+              <a:prstClr val="black"/>
+            </a:solidFill>
+          </a:ln>
+        </p:spPr>
+        <p:txBody>
+          <a:bodyPr vert="horz" lIns="91440" tIns="45720" rIns="91440" bIns="45720" rtlCol="0" anchor="ctr"/>
+          <a:lstStyle/>
+          <a:p>
+            <a:endParaRPr lang="zh-CN" altLang="en-US"/>
+          </a:p>
+        </p:txBody>
+      </p:sp>
+      <p:sp>
+        <p:nvSpPr>
+          <p:cNvPr id="5" name="备注占位符 4"/>
+          <p:cNvSpPr>
+            <a:spLocks noGrp="1"/>
+          </p:cNvSpPr>
+          <p:nvPr>
+            <p:ph type="body" sz="quarter" idx="3"/>
+          </p:nvPr>
+        </p:nvSpPr>
+        <p:spPr>
+          <a:xfrm>
+            <a:off x="685800" y="4400550"/>
+            <a:ext cx="5486400" cy="3600450"/>
+          </a:xfrm>
+          <a:prstGeom prst="rect">
+            <a:avLst/>
+          </a:prstGeom>
+        </p:spPr>
+        <p:txBody>
+          <a:bodyPr vert="horz" lIns="91440" tIns="45720" rIns="91440" bIns="45720" rtlCol="0"/>
+          <a:lstStyle/>
+          <a:p>
+            <a:pPr lvl="0"/>
+            <a:r>
+              <a:rPr kumimoji="1" lang="zh-CN" altLang="en-US"/>
+              <a:t>单击此处编辑母版文本样式</a:t>
+            </a:r>
+          </a:p>
+          <a:p>
+            <a:pPr lvl="1"/>
+            <a:r>
+              <a:rPr kumimoji="1" lang="zh-CN" altLang="en-US"/>
+              <a:t>二级</a:t>
+            </a:r>
+          </a:p>
+          <a:p>
+            <a:pPr lvl="2"/>
+            <a:r>
+              <a:rPr kumimoji="1" lang="zh-CN" altLang="en-US"/>
+              <a:t>三级</a:t>
+            </a:r>
+          </a:p>
+          <a:p>
+            <a:pPr lvl="3"/>
+            <a:r>
+              <a:rPr kumimoji="1" lang="zh-CN" altLang="en-US"/>
+              <a:t>四级</a:t>
+            </a:r>
+          </a:p>
+          <a:p>
+            <a:pPr lvl="4"/>
+            <a:r>
+              <a:rPr kumimoji="1" lang="zh-CN" altLang="en-US"/>
+              <a:t>五级</a:t>
+            </a:r>
+          </a:p>
+        </p:txBody>
+      </p:sp>
+      <p:sp>
+        <p:nvSpPr>
+          <p:cNvPr id="6" name="页脚占位符 5"/>
+          <p:cNvSpPr>
+            <a:spLocks noGrp="1"/>
+          </p:cNvSpPr>
+          <p:nvPr>
+            <p:ph type="ftr" sz="quarter" idx="4"/>
+          </p:nvPr>
+        </p:nvSpPr>
+        <p:spPr>
+          <a:xfrm>
+            <a:off x="0" y="8685213"/>
+            <a:ext cx="2971800" cy="458787"/>
+          </a:xfrm>
+          <a:prstGeom prst="rect">
+            <a:avLst/>
+          </a:prstGeom>
+        </p:spPr>
+        <p:txBody>
+          <a:bodyPr vert="horz" lIns="91440" tIns="45720" rIns="91440" bIns="45720" rtlCol="0" anchor="b"/>
+          <a:lstStyle>
+            <a:lvl1pPr algn="l">
+              <a:defRPr sz="1200"/>
+            </a:lvl1pPr>
+          </a:lstStyle>
+          <a:p>
+            <a:endParaRPr kumimoji="1" lang="zh-CN" altLang="en-US"/>
+          </a:p>
+        </p:txBody>
+      </p:sp>
+      <p:sp>
+        <p:nvSpPr>
+          <p:cNvPr id="7" name="灯片编号占位符 6"/>
+          <p:cNvSpPr>
+            <a:spLocks noGrp="1"/>
+          </p:cNvSpPr>
+          <p:nvPr>
+            <p:ph type="sldNum" sz="quarter" idx="5"/>
+          </p:nvPr>
+        </p:nvSpPr>
+        <p:spPr>
+          <a:xfrm>
+            <a:off x="3884613" y="8685213"/>
+            <a:ext cx="2971800" cy="458787"/>
+          </a:xfrm>
+          <a:prstGeom prst="rect">
+            <a:avLst/>
+          </a:prstGeom>
+        </p:spPr>
+        <p:txBody>
+          <a:bodyPr vert="horz" lIns="91440" tIns="45720" rIns="91440" bIns="45720" rtlCol="0" anchor="b"/>
+          <a:lstStyle>
+            <a:lvl1pPr algn="r">
+              <a:defRPr sz="1200"/>
+            </a:lvl1pPr>
+          </a:lstStyle>
+          <a:p>
+            <a:fld id="{862C58C8-774C-F042-8DE3-B97DF2B45E31}" type="slidenum">
+              <a:rPr kumimoji="1" lang="zh-CN" altLang="en-US" smtClean="0"/>
+              <a:t>‹#›</a:t>
+            </a:fld>
+            <a:endParaRPr kumimoji="1" lang="zh-CN" altLang="en-US"/>
+          </a:p>
+        </p:txBody>
+      </p:sp>
+    </p:spTree>
+    <p:extLst>
+      <p:ext uri="{BB962C8B-B14F-4D97-AF65-F5344CB8AC3E}">
+        <p14:creationId xmlns:p14="http://schemas.microsoft.com/office/powerpoint/2010/main" val="202458152"/>
+      </p:ext>
+    </p:extLst>
+  </p:cSld>
+  <p:clrMap bg1="lt1" tx1="dk1" bg2="lt2" tx2="dk2" accent1="accent1" accent2="accent2" accent3="accent3" accent4="accent4" accent5="accent5" accent6="accent6" hlink="hlink" folHlink="folHlink"/>
+  <p:notesStyle>
+    <a:lvl1pPr marL="0" algn="l" defTabSz="914400" rtl="0" eaLnBrk="1" latinLnBrk="0" hangingPunct="1">
+      <a:defRPr sz="1200" kern="1200">
+        <a:solidFill>
+          <a:schemeClr val="tx1"/>
+        </a:solidFill>
+        <a:latin typeface="+mn-lt"/>
+        <a:ea typeface="+mn-ea"/>
+        <a:cs typeface="+mn-cs"/>
+      </a:defRPr>
+    </a:lvl1pPr>
+    <a:lvl2pPr marL="457200" algn="l" defTabSz="914400" rtl="0" eaLnBrk="1" latinLnBrk="0" hangingPunct="1">
+      <a:defRPr sz="1200" kern="1200">
+        <a:solidFill>
+          <a:schemeClr val="tx1"/>
+        </a:solidFill>
+        <a:latin typeface="+mn-lt"/>
+        <a:ea typeface="+mn-ea"/>
+        <a:cs typeface="+mn-cs"/>
+      </a:defRPr>
+    </a:lvl2pPr>
+    <a:lvl3pPr marL="914400" algn="l" defTabSz="914400" rtl="0" eaLnBrk="1" latinLnBrk="0" hangingPunct="1">
+      <a:defRPr sz="1200" kern="1200">
+        <a:solidFill>
+          <a:schemeClr val="tx1"/>
+        </a:solidFill>
+        <a:latin typeface="+mn-lt"/>
+        <a:ea typeface="+mn-ea"/>
+        <a:cs typeface="+mn-cs"/>
+      </a:defRPr>
+    </a:lvl3pPr>
+    <a:lvl4pPr marL="1371600" algn="l" defTabSz="914400" rtl="0" eaLnBrk="1" latinLnBrk="0" hangingPunct="1">
+      <a:defRPr sz="1200" kern="1200">
+        <a:solidFill>
+          <a:schemeClr val="tx1"/>
+        </a:solidFill>
+        <a:latin typeface="+mn-lt"/>
+        <a:ea typeface="+mn-ea"/>
+        <a:cs typeface="+mn-cs"/>
+      </a:defRPr>
+    </a:lvl4pPr>
+    <a:lvl5pPr marL="1828800" algn="l" defTabSz="914400" rtl="0" eaLnBrk="1" latinLnBrk="0" hangingPunct="1">
+      <a:defRPr sz="1200" kern="1200">
+        <a:solidFill>
+          <a:schemeClr val="tx1"/>
+        </a:solidFill>
+        <a:latin typeface="+mn-lt"/>
+        <a:ea typeface="+mn-ea"/>
+        <a:cs typeface="+mn-cs"/>
+      </a:defRPr>
+    </a:lvl5pPr>
+    <a:lvl6pPr marL="2286000" algn="l" defTabSz="914400" rtl="0" eaLnBrk="1" latinLnBrk="0" hangingPunct="1">
+      <a:defRPr sz="1200" kern="1200">
+        <a:solidFill>
+          <a:schemeClr val="tx1"/>
+        </a:solidFill>
+        <a:latin typeface="+mn-lt"/>
+        <a:ea typeface="+mn-ea"/>
+        <a:cs typeface="+mn-cs"/>
+      </a:defRPr>
+    </a:lvl6pPr>
+    <a:lvl7pPr marL="2743200" algn="l" defTabSz="914400" rtl="0" eaLnBrk="1" latinLnBrk="0" hangingPunct="1">
+      <a:defRPr sz="1200" kern="1200">
+        <a:solidFill>
+          <a:schemeClr val="tx1"/>
+        </a:solidFill>
+        <a:latin typeface="+mn-lt"/>
+        <a:ea typeface="+mn-ea"/>
+        <a:cs typeface="+mn-cs"/>
+      </a:defRPr>
+    </a:lvl7pPr>
+    <a:lvl8pPr marL="3200400" algn="l" defTabSz="914400" rtl="0" eaLnBrk="1" latinLnBrk="0" hangingPunct="1">
+      <a:defRPr sz="1200" kern="1200">
+        <a:solidFill>
+          <a:schemeClr val="tx1"/>
+        </a:solidFill>
+        <a:latin typeface="+mn-lt"/>
+        <a:ea typeface="+mn-ea"/>
+        <a:cs typeface="+mn-cs"/>
+      </a:defRPr>
+    </a:lvl8pPr>
+    <a:lvl9pPr marL="3657600" algn="l" defTabSz="914400" rtl="0" eaLnBrk="1" latinLnBrk="0" hangingPunct="1">
+      <a:defRPr sz="1200" kern="1200">
+        <a:solidFill>
+          <a:schemeClr val="tx1"/>
+        </a:solidFill>
+        <a:latin typeface="+mn-lt"/>
+        <a:ea typeface="+mn-ea"/>
+        <a:cs typeface="+mn-cs"/>
+      </a:defRPr>
+    </a:lvl9pPr>
+  </p:notesStyle>
+</p:notesMaster>
+</file>
+
+<file path=ppt/notesSlides/notesSlide1.xml><?xml version="1.0" encoding="utf-8"?>
+<p:notes xmlns:a="http://schemas.openxmlformats.org/drawingml/2006/main" xmlns:r="http://schemas.openxmlformats.org/officeDocument/2006/relationships" xmlns:p="http://schemas.openxmlformats.org/presentationml/2006/main">
+  <p:cSld>
+    <p:spTree>
+      <p:nvGrpSpPr>
+        <p:cNvPr id="1" name=""/>
+        <p:cNvGrpSpPr/>
+        <p:nvPr/>
+      </p:nvGrpSpPr>
+      <p:grpSpPr>
+        <a:xfrm>
+          <a:off x="0" y="0"/>
+          <a:ext cx="0" cy="0"/>
+          <a:chOff x="0" y="0"/>
+          <a:chExt cx="0" cy="0"/>
+        </a:xfrm>
+      </p:grpSpPr>
+      <p:sp>
+        <p:nvSpPr>
+          <p:cNvPr id="2" name="幻灯片图像占位符 1"/>
+          <p:cNvSpPr>
+            <a:spLocks noGrp="1" noRot="1" noChangeAspect="1"/>
+          </p:cNvSpPr>
+          <p:nvPr>
+            <p:ph type="sldImg"/>
+          </p:nvPr>
+        </p:nvSpPr>
+        <p:spPr>
+          <a:xfrm>
+            <a:off x="-598488" y="1143000"/>
+            <a:ext cx="8054976" cy="3086100"/>
+          </a:xfrm>
+        </p:spPr>
+      </p:sp>
+      <p:sp>
+        <p:nvSpPr>
+          <p:cNvPr id="3" name="备注占位符 2"/>
+          <p:cNvSpPr>
+            <a:spLocks noGrp="1"/>
+          </p:cNvSpPr>
+          <p:nvPr>
+            <p:ph type="body" idx="1"/>
+          </p:nvPr>
+        </p:nvSpPr>
+        <p:spPr/>
+        <p:txBody>
+          <a:bodyPr/>
+          <a:lstStyle/>
+          <a:p>
+            <a:endParaRPr kumimoji="1" lang="zh-CN" altLang="en-US" dirty="0"/>
+          </a:p>
+        </p:txBody>
+      </p:sp>
+      <p:sp>
+        <p:nvSpPr>
+          <p:cNvPr id="4" name="幻灯片编号占位符 3"/>
+          <p:cNvSpPr>
+            <a:spLocks noGrp="1"/>
+          </p:cNvSpPr>
+          <p:nvPr>
+            <p:ph type="sldNum" sz="quarter" idx="10"/>
+          </p:nvPr>
+        </p:nvSpPr>
+        <p:spPr/>
+        <p:txBody>
+          <a:bodyPr/>
+          <a:lstStyle/>
+          <a:p>
+            <a:fld id="{CFA7B309-9137-48C2-8EB6-CE19385A9792}" type="slidenum">
+              <a:rPr lang="zh-CN" altLang="en-US" smtClean="0"/>
+              <a:t>3</a:t>
+            </a:fld>
+            <a:endParaRPr lang="zh-CN" altLang="en-US"/>
+          </a:p>
+        </p:txBody>
+      </p:sp>
+    </p:spTree>
+    <p:extLst>
+      <p:ext uri="{BB962C8B-B14F-4D97-AF65-F5344CB8AC3E}">
+        <p14:creationId xmlns:p14="http://schemas.microsoft.com/office/powerpoint/2010/main" val="4012638590"/>
+      </p:ext>
+    </p:extLst>
+  </p:cSld>
+  <p:clrMapOvr>
+    <a:masterClrMapping/>
+  </p:clrMapOvr>
+</p:notes>
+</file>
+
 <file path=ppt/slideLayouts/slideLayout1.xml><?xml version="1.0" encoding="utf-8"?>
 <p:sldLayout xmlns:a="http://schemas.openxmlformats.org/drawingml/2006/main" xmlns:r="http://schemas.openxmlformats.org/officeDocument/2006/relationships" xmlns:p="http://schemas.openxmlformats.org/presentationml/2006/main" type="title" preserve="1">
   <p:cSld name="标题幻灯片">
@@ -142,7 +584,7 @@
         </p:nvSpPr>
         <p:spPr>
           <a:xfrm>
-            <a:off x="1116013" y="559623"/>
+            <a:off x="1116019" y="559623"/>
             <a:ext cx="6696075" cy="1190484"/>
           </a:xfrm>
         </p:spPr>
@@ -174,7 +616,7 @@
         </p:nvSpPr>
         <p:spPr>
           <a:xfrm>
-            <a:off x="1116013" y="1796016"/>
+            <a:off x="1116019" y="1796022"/>
             <a:ext cx="6696075" cy="825581"/>
           </a:xfrm>
         </p:spPr>
@@ -244,7 +686,7 @@
           <a:p>
             <a:fld id="{8DAEAD0A-DAD5-4728-A269-B7525C65528F}" type="datetimeFigureOut">
               <a:rPr lang="zh-CN" altLang="en-US" smtClean="0"/>
-              <a:t>2019/3/19</a:t>
+              <a:t>2019/4/23</a:t>
             </a:fld>
             <a:endParaRPr lang="zh-CN" altLang="en-US"/>
           </a:p>
@@ -390,7 +832,7 @@
           <a:p>
             <a:fld id="{8DAEAD0A-DAD5-4728-A269-B7525C65528F}" type="datetimeFigureOut">
               <a:rPr lang="zh-CN" altLang="en-US" smtClean="0"/>
-              <a:t>2019/3/19</a:t>
+              <a:t>2019/4/23</a:t>
             </a:fld>
             <a:endParaRPr lang="zh-CN" altLang="en-US"/>
           </a:p>
@@ -480,7 +922,7 @@
         </p:nvSpPr>
         <p:spPr>
           <a:xfrm>
-            <a:off x="6389171" y="182055"/>
+            <a:off x="6389172" y="182061"/>
             <a:ext cx="1925122" cy="2897847"/>
           </a:xfrm>
         </p:spPr>
@@ -508,8 +950,8 @@
         </p:nvSpPr>
         <p:spPr>
           <a:xfrm>
-            <a:off x="613807" y="182055"/>
-            <a:ext cx="5663763" cy="2897847"/>
+            <a:off x="613808" y="182061"/>
+            <a:ext cx="5663762" cy="2897847"/>
           </a:xfrm>
         </p:spPr>
         <p:txBody>
@@ -546,7 +988,7 @@
           <a:p>
             <a:fld id="{8DAEAD0A-DAD5-4728-A269-B7525C65528F}" type="datetimeFigureOut">
               <a:rPr lang="zh-CN" altLang="en-US" smtClean="0"/>
-              <a:t>2019/3/19</a:t>
+              <a:t>2019/4/23</a:t>
             </a:fld>
             <a:endParaRPr lang="zh-CN" altLang="en-US"/>
           </a:p>
@@ -692,7 +1134,7 @@
           <a:p>
             <a:fld id="{8DAEAD0A-DAD5-4728-A269-B7525C65528F}" type="datetimeFigureOut">
               <a:rPr lang="zh-CN" altLang="en-US" smtClean="0"/>
-              <a:t>2019/3/19</a:t>
+              <a:t>2019/4/23</a:t>
             </a:fld>
             <a:endParaRPr lang="zh-CN" altLang="en-US"/>
           </a:p>
@@ -782,7 +1224,7 @@
         </p:nvSpPr>
         <p:spPr>
           <a:xfrm>
-            <a:off x="609157" y="852495"/>
+            <a:off x="609156" y="852495"/>
             <a:ext cx="7700486" cy="1422406"/>
           </a:xfrm>
         </p:spPr>
@@ -814,7 +1256,7 @@
         </p:nvSpPr>
         <p:spPr>
           <a:xfrm>
-            <a:off x="609157" y="2288357"/>
+            <a:off x="609156" y="2288357"/>
             <a:ext cx="7700486" cy="748010"/>
           </a:xfrm>
         </p:spPr>
@@ -943,7 +1385,7 @@
           <a:p>
             <a:fld id="{8DAEAD0A-DAD5-4728-A269-B7525C65528F}" type="datetimeFigureOut">
               <a:rPr lang="zh-CN" altLang="en-US" smtClean="0"/>
-              <a:t>2019/3/19</a:t>
+              <a:t>2019/4/23</a:t>
             </a:fld>
             <a:endParaRPr lang="zh-CN" altLang="en-US"/>
           </a:p>
@@ -1056,8 +1498,8 @@
         </p:nvSpPr>
         <p:spPr>
           <a:xfrm>
-            <a:off x="613807" y="910277"/>
-            <a:ext cx="3794443" cy="2169625"/>
+            <a:off x="613812" y="910277"/>
+            <a:ext cx="3794442" cy="2169625"/>
           </a:xfrm>
         </p:spPr>
         <p:txBody>
@@ -1089,8 +1531,8 @@
         </p:nvSpPr>
         <p:spPr>
           <a:xfrm>
-            <a:off x="4519850" y="910277"/>
-            <a:ext cx="3794443" cy="2169625"/>
+            <a:off x="4519854" y="910277"/>
+            <a:ext cx="3794442" cy="2169625"/>
           </a:xfrm>
         </p:spPr>
         <p:txBody>
@@ -1127,7 +1569,7 @@
           <a:p>
             <a:fld id="{8DAEAD0A-DAD5-4728-A269-B7525C65528F}" type="datetimeFigureOut">
               <a:rPr lang="zh-CN" altLang="en-US" smtClean="0"/>
-              <a:t>2019/3/19</a:t>
+              <a:t>2019/4/23</a:t>
             </a:fld>
             <a:endParaRPr lang="zh-CN" altLang="en-US"/>
           </a:p>
@@ -1315,7 +1757,7 @@
         </p:nvSpPr>
         <p:spPr>
           <a:xfrm>
-            <a:off x="614970" y="1249058"/>
+            <a:off x="614970" y="1249064"/>
             <a:ext cx="3777004" cy="1837177"/>
           </a:xfrm>
         </p:spPr>
@@ -1348,8 +1790,8 @@
         </p:nvSpPr>
         <p:spPr>
           <a:xfrm>
-            <a:off x="4519851" y="838246"/>
-            <a:ext cx="3795605" cy="410812"/>
+            <a:off x="4519854" y="838246"/>
+            <a:ext cx="3795604" cy="410812"/>
           </a:xfrm>
         </p:spPr>
         <p:txBody>
@@ -1418,8 +1860,8 @@
         </p:nvSpPr>
         <p:spPr>
           <a:xfrm>
-            <a:off x="4519851" y="1249058"/>
-            <a:ext cx="3795605" cy="1837177"/>
+            <a:off x="4519854" y="1249064"/>
+            <a:ext cx="3795604" cy="1837177"/>
           </a:xfrm>
         </p:spPr>
         <p:txBody>
@@ -1456,7 +1898,7 @@
           <a:p>
             <a:fld id="{8DAEAD0A-DAD5-4728-A269-B7525C65528F}" type="datetimeFigureOut">
               <a:rPr lang="zh-CN" altLang="en-US" smtClean="0"/>
-              <a:t>2019/3/19</a:t>
+              <a:t>2019/4/23</a:t>
             </a:fld>
             <a:endParaRPr lang="zh-CN" altLang="en-US"/>
           </a:p>
@@ -1574,7 +2016,7 @@
           <a:p>
             <a:fld id="{8DAEAD0A-DAD5-4728-A269-B7525C65528F}" type="datetimeFigureOut">
               <a:rPr lang="zh-CN" altLang="en-US" smtClean="0"/>
-              <a:t>2019/3/19</a:t>
+              <a:t>2019/4/23</a:t>
             </a:fld>
             <a:endParaRPr lang="zh-CN" altLang="en-US"/>
           </a:p>
@@ -1669,7 +2111,7 @@
           <a:p>
             <a:fld id="{8DAEAD0A-DAD5-4728-A269-B7525C65528F}" type="datetimeFigureOut">
               <a:rPr lang="zh-CN" altLang="en-US" smtClean="0"/>
-              <a:t>2019/3/19</a:t>
+              <a:t>2019/4/23</a:t>
             </a:fld>
             <a:endParaRPr lang="zh-CN" altLang="en-US"/>
           </a:p>
@@ -1792,7 +2234,7 @@
         <p:spPr>
           <a:xfrm>
             <a:off x="3795605" y="492341"/>
-            <a:ext cx="4519851" cy="2430044"/>
+            <a:ext cx="4519852" cy="2430044"/>
           </a:xfrm>
         </p:spPr>
         <p:txBody>
@@ -1927,7 +2369,7 @@
           <a:p>
             <a:fld id="{8DAEAD0A-DAD5-4728-A269-B7525C65528F}" type="datetimeFigureOut">
               <a:rPr lang="zh-CN" altLang="en-US" smtClean="0"/>
-              <a:t>2019/3/19</a:t>
+              <a:t>2019/4/23</a:t>
             </a:fld>
             <a:endParaRPr lang="zh-CN" altLang="en-US"/>
           </a:p>
@@ -2050,7 +2492,7 @@
         <p:spPr>
           <a:xfrm>
             <a:off x="3795605" y="492341"/>
-            <a:ext cx="4519851" cy="2430044"/>
+            <a:ext cx="4519852" cy="2430044"/>
           </a:xfrm>
         </p:spPr>
         <p:txBody>
@@ -2189,7 +2631,7 @@
           <a:p>
             <a:fld id="{8DAEAD0A-DAD5-4728-A269-B7525C65528F}" type="datetimeFigureOut">
               <a:rPr lang="zh-CN" altLang="en-US" smtClean="0"/>
-              <a:t>2019/3/19</a:t>
+              <a:t>2019/4/23</a:t>
             </a:fld>
             <a:endParaRPr lang="zh-CN" altLang="en-US"/>
           </a:p>
@@ -2284,7 +2726,7 @@
         </p:nvSpPr>
         <p:spPr>
           <a:xfrm>
-            <a:off x="613807" y="182056"/>
+            <a:off x="613808" y="182056"/>
             <a:ext cx="7700486" cy="660940"/>
           </a:xfrm>
           <a:prstGeom prst="rect">
@@ -2317,7 +2759,7 @@
         </p:nvSpPr>
         <p:spPr>
           <a:xfrm>
-            <a:off x="613807" y="910277"/>
+            <a:off x="613808" y="910277"/>
             <a:ext cx="7700486" cy="2169625"/>
           </a:xfrm>
           <a:prstGeom prst="rect">
@@ -2355,8 +2797,8 @@
         </p:nvSpPr>
         <p:spPr>
           <a:xfrm>
-            <a:off x="613807" y="3169347"/>
-            <a:ext cx="2008823" cy="182055"/>
+            <a:off x="613808" y="3169353"/>
+            <a:ext cx="2008824" cy="182055"/>
           </a:xfrm>
           <a:prstGeom prst="rect">
             <a:avLst/>
@@ -2378,7 +2820,7 @@
           <a:p>
             <a:fld id="{8DAEAD0A-DAD5-4728-A269-B7525C65528F}" type="datetimeFigureOut">
               <a:rPr lang="zh-CN" altLang="en-US" smtClean="0"/>
-              <a:t>2019/3/19</a:t>
+              <a:t>2019/4/23</a:t>
             </a:fld>
             <a:endParaRPr lang="zh-CN" altLang="en-US"/>
           </a:p>
@@ -2396,7 +2838,7 @@
         </p:nvSpPr>
         <p:spPr>
           <a:xfrm>
-            <a:off x="2957433" y="3169347"/>
+            <a:off x="2957434" y="3169353"/>
             <a:ext cx="3013234" cy="182055"/>
           </a:xfrm>
           <a:prstGeom prst="rect">
@@ -2433,8 +2875,8 @@
         </p:nvSpPr>
         <p:spPr>
           <a:xfrm>
-            <a:off x="6305470" y="3169347"/>
-            <a:ext cx="2008823" cy="182055"/>
+            <a:off x="6305471" y="3169353"/>
+            <a:ext cx="2008824" cy="182055"/>
           </a:xfrm>
           <a:prstGeom prst="rect">
             <a:avLst/>
@@ -2797,7 +3239,7 @@
         </p:nvSpPr>
         <p:spPr>
           <a:xfrm>
-            <a:off x="5422748" y="86759"/>
+            <a:off x="5422748" y="86777"/>
             <a:ext cx="3428600" cy="3254991"/>
           </a:xfrm>
           <a:prstGeom prst="rect">
@@ -5409,7 +5851,7 @@
         </p:nvSpPr>
         <p:spPr>
           <a:xfrm>
-            <a:off x="2457727" y="366295"/>
+            <a:off x="2457739" y="366307"/>
             <a:ext cx="702453" cy="2091941"/>
           </a:xfrm>
           <a:prstGeom prst="roundRect">
@@ -5458,7 +5900,7 @@
         </p:nvSpPr>
         <p:spPr>
           <a:xfrm>
-            <a:off x="2189770" y="1301468"/>
+            <a:off x="2189770" y="1301474"/>
             <a:ext cx="1254868" cy="307777"/>
           </a:xfrm>
           <a:prstGeom prst="rect">
@@ -5495,7 +5937,7 @@
         </p:nvCxnSpPr>
         <p:spPr>
           <a:xfrm>
-            <a:off x="2075903" y="589190"/>
+            <a:off x="2075909" y="589190"/>
             <a:ext cx="279779" cy="0"/>
           </a:xfrm>
           <a:prstGeom prst="straightConnector1">
@@ -5531,7 +5973,7 @@
         </p:nvCxnSpPr>
         <p:spPr>
           <a:xfrm>
-            <a:off x="2075903" y="936885"/>
+            <a:off x="2075909" y="936885"/>
             <a:ext cx="279779" cy="0"/>
           </a:xfrm>
           <a:prstGeom prst="straightConnector1">
@@ -5567,7 +6009,7 @@
         </p:nvCxnSpPr>
         <p:spPr>
           <a:xfrm>
-            <a:off x="2075903" y="1284580"/>
+            <a:off x="2075909" y="1284580"/>
             <a:ext cx="279779" cy="0"/>
           </a:xfrm>
           <a:prstGeom prst="straightConnector1">
@@ -5603,7 +6045,7 @@
         </p:nvCxnSpPr>
         <p:spPr>
           <a:xfrm>
-            <a:off x="2075902" y="2181320"/>
+            <a:off x="2075908" y="2181320"/>
             <a:ext cx="279779" cy="0"/>
           </a:xfrm>
           <a:prstGeom prst="straightConnector1">
@@ -7967,7 +8409,7 @@
         </p:nvSpPr>
         <p:spPr>
           <a:xfrm>
-            <a:off x="3330319" y="2458237"/>
+            <a:off x="3330319" y="2458259"/>
             <a:ext cx="1254868" cy="307777"/>
           </a:xfrm>
           <a:prstGeom prst="rect">
@@ -8004,7 +8446,7 @@
         </p:nvCxnSpPr>
         <p:spPr>
           <a:xfrm>
-            <a:off x="3239714" y="1466596"/>
+            <a:off x="3239736" y="1466596"/>
             <a:ext cx="279779" cy="0"/>
           </a:xfrm>
           <a:prstGeom prst="straightConnector1">
@@ -8622,7 +9064,7 @@
         </p:nvCxnSpPr>
         <p:spPr>
           <a:xfrm>
-            <a:off x="2075903" y="1632274"/>
+            <a:off x="2075909" y="1632274"/>
             <a:ext cx="279779" cy="0"/>
           </a:xfrm>
           <a:prstGeom prst="straightConnector1">
@@ -8738,7 +9180,7 @@
         </p:nvSpPr>
         <p:spPr>
           <a:xfrm>
-            <a:off x="6708218" y="272869"/>
+            <a:off x="6708218" y="272875"/>
             <a:ext cx="745688" cy="493819"/>
           </a:xfrm>
           <a:prstGeom prst="roundRect">
@@ -9840,7 +10282,7 @@
         </p:nvSpPr>
         <p:spPr>
           <a:xfrm>
-            <a:off x="6703862" y="983327"/>
+            <a:off x="6703862" y="983333"/>
             <a:ext cx="745688" cy="493819"/>
           </a:xfrm>
           <a:prstGeom prst="roundRect">
@@ -9945,7 +10387,7 @@
         </p:nvSpPr>
         <p:spPr>
           <a:xfrm>
-            <a:off x="6703862" y="2117465"/>
+            <a:off x="6703862" y="2117471"/>
             <a:ext cx="745688" cy="493819"/>
           </a:xfrm>
           <a:prstGeom prst="roundRect">
@@ -13409,7 +13851,7 @@
         </p:nvSpPr>
         <p:spPr>
           <a:xfrm>
-            <a:off x="6314898" y="2950338"/>
+            <a:off x="6314898" y="2950344"/>
             <a:ext cx="1637772" cy="301749"/>
           </a:xfrm>
           <a:prstGeom prst="rect">
@@ -13591,7 +14033,7 @@
         </p:nvCxnSpPr>
         <p:spPr>
           <a:xfrm>
-            <a:off x="6389197" y="564886"/>
+            <a:off x="6389215" y="564886"/>
             <a:ext cx="279779" cy="0"/>
           </a:xfrm>
           <a:prstGeom prst="straightConnector1">
@@ -13633,7 +14075,7 @@
         </p:nvCxnSpPr>
         <p:spPr>
           <a:xfrm>
-            <a:off x="6389197" y="1187156"/>
+            <a:off x="6389217" y="1187156"/>
             <a:ext cx="279779" cy="0"/>
           </a:xfrm>
           <a:prstGeom prst="straightConnector1">
@@ -13675,7 +14117,7 @@
         </p:nvCxnSpPr>
         <p:spPr>
           <a:xfrm>
-            <a:off x="6389197" y="2378622"/>
+            <a:off x="6389217" y="2378622"/>
             <a:ext cx="279779" cy="0"/>
           </a:xfrm>
           <a:prstGeom prst="straightConnector1">
@@ -14161,6 +14603,4970 @@
     <p:extLst>
       <p:ext uri="{BB962C8B-B14F-4D97-AF65-F5344CB8AC3E}">
         <p14:creationId xmlns:p14="http://schemas.microsoft.com/office/powerpoint/2010/main" val="380373488"/>
+      </p:ext>
+    </p:extLst>
+  </p:cSld>
+  <p:clrMapOvr>
+    <a:masterClrMapping/>
+  </p:clrMapOvr>
+</p:sld>
+</file>
+
+<file path=ppt/slides/slide3.xml><?xml version="1.0" encoding="utf-8"?>
+<p:sld xmlns:a="http://schemas.openxmlformats.org/drawingml/2006/main" xmlns:r="http://schemas.openxmlformats.org/officeDocument/2006/relationships" xmlns:p="http://schemas.openxmlformats.org/presentationml/2006/main">
+  <p:cSld>
+    <p:spTree>
+      <p:nvGrpSpPr>
+        <p:cNvPr id="1" name=""/>
+        <p:cNvGrpSpPr/>
+        <p:nvPr/>
+      </p:nvGrpSpPr>
+      <p:grpSpPr>
+        <a:xfrm>
+          <a:off x="0" y="0"/>
+          <a:ext cx="0" cy="0"/>
+          <a:chOff x="0" y="0"/>
+          <a:chExt cx="0" cy="0"/>
+        </a:xfrm>
+      </p:grpSpPr>
+      <p:sp>
+        <p:nvSpPr>
+          <p:cNvPr id="2" name="幻灯片编号占位符 1"/>
+          <p:cNvSpPr>
+            <a:spLocks noGrp="1"/>
+          </p:cNvSpPr>
+          <p:nvPr>
+            <p:ph type="sldNum" sz="quarter" idx="12"/>
+          </p:nvPr>
+        </p:nvSpPr>
+        <p:spPr/>
+        <p:txBody>
+          <a:bodyPr/>
+          <a:lstStyle/>
+          <a:p>
+            <a:fld id="{C352E51F-1B4E-48A3-9A87-3A96E1F0AAC9}" type="slidenum">
+              <a:rPr lang="zh-CN" altLang="en-US" smtClean="0"/>
+              <a:t>3</a:t>
+            </a:fld>
+            <a:endParaRPr lang="zh-CN" altLang="en-US" dirty="0"/>
+          </a:p>
+        </p:txBody>
+      </p:sp>
+      <p:sp>
+        <p:nvSpPr>
+          <p:cNvPr id="10" name="文本框 9">
+            <a:extLst>
+              <a:ext uri="{FF2B5EF4-FFF2-40B4-BE49-F238E27FC236}">
+                <a16:creationId xmlns:a16="http://schemas.microsoft.com/office/drawing/2014/main" id="{64FEAEF6-5761-2543-BFD5-704A1B6D342F}"/>
+              </a:ext>
+            </a:extLst>
+          </p:cNvPr>
+          <p:cNvSpPr txBox="1"/>
+          <p:nvPr/>
+        </p:nvSpPr>
+        <p:spPr>
+          <a:xfrm>
+            <a:off x="3980979" y="2721116"/>
+            <a:ext cx="1338828" cy="245773"/>
+          </a:xfrm>
+          <a:prstGeom prst="rect">
+            <a:avLst/>
+          </a:prstGeom>
+          <a:noFill/>
+        </p:spPr>
+        <p:txBody>
+          <a:bodyPr wrap="none" rtlCol="0">
+            <a:spAutoFit/>
+          </a:bodyPr>
+          <a:lstStyle/>
+          <a:p>
+            <a:r>
+              <a:rPr kumimoji="1" lang="zh-CN" altLang="en-US" sz="997" dirty="0"/>
+              <a:t>关键词标签抽取模块</a:t>
+            </a:r>
+          </a:p>
+        </p:txBody>
+      </p:sp>
+      <p:sp>
+        <p:nvSpPr>
+          <p:cNvPr id="11" name="椭圆 10">
+            <a:extLst>
+              <a:ext uri="{FF2B5EF4-FFF2-40B4-BE49-F238E27FC236}">
+                <a16:creationId xmlns:a16="http://schemas.microsoft.com/office/drawing/2014/main" id="{1E06E2EF-FCEB-5A42-B1A1-73CED847CF52}"/>
+              </a:ext>
+            </a:extLst>
+          </p:cNvPr>
+          <p:cNvSpPr/>
+          <p:nvPr/>
+        </p:nvSpPr>
+        <p:spPr>
+          <a:xfrm>
+            <a:off x="2706682" y="1561781"/>
+            <a:ext cx="227965" cy="236107"/>
+          </a:xfrm>
+          <a:prstGeom prst="ellipse">
+            <a:avLst/>
+          </a:prstGeom>
+          <a:solidFill>
+            <a:srgbClr val="AB89E1"/>
+          </a:solidFill>
+          <a:ln>
+            <a:solidFill>
+              <a:schemeClr val="tx1"/>
+            </a:solidFill>
+          </a:ln>
+        </p:spPr>
+        <p:style>
+          <a:lnRef idx="2">
+            <a:schemeClr val="accent1">
+              <a:shade val="50000"/>
+            </a:schemeClr>
+          </a:lnRef>
+          <a:fillRef idx="1">
+            <a:schemeClr val="accent1"/>
+          </a:fillRef>
+          <a:effectRef idx="0">
+            <a:schemeClr val="accent1"/>
+          </a:effectRef>
+          <a:fontRef idx="minor">
+            <a:schemeClr val="lt1"/>
+          </a:fontRef>
+        </p:style>
+        <p:txBody>
+          <a:bodyPr rtlCol="0" anchor="ctr"/>
+          <a:lstStyle/>
+          <a:p>
+            <a:pPr algn="ctr"/>
+            <a:r>
+              <a:rPr kumimoji="1" lang="en-US" altLang="zh-CN" sz="679" i="1" dirty="0">
+                <a:solidFill>
+                  <a:schemeClr val="tx1"/>
+                </a:solidFill>
+                <a:latin typeface="Times New Roman" panose="02020603050405020304" pitchFamily="18" charset="0"/>
+                <a:cs typeface="Times New Roman" panose="02020603050405020304" pitchFamily="18" charset="0"/>
+              </a:rPr>
+              <a:t>C</a:t>
+            </a:r>
+            <a:endParaRPr kumimoji="1" lang="zh-CN" altLang="en-US" sz="679" i="1" dirty="0">
+              <a:solidFill>
+                <a:schemeClr val="tx1"/>
+              </a:solidFill>
+              <a:latin typeface="Times New Roman" panose="02020603050405020304" pitchFamily="18" charset="0"/>
+              <a:cs typeface="Times New Roman" panose="02020603050405020304" pitchFamily="18" charset="0"/>
+            </a:endParaRPr>
+          </a:p>
+        </p:txBody>
+      </p:sp>
+      <p:sp>
+        <p:nvSpPr>
+          <p:cNvPr id="221" name="椭圆 220">
+            <a:extLst>
+              <a:ext uri="{FF2B5EF4-FFF2-40B4-BE49-F238E27FC236}">
+                <a16:creationId xmlns:a16="http://schemas.microsoft.com/office/drawing/2014/main" id="{A808FA73-174B-DD45-B323-85150A03C42A}"/>
+              </a:ext>
+            </a:extLst>
+          </p:cNvPr>
+          <p:cNvSpPr/>
+          <p:nvPr/>
+        </p:nvSpPr>
+        <p:spPr>
+          <a:xfrm>
+            <a:off x="3244260" y="1561783"/>
+            <a:ext cx="227965" cy="236107"/>
+          </a:xfrm>
+          <a:prstGeom prst="ellipse">
+            <a:avLst/>
+          </a:prstGeom>
+          <a:solidFill>
+            <a:srgbClr val="AB89E1"/>
+          </a:solidFill>
+          <a:ln>
+            <a:solidFill>
+              <a:schemeClr val="tx1"/>
+            </a:solidFill>
+          </a:ln>
+        </p:spPr>
+        <p:style>
+          <a:lnRef idx="2">
+            <a:schemeClr val="accent1">
+              <a:shade val="50000"/>
+            </a:schemeClr>
+          </a:lnRef>
+          <a:fillRef idx="1">
+            <a:schemeClr val="accent1"/>
+          </a:fillRef>
+          <a:effectRef idx="0">
+            <a:schemeClr val="accent1"/>
+          </a:effectRef>
+          <a:fontRef idx="minor">
+            <a:schemeClr val="lt1"/>
+          </a:fontRef>
+        </p:style>
+        <p:txBody>
+          <a:bodyPr rtlCol="0" anchor="ctr"/>
+          <a:lstStyle/>
+          <a:p>
+            <a:pPr algn="ctr"/>
+            <a:r>
+              <a:rPr kumimoji="1" lang="en-US" altLang="zh-CN" sz="679" i="1" dirty="0">
+                <a:solidFill>
+                  <a:schemeClr val="tx1"/>
+                </a:solidFill>
+                <a:latin typeface="Times New Roman" panose="02020603050405020304" pitchFamily="18" charset="0"/>
+                <a:cs typeface="Times New Roman" panose="02020603050405020304" pitchFamily="18" charset="0"/>
+              </a:rPr>
+              <a:t>C</a:t>
+            </a:r>
+            <a:endParaRPr kumimoji="1" lang="zh-CN" altLang="en-US" sz="679" i="1" dirty="0">
+              <a:solidFill>
+                <a:schemeClr val="tx1"/>
+              </a:solidFill>
+              <a:latin typeface="Times New Roman" panose="02020603050405020304" pitchFamily="18" charset="0"/>
+              <a:cs typeface="Times New Roman" panose="02020603050405020304" pitchFamily="18" charset="0"/>
+            </a:endParaRPr>
+          </a:p>
+        </p:txBody>
+      </p:sp>
+      <p:sp>
+        <p:nvSpPr>
+          <p:cNvPr id="222" name="椭圆 221">
+            <a:extLst>
+              <a:ext uri="{FF2B5EF4-FFF2-40B4-BE49-F238E27FC236}">
+                <a16:creationId xmlns:a16="http://schemas.microsoft.com/office/drawing/2014/main" id="{BF9712C0-12DB-9C45-BCFC-A8F1184B1B62}"/>
+              </a:ext>
+            </a:extLst>
+          </p:cNvPr>
+          <p:cNvSpPr/>
+          <p:nvPr/>
+        </p:nvSpPr>
+        <p:spPr>
+          <a:xfrm>
+            <a:off x="3792621" y="1561783"/>
+            <a:ext cx="227965" cy="236107"/>
+          </a:xfrm>
+          <a:prstGeom prst="ellipse">
+            <a:avLst/>
+          </a:prstGeom>
+          <a:solidFill>
+            <a:srgbClr val="AB89E1"/>
+          </a:solidFill>
+          <a:ln>
+            <a:solidFill>
+              <a:schemeClr val="tx1"/>
+            </a:solidFill>
+          </a:ln>
+        </p:spPr>
+        <p:style>
+          <a:lnRef idx="2">
+            <a:schemeClr val="accent1">
+              <a:shade val="50000"/>
+            </a:schemeClr>
+          </a:lnRef>
+          <a:fillRef idx="1">
+            <a:schemeClr val="accent1"/>
+          </a:fillRef>
+          <a:effectRef idx="0">
+            <a:schemeClr val="accent1"/>
+          </a:effectRef>
+          <a:fontRef idx="minor">
+            <a:schemeClr val="lt1"/>
+          </a:fontRef>
+        </p:style>
+        <p:txBody>
+          <a:bodyPr rtlCol="0" anchor="ctr"/>
+          <a:lstStyle/>
+          <a:p>
+            <a:pPr algn="ctr"/>
+            <a:r>
+              <a:rPr kumimoji="1" lang="en-US" altLang="zh-CN" sz="679" i="1" dirty="0">
+                <a:solidFill>
+                  <a:schemeClr val="tx1"/>
+                </a:solidFill>
+                <a:latin typeface="Times New Roman" panose="02020603050405020304" pitchFamily="18" charset="0"/>
+                <a:cs typeface="Times New Roman" panose="02020603050405020304" pitchFamily="18" charset="0"/>
+              </a:rPr>
+              <a:t>C</a:t>
+            </a:r>
+            <a:endParaRPr kumimoji="1" lang="zh-CN" altLang="en-US" sz="679" i="1" dirty="0">
+              <a:solidFill>
+                <a:schemeClr val="tx1"/>
+              </a:solidFill>
+              <a:latin typeface="Times New Roman" panose="02020603050405020304" pitchFamily="18" charset="0"/>
+              <a:cs typeface="Times New Roman" panose="02020603050405020304" pitchFamily="18" charset="0"/>
+            </a:endParaRPr>
+          </a:p>
+        </p:txBody>
+      </p:sp>
+      <p:cxnSp>
+        <p:nvCxnSpPr>
+          <p:cNvPr id="13" name="直线箭头连接符 12">
+            <a:extLst>
+              <a:ext uri="{FF2B5EF4-FFF2-40B4-BE49-F238E27FC236}">
+                <a16:creationId xmlns:a16="http://schemas.microsoft.com/office/drawing/2014/main" id="{06E13DB6-502C-5649-94B0-1116BFF52FFE}"/>
+              </a:ext>
+            </a:extLst>
+          </p:cNvPr>
+          <p:cNvCxnSpPr/>
+          <p:nvPr/>
+        </p:nvCxnSpPr>
+        <p:spPr>
+          <a:xfrm>
+            <a:off x="2968743" y="1679814"/>
+            <a:ext cx="244248" cy="0"/>
+          </a:xfrm>
+          <a:prstGeom prst="straightConnector1">
+            <a:avLst/>
+          </a:prstGeom>
+          <a:ln w="25400">
+            <a:solidFill>
+              <a:schemeClr val="tx1"/>
+            </a:solidFill>
+            <a:tailEnd type="triangle"/>
+          </a:ln>
+        </p:spPr>
+        <p:style>
+          <a:lnRef idx="1">
+            <a:schemeClr val="accent1"/>
+          </a:lnRef>
+          <a:fillRef idx="0">
+            <a:schemeClr val="accent1"/>
+          </a:fillRef>
+          <a:effectRef idx="0">
+            <a:schemeClr val="accent1"/>
+          </a:effectRef>
+          <a:fontRef idx="minor">
+            <a:schemeClr val="tx1"/>
+          </a:fontRef>
+        </p:style>
+      </p:cxnSp>
+      <p:cxnSp>
+        <p:nvCxnSpPr>
+          <p:cNvPr id="225" name="直线箭头连接符 224">
+            <a:extLst>
+              <a:ext uri="{FF2B5EF4-FFF2-40B4-BE49-F238E27FC236}">
+                <a16:creationId xmlns:a16="http://schemas.microsoft.com/office/drawing/2014/main" id="{C1BD10DE-7565-3340-8B2F-695186EDF732}"/>
+              </a:ext>
+            </a:extLst>
+          </p:cNvPr>
+          <p:cNvCxnSpPr/>
+          <p:nvPr/>
+        </p:nvCxnSpPr>
+        <p:spPr>
+          <a:xfrm>
+            <a:off x="3516945" y="1682526"/>
+            <a:ext cx="244248" cy="0"/>
+          </a:xfrm>
+          <a:prstGeom prst="straightConnector1">
+            <a:avLst/>
+          </a:prstGeom>
+          <a:ln w="25400">
+            <a:solidFill>
+              <a:schemeClr val="tx1"/>
+            </a:solidFill>
+            <a:tailEnd type="triangle"/>
+          </a:ln>
+        </p:spPr>
+        <p:style>
+          <a:lnRef idx="1">
+            <a:schemeClr val="accent1"/>
+          </a:lnRef>
+          <a:fillRef idx="0">
+            <a:schemeClr val="accent1"/>
+          </a:fillRef>
+          <a:effectRef idx="0">
+            <a:schemeClr val="accent1"/>
+          </a:effectRef>
+          <a:fontRef idx="minor">
+            <a:schemeClr val="tx1"/>
+          </a:fontRef>
+        </p:style>
+      </p:cxnSp>
+      <p:sp>
+        <p:nvSpPr>
+          <p:cNvPr id="226" name="椭圆 225">
+            <a:extLst>
+              <a:ext uri="{FF2B5EF4-FFF2-40B4-BE49-F238E27FC236}">
+                <a16:creationId xmlns:a16="http://schemas.microsoft.com/office/drawing/2014/main" id="{D4DC3316-0AE4-0943-9DE6-4B0564F06683}"/>
+              </a:ext>
+            </a:extLst>
+          </p:cNvPr>
+          <p:cNvSpPr/>
+          <p:nvPr/>
+        </p:nvSpPr>
+        <p:spPr>
+          <a:xfrm>
+            <a:off x="4332682" y="1556353"/>
+            <a:ext cx="227965" cy="236107"/>
+          </a:xfrm>
+          <a:prstGeom prst="ellipse">
+            <a:avLst/>
+          </a:prstGeom>
+          <a:solidFill>
+            <a:srgbClr val="AB89E1"/>
+          </a:solidFill>
+          <a:ln>
+            <a:solidFill>
+              <a:schemeClr val="tx1"/>
+            </a:solidFill>
+          </a:ln>
+        </p:spPr>
+        <p:style>
+          <a:lnRef idx="2">
+            <a:schemeClr val="accent1">
+              <a:shade val="50000"/>
+            </a:schemeClr>
+          </a:lnRef>
+          <a:fillRef idx="1">
+            <a:schemeClr val="accent1"/>
+          </a:fillRef>
+          <a:effectRef idx="0">
+            <a:schemeClr val="accent1"/>
+          </a:effectRef>
+          <a:fontRef idx="minor">
+            <a:schemeClr val="lt1"/>
+          </a:fontRef>
+        </p:style>
+        <p:txBody>
+          <a:bodyPr rtlCol="0" anchor="ctr"/>
+          <a:lstStyle/>
+          <a:p>
+            <a:pPr algn="ctr"/>
+            <a:r>
+              <a:rPr kumimoji="1" lang="en-US" altLang="zh-CN" sz="679" i="1" dirty="0">
+                <a:solidFill>
+                  <a:schemeClr val="tx1"/>
+                </a:solidFill>
+                <a:latin typeface="Times New Roman" panose="02020603050405020304" pitchFamily="18" charset="0"/>
+                <a:cs typeface="Times New Roman" panose="02020603050405020304" pitchFamily="18" charset="0"/>
+              </a:rPr>
+              <a:t>C</a:t>
+            </a:r>
+            <a:endParaRPr kumimoji="1" lang="zh-CN" altLang="en-US" sz="679" i="1" dirty="0">
+              <a:solidFill>
+                <a:schemeClr val="tx1"/>
+              </a:solidFill>
+              <a:latin typeface="Times New Roman" panose="02020603050405020304" pitchFamily="18" charset="0"/>
+              <a:cs typeface="Times New Roman" panose="02020603050405020304" pitchFamily="18" charset="0"/>
+            </a:endParaRPr>
+          </a:p>
+        </p:txBody>
+      </p:sp>
+      <p:cxnSp>
+        <p:nvCxnSpPr>
+          <p:cNvPr id="227" name="直线箭头连接符 226">
+            <a:extLst>
+              <a:ext uri="{FF2B5EF4-FFF2-40B4-BE49-F238E27FC236}">
+                <a16:creationId xmlns:a16="http://schemas.microsoft.com/office/drawing/2014/main" id="{1D82A015-15BF-8748-B31C-65B935694F2D}"/>
+              </a:ext>
+            </a:extLst>
+          </p:cNvPr>
+          <p:cNvCxnSpPr/>
+          <p:nvPr/>
+        </p:nvCxnSpPr>
+        <p:spPr>
+          <a:xfrm>
+            <a:off x="4057005" y="1677096"/>
+            <a:ext cx="244248" cy="0"/>
+          </a:xfrm>
+          <a:prstGeom prst="straightConnector1">
+            <a:avLst/>
+          </a:prstGeom>
+          <a:ln w="25400">
+            <a:solidFill>
+              <a:schemeClr val="tx1"/>
+            </a:solidFill>
+            <a:tailEnd type="triangle"/>
+          </a:ln>
+        </p:spPr>
+        <p:style>
+          <a:lnRef idx="1">
+            <a:schemeClr val="accent1"/>
+          </a:lnRef>
+          <a:fillRef idx="0">
+            <a:schemeClr val="accent1"/>
+          </a:fillRef>
+          <a:effectRef idx="0">
+            <a:schemeClr val="accent1"/>
+          </a:effectRef>
+          <a:fontRef idx="minor">
+            <a:schemeClr val="tx1"/>
+          </a:fontRef>
+        </p:style>
+      </p:cxnSp>
+      <p:sp>
+        <p:nvSpPr>
+          <p:cNvPr id="228" name="椭圆 227">
+            <a:extLst>
+              <a:ext uri="{FF2B5EF4-FFF2-40B4-BE49-F238E27FC236}">
+                <a16:creationId xmlns:a16="http://schemas.microsoft.com/office/drawing/2014/main" id="{04554FBF-A254-7544-88FE-511F51AFD54D}"/>
+              </a:ext>
+            </a:extLst>
+          </p:cNvPr>
+          <p:cNvSpPr/>
+          <p:nvPr/>
+        </p:nvSpPr>
+        <p:spPr>
+          <a:xfrm>
+            <a:off x="4878171" y="1556354"/>
+            <a:ext cx="227965" cy="236107"/>
+          </a:xfrm>
+          <a:prstGeom prst="ellipse">
+            <a:avLst/>
+          </a:prstGeom>
+          <a:solidFill>
+            <a:srgbClr val="AB89E1"/>
+          </a:solidFill>
+          <a:ln>
+            <a:solidFill>
+              <a:schemeClr val="tx1"/>
+            </a:solidFill>
+          </a:ln>
+        </p:spPr>
+        <p:style>
+          <a:lnRef idx="2">
+            <a:schemeClr val="accent1">
+              <a:shade val="50000"/>
+            </a:schemeClr>
+          </a:lnRef>
+          <a:fillRef idx="1">
+            <a:schemeClr val="accent1"/>
+          </a:fillRef>
+          <a:effectRef idx="0">
+            <a:schemeClr val="accent1"/>
+          </a:effectRef>
+          <a:fontRef idx="minor">
+            <a:schemeClr val="lt1"/>
+          </a:fontRef>
+        </p:style>
+        <p:txBody>
+          <a:bodyPr rtlCol="0" anchor="ctr"/>
+          <a:lstStyle/>
+          <a:p>
+            <a:pPr algn="ctr"/>
+            <a:r>
+              <a:rPr kumimoji="1" lang="en-US" altLang="zh-CN" sz="679" i="1" dirty="0">
+                <a:solidFill>
+                  <a:schemeClr val="tx1"/>
+                </a:solidFill>
+                <a:latin typeface="Times New Roman" panose="02020603050405020304" pitchFamily="18" charset="0"/>
+                <a:cs typeface="Times New Roman" panose="02020603050405020304" pitchFamily="18" charset="0"/>
+              </a:rPr>
+              <a:t>C</a:t>
+            </a:r>
+            <a:endParaRPr kumimoji="1" lang="zh-CN" altLang="en-US" sz="679" i="1" dirty="0">
+              <a:solidFill>
+                <a:schemeClr val="tx1"/>
+              </a:solidFill>
+              <a:latin typeface="Times New Roman" panose="02020603050405020304" pitchFamily="18" charset="0"/>
+              <a:cs typeface="Times New Roman" panose="02020603050405020304" pitchFamily="18" charset="0"/>
+            </a:endParaRPr>
+          </a:p>
+        </p:txBody>
+      </p:sp>
+      <p:cxnSp>
+        <p:nvCxnSpPr>
+          <p:cNvPr id="229" name="直线箭头连接符 228">
+            <a:extLst>
+              <a:ext uri="{FF2B5EF4-FFF2-40B4-BE49-F238E27FC236}">
+                <a16:creationId xmlns:a16="http://schemas.microsoft.com/office/drawing/2014/main" id="{8CF10C09-D7D6-504D-99C4-554773A2BDF2}"/>
+              </a:ext>
+            </a:extLst>
+          </p:cNvPr>
+          <p:cNvCxnSpPr/>
+          <p:nvPr/>
+        </p:nvCxnSpPr>
+        <p:spPr>
+          <a:xfrm>
+            <a:off x="4602495" y="1677097"/>
+            <a:ext cx="244248" cy="0"/>
+          </a:xfrm>
+          <a:prstGeom prst="straightConnector1">
+            <a:avLst/>
+          </a:prstGeom>
+          <a:ln w="25400">
+            <a:solidFill>
+              <a:schemeClr val="tx1"/>
+            </a:solidFill>
+            <a:tailEnd type="triangle"/>
+          </a:ln>
+        </p:spPr>
+        <p:style>
+          <a:lnRef idx="1">
+            <a:schemeClr val="accent1"/>
+          </a:lnRef>
+          <a:fillRef idx="0">
+            <a:schemeClr val="accent1"/>
+          </a:fillRef>
+          <a:effectRef idx="0">
+            <a:schemeClr val="accent1"/>
+          </a:effectRef>
+          <a:fontRef idx="minor">
+            <a:schemeClr val="tx1"/>
+          </a:fontRef>
+        </p:style>
+      </p:cxnSp>
+      <p:cxnSp>
+        <p:nvCxnSpPr>
+          <p:cNvPr id="230" name="直线箭头连接符 229">
+            <a:extLst>
+              <a:ext uri="{FF2B5EF4-FFF2-40B4-BE49-F238E27FC236}">
+                <a16:creationId xmlns:a16="http://schemas.microsoft.com/office/drawing/2014/main" id="{BB94FDBB-7AED-BD41-867D-3CABF54F3E18}"/>
+              </a:ext>
+            </a:extLst>
+          </p:cNvPr>
+          <p:cNvCxnSpPr>
+            <a:cxnSpLocks/>
+          </p:cNvCxnSpPr>
+          <p:nvPr/>
+        </p:nvCxnSpPr>
+        <p:spPr>
+          <a:xfrm>
+            <a:off x="2538234" y="1674384"/>
+            <a:ext cx="140147" cy="8142"/>
+          </a:xfrm>
+          <a:prstGeom prst="straightConnector1">
+            <a:avLst/>
+          </a:prstGeom>
+          <a:ln w="25400">
+            <a:solidFill>
+              <a:schemeClr val="tx1"/>
+            </a:solidFill>
+            <a:tailEnd type="triangle"/>
+          </a:ln>
+        </p:spPr>
+        <p:style>
+          <a:lnRef idx="1">
+            <a:schemeClr val="accent1"/>
+          </a:lnRef>
+          <a:fillRef idx="0">
+            <a:schemeClr val="accent1"/>
+          </a:fillRef>
+          <a:effectRef idx="0">
+            <a:schemeClr val="accent1"/>
+          </a:effectRef>
+          <a:fontRef idx="minor">
+            <a:schemeClr val="tx1"/>
+          </a:fontRef>
+        </p:style>
+      </p:cxnSp>
+      <p:cxnSp>
+        <p:nvCxnSpPr>
+          <p:cNvPr id="231" name="直线箭头连接符 230">
+            <a:extLst>
+              <a:ext uri="{FF2B5EF4-FFF2-40B4-BE49-F238E27FC236}">
+                <a16:creationId xmlns:a16="http://schemas.microsoft.com/office/drawing/2014/main" id="{8FA7E4A8-F491-E543-AD06-9514BE777078}"/>
+              </a:ext>
+            </a:extLst>
+          </p:cNvPr>
+          <p:cNvCxnSpPr/>
+          <p:nvPr/>
+        </p:nvCxnSpPr>
+        <p:spPr>
+          <a:xfrm>
+            <a:off x="5153411" y="1682527"/>
+            <a:ext cx="244248" cy="0"/>
+          </a:xfrm>
+          <a:prstGeom prst="straightConnector1">
+            <a:avLst/>
+          </a:prstGeom>
+          <a:ln w="25400">
+            <a:solidFill>
+              <a:schemeClr val="tx1"/>
+            </a:solidFill>
+            <a:tailEnd type="triangle"/>
+          </a:ln>
+        </p:spPr>
+        <p:style>
+          <a:lnRef idx="1">
+            <a:schemeClr val="accent1"/>
+          </a:lnRef>
+          <a:fillRef idx="0">
+            <a:schemeClr val="accent1"/>
+          </a:fillRef>
+          <a:effectRef idx="0">
+            <a:schemeClr val="accent1"/>
+          </a:effectRef>
+          <a:fontRef idx="minor">
+            <a:schemeClr val="tx1"/>
+          </a:fontRef>
+        </p:style>
+      </p:cxnSp>
+      <p:cxnSp>
+        <p:nvCxnSpPr>
+          <p:cNvPr id="15" name="直线箭头连接符 14">
+            <a:extLst>
+              <a:ext uri="{FF2B5EF4-FFF2-40B4-BE49-F238E27FC236}">
+                <a16:creationId xmlns:a16="http://schemas.microsoft.com/office/drawing/2014/main" id="{607F2D34-2836-7241-A71A-3F67547771AD}"/>
+              </a:ext>
+            </a:extLst>
+          </p:cNvPr>
+          <p:cNvCxnSpPr/>
+          <p:nvPr/>
+        </p:nvCxnSpPr>
+        <p:spPr>
+          <a:xfrm flipV="1">
+            <a:off x="2828787" y="1343841"/>
+            <a:ext cx="0" cy="179500"/>
+          </a:xfrm>
+          <a:prstGeom prst="straightConnector1">
+            <a:avLst/>
+          </a:prstGeom>
+          <a:ln w="25400">
+            <a:solidFill>
+              <a:schemeClr val="tx1"/>
+            </a:solidFill>
+            <a:tailEnd type="triangle"/>
+          </a:ln>
+        </p:spPr>
+        <p:style>
+          <a:lnRef idx="1">
+            <a:schemeClr val="accent1"/>
+          </a:lnRef>
+          <a:fillRef idx="0">
+            <a:schemeClr val="accent1"/>
+          </a:fillRef>
+          <a:effectRef idx="0">
+            <a:schemeClr val="accent1"/>
+          </a:effectRef>
+          <a:fontRef idx="minor">
+            <a:schemeClr val="tx1"/>
+          </a:fontRef>
+        </p:style>
+      </p:cxnSp>
+      <p:sp>
+        <p:nvSpPr>
+          <p:cNvPr id="16" name="矩形 15">
+            <a:extLst>
+              <a:ext uri="{FF2B5EF4-FFF2-40B4-BE49-F238E27FC236}">
+                <a16:creationId xmlns:a16="http://schemas.microsoft.com/office/drawing/2014/main" id="{FEF4BFAE-445C-5748-995C-92DBF9E2B587}"/>
+              </a:ext>
+            </a:extLst>
+          </p:cNvPr>
+          <p:cNvSpPr/>
+          <p:nvPr/>
+        </p:nvSpPr>
+        <p:spPr>
+          <a:xfrm>
+            <a:off x="2778452" y="1113135"/>
+            <a:ext cx="107700" cy="107700"/>
+          </a:xfrm>
+          <a:prstGeom prst="rect">
+            <a:avLst/>
+          </a:prstGeom>
+          <a:solidFill>
+            <a:srgbClr val="01B0F0"/>
+          </a:solidFill>
+          <a:ln>
+            <a:solidFill>
+              <a:schemeClr val="tx1"/>
+            </a:solidFill>
+          </a:ln>
+        </p:spPr>
+        <p:style>
+          <a:lnRef idx="2">
+            <a:schemeClr val="accent1">
+              <a:shade val="50000"/>
+            </a:schemeClr>
+          </a:lnRef>
+          <a:fillRef idx="1">
+            <a:schemeClr val="accent1"/>
+          </a:fillRef>
+          <a:effectRef idx="0">
+            <a:schemeClr val="accent1"/>
+          </a:effectRef>
+          <a:fontRef idx="minor">
+            <a:schemeClr val="lt1"/>
+          </a:fontRef>
+        </p:style>
+        <p:txBody>
+          <a:bodyPr rtlCol="0" anchor="ctr"/>
+          <a:lstStyle/>
+          <a:p>
+            <a:pPr algn="ctr"/>
+            <a:endParaRPr kumimoji="1" lang="zh-CN" altLang="en-US" sz="679">
+              <a:solidFill>
+                <a:schemeClr val="tx1"/>
+              </a:solidFill>
+            </a:endParaRPr>
+          </a:p>
+        </p:txBody>
+      </p:sp>
+      <p:sp>
+        <p:nvSpPr>
+          <p:cNvPr id="232" name="矩形 231">
+            <a:extLst>
+              <a:ext uri="{FF2B5EF4-FFF2-40B4-BE49-F238E27FC236}">
+                <a16:creationId xmlns:a16="http://schemas.microsoft.com/office/drawing/2014/main" id="{2FEA807D-EC68-5849-8AD7-4305C073FABA}"/>
+              </a:ext>
+            </a:extLst>
+          </p:cNvPr>
+          <p:cNvSpPr/>
+          <p:nvPr/>
+        </p:nvSpPr>
+        <p:spPr>
+          <a:xfrm>
+            <a:off x="2778452" y="1218873"/>
+            <a:ext cx="107700" cy="107700"/>
+          </a:xfrm>
+          <a:prstGeom prst="rect">
+            <a:avLst/>
+          </a:prstGeom>
+          <a:solidFill>
+            <a:srgbClr val="01B0F0"/>
+          </a:solidFill>
+          <a:ln>
+            <a:solidFill>
+              <a:schemeClr val="tx1"/>
+            </a:solidFill>
+          </a:ln>
+        </p:spPr>
+        <p:style>
+          <a:lnRef idx="2">
+            <a:schemeClr val="accent1">
+              <a:shade val="50000"/>
+            </a:schemeClr>
+          </a:lnRef>
+          <a:fillRef idx="1">
+            <a:schemeClr val="accent1"/>
+          </a:fillRef>
+          <a:effectRef idx="0">
+            <a:schemeClr val="accent1"/>
+          </a:effectRef>
+          <a:fontRef idx="minor">
+            <a:schemeClr val="lt1"/>
+          </a:fontRef>
+        </p:style>
+        <p:txBody>
+          <a:bodyPr rtlCol="0" anchor="ctr"/>
+          <a:lstStyle/>
+          <a:p>
+            <a:pPr algn="ctr"/>
+            <a:endParaRPr kumimoji="1" lang="zh-CN" altLang="en-US" sz="679">
+              <a:solidFill>
+                <a:schemeClr val="tx1"/>
+              </a:solidFill>
+            </a:endParaRPr>
+          </a:p>
+        </p:txBody>
+      </p:sp>
+      <p:cxnSp>
+        <p:nvCxnSpPr>
+          <p:cNvPr id="233" name="直线箭头连接符 232">
+            <a:extLst>
+              <a:ext uri="{FF2B5EF4-FFF2-40B4-BE49-F238E27FC236}">
+                <a16:creationId xmlns:a16="http://schemas.microsoft.com/office/drawing/2014/main" id="{7ECBA8F7-67B7-304C-BF80-420DBA953809}"/>
+              </a:ext>
+            </a:extLst>
+          </p:cNvPr>
+          <p:cNvCxnSpPr/>
+          <p:nvPr/>
+        </p:nvCxnSpPr>
+        <p:spPr>
+          <a:xfrm flipV="1">
+            <a:off x="3353231" y="1344458"/>
+            <a:ext cx="0" cy="179500"/>
+          </a:xfrm>
+          <a:prstGeom prst="straightConnector1">
+            <a:avLst/>
+          </a:prstGeom>
+          <a:ln w="25400">
+            <a:solidFill>
+              <a:schemeClr val="tx1"/>
+            </a:solidFill>
+            <a:tailEnd type="triangle"/>
+          </a:ln>
+        </p:spPr>
+        <p:style>
+          <a:lnRef idx="1">
+            <a:schemeClr val="accent1"/>
+          </a:lnRef>
+          <a:fillRef idx="0">
+            <a:schemeClr val="accent1"/>
+          </a:fillRef>
+          <a:effectRef idx="0">
+            <a:schemeClr val="accent1"/>
+          </a:effectRef>
+          <a:fontRef idx="minor">
+            <a:schemeClr val="tx1"/>
+          </a:fontRef>
+        </p:style>
+      </p:cxnSp>
+      <p:sp>
+        <p:nvSpPr>
+          <p:cNvPr id="234" name="矩形 233">
+            <a:extLst>
+              <a:ext uri="{FF2B5EF4-FFF2-40B4-BE49-F238E27FC236}">
+                <a16:creationId xmlns:a16="http://schemas.microsoft.com/office/drawing/2014/main" id="{00DCCB2B-90B8-D741-9068-1C8EF57F78FD}"/>
+              </a:ext>
+            </a:extLst>
+          </p:cNvPr>
+          <p:cNvSpPr/>
+          <p:nvPr/>
+        </p:nvSpPr>
+        <p:spPr>
+          <a:xfrm>
+            <a:off x="3302897" y="1113752"/>
+            <a:ext cx="107700" cy="107700"/>
+          </a:xfrm>
+          <a:prstGeom prst="rect">
+            <a:avLst/>
+          </a:prstGeom>
+          <a:solidFill>
+            <a:srgbClr val="01B0F0"/>
+          </a:solidFill>
+          <a:ln>
+            <a:solidFill>
+              <a:schemeClr val="tx1"/>
+            </a:solidFill>
+          </a:ln>
+        </p:spPr>
+        <p:style>
+          <a:lnRef idx="2">
+            <a:schemeClr val="accent1">
+              <a:shade val="50000"/>
+            </a:schemeClr>
+          </a:lnRef>
+          <a:fillRef idx="1">
+            <a:schemeClr val="accent1"/>
+          </a:fillRef>
+          <a:effectRef idx="0">
+            <a:schemeClr val="accent1"/>
+          </a:effectRef>
+          <a:fontRef idx="minor">
+            <a:schemeClr val="lt1"/>
+          </a:fontRef>
+        </p:style>
+        <p:txBody>
+          <a:bodyPr rtlCol="0" anchor="ctr"/>
+          <a:lstStyle/>
+          <a:p>
+            <a:pPr algn="ctr"/>
+            <a:endParaRPr kumimoji="1" lang="zh-CN" altLang="en-US" sz="679">
+              <a:solidFill>
+                <a:schemeClr val="tx1"/>
+              </a:solidFill>
+            </a:endParaRPr>
+          </a:p>
+        </p:txBody>
+      </p:sp>
+      <p:sp>
+        <p:nvSpPr>
+          <p:cNvPr id="235" name="矩形 234">
+            <a:extLst>
+              <a:ext uri="{FF2B5EF4-FFF2-40B4-BE49-F238E27FC236}">
+                <a16:creationId xmlns:a16="http://schemas.microsoft.com/office/drawing/2014/main" id="{03A8AD06-C987-AC4F-8916-08EAD98CA534}"/>
+              </a:ext>
+            </a:extLst>
+          </p:cNvPr>
+          <p:cNvSpPr/>
+          <p:nvPr/>
+        </p:nvSpPr>
+        <p:spPr>
+          <a:xfrm>
+            <a:off x="3302897" y="1219490"/>
+            <a:ext cx="107700" cy="107700"/>
+          </a:xfrm>
+          <a:prstGeom prst="rect">
+            <a:avLst/>
+          </a:prstGeom>
+          <a:solidFill>
+            <a:srgbClr val="01B0F0"/>
+          </a:solidFill>
+          <a:ln>
+            <a:solidFill>
+              <a:schemeClr val="tx1"/>
+            </a:solidFill>
+          </a:ln>
+        </p:spPr>
+        <p:style>
+          <a:lnRef idx="2">
+            <a:schemeClr val="accent1">
+              <a:shade val="50000"/>
+            </a:schemeClr>
+          </a:lnRef>
+          <a:fillRef idx="1">
+            <a:schemeClr val="accent1"/>
+          </a:fillRef>
+          <a:effectRef idx="0">
+            <a:schemeClr val="accent1"/>
+          </a:effectRef>
+          <a:fontRef idx="minor">
+            <a:schemeClr val="lt1"/>
+          </a:fontRef>
+        </p:style>
+        <p:txBody>
+          <a:bodyPr rtlCol="0" anchor="ctr"/>
+          <a:lstStyle/>
+          <a:p>
+            <a:pPr algn="ctr"/>
+            <a:endParaRPr kumimoji="1" lang="zh-CN" altLang="en-US" sz="679">
+              <a:solidFill>
+                <a:schemeClr val="tx1"/>
+              </a:solidFill>
+            </a:endParaRPr>
+          </a:p>
+        </p:txBody>
+      </p:sp>
+      <p:cxnSp>
+        <p:nvCxnSpPr>
+          <p:cNvPr id="236" name="直线箭头连接符 235">
+            <a:extLst>
+              <a:ext uri="{FF2B5EF4-FFF2-40B4-BE49-F238E27FC236}">
+                <a16:creationId xmlns:a16="http://schemas.microsoft.com/office/drawing/2014/main" id="{720CCE81-097D-D34B-9B25-76648A333BD9}"/>
+              </a:ext>
+            </a:extLst>
+          </p:cNvPr>
+          <p:cNvCxnSpPr/>
+          <p:nvPr/>
+        </p:nvCxnSpPr>
+        <p:spPr>
+          <a:xfrm flipV="1">
+            <a:off x="3907358" y="1343841"/>
+            <a:ext cx="0" cy="179500"/>
+          </a:xfrm>
+          <a:prstGeom prst="straightConnector1">
+            <a:avLst/>
+          </a:prstGeom>
+          <a:ln w="25400">
+            <a:solidFill>
+              <a:schemeClr val="tx1"/>
+            </a:solidFill>
+            <a:tailEnd type="triangle"/>
+          </a:ln>
+        </p:spPr>
+        <p:style>
+          <a:lnRef idx="1">
+            <a:schemeClr val="accent1"/>
+          </a:lnRef>
+          <a:fillRef idx="0">
+            <a:schemeClr val="accent1"/>
+          </a:fillRef>
+          <a:effectRef idx="0">
+            <a:schemeClr val="accent1"/>
+          </a:effectRef>
+          <a:fontRef idx="minor">
+            <a:schemeClr val="tx1"/>
+          </a:fontRef>
+        </p:style>
+      </p:cxnSp>
+      <p:sp>
+        <p:nvSpPr>
+          <p:cNvPr id="237" name="矩形 236">
+            <a:extLst>
+              <a:ext uri="{FF2B5EF4-FFF2-40B4-BE49-F238E27FC236}">
+                <a16:creationId xmlns:a16="http://schemas.microsoft.com/office/drawing/2014/main" id="{E7B01E33-BD85-0348-96E0-F56B694E6CC0}"/>
+              </a:ext>
+            </a:extLst>
+          </p:cNvPr>
+          <p:cNvSpPr/>
+          <p:nvPr/>
+        </p:nvSpPr>
+        <p:spPr>
+          <a:xfrm>
+            <a:off x="3857024" y="1113135"/>
+            <a:ext cx="107700" cy="107700"/>
+          </a:xfrm>
+          <a:prstGeom prst="rect">
+            <a:avLst/>
+          </a:prstGeom>
+          <a:solidFill>
+            <a:srgbClr val="01B0F0"/>
+          </a:solidFill>
+          <a:ln>
+            <a:solidFill>
+              <a:schemeClr val="tx1"/>
+            </a:solidFill>
+          </a:ln>
+        </p:spPr>
+        <p:style>
+          <a:lnRef idx="2">
+            <a:schemeClr val="accent1">
+              <a:shade val="50000"/>
+            </a:schemeClr>
+          </a:lnRef>
+          <a:fillRef idx="1">
+            <a:schemeClr val="accent1"/>
+          </a:fillRef>
+          <a:effectRef idx="0">
+            <a:schemeClr val="accent1"/>
+          </a:effectRef>
+          <a:fontRef idx="minor">
+            <a:schemeClr val="lt1"/>
+          </a:fontRef>
+        </p:style>
+        <p:txBody>
+          <a:bodyPr rtlCol="0" anchor="ctr"/>
+          <a:lstStyle/>
+          <a:p>
+            <a:pPr algn="ctr"/>
+            <a:endParaRPr kumimoji="1" lang="zh-CN" altLang="en-US" sz="679">
+              <a:solidFill>
+                <a:schemeClr val="tx1"/>
+              </a:solidFill>
+            </a:endParaRPr>
+          </a:p>
+        </p:txBody>
+      </p:sp>
+      <p:sp>
+        <p:nvSpPr>
+          <p:cNvPr id="238" name="矩形 237">
+            <a:extLst>
+              <a:ext uri="{FF2B5EF4-FFF2-40B4-BE49-F238E27FC236}">
+                <a16:creationId xmlns:a16="http://schemas.microsoft.com/office/drawing/2014/main" id="{524CA4BB-2319-FA45-8C3A-167847B5436F}"/>
+              </a:ext>
+            </a:extLst>
+          </p:cNvPr>
+          <p:cNvSpPr/>
+          <p:nvPr/>
+        </p:nvSpPr>
+        <p:spPr>
+          <a:xfrm>
+            <a:off x="3857024" y="1218873"/>
+            <a:ext cx="107700" cy="107700"/>
+          </a:xfrm>
+          <a:prstGeom prst="rect">
+            <a:avLst/>
+          </a:prstGeom>
+          <a:solidFill>
+            <a:srgbClr val="01B0F0"/>
+          </a:solidFill>
+          <a:ln>
+            <a:solidFill>
+              <a:schemeClr val="tx1"/>
+            </a:solidFill>
+          </a:ln>
+        </p:spPr>
+        <p:style>
+          <a:lnRef idx="2">
+            <a:schemeClr val="accent1">
+              <a:shade val="50000"/>
+            </a:schemeClr>
+          </a:lnRef>
+          <a:fillRef idx="1">
+            <a:schemeClr val="accent1"/>
+          </a:fillRef>
+          <a:effectRef idx="0">
+            <a:schemeClr val="accent1"/>
+          </a:effectRef>
+          <a:fontRef idx="minor">
+            <a:schemeClr val="lt1"/>
+          </a:fontRef>
+        </p:style>
+        <p:txBody>
+          <a:bodyPr rtlCol="0" anchor="ctr"/>
+          <a:lstStyle/>
+          <a:p>
+            <a:pPr algn="ctr"/>
+            <a:endParaRPr kumimoji="1" lang="zh-CN" altLang="en-US" sz="679">
+              <a:solidFill>
+                <a:schemeClr val="tx1"/>
+              </a:solidFill>
+            </a:endParaRPr>
+          </a:p>
+        </p:txBody>
+      </p:sp>
+      <p:cxnSp>
+        <p:nvCxnSpPr>
+          <p:cNvPr id="239" name="直线箭头连接符 238">
+            <a:extLst>
+              <a:ext uri="{FF2B5EF4-FFF2-40B4-BE49-F238E27FC236}">
+                <a16:creationId xmlns:a16="http://schemas.microsoft.com/office/drawing/2014/main" id="{324D13C4-98D1-004D-9B01-23713EEDE520}"/>
+              </a:ext>
+            </a:extLst>
+          </p:cNvPr>
+          <p:cNvCxnSpPr/>
+          <p:nvPr/>
+        </p:nvCxnSpPr>
+        <p:spPr>
+          <a:xfrm flipV="1">
+            <a:off x="4431802" y="1343841"/>
+            <a:ext cx="0" cy="179500"/>
+          </a:xfrm>
+          <a:prstGeom prst="straightConnector1">
+            <a:avLst/>
+          </a:prstGeom>
+          <a:ln w="25400">
+            <a:solidFill>
+              <a:schemeClr val="tx1"/>
+            </a:solidFill>
+            <a:tailEnd type="triangle"/>
+          </a:ln>
+        </p:spPr>
+        <p:style>
+          <a:lnRef idx="1">
+            <a:schemeClr val="accent1"/>
+          </a:lnRef>
+          <a:fillRef idx="0">
+            <a:schemeClr val="accent1"/>
+          </a:fillRef>
+          <a:effectRef idx="0">
+            <a:schemeClr val="accent1"/>
+          </a:effectRef>
+          <a:fontRef idx="minor">
+            <a:schemeClr val="tx1"/>
+          </a:fontRef>
+        </p:style>
+      </p:cxnSp>
+      <p:sp>
+        <p:nvSpPr>
+          <p:cNvPr id="240" name="矩形 239">
+            <a:extLst>
+              <a:ext uri="{FF2B5EF4-FFF2-40B4-BE49-F238E27FC236}">
+                <a16:creationId xmlns:a16="http://schemas.microsoft.com/office/drawing/2014/main" id="{3158488F-A1ED-F146-8326-C6CC07311445}"/>
+              </a:ext>
+            </a:extLst>
+          </p:cNvPr>
+          <p:cNvSpPr/>
+          <p:nvPr/>
+        </p:nvSpPr>
+        <p:spPr>
+          <a:xfrm>
+            <a:off x="4381468" y="1113135"/>
+            <a:ext cx="107700" cy="107700"/>
+          </a:xfrm>
+          <a:prstGeom prst="rect">
+            <a:avLst/>
+          </a:prstGeom>
+          <a:solidFill>
+            <a:srgbClr val="01B0F0"/>
+          </a:solidFill>
+          <a:ln>
+            <a:solidFill>
+              <a:schemeClr val="tx1"/>
+            </a:solidFill>
+          </a:ln>
+        </p:spPr>
+        <p:style>
+          <a:lnRef idx="2">
+            <a:schemeClr val="accent1">
+              <a:shade val="50000"/>
+            </a:schemeClr>
+          </a:lnRef>
+          <a:fillRef idx="1">
+            <a:schemeClr val="accent1"/>
+          </a:fillRef>
+          <a:effectRef idx="0">
+            <a:schemeClr val="accent1"/>
+          </a:effectRef>
+          <a:fontRef idx="minor">
+            <a:schemeClr val="lt1"/>
+          </a:fontRef>
+        </p:style>
+        <p:txBody>
+          <a:bodyPr rtlCol="0" anchor="ctr"/>
+          <a:lstStyle/>
+          <a:p>
+            <a:pPr algn="ctr"/>
+            <a:endParaRPr kumimoji="1" lang="zh-CN" altLang="en-US" sz="679">
+              <a:solidFill>
+                <a:schemeClr val="tx1"/>
+              </a:solidFill>
+            </a:endParaRPr>
+          </a:p>
+        </p:txBody>
+      </p:sp>
+      <p:sp>
+        <p:nvSpPr>
+          <p:cNvPr id="241" name="矩形 240">
+            <a:extLst>
+              <a:ext uri="{FF2B5EF4-FFF2-40B4-BE49-F238E27FC236}">
+                <a16:creationId xmlns:a16="http://schemas.microsoft.com/office/drawing/2014/main" id="{F9641E6B-DB23-6140-9D91-C106D7DD844C}"/>
+              </a:ext>
+            </a:extLst>
+          </p:cNvPr>
+          <p:cNvSpPr/>
+          <p:nvPr/>
+        </p:nvSpPr>
+        <p:spPr>
+          <a:xfrm>
+            <a:off x="4381468" y="1218873"/>
+            <a:ext cx="107700" cy="107700"/>
+          </a:xfrm>
+          <a:prstGeom prst="rect">
+            <a:avLst/>
+          </a:prstGeom>
+          <a:solidFill>
+            <a:srgbClr val="01B0F0"/>
+          </a:solidFill>
+          <a:ln>
+            <a:solidFill>
+              <a:schemeClr val="tx1"/>
+            </a:solidFill>
+          </a:ln>
+        </p:spPr>
+        <p:style>
+          <a:lnRef idx="2">
+            <a:schemeClr val="accent1">
+              <a:shade val="50000"/>
+            </a:schemeClr>
+          </a:lnRef>
+          <a:fillRef idx="1">
+            <a:schemeClr val="accent1"/>
+          </a:fillRef>
+          <a:effectRef idx="0">
+            <a:schemeClr val="accent1"/>
+          </a:effectRef>
+          <a:fontRef idx="minor">
+            <a:schemeClr val="lt1"/>
+          </a:fontRef>
+        </p:style>
+        <p:txBody>
+          <a:bodyPr rtlCol="0" anchor="ctr"/>
+          <a:lstStyle/>
+          <a:p>
+            <a:pPr algn="ctr"/>
+            <a:endParaRPr kumimoji="1" lang="zh-CN" altLang="en-US" sz="679">
+              <a:solidFill>
+                <a:schemeClr val="tx1"/>
+              </a:solidFill>
+            </a:endParaRPr>
+          </a:p>
+        </p:txBody>
+      </p:sp>
+      <p:cxnSp>
+        <p:nvCxnSpPr>
+          <p:cNvPr id="242" name="直线箭头连接符 241">
+            <a:extLst>
+              <a:ext uri="{FF2B5EF4-FFF2-40B4-BE49-F238E27FC236}">
+                <a16:creationId xmlns:a16="http://schemas.microsoft.com/office/drawing/2014/main" id="{D3EEB32D-9A11-0046-9950-D4648B9A6A55}"/>
+              </a:ext>
+            </a:extLst>
+          </p:cNvPr>
+          <p:cNvCxnSpPr/>
+          <p:nvPr/>
+        </p:nvCxnSpPr>
+        <p:spPr>
+          <a:xfrm flipV="1">
+            <a:off x="4975705" y="1349392"/>
+            <a:ext cx="0" cy="179500"/>
+          </a:xfrm>
+          <a:prstGeom prst="straightConnector1">
+            <a:avLst/>
+          </a:prstGeom>
+          <a:ln w="25400">
+            <a:solidFill>
+              <a:schemeClr val="tx1"/>
+            </a:solidFill>
+            <a:tailEnd type="triangle"/>
+          </a:ln>
+        </p:spPr>
+        <p:style>
+          <a:lnRef idx="1">
+            <a:schemeClr val="accent1"/>
+          </a:lnRef>
+          <a:fillRef idx="0">
+            <a:schemeClr val="accent1"/>
+          </a:fillRef>
+          <a:effectRef idx="0">
+            <a:schemeClr val="accent1"/>
+          </a:effectRef>
+          <a:fontRef idx="minor">
+            <a:schemeClr val="tx1"/>
+          </a:fontRef>
+        </p:style>
+      </p:cxnSp>
+      <p:sp>
+        <p:nvSpPr>
+          <p:cNvPr id="243" name="矩形 242">
+            <a:extLst>
+              <a:ext uri="{FF2B5EF4-FFF2-40B4-BE49-F238E27FC236}">
+                <a16:creationId xmlns:a16="http://schemas.microsoft.com/office/drawing/2014/main" id="{40B6A502-9D8A-B143-9611-687A3993F12B}"/>
+              </a:ext>
+            </a:extLst>
+          </p:cNvPr>
+          <p:cNvSpPr/>
+          <p:nvPr/>
+        </p:nvSpPr>
+        <p:spPr>
+          <a:xfrm>
+            <a:off x="4925371" y="1118687"/>
+            <a:ext cx="107700" cy="107700"/>
+          </a:xfrm>
+          <a:prstGeom prst="rect">
+            <a:avLst/>
+          </a:prstGeom>
+          <a:solidFill>
+            <a:srgbClr val="01B0F0"/>
+          </a:solidFill>
+          <a:ln>
+            <a:solidFill>
+              <a:schemeClr val="tx1"/>
+            </a:solidFill>
+          </a:ln>
+        </p:spPr>
+        <p:style>
+          <a:lnRef idx="2">
+            <a:schemeClr val="accent1">
+              <a:shade val="50000"/>
+            </a:schemeClr>
+          </a:lnRef>
+          <a:fillRef idx="1">
+            <a:schemeClr val="accent1"/>
+          </a:fillRef>
+          <a:effectRef idx="0">
+            <a:schemeClr val="accent1"/>
+          </a:effectRef>
+          <a:fontRef idx="minor">
+            <a:schemeClr val="lt1"/>
+          </a:fontRef>
+        </p:style>
+        <p:txBody>
+          <a:bodyPr rtlCol="0" anchor="ctr"/>
+          <a:lstStyle/>
+          <a:p>
+            <a:pPr algn="ctr"/>
+            <a:endParaRPr kumimoji="1" lang="zh-CN" altLang="en-US" sz="679">
+              <a:solidFill>
+                <a:schemeClr val="tx1"/>
+              </a:solidFill>
+            </a:endParaRPr>
+          </a:p>
+        </p:txBody>
+      </p:sp>
+      <p:sp>
+        <p:nvSpPr>
+          <p:cNvPr id="244" name="矩形 243">
+            <a:extLst>
+              <a:ext uri="{FF2B5EF4-FFF2-40B4-BE49-F238E27FC236}">
+                <a16:creationId xmlns:a16="http://schemas.microsoft.com/office/drawing/2014/main" id="{7F979DCD-C553-E04D-87FA-6AE7DA09905B}"/>
+              </a:ext>
+            </a:extLst>
+          </p:cNvPr>
+          <p:cNvSpPr/>
+          <p:nvPr/>
+        </p:nvSpPr>
+        <p:spPr>
+          <a:xfrm>
+            <a:off x="4925371" y="1224425"/>
+            <a:ext cx="107700" cy="107700"/>
+          </a:xfrm>
+          <a:prstGeom prst="rect">
+            <a:avLst/>
+          </a:prstGeom>
+          <a:solidFill>
+            <a:srgbClr val="01B0F0"/>
+          </a:solidFill>
+          <a:ln>
+            <a:solidFill>
+              <a:schemeClr val="tx1"/>
+            </a:solidFill>
+          </a:ln>
+        </p:spPr>
+        <p:style>
+          <a:lnRef idx="2">
+            <a:schemeClr val="accent1">
+              <a:shade val="50000"/>
+            </a:schemeClr>
+          </a:lnRef>
+          <a:fillRef idx="1">
+            <a:schemeClr val="accent1"/>
+          </a:fillRef>
+          <a:effectRef idx="0">
+            <a:schemeClr val="accent1"/>
+          </a:effectRef>
+          <a:fontRef idx="minor">
+            <a:schemeClr val="lt1"/>
+          </a:fontRef>
+        </p:style>
+        <p:txBody>
+          <a:bodyPr rtlCol="0" anchor="ctr"/>
+          <a:lstStyle/>
+          <a:p>
+            <a:pPr algn="ctr"/>
+            <a:endParaRPr kumimoji="1" lang="zh-CN" altLang="en-US" sz="679">
+              <a:solidFill>
+                <a:schemeClr val="tx1"/>
+              </a:solidFill>
+            </a:endParaRPr>
+          </a:p>
+        </p:txBody>
+      </p:sp>
+      <p:sp>
+        <p:nvSpPr>
+          <p:cNvPr id="17" name="文本框 16">
+            <a:extLst>
+              <a:ext uri="{FF2B5EF4-FFF2-40B4-BE49-F238E27FC236}">
+                <a16:creationId xmlns:a16="http://schemas.microsoft.com/office/drawing/2014/main" id="{10A07B37-83D9-4A48-9471-3D8D7D968A54}"/>
+              </a:ext>
+            </a:extLst>
+          </p:cNvPr>
+          <p:cNvSpPr txBox="1"/>
+          <p:nvPr/>
+        </p:nvSpPr>
+        <p:spPr>
+          <a:xfrm>
+            <a:off x="2600352" y="1127094"/>
+            <a:ext cx="248786" cy="245773"/>
+          </a:xfrm>
+          <a:prstGeom prst="rect">
+            <a:avLst/>
+          </a:prstGeom>
+          <a:noFill/>
+        </p:spPr>
+        <p:txBody>
+          <a:bodyPr wrap="none" rtlCol="0">
+            <a:spAutoFit/>
+          </a:bodyPr>
+          <a:lstStyle/>
+          <a:p>
+            <a:r>
+              <a:rPr kumimoji="1" lang="en-US" altLang="zh-CN" sz="997" i="1" dirty="0">
+                <a:latin typeface="Times New Roman" panose="02020603050405020304" pitchFamily="18" charset="0"/>
+                <a:cs typeface="Times New Roman" panose="02020603050405020304" pitchFamily="18" charset="0"/>
+              </a:rPr>
+              <a:t>h</a:t>
+            </a:r>
+            <a:endParaRPr kumimoji="1" lang="zh-CN" altLang="en-US" sz="997" i="1" dirty="0">
+              <a:latin typeface="Times New Roman" panose="02020603050405020304" pitchFamily="18" charset="0"/>
+              <a:cs typeface="Times New Roman" panose="02020603050405020304" pitchFamily="18" charset="0"/>
+            </a:endParaRPr>
+          </a:p>
+        </p:txBody>
+      </p:sp>
+      <p:sp>
+        <p:nvSpPr>
+          <p:cNvPr id="245" name="文本框 244">
+            <a:extLst>
+              <a:ext uri="{FF2B5EF4-FFF2-40B4-BE49-F238E27FC236}">
+                <a16:creationId xmlns:a16="http://schemas.microsoft.com/office/drawing/2014/main" id="{8FC4B08A-CADA-A345-8738-1E67407EB217}"/>
+              </a:ext>
+            </a:extLst>
+          </p:cNvPr>
+          <p:cNvSpPr txBox="1"/>
+          <p:nvPr/>
+        </p:nvSpPr>
+        <p:spPr>
+          <a:xfrm>
+            <a:off x="3134982" y="1128943"/>
+            <a:ext cx="248786" cy="245773"/>
+          </a:xfrm>
+          <a:prstGeom prst="rect">
+            <a:avLst/>
+          </a:prstGeom>
+          <a:noFill/>
+        </p:spPr>
+        <p:txBody>
+          <a:bodyPr wrap="none" rtlCol="0">
+            <a:spAutoFit/>
+          </a:bodyPr>
+          <a:lstStyle/>
+          <a:p>
+            <a:r>
+              <a:rPr kumimoji="1" lang="en-US" altLang="zh-CN" sz="997" i="1" dirty="0">
+                <a:latin typeface="Times New Roman" panose="02020603050405020304" pitchFamily="18" charset="0"/>
+                <a:cs typeface="Times New Roman" panose="02020603050405020304" pitchFamily="18" charset="0"/>
+              </a:rPr>
+              <a:t>h</a:t>
+            </a:r>
+            <a:endParaRPr kumimoji="1" lang="zh-CN" altLang="en-US" sz="997" i="1" dirty="0">
+              <a:latin typeface="Times New Roman" panose="02020603050405020304" pitchFamily="18" charset="0"/>
+              <a:cs typeface="Times New Roman" panose="02020603050405020304" pitchFamily="18" charset="0"/>
+            </a:endParaRPr>
+          </a:p>
+        </p:txBody>
+      </p:sp>
+      <p:sp>
+        <p:nvSpPr>
+          <p:cNvPr id="246" name="文本框 245">
+            <a:extLst>
+              <a:ext uri="{FF2B5EF4-FFF2-40B4-BE49-F238E27FC236}">
+                <a16:creationId xmlns:a16="http://schemas.microsoft.com/office/drawing/2014/main" id="{A1DDE610-CC08-1344-9E85-B3879E80C95C}"/>
+              </a:ext>
+            </a:extLst>
+          </p:cNvPr>
+          <p:cNvSpPr txBox="1"/>
+          <p:nvPr/>
+        </p:nvSpPr>
+        <p:spPr>
+          <a:xfrm>
+            <a:off x="3694628" y="1128945"/>
+            <a:ext cx="248786" cy="245773"/>
+          </a:xfrm>
+          <a:prstGeom prst="rect">
+            <a:avLst/>
+          </a:prstGeom>
+          <a:noFill/>
+        </p:spPr>
+        <p:txBody>
+          <a:bodyPr wrap="none" rtlCol="0">
+            <a:spAutoFit/>
+          </a:bodyPr>
+          <a:lstStyle/>
+          <a:p>
+            <a:r>
+              <a:rPr kumimoji="1" lang="en-US" altLang="zh-CN" sz="997" i="1" dirty="0">
+                <a:latin typeface="Times New Roman" panose="02020603050405020304" pitchFamily="18" charset="0"/>
+                <a:cs typeface="Times New Roman" panose="02020603050405020304" pitchFamily="18" charset="0"/>
+              </a:rPr>
+              <a:t>h</a:t>
+            </a:r>
+            <a:endParaRPr kumimoji="1" lang="zh-CN" altLang="en-US" sz="997" i="1" dirty="0">
+              <a:latin typeface="Times New Roman" panose="02020603050405020304" pitchFamily="18" charset="0"/>
+              <a:cs typeface="Times New Roman" panose="02020603050405020304" pitchFamily="18" charset="0"/>
+            </a:endParaRPr>
+          </a:p>
+        </p:txBody>
+      </p:sp>
+      <p:sp>
+        <p:nvSpPr>
+          <p:cNvPr id="247" name="文本框 246">
+            <a:extLst>
+              <a:ext uri="{FF2B5EF4-FFF2-40B4-BE49-F238E27FC236}">
+                <a16:creationId xmlns:a16="http://schemas.microsoft.com/office/drawing/2014/main" id="{4CB87B6B-AF1E-AA44-803A-0CF57C1B0808}"/>
+              </a:ext>
+            </a:extLst>
+          </p:cNvPr>
+          <p:cNvSpPr txBox="1"/>
+          <p:nvPr/>
+        </p:nvSpPr>
+        <p:spPr>
+          <a:xfrm>
+            <a:off x="4207515" y="1132648"/>
+            <a:ext cx="248786" cy="245773"/>
+          </a:xfrm>
+          <a:prstGeom prst="rect">
+            <a:avLst/>
+          </a:prstGeom>
+          <a:noFill/>
+        </p:spPr>
+        <p:txBody>
+          <a:bodyPr wrap="none" rtlCol="0">
+            <a:spAutoFit/>
+          </a:bodyPr>
+          <a:lstStyle/>
+          <a:p>
+            <a:r>
+              <a:rPr kumimoji="1" lang="en-US" altLang="zh-CN" sz="997" i="1" dirty="0">
+                <a:latin typeface="Times New Roman" panose="02020603050405020304" pitchFamily="18" charset="0"/>
+                <a:cs typeface="Times New Roman" panose="02020603050405020304" pitchFamily="18" charset="0"/>
+              </a:rPr>
+              <a:t>h</a:t>
+            </a:r>
+            <a:endParaRPr kumimoji="1" lang="zh-CN" altLang="en-US" sz="997" i="1" dirty="0">
+              <a:latin typeface="Times New Roman" panose="02020603050405020304" pitchFamily="18" charset="0"/>
+              <a:cs typeface="Times New Roman" panose="02020603050405020304" pitchFamily="18" charset="0"/>
+            </a:endParaRPr>
+          </a:p>
+        </p:txBody>
+      </p:sp>
+      <p:sp>
+        <p:nvSpPr>
+          <p:cNvPr id="248" name="文本框 247">
+            <a:extLst>
+              <a:ext uri="{FF2B5EF4-FFF2-40B4-BE49-F238E27FC236}">
+                <a16:creationId xmlns:a16="http://schemas.microsoft.com/office/drawing/2014/main" id="{87EA1935-903E-A34D-96C7-F327A492043B}"/>
+              </a:ext>
+            </a:extLst>
+          </p:cNvPr>
+          <p:cNvSpPr txBox="1"/>
+          <p:nvPr/>
+        </p:nvSpPr>
+        <p:spPr>
+          <a:xfrm>
+            <a:off x="4763309" y="1128945"/>
+            <a:ext cx="248786" cy="245773"/>
+          </a:xfrm>
+          <a:prstGeom prst="rect">
+            <a:avLst/>
+          </a:prstGeom>
+          <a:noFill/>
+        </p:spPr>
+        <p:txBody>
+          <a:bodyPr wrap="none" rtlCol="0">
+            <a:spAutoFit/>
+          </a:bodyPr>
+          <a:lstStyle/>
+          <a:p>
+            <a:r>
+              <a:rPr kumimoji="1" lang="en-US" altLang="zh-CN" sz="997" i="1" dirty="0">
+                <a:latin typeface="Times New Roman" panose="02020603050405020304" pitchFamily="18" charset="0"/>
+                <a:cs typeface="Times New Roman" panose="02020603050405020304" pitchFamily="18" charset="0"/>
+              </a:rPr>
+              <a:t>h</a:t>
+            </a:r>
+            <a:endParaRPr kumimoji="1" lang="zh-CN" altLang="en-US" sz="997" i="1" dirty="0">
+              <a:latin typeface="Times New Roman" panose="02020603050405020304" pitchFamily="18" charset="0"/>
+              <a:cs typeface="Times New Roman" panose="02020603050405020304" pitchFamily="18" charset="0"/>
+            </a:endParaRPr>
+          </a:p>
+        </p:txBody>
+      </p:sp>
+      <p:sp>
+        <p:nvSpPr>
+          <p:cNvPr id="18" name="矩形 17">
+            <a:extLst>
+              <a:ext uri="{FF2B5EF4-FFF2-40B4-BE49-F238E27FC236}">
+                <a16:creationId xmlns:a16="http://schemas.microsoft.com/office/drawing/2014/main" id="{0B2121B2-FCCC-BC4E-A07F-A4AE77DB0589}"/>
+              </a:ext>
+            </a:extLst>
+          </p:cNvPr>
+          <p:cNvSpPr/>
+          <p:nvPr/>
+        </p:nvSpPr>
+        <p:spPr>
+          <a:xfrm>
+            <a:off x="2678361" y="2033055"/>
+            <a:ext cx="290382" cy="240024"/>
+          </a:xfrm>
+          <a:prstGeom prst="rect">
+            <a:avLst/>
+          </a:prstGeom>
+          <a:solidFill>
+            <a:srgbClr val="F95100"/>
+          </a:solidFill>
+          <a:ln>
+            <a:solidFill>
+              <a:schemeClr val="tx1"/>
+            </a:solidFill>
+          </a:ln>
+        </p:spPr>
+        <p:style>
+          <a:lnRef idx="2">
+            <a:schemeClr val="accent1">
+              <a:shade val="50000"/>
+            </a:schemeClr>
+          </a:lnRef>
+          <a:fillRef idx="1">
+            <a:schemeClr val="accent1"/>
+          </a:fillRef>
+          <a:effectRef idx="0">
+            <a:schemeClr val="accent1"/>
+          </a:effectRef>
+          <a:fontRef idx="minor">
+            <a:schemeClr val="lt1"/>
+          </a:fontRef>
+        </p:style>
+        <p:txBody>
+          <a:bodyPr rtlCol="0" anchor="ctr"/>
+          <a:lstStyle/>
+          <a:p>
+            <a:pPr algn="ctr"/>
+            <a:r>
+              <a:rPr kumimoji="1" lang="zh-CN" altLang="en-US" sz="900" dirty="0">
+                <a:solidFill>
+                  <a:schemeClr val="tx1"/>
+                </a:solidFill>
+              </a:rPr>
+              <a:t>南</a:t>
+            </a:r>
+          </a:p>
+        </p:txBody>
+      </p:sp>
+      <p:sp>
+        <p:nvSpPr>
+          <p:cNvPr id="249" name="矩形 248">
+            <a:extLst>
+              <a:ext uri="{FF2B5EF4-FFF2-40B4-BE49-F238E27FC236}">
+                <a16:creationId xmlns:a16="http://schemas.microsoft.com/office/drawing/2014/main" id="{61E8D650-FADA-8D46-A5D7-3FC991653235}"/>
+              </a:ext>
+            </a:extLst>
+          </p:cNvPr>
+          <p:cNvSpPr/>
+          <p:nvPr/>
+        </p:nvSpPr>
+        <p:spPr>
+          <a:xfrm>
+            <a:off x="3226563" y="2031207"/>
+            <a:ext cx="290382" cy="240024"/>
+          </a:xfrm>
+          <a:prstGeom prst="rect">
+            <a:avLst/>
+          </a:prstGeom>
+          <a:solidFill>
+            <a:srgbClr val="F95100"/>
+          </a:solidFill>
+          <a:ln>
+            <a:solidFill>
+              <a:schemeClr val="tx1"/>
+            </a:solidFill>
+          </a:ln>
+        </p:spPr>
+        <p:style>
+          <a:lnRef idx="2">
+            <a:schemeClr val="accent1">
+              <a:shade val="50000"/>
+            </a:schemeClr>
+          </a:lnRef>
+          <a:fillRef idx="1">
+            <a:schemeClr val="accent1"/>
+          </a:fillRef>
+          <a:effectRef idx="0">
+            <a:schemeClr val="accent1"/>
+          </a:effectRef>
+          <a:fontRef idx="minor">
+            <a:schemeClr val="lt1"/>
+          </a:fontRef>
+        </p:style>
+        <p:txBody>
+          <a:bodyPr rtlCol="0" anchor="ctr"/>
+          <a:lstStyle/>
+          <a:p>
+            <a:pPr algn="ctr"/>
+            <a:r>
+              <a:rPr kumimoji="1" lang="zh-CN" altLang="en-US" sz="900" dirty="0">
+                <a:solidFill>
+                  <a:schemeClr val="tx1"/>
+                </a:solidFill>
+              </a:rPr>
+              <a:t>京</a:t>
+            </a:r>
+          </a:p>
+        </p:txBody>
+      </p:sp>
+      <p:sp>
+        <p:nvSpPr>
+          <p:cNvPr id="250" name="矩形 249">
+            <a:extLst>
+              <a:ext uri="{FF2B5EF4-FFF2-40B4-BE49-F238E27FC236}">
+                <a16:creationId xmlns:a16="http://schemas.microsoft.com/office/drawing/2014/main" id="{2B41507D-4D7D-6D4B-BC58-EECF7A7F04B2}"/>
+              </a:ext>
+            </a:extLst>
+          </p:cNvPr>
+          <p:cNvSpPr/>
+          <p:nvPr/>
+        </p:nvSpPr>
+        <p:spPr>
+          <a:xfrm>
+            <a:off x="3763154" y="2028134"/>
+            <a:ext cx="290382" cy="240024"/>
+          </a:xfrm>
+          <a:prstGeom prst="rect">
+            <a:avLst/>
+          </a:prstGeom>
+          <a:solidFill>
+            <a:srgbClr val="F95100"/>
+          </a:solidFill>
+          <a:ln>
+            <a:solidFill>
+              <a:schemeClr val="tx1"/>
+            </a:solidFill>
+          </a:ln>
+        </p:spPr>
+        <p:style>
+          <a:lnRef idx="2">
+            <a:schemeClr val="accent1">
+              <a:shade val="50000"/>
+            </a:schemeClr>
+          </a:lnRef>
+          <a:fillRef idx="1">
+            <a:schemeClr val="accent1"/>
+          </a:fillRef>
+          <a:effectRef idx="0">
+            <a:schemeClr val="accent1"/>
+          </a:effectRef>
+          <a:fontRef idx="minor">
+            <a:schemeClr val="lt1"/>
+          </a:fontRef>
+        </p:style>
+        <p:txBody>
+          <a:bodyPr rtlCol="0" anchor="ctr"/>
+          <a:lstStyle/>
+          <a:p>
+            <a:pPr algn="ctr"/>
+            <a:r>
+              <a:rPr kumimoji="1" lang="zh-CN" altLang="en-US" sz="900" dirty="0">
+                <a:solidFill>
+                  <a:schemeClr val="tx1"/>
+                </a:solidFill>
+              </a:rPr>
+              <a:t>市</a:t>
+            </a:r>
+          </a:p>
+        </p:txBody>
+      </p:sp>
+      <p:sp>
+        <p:nvSpPr>
+          <p:cNvPr id="251" name="矩形 250">
+            <a:extLst>
+              <a:ext uri="{FF2B5EF4-FFF2-40B4-BE49-F238E27FC236}">
+                <a16:creationId xmlns:a16="http://schemas.microsoft.com/office/drawing/2014/main" id="{1796FAAB-7FFC-A84B-9F85-CE9F37A2997D}"/>
+              </a:ext>
+            </a:extLst>
+          </p:cNvPr>
+          <p:cNvSpPr/>
+          <p:nvPr/>
+        </p:nvSpPr>
+        <p:spPr>
+          <a:xfrm>
+            <a:off x="4290127" y="2028133"/>
+            <a:ext cx="290382" cy="240024"/>
+          </a:xfrm>
+          <a:prstGeom prst="rect">
+            <a:avLst/>
+          </a:prstGeom>
+          <a:solidFill>
+            <a:srgbClr val="F95100"/>
+          </a:solidFill>
+          <a:ln>
+            <a:solidFill>
+              <a:schemeClr val="tx1"/>
+            </a:solidFill>
+          </a:ln>
+        </p:spPr>
+        <p:style>
+          <a:lnRef idx="2">
+            <a:schemeClr val="accent1">
+              <a:shade val="50000"/>
+            </a:schemeClr>
+          </a:lnRef>
+          <a:fillRef idx="1">
+            <a:schemeClr val="accent1"/>
+          </a:fillRef>
+          <a:effectRef idx="0">
+            <a:schemeClr val="accent1"/>
+          </a:effectRef>
+          <a:fontRef idx="minor">
+            <a:schemeClr val="lt1"/>
+          </a:fontRef>
+        </p:style>
+        <p:txBody>
+          <a:bodyPr rtlCol="0" anchor="ctr"/>
+          <a:lstStyle/>
+          <a:p>
+            <a:pPr algn="ctr"/>
+            <a:r>
+              <a:rPr kumimoji="1" lang="zh-CN" altLang="en-US" sz="900" dirty="0">
+                <a:solidFill>
+                  <a:schemeClr val="tx1"/>
+                </a:solidFill>
+              </a:rPr>
+              <a:t>长</a:t>
+            </a:r>
+          </a:p>
+        </p:txBody>
+      </p:sp>
+      <p:sp>
+        <p:nvSpPr>
+          <p:cNvPr id="252" name="矩形 251">
+            <a:extLst>
+              <a:ext uri="{FF2B5EF4-FFF2-40B4-BE49-F238E27FC236}">
+                <a16:creationId xmlns:a16="http://schemas.microsoft.com/office/drawing/2014/main" id="{80ADC8FA-840F-534A-AF50-68FCBB109CDB}"/>
+              </a:ext>
+            </a:extLst>
+          </p:cNvPr>
+          <p:cNvSpPr/>
+          <p:nvPr/>
+        </p:nvSpPr>
+        <p:spPr>
+          <a:xfrm>
+            <a:off x="4830514" y="2033055"/>
+            <a:ext cx="290382" cy="240024"/>
+          </a:xfrm>
+          <a:prstGeom prst="rect">
+            <a:avLst/>
+          </a:prstGeom>
+          <a:solidFill>
+            <a:srgbClr val="F95100"/>
+          </a:solidFill>
+          <a:ln>
+            <a:solidFill>
+              <a:schemeClr val="tx1"/>
+            </a:solidFill>
+          </a:ln>
+        </p:spPr>
+        <p:style>
+          <a:lnRef idx="2">
+            <a:schemeClr val="accent1">
+              <a:shade val="50000"/>
+            </a:schemeClr>
+          </a:lnRef>
+          <a:fillRef idx="1">
+            <a:schemeClr val="accent1"/>
+          </a:fillRef>
+          <a:effectRef idx="0">
+            <a:schemeClr val="accent1"/>
+          </a:effectRef>
+          <a:fontRef idx="minor">
+            <a:schemeClr val="lt1"/>
+          </a:fontRef>
+        </p:style>
+        <p:txBody>
+          <a:bodyPr rtlCol="0" anchor="ctr"/>
+          <a:lstStyle/>
+          <a:p>
+            <a:pPr algn="ctr"/>
+            <a:r>
+              <a:rPr kumimoji="1" lang="zh-CN" altLang="en-US" sz="900" dirty="0">
+                <a:solidFill>
+                  <a:schemeClr val="tx1"/>
+                </a:solidFill>
+              </a:rPr>
+              <a:t>江</a:t>
+            </a:r>
+          </a:p>
+        </p:txBody>
+      </p:sp>
+      <p:sp>
+        <p:nvSpPr>
+          <p:cNvPr id="19" name="椭圆 18">
+            <a:extLst>
+              <a:ext uri="{FF2B5EF4-FFF2-40B4-BE49-F238E27FC236}">
+                <a16:creationId xmlns:a16="http://schemas.microsoft.com/office/drawing/2014/main" id="{A1C54550-59E1-D04B-A40F-F1C0CFB4EB74}"/>
+              </a:ext>
+            </a:extLst>
+          </p:cNvPr>
+          <p:cNvSpPr/>
+          <p:nvPr/>
+        </p:nvSpPr>
+        <p:spPr>
+          <a:xfrm>
+            <a:off x="2998660" y="1881321"/>
+            <a:ext cx="166239" cy="151734"/>
+          </a:xfrm>
+          <a:prstGeom prst="ellipse">
+            <a:avLst/>
+          </a:prstGeom>
+          <a:blipFill>
+            <a:blip r:embed="rId3"/>
+            <a:tile tx="0" ty="0" sx="100000" sy="100000" flip="none" algn="tl"/>
+          </a:blipFill>
+          <a:ln>
+            <a:solidFill>
+              <a:schemeClr val="tx1"/>
+            </a:solidFill>
+          </a:ln>
+        </p:spPr>
+        <p:style>
+          <a:lnRef idx="2">
+            <a:schemeClr val="accent1">
+              <a:shade val="50000"/>
+            </a:schemeClr>
+          </a:lnRef>
+          <a:fillRef idx="1">
+            <a:schemeClr val="accent1"/>
+          </a:fillRef>
+          <a:effectRef idx="0">
+            <a:schemeClr val="accent1"/>
+          </a:effectRef>
+          <a:fontRef idx="minor">
+            <a:schemeClr val="lt1"/>
+          </a:fontRef>
+        </p:style>
+        <p:txBody>
+          <a:bodyPr rtlCol="0" anchor="ctr"/>
+          <a:lstStyle/>
+          <a:p>
+            <a:pPr algn="ctr"/>
+            <a:endParaRPr kumimoji="1" lang="zh-CN" altLang="en-US" sz="679" dirty="0">
+              <a:solidFill>
+                <a:schemeClr val="tx1"/>
+              </a:solidFill>
+            </a:endParaRPr>
+          </a:p>
+        </p:txBody>
+      </p:sp>
+      <p:sp>
+        <p:nvSpPr>
+          <p:cNvPr id="253" name="椭圆 252">
+            <a:extLst>
+              <a:ext uri="{FF2B5EF4-FFF2-40B4-BE49-F238E27FC236}">
+                <a16:creationId xmlns:a16="http://schemas.microsoft.com/office/drawing/2014/main" id="{6FEEDF16-C646-C54D-918F-8BF23E32D6CC}"/>
+              </a:ext>
+            </a:extLst>
+          </p:cNvPr>
+          <p:cNvSpPr/>
+          <p:nvPr/>
+        </p:nvSpPr>
+        <p:spPr>
+          <a:xfrm>
+            <a:off x="3541076" y="1875966"/>
+            <a:ext cx="166239" cy="151734"/>
+          </a:xfrm>
+          <a:prstGeom prst="ellipse">
+            <a:avLst/>
+          </a:prstGeom>
+          <a:blipFill>
+            <a:blip r:embed="rId3"/>
+            <a:tile tx="0" ty="0" sx="100000" sy="100000" flip="none" algn="tl"/>
+          </a:blipFill>
+          <a:ln>
+            <a:solidFill>
+              <a:schemeClr val="tx1"/>
+            </a:solidFill>
+          </a:ln>
+        </p:spPr>
+        <p:style>
+          <a:lnRef idx="2">
+            <a:schemeClr val="accent1">
+              <a:shade val="50000"/>
+            </a:schemeClr>
+          </a:lnRef>
+          <a:fillRef idx="1">
+            <a:schemeClr val="accent1"/>
+          </a:fillRef>
+          <a:effectRef idx="0">
+            <a:schemeClr val="accent1"/>
+          </a:effectRef>
+          <a:fontRef idx="minor">
+            <a:schemeClr val="lt1"/>
+          </a:fontRef>
+        </p:style>
+        <p:txBody>
+          <a:bodyPr rtlCol="0" anchor="ctr"/>
+          <a:lstStyle/>
+          <a:p>
+            <a:pPr algn="ctr"/>
+            <a:endParaRPr kumimoji="1" lang="zh-CN" altLang="en-US" sz="679" dirty="0">
+              <a:solidFill>
+                <a:schemeClr val="tx1"/>
+              </a:solidFill>
+            </a:endParaRPr>
+          </a:p>
+        </p:txBody>
+      </p:sp>
+      <p:sp>
+        <p:nvSpPr>
+          <p:cNvPr id="254" name="椭圆 253">
+            <a:extLst>
+              <a:ext uri="{FF2B5EF4-FFF2-40B4-BE49-F238E27FC236}">
+                <a16:creationId xmlns:a16="http://schemas.microsoft.com/office/drawing/2014/main" id="{B6713370-AAE8-0549-9684-E4D17CEF408C}"/>
+              </a:ext>
+            </a:extLst>
+          </p:cNvPr>
+          <p:cNvSpPr/>
+          <p:nvPr/>
+        </p:nvSpPr>
+        <p:spPr>
+          <a:xfrm>
+            <a:off x="4096032" y="1883570"/>
+            <a:ext cx="166239" cy="151734"/>
+          </a:xfrm>
+          <a:prstGeom prst="ellipse">
+            <a:avLst/>
+          </a:prstGeom>
+          <a:blipFill>
+            <a:blip r:embed="rId3"/>
+            <a:tile tx="0" ty="0" sx="100000" sy="100000" flip="none" algn="tl"/>
+          </a:blipFill>
+          <a:ln>
+            <a:solidFill>
+              <a:schemeClr val="tx1"/>
+            </a:solidFill>
+          </a:ln>
+        </p:spPr>
+        <p:style>
+          <a:lnRef idx="2">
+            <a:schemeClr val="accent1">
+              <a:shade val="50000"/>
+            </a:schemeClr>
+          </a:lnRef>
+          <a:fillRef idx="1">
+            <a:schemeClr val="accent1"/>
+          </a:fillRef>
+          <a:effectRef idx="0">
+            <a:schemeClr val="accent1"/>
+          </a:effectRef>
+          <a:fontRef idx="minor">
+            <a:schemeClr val="lt1"/>
+          </a:fontRef>
+        </p:style>
+        <p:txBody>
+          <a:bodyPr rtlCol="0" anchor="ctr"/>
+          <a:lstStyle/>
+          <a:p>
+            <a:pPr algn="ctr"/>
+            <a:endParaRPr kumimoji="1" lang="zh-CN" altLang="en-US" sz="679" dirty="0">
+              <a:solidFill>
+                <a:schemeClr val="tx1"/>
+              </a:solidFill>
+            </a:endParaRPr>
+          </a:p>
+        </p:txBody>
+      </p:sp>
+      <p:sp>
+        <p:nvSpPr>
+          <p:cNvPr id="255" name="椭圆 254">
+            <a:extLst>
+              <a:ext uri="{FF2B5EF4-FFF2-40B4-BE49-F238E27FC236}">
+                <a16:creationId xmlns:a16="http://schemas.microsoft.com/office/drawing/2014/main" id="{C424D0B0-4DA9-6E43-B4DC-19729D38631B}"/>
+              </a:ext>
+            </a:extLst>
+          </p:cNvPr>
+          <p:cNvSpPr/>
+          <p:nvPr/>
+        </p:nvSpPr>
+        <p:spPr>
+          <a:xfrm>
+            <a:off x="4655159" y="1883570"/>
+            <a:ext cx="166239" cy="151734"/>
+          </a:xfrm>
+          <a:prstGeom prst="ellipse">
+            <a:avLst/>
+          </a:prstGeom>
+          <a:blipFill>
+            <a:blip r:embed="rId3"/>
+            <a:tile tx="0" ty="0" sx="100000" sy="100000" flip="none" algn="tl"/>
+          </a:blipFill>
+          <a:ln>
+            <a:solidFill>
+              <a:schemeClr val="tx1"/>
+            </a:solidFill>
+          </a:ln>
+        </p:spPr>
+        <p:style>
+          <a:lnRef idx="2">
+            <a:schemeClr val="accent1">
+              <a:shade val="50000"/>
+            </a:schemeClr>
+          </a:lnRef>
+          <a:fillRef idx="1">
+            <a:schemeClr val="accent1"/>
+          </a:fillRef>
+          <a:effectRef idx="0">
+            <a:schemeClr val="accent1"/>
+          </a:effectRef>
+          <a:fontRef idx="minor">
+            <a:schemeClr val="lt1"/>
+          </a:fontRef>
+        </p:style>
+        <p:txBody>
+          <a:bodyPr rtlCol="0" anchor="ctr"/>
+          <a:lstStyle/>
+          <a:p>
+            <a:pPr algn="ctr"/>
+            <a:endParaRPr kumimoji="1" lang="zh-CN" altLang="en-US" sz="679" dirty="0">
+              <a:solidFill>
+                <a:schemeClr val="tx1"/>
+              </a:solidFill>
+            </a:endParaRPr>
+          </a:p>
+        </p:txBody>
+      </p:sp>
+      <p:cxnSp>
+        <p:nvCxnSpPr>
+          <p:cNvPr id="256" name="直线箭头连接符 255">
+            <a:extLst>
+              <a:ext uri="{FF2B5EF4-FFF2-40B4-BE49-F238E27FC236}">
+                <a16:creationId xmlns:a16="http://schemas.microsoft.com/office/drawing/2014/main" id="{AB1F83EB-F7E8-164D-9CA5-59F88D33BC26}"/>
+              </a:ext>
+            </a:extLst>
+          </p:cNvPr>
+          <p:cNvCxnSpPr>
+            <a:cxnSpLocks/>
+          </p:cNvCxnSpPr>
+          <p:nvPr/>
+        </p:nvCxnSpPr>
+        <p:spPr>
+          <a:xfrm flipV="1">
+            <a:off x="3081590" y="2048388"/>
+            <a:ext cx="0" cy="288883"/>
+          </a:xfrm>
+          <a:prstGeom prst="straightConnector1">
+            <a:avLst/>
+          </a:prstGeom>
+          <a:ln w="25400">
+            <a:solidFill>
+              <a:schemeClr val="tx1"/>
+            </a:solidFill>
+            <a:tailEnd type="triangle"/>
+          </a:ln>
+        </p:spPr>
+        <p:style>
+          <a:lnRef idx="1">
+            <a:schemeClr val="accent1"/>
+          </a:lnRef>
+          <a:fillRef idx="0">
+            <a:schemeClr val="accent1"/>
+          </a:fillRef>
+          <a:effectRef idx="0">
+            <a:schemeClr val="accent1"/>
+          </a:effectRef>
+          <a:fontRef idx="minor">
+            <a:schemeClr val="tx1"/>
+          </a:fontRef>
+        </p:style>
+      </p:cxnSp>
+      <p:sp>
+        <p:nvSpPr>
+          <p:cNvPr id="257" name="矩形 256">
+            <a:extLst>
+              <a:ext uri="{FF2B5EF4-FFF2-40B4-BE49-F238E27FC236}">
+                <a16:creationId xmlns:a16="http://schemas.microsoft.com/office/drawing/2014/main" id="{FBA9E063-A1B5-C04E-A9B4-A52FED20499F}"/>
+              </a:ext>
+            </a:extLst>
+          </p:cNvPr>
+          <p:cNvSpPr/>
+          <p:nvPr/>
+        </p:nvSpPr>
+        <p:spPr>
+          <a:xfrm>
+            <a:off x="2921733" y="2354515"/>
+            <a:ext cx="378885" cy="240024"/>
+          </a:xfrm>
+          <a:prstGeom prst="rect">
+            <a:avLst/>
+          </a:prstGeom>
+          <a:solidFill>
+            <a:srgbClr val="FFC001"/>
+          </a:solidFill>
+          <a:ln>
+            <a:solidFill>
+              <a:schemeClr val="tx1"/>
+            </a:solidFill>
+          </a:ln>
+        </p:spPr>
+        <p:style>
+          <a:lnRef idx="2">
+            <a:schemeClr val="accent1">
+              <a:shade val="50000"/>
+            </a:schemeClr>
+          </a:lnRef>
+          <a:fillRef idx="1">
+            <a:schemeClr val="accent1"/>
+          </a:fillRef>
+          <a:effectRef idx="0">
+            <a:schemeClr val="accent1"/>
+          </a:effectRef>
+          <a:fontRef idx="minor">
+            <a:schemeClr val="lt1"/>
+          </a:fontRef>
+        </p:style>
+        <p:txBody>
+          <a:bodyPr rtlCol="0" anchor="ctr"/>
+          <a:lstStyle/>
+          <a:p>
+            <a:pPr algn="ctr"/>
+            <a:r>
+              <a:rPr kumimoji="1" lang="zh-CN" altLang="en-US" sz="679" dirty="0">
+                <a:solidFill>
+                  <a:schemeClr val="tx1"/>
+                </a:solidFill>
+              </a:rPr>
+              <a:t>南京</a:t>
+            </a:r>
+          </a:p>
+        </p:txBody>
+      </p:sp>
+      <p:cxnSp>
+        <p:nvCxnSpPr>
+          <p:cNvPr id="259" name="直线箭头连接符 258">
+            <a:extLst>
+              <a:ext uri="{FF2B5EF4-FFF2-40B4-BE49-F238E27FC236}">
+                <a16:creationId xmlns:a16="http://schemas.microsoft.com/office/drawing/2014/main" id="{FB72D238-B888-8240-A6DE-19AA698452F8}"/>
+              </a:ext>
+            </a:extLst>
+          </p:cNvPr>
+          <p:cNvCxnSpPr>
+            <a:cxnSpLocks/>
+          </p:cNvCxnSpPr>
+          <p:nvPr/>
+        </p:nvCxnSpPr>
+        <p:spPr>
+          <a:xfrm flipV="1">
+            <a:off x="3659136" y="2048390"/>
+            <a:ext cx="0" cy="288883"/>
+          </a:xfrm>
+          <a:prstGeom prst="straightConnector1">
+            <a:avLst/>
+          </a:prstGeom>
+          <a:ln w="25400">
+            <a:solidFill>
+              <a:schemeClr val="tx1"/>
+            </a:solidFill>
+            <a:tailEnd type="triangle"/>
+          </a:ln>
+        </p:spPr>
+        <p:style>
+          <a:lnRef idx="1">
+            <a:schemeClr val="accent1"/>
+          </a:lnRef>
+          <a:fillRef idx="0">
+            <a:schemeClr val="accent1"/>
+          </a:fillRef>
+          <a:effectRef idx="0">
+            <a:schemeClr val="accent1"/>
+          </a:effectRef>
+          <a:fontRef idx="minor">
+            <a:schemeClr val="tx1"/>
+          </a:fontRef>
+        </p:style>
+      </p:cxnSp>
+      <p:sp>
+        <p:nvSpPr>
+          <p:cNvPr id="260" name="矩形 259">
+            <a:extLst>
+              <a:ext uri="{FF2B5EF4-FFF2-40B4-BE49-F238E27FC236}">
+                <a16:creationId xmlns:a16="http://schemas.microsoft.com/office/drawing/2014/main" id="{39FB4745-D41C-D945-A4DF-F7FC51ACB835}"/>
+              </a:ext>
+            </a:extLst>
+          </p:cNvPr>
+          <p:cNvSpPr/>
+          <p:nvPr/>
+        </p:nvSpPr>
+        <p:spPr>
+          <a:xfrm>
+            <a:off x="3430241" y="2354515"/>
+            <a:ext cx="465463" cy="240024"/>
+          </a:xfrm>
+          <a:prstGeom prst="rect">
+            <a:avLst/>
+          </a:prstGeom>
+          <a:solidFill>
+            <a:srgbClr val="FFC001"/>
+          </a:solidFill>
+          <a:ln>
+            <a:solidFill>
+              <a:schemeClr val="tx1"/>
+            </a:solidFill>
+          </a:ln>
+        </p:spPr>
+        <p:style>
+          <a:lnRef idx="2">
+            <a:schemeClr val="accent1">
+              <a:shade val="50000"/>
+            </a:schemeClr>
+          </a:lnRef>
+          <a:fillRef idx="1">
+            <a:schemeClr val="accent1"/>
+          </a:fillRef>
+          <a:effectRef idx="0">
+            <a:schemeClr val="accent1"/>
+          </a:effectRef>
+          <a:fontRef idx="minor">
+            <a:schemeClr val="lt1"/>
+          </a:fontRef>
+        </p:style>
+        <p:txBody>
+          <a:bodyPr rtlCol="0" anchor="ctr"/>
+          <a:lstStyle/>
+          <a:p>
+            <a:pPr algn="ctr"/>
+            <a:r>
+              <a:rPr kumimoji="1" lang="zh-CN" altLang="en-US" sz="679" dirty="0">
+                <a:solidFill>
+                  <a:schemeClr val="tx1"/>
+                </a:solidFill>
+              </a:rPr>
+              <a:t>南京市</a:t>
+            </a:r>
+          </a:p>
+        </p:txBody>
+      </p:sp>
+      <p:cxnSp>
+        <p:nvCxnSpPr>
+          <p:cNvPr id="261" name="直线箭头连接符 260">
+            <a:extLst>
+              <a:ext uri="{FF2B5EF4-FFF2-40B4-BE49-F238E27FC236}">
+                <a16:creationId xmlns:a16="http://schemas.microsoft.com/office/drawing/2014/main" id="{A1E39FCD-D38A-6143-99B4-5957258C6E7A}"/>
+              </a:ext>
+            </a:extLst>
+          </p:cNvPr>
+          <p:cNvCxnSpPr>
+            <a:cxnSpLocks/>
+          </p:cNvCxnSpPr>
+          <p:nvPr/>
+        </p:nvCxnSpPr>
+        <p:spPr>
+          <a:xfrm flipV="1">
+            <a:off x="4185178" y="2048390"/>
+            <a:ext cx="0" cy="288883"/>
+          </a:xfrm>
+          <a:prstGeom prst="straightConnector1">
+            <a:avLst/>
+          </a:prstGeom>
+          <a:ln w="25400">
+            <a:solidFill>
+              <a:schemeClr val="tx1"/>
+            </a:solidFill>
+            <a:tailEnd type="triangle"/>
+          </a:ln>
+        </p:spPr>
+        <p:style>
+          <a:lnRef idx="1">
+            <a:schemeClr val="accent1"/>
+          </a:lnRef>
+          <a:fillRef idx="0">
+            <a:schemeClr val="accent1"/>
+          </a:fillRef>
+          <a:effectRef idx="0">
+            <a:schemeClr val="accent1"/>
+          </a:effectRef>
+          <a:fontRef idx="minor">
+            <a:schemeClr val="tx1"/>
+          </a:fontRef>
+        </p:style>
+      </p:cxnSp>
+      <p:sp>
+        <p:nvSpPr>
+          <p:cNvPr id="262" name="矩形 261">
+            <a:extLst>
+              <a:ext uri="{FF2B5EF4-FFF2-40B4-BE49-F238E27FC236}">
+                <a16:creationId xmlns:a16="http://schemas.microsoft.com/office/drawing/2014/main" id="{30700935-FE7C-E44D-8B10-257852D784B6}"/>
+              </a:ext>
+            </a:extLst>
+          </p:cNvPr>
+          <p:cNvSpPr/>
+          <p:nvPr/>
+        </p:nvSpPr>
+        <p:spPr>
+          <a:xfrm>
+            <a:off x="4025323" y="2354515"/>
+            <a:ext cx="356161" cy="240024"/>
+          </a:xfrm>
+          <a:prstGeom prst="rect">
+            <a:avLst/>
+          </a:prstGeom>
+          <a:solidFill>
+            <a:srgbClr val="FFC001"/>
+          </a:solidFill>
+          <a:ln>
+            <a:solidFill>
+              <a:schemeClr val="tx1"/>
+            </a:solidFill>
+          </a:ln>
+        </p:spPr>
+        <p:style>
+          <a:lnRef idx="2">
+            <a:schemeClr val="accent1">
+              <a:shade val="50000"/>
+            </a:schemeClr>
+          </a:lnRef>
+          <a:fillRef idx="1">
+            <a:schemeClr val="accent1"/>
+          </a:fillRef>
+          <a:effectRef idx="0">
+            <a:schemeClr val="accent1"/>
+          </a:effectRef>
+          <a:fontRef idx="minor">
+            <a:schemeClr val="lt1"/>
+          </a:fontRef>
+        </p:style>
+        <p:txBody>
+          <a:bodyPr rtlCol="0" anchor="ctr"/>
+          <a:lstStyle/>
+          <a:p>
+            <a:pPr algn="ctr"/>
+            <a:r>
+              <a:rPr kumimoji="1" lang="zh-CN" altLang="en-US" sz="679" dirty="0">
+                <a:solidFill>
+                  <a:schemeClr val="tx1"/>
+                </a:solidFill>
+              </a:rPr>
+              <a:t>市长</a:t>
+            </a:r>
+          </a:p>
+        </p:txBody>
+      </p:sp>
+      <p:cxnSp>
+        <p:nvCxnSpPr>
+          <p:cNvPr id="263" name="直线箭头连接符 262">
+            <a:extLst>
+              <a:ext uri="{FF2B5EF4-FFF2-40B4-BE49-F238E27FC236}">
+                <a16:creationId xmlns:a16="http://schemas.microsoft.com/office/drawing/2014/main" id="{33F43FBE-0B88-8441-B8DB-1D1A14796BCE}"/>
+              </a:ext>
+            </a:extLst>
+          </p:cNvPr>
+          <p:cNvCxnSpPr>
+            <a:cxnSpLocks/>
+          </p:cNvCxnSpPr>
+          <p:nvPr/>
+        </p:nvCxnSpPr>
+        <p:spPr>
+          <a:xfrm flipV="1">
+            <a:off x="4727073" y="2048390"/>
+            <a:ext cx="0" cy="288883"/>
+          </a:xfrm>
+          <a:prstGeom prst="straightConnector1">
+            <a:avLst/>
+          </a:prstGeom>
+          <a:ln w="25400">
+            <a:solidFill>
+              <a:schemeClr val="tx1"/>
+            </a:solidFill>
+            <a:tailEnd type="triangle"/>
+          </a:ln>
+        </p:spPr>
+        <p:style>
+          <a:lnRef idx="1">
+            <a:schemeClr val="accent1"/>
+          </a:lnRef>
+          <a:fillRef idx="0">
+            <a:schemeClr val="accent1"/>
+          </a:fillRef>
+          <a:effectRef idx="0">
+            <a:schemeClr val="accent1"/>
+          </a:effectRef>
+          <a:fontRef idx="minor">
+            <a:schemeClr val="tx1"/>
+          </a:fontRef>
+        </p:style>
+      </p:cxnSp>
+      <p:sp>
+        <p:nvSpPr>
+          <p:cNvPr id="264" name="矩形 263">
+            <a:extLst>
+              <a:ext uri="{FF2B5EF4-FFF2-40B4-BE49-F238E27FC236}">
+                <a16:creationId xmlns:a16="http://schemas.microsoft.com/office/drawing/2014/main" id="{26637972-7216-7443-B281-24FF8120F52A}"/>
+              </a:ext>
+            </a:extLst>
+          </p:cNvPr>
+          <p:cNvSpPr/>
+          <p:nvPr/>
+        </p:nvSpPr>
+        <p:spPr>
+          <a:xfrm>
+            <a:off x="4567218" y="2354515"/>
+            <a:ext cx="356155" cy="240024"/>
+          </a:xfrm>
+          <a:prstGeom prst="rect">
+            <a:avLst/>
+          </a:prstGeom>
+          <a:solidFill>
+            <a:srgbClr val="FFC001"/>
+          </a:solidFill>
+          <a:ln>
+            <a:solidFill>
+              <a:schemeClr val="tx1"/>
+            </a:solidFill>
+          </a:ln>
+        </p:spPr>
+        <p:style>
+          <a:lnRef idx="2">
+            <a:schemeClr val="accent1">
+              <a:shade val="50000"/>
+            </a:schemeClr>
+          </a:lnRef>
+          <a:fillRef idx="1">
+            <a:schemeClr val="accent1"/>
+          </a:fillRef>
+          <a:effectRef idx="0">
+            <a:schemeClr val="accent1"/>
+          </a:effectRef>
+          <a:fontRef idx="minor">
+            <a:schemeClr val="lt1"/>
+          </a:fontRef>
+        </p:style>
+        <p:txBody>
+          <a:bodyPr rtlCol="0" anchor="ctr"/>
+          <a:lstStyle/>
+          <a:p>
+            <a:pPr algn="ctr"/>
+            <a:r>
+              <a:rPr kumimoji="1" lang="zh-CN" altLang="en-US" sz="679" dirty="0">
+                <a:solidFill>
+                  <a:schemeClr val="tx1"/>
+                </a:solidFill>
+              </a:rPr>
+              <a:t>长江</a:t>
+            </a:r>
+          </a:p>
+        </p:txBody>
+      </p:sp>
+      <p:sp>
+        <p:nvSpPr>
+          <p:cNvPr id="21" name="弧 20">
+            <a:extLst>
+              <a:ext uri="{FF2B5EF4-FFF2-40B4-BE49-F238E27FC236}">
+                <a16:creationId xmlns:a16="http://schemas.microsoft.com/office/drawing/2014/main" id="{A701BB9B-0F1D-8F42-8AC1-49331C367A77}"/>
+              </a:ext>
+            </a:extLst>
+          </p:cNvPr>
+          <p:cNvSpPr/>
+          <p:nvPr/>
+        </p:nvSpPr>
+        <p:spPr>
+          <a:xfrm rot="11851255">
+            <a:off x="2897957" y="1762583"/>
+            <a:ext cx="270138" cy="155570"/>
+          </a:xfrm>
+          <a:prstGeom prst="arc">
+            <a:avLst/>
+          </a:prstGeom>
+          <a:ln w="25400">
+            <a:solidFill>
+              <a:schemeClr val="tx1"/>
+            </a:solidFill>
+            <a:headEnd type="triangle"/>
+          </a:ln>
+        </p:spPr>
+        <p:style>
+          <a:lnRef idx="1">
+            <a:schemeClr val="accent1"/>
+          </a:lnRef>
+          <a:fillRef idx="0">
+            <a:schemeClr val="accent1"/>
+          </a:fillRef>
+          <a:effectRef idx="0">
+            <a:schemeClr val="accent1"/>
+          </a:effectRef>
+          <a:fontRef idx="minor">
+            <a:schemeClr val="tx1"/>
+          </a:fontRef>
+        </p:style>
+        <p:txBody>
+          <a:bodyPr rtlCol="0" anchor="ctr"/>
+          <a:lstStyle/>
+          <a:p>
+            <a:pPr algn="ctr"/>
+            <a:endParaRPr kumimoji="1" lang="zh-CN" altLang="en-US" sz="679"/>
+          </a:p>
+        </p:txBody>
+      </p:sp>
+      <p:sp>
+        <p:nvSpPr>
+          <p:cNvPr id="265" name="弧 264">
+            <a:extLst>
+              <a:ext uri="{FF2B5EF4-FFF2-40B4-BE49-F238E27FC236}">
+                <a16:creationId xmlns:a16="http://schemas.microsoft.com/office/drawing/2014/main" id="{E43B3AD1-C304-C947-B481-FDABC2F72BEA}"/>
+              </a:ext>
+            </a:extLst>
+          </p:cNvPr>
+          <p:cNvSpPr/>
+          <p:nvPr/>
+        </p:nvSpPr>
+        <p:spPr>
+          <a:xfrm rot="11851255">
+            <a:off x="2928820" y="1691759"/>
+            <a:ext cx="787383" cy="193315"/>
+          </a:xfrm>
+          <a:prstGeom prst="arc">
+            <a:avLst>
+              <a:gd name="adj1" fmla="val 11997122"/>
+              <a:gd name="adj2" fmla="val 20967848"/>
+            </a:avLst>
+          </a:prstGeom>
+          <a:ln w="25400">
+            <a:solidFill>
+              <a:schemeClr val="tx1"/>
+            </a:solidFill>
+            <a:headEnd type="triangle"/>
+          </a:ln>
+        </p:spPr>
+        <p:style>
+          <a:lnRef idx="1">
+            <a:schemeClr val="accent1"/>
+          </a:lnRef>
+          <a:fillRef idx="0">
+            <a:schemeClr val="accent1"/>
+          </a:fillRef>
+          <a:effectRef idx="0">
+            <a:schemeClr val="accent1"/>
+          </a:effectRef>
+          <a:fontRef idx="minor">
+            <a:schemeClr val="tx1"/>
+          </a:fontRef>
+        </p:style>
+        <p:txBody>
+          <a:bodyPr rtlCol="0" anchor="ctr"/>
+          <a:lstStyle/>
+          <a:p>
+            <a:pPr algn="ctr"/>
+            <a:endParaRPr kumimoji="1" lang="zh-CN" altLang="en-US" sz="679"/>
+          </a:p>
+        </p:txBody>
+      </p:sp>
+      <p:sp>
+        <p:nvSpPr>
+          <p:cNvPr id="266" name="弧 265">
+            <a:extLst>
+              <a:ext uri="{FF2B5EF4-FFF2-40B4-BE49-F238E27FC236}">
+                <a16:creationId xmlns:a16="http://schemas.microsoft.com/office/drawing/2014/main" id="{EE10E585-E860-9B46-9E21-9F6FEDE17CC2}"/>
+              </a:ext>
+            </a:extLst>
+          </p:cNvPr>
+          <p:cNvSpPr/>
+          <p:nvPr/>
+        </p:nvSpPr>
+        <p:spPr>
+          <a:xfrm rot="11851255">
+            <a:off x="3981874" y="1762649"/>
+            <a:ext cx="270138" cy="155570"/>
+          </a:xfrm>
+          <a:prstGeom prst="arc">
+            <a:avLst/>
+          </a:prstGeom>
+          <a:ln w="25400">
+            <a:solidFill>
+              <a:schemeClr val="tx1"/>
+            </a:solidFill>
+            <a:headEnd type="triangle"/>
+          </a:ln>
+        </p:spPr>
+        <p:style>
+          <a:lnRef idx="1">
+            <a:schemeClr val="accent1"/>
+          </a:lnRef>
+          <a:fillRef idx="0">
+            <a:schemeClr val="accent1"/>
+          </a:fillRef>
+          <a:effectRef idx="0">
+            <a:schemeClr val="accent1"/>
+          </a:effectRef>
+          <a:fontRef idx="minor">
+            <a:schemeClr val="tx1"/>
+          </a:fontRef>
+        </p:style>
+        <p:txBody>
+          <a:bodyPr rtlCol="0" anchor="ctr"/>
+          <a:lstStyle/>
+          <a:p>
+            <a:pPr algn="ctr"/>
+            <a:endParaRPr kumimoji="1" lang="zh-CN" altLang="en-US" sz="679"/>
+          </a:p>
+        </p:txBody>
+      </p:sp>
+      <p:sp>
+        <p:nvSpPr>
+          <p:cNvPr id="267" name="弧 266">
+            <a:extLst>
+              <a:ext uri="{FF2B5EF4-FFF2-40B4-BE49-F238E27FC236}">
+                <a16:creationId xmlns:a16="http://schemas.microsoft.com/office/drawing/2014/main" id="{3860C1A9-C87E-C64F-8105-2D5E20056286}"/>
+              </a:ext>
+            </a:extLst>
+          </p:cNvPr>
+          <p:cNvSpPr/>
+          <p:nvPr/>
+        </p:nvSpPr>
+        <p:spPr>
+          <a:xfrm rot="11851255">
+            <a:off x="4534087" y="1763014"/>
+            <a:ext cx="270138" cy="155570"/>
+          </a:xfrm>
+          <a:prstGeom prst="arc">
+            <a:avLst/>
+          </a:prstGeom>
+          <a:ln w="25400">
+            <a:solidFill>
+              <a:schemeClr val="tx1"/>
+            </a:solidFill>
+            <a:headEnd type="triangle"/>
+          </a:ln>
+        </p:spPr>
+        <p:style>
+          <a:lnRef idx="1">
+            <a:schemeClr val="accent1"/>
+          </a:lnRef>
+          <a:fillRef idx="0">
+            <a:schemeClr val="accent1"/>
+          </a:fillRef>
+          <a:effectRef idx="0">
+            <a:schemeClr val="accent1"/>
+          </a:effectRef>
+          <a:fontRef idx="minor">
+            <a:schemeClr val="tx1"/>
+          </a:fontRef>
+        </p:style>
+        <p:txBody>
+          <a:bodyPr rtlCol="0" anchor="ctr"/>
+          <a:lstStyle/>
+          <a:p>
+            <a:pPr algn="ctr"/>
+            <a:endParaRPr kumimoji="1" lang="zh-CN" altLang="en-US" sz="679"/>
+          </a:p>
+        </p:txBody>
+      </p:sp>
+      <p:sp>
+        <p:nvSpPr>
+          <p:cNvPr id="268" name="弧 267">
+            <a:extLst>
+              <a:ext uri="{FF2B5EF4-FFF2-40B4-BE49-F238E27FC236}">
+                <a16:creationId xmlns:a16="http://schemas.microsoft.com/office/drawing/2014/main" id="{19469827-8DC0-8949-BEA2-2885A9FB3D48}"/>
+              </a:ext>
+            </a:extLst>
+          </p:cNvPr>
+          <p:cNvSpPr/>
+          <p:nvPr/>
+        </p:nvSpPr>
+        <p:spPr>
+          <a:xfrm rot="6252311">
+            <a:off x="3078662" y="1704991"/>
+            <a:ext cx="270138" cy="155570"/>
+          </a:xfrm>
+          <a:prstGeom prst="arc">
+            <a:avLst/>
+          </a:prstGeom>
+          <a:ln w="25400">
+            <a:solidFill>
+              <a:schemeClr val="tx1"/>
+            </a:solidFill>
+            <a:headEnd type="triangle"/>
+          </a:ln>
+        </p:spPr>
+        <p:style>
+          <a:lnRef idx="1">
+            <a:schemeClr val="accent1"/>
+          </a:lnRef>
+          <a:fillRef idx="0">
+            <a:schemeClr val="accent1"/>
+          </a:fillRef>
+          <a:effectRef idx="0">
+            <a:schemeClr val="accent1"/>
+          </a:effectRef>
+          <a:fontRef idx="minor">
+            <a:schemeClr val="tx1"/>
+          </a:fontRef>
+        </p:style>
+        <p:txBody>
+          <a:bodyPr rtlCol="0" anchor="ctr"/>
+          <a:lstStyle/>
+          <a:p>
+            <a:pPr algn="ctr"/>
+            <a:endParaRPr kumimoji="1" lang="zh-CN" altLang="en-US" sz="679"/>
+          </a:p>
+        </p:txBody>
+      </p:sp>
+      <p:sp>
+        <p:nvSpPr>
+          <p:cNvPr id="269" name="弧 268">
+            <a:extLst>
+              <a:ext uri="{FF2B5EF4-FFF2-40B4-BE49-F238E27FC236}">
+                <a16:creationId xmlns:a16="http://schemas.microsoft.com/office/drawing/2014/main" id="{F8557112-AEA2-F34D-8CA9-D1884B992B3F}"/>
+              </a:ext>
+            </a:extLst>
+          </p:cNvPr>
+          <p:cNvSpPr/>
+          <p:nvPr/>
+        </p:nvSpPr>
+        <p:spPr>
+          <a:xfrm rot="6252311">
+            <a:off x="3640641" y="1699828"/>
+            <a:ext cx="270138" cy="155570"/>
+          </a:xfrm>
+          <a:prstGeom prst="arc">
+            <a:avLst/>
+          </a:prstGeom>
+          <a:ln w="25400">
+            <a:solidFill>
+              <a:schemeClr val="tx1"/>
+            </a:solidFill>
+            <a:headEnd type="triangle"/>
+          </a:ln>
+        </p:spPr>
+        <p:style>
+          <a:lnRef idx="1">
+            <a:schemeClr val="accent1"/>
+          </a:lnRef>
+          <a:fillRef idx="0">
+            <a:schemeClr val="accent1"/>
+          </a:fillRef>
+          <a:effectRef idx="0">
+            <a:schemeClr val="accent1"/>
+          </a:effectRef>
+          <a:fontRef idx="minor">
+            <a:schemeClr val="tx1"/>
+          </a:fontRef>
+        </p:style>
+        <p:txBody>
+          <a:bodyPr rtlCol="0" anchor="ctr"/>
+          <a:lstStyle/>
+          <a:p>
+            <a:pPr algn="ctr"/>
+            <a:endParaRPr kumimoji="1" lang="zh-CN" altLang="en-US" sz="679"/>
+          </a:p>
+        </p:txBody>
+      </p:sp>
+      <p:sp>
+        <p:nvSpPr>
+          <p:cNvPr id="270" name="弧 269">
+            <a:extLst>
+              <a:ext uri="{FF2B5EF4-FFF2-40B4-BE49-F238E27FC236}">
+                <a16:creationId xmlns:a16="http://schemas.microsoft.com/office/drawing/2014/main" id="{7C5A40D2-028B-2542-959D-84646D4CF5E1}"/>
+              </a:ext>
+            </a:extLst>
+          </p:cNvPr>
+          <p:cNvSpPr/>
+          <p:nvPr/>
+        </p:nvSpPr>
+        <p:spPr>
+          <a:xfrm rot="6252311">
+            <a:off x="4169832" y="1699827"/>
+            <a:ext cx="270138" cy="155570"/>
+          </a:xfrm>
+          <a:prstGeom prst="arc">
+            <a:avLst/>
+          </a:prstGeom>
+          <a:ln w="25400">
+            <a:solidFill>
+              <a:schemeClr val="tx1"/>
+            </a:solidFill>
+            <a:headEnd type="triangle"/>
+          </a:ln>
+        </p:spPr>
+        <p:style>
+          <a:lnRef idx="1">
+            <a:schemeClr val="accent1"/>
+          </a:lnRef>
+          <a:fillRef idx="0">
+            <a:schemeClr val="accent1"/>
+          </a:fillRef>
+          <a:effectRef idx="0">
+            <a:schemeClr val="accent1"/>
+          </a:effectRef>
+          <a:fontRef idx="minor">
+            <a:schemeClr val="tx1"/>
+          </a:fontRef>
+        </p:style>
+        <p:txBody>
+          <a:bodyPr rtlCol="0" anchor="ctr"/>
+          <a:lstStyle/>
+          <a:p>
+            <a:pPr algn="ctr"/>
+            <a:endParaRPr kumimoji="1" lang="zh-CN" altLang="en-US" sz="679"/>
+          </a:p>
+        </p:txBody>
+      </p:sp>
+      <p:sp>
+        <p:nvSpPr>
+          <p:cNvPr id="271" name="弧 270">
+            <a:extLst>
+              <a:ext uri="{FF2B5EF4-FFF2-40B4-BE49-F238E27FC236}">
+                <a16:creationId xmlns:a16="http://schemas.microsoft.com/office/drawing/2014/main" id="{405062EA-9AC0-1046-8697-8EECA26E793E}"/>
+              </a:ext>
+            </a:extLst>
+          </p:cNvPr>
+          <p:cNvSpPr/>
+          <p:nvPr/>
+        </p:nvSpPr>
+        <p:spPr>
+          <a:xfrm rot="6252311">
+            <a:off x="4733032" y="1692409"/>
+            <a:ext cx="270138" cy="155570"/>
+          </a:xfrm>
+          <a:prstGeom prst="arc">
+            <a:avLst/>
+          </a:prstGeom>
+          <a:ln w="25400">
+            <a:solidFill>
+              <a:schemeClr val="tx1"/>
+            </a:solidFill>
+            <a:headEnd type="triangle"/>
+          </a:ln>
+        </p:spPr>
+        <p:style>
+          <a:lnRef idx="1">
+            <a:schemeClr val="accent1"/>
+          </a:lnRef>
+          <a:fillRef idx="0">
+            <a:schemeClr val="accent1"/>
+          </a:fillRef>
+          <a:effectRef idx="0">
+            <a:schemeClr val="accent1"/>
+          </a:effectRef>
+          <a:fontRef idx="minor">
+            <a:schemeClr val="tx1"/>
+          </a:fontRef>
+        </p:style>
+        <p:txBody>
+          <a:bodyPr rtlCol="0" anchor="ctr"/>
+          <a:lstStyle/>
+          <a:p>
+            <a:pPr algn="ctr"/>
+            <a:endParaRPr kumimoji="1" lang="zh-CN" altLang="en-US" sz="679"/>
+          </a:p>
+        </p:txBody>
+      </p:sp>
+      <p:cxnSp>
+        <p:nvCxnSpPr>
+          <p:cNvPr id="272" name="直线箭头连接符 271">
+            <a:extLst>
+              <a:ext uri="{FF2B5EF4-FFF2-40B4-BE49-F238E27FC236}">
+                <a16:creationId xmlns:a16="http://schemas.microsoft.com/office/drawing/2014/main" id="{82AFE8F2-4976-5440-9F3A-C5E738A1731E}"/>
+              </a:ext>
+            </a:extLst>
+          </p:cNvPr>
+          <p:cNvCxnSpPr/>
+          <p:nvPr/>
+        </p:nvCxnSpPr>
+        <p:spPr>
+          <a:xfrm flipV="1">
+            <a:off x="2827949" y="1815523"/>
+            <a:ext cx="0" cy="179500"/>
+          </a:xfrm>
+          <a:prstGeom prst="straightConnector1">
+            <a:avLst/>
+          </a:prstGeom>
+          <a:ln w="25400">
+            <a:solidFill>
+              <a:schemeClr val="tx1"/>
+            </a:solidFill>
+            <a:tailEnd type="triangle"/>
+          </a:ln>
+        </p:spPr>
+        <p:style>
+          <a:lnRef idx="1">
+            <a:schemeClr val="accent1"/>
+          </a:lnRef>
+          <a:fillRef idx="0">
+            <a:schemeClr val="accent1"/>
+          </a:fillRef>
+          <a:effectRef idx="0">
+            <a:schemeClr val="accent1"/>
+          </a:effectRef>
+          <a:fontRef idx="minor">
+            <a:schemeClr val="tx1"/>
+          </a:fontRef>
+        </p:style>
+      </p:cxnSp>
+      <p:cxnSp>
+        <p:nvCxnSpPr>
+          <p:cNvPr id="273" name="直线箭头连接符 272">
+            <a:extLst>
+              <a:ext uri="{FF2B5EF4-FFF2-40B4-BE49-F238E27FC236}">
+                <a16:creationId xmlns:a16="http://schemas.microsoft.com/office/drawing/2014/main" id="{2B35BC1E-839E-6440-8ED4-A849507D5E42}"/>
+              </a:ext>
+            </a:extLst>
+          </p:cNvPr>
+          <p:cNvCxnSpPr/>
+          <p:nvPr/>
+        </p:nvCxnSpPr>
+        <p:spPr>
+          <a:xfrm flipV="1">
+            <a:off x="3352394" y="1816140"/>
+            <a:ext cx="0" cy="179500"/>
+          </a:xfrm>
+          <a:prstGeom prst="straightConnector1">
+            <a:avLst/>
+          </a:prstGeom>
+          <a:ln w="25400">
+            <a:solidFill>
+              <a:schemeClr val="tx1"/>
+            </a:solidFill>
+            <a:tailEnd type="triangle"/>
+          </a:ln>
+        </p:spPr>
+        <p:style>
+          <a:lnRef idx="1">
+            <a:schemeClr val="accent1"/>
+          </a:lnRef>
+          <a:fillRef idx="0">
+            <a:schemeClr val="accent1"/>
+          </a:fillRef>
+          <a:effectRef idx="0">
+            <a:schemeClr val="accent1"/>
+          </a:effectRef>
+          <a:fontRef idx="minor">
+            <a:schemeClr val="tx1"/>
+          </a:fontRef>
+        </p:style>
+      </p:cxnSp>
+      <p:cxnSp>
+        <p:nvCxnSpPr>
+          <p:cNvPr id="274" name="直线箭头连接符 273">
+            <a:extLst>
+              <a:ext uri="{FF2B5EF4-FFF2-40B4-BE49-F238E27FC236}">
+                <a16:creationId xmlns:a16="http://schemas.microsoft.com/office/drawing/2014/main" id="{360703C9-DF3D-3B45-BB83-CF0541B243B8}"/>
+              </a:ext>
+            </a:extLst>
+          </p:cNvPr>
+          <p:cNvCxnSpPr/>
+          <p:nvPr/>
+        </p:nvCxnSpPr>
+        <p:spPr>
+          <a:xfrm flipV="1">
+            <a:off x="3906521" y="1815523"/>
+            <a:ext cx="0" cy="179500"/>
+          </a:xfrm>
+          <a:prstGeom prst="straightConnector1">
+            <a:avLst/>
+          </a:prstGeom>
+          <a:ln w="25400">
+            <a:solidFill>
+              <a:schemeClr val="tx1"/>
+            </a:solidFill>
+            <a:tailEnd type="triangle"/>
+          </a:ln>
+        </p:spPr>
+        <p:style>
+          <a:lnRef idx="1">
+            <a:schemeClr val="accent1"/>
+          </a:lnRef>
+          <a:fillRef idx="0">
+            <a:schemeClr val="accent1"/>
+          </a:fillRef>
+          <a:effectRef idx="0">
+            <a:schemeClr val="accent1"/>
+          </a:effectRef>
+          <a:fontRef idx="minor">
+            <a:schemeClr val="tx1"/>
+          </a:fontRef>
+        </p:style>
+      </p:cxnSp>
+      <p:cxnSp>
+        <p:nvCxnSpPr>
+          <p:cNvPr id="275" name="直线箭头连接符 274">
+            <a:extLst>
+              <a:ext uri="{FF2B5EF4-FFF2-40B4-BE49-F238E27FC236}">
+                <a16:creationId xmlns:a16="http://schemas.microsoft.com/office/drawing/2014/main" id="{D74FDD61-905B-F74F-90ED-B1F59F5DE66F}"/>
+              </a:ext>
+            </a:extLst>
+          </p:cNvPr>
+          <p:cNvCxnSpPr/>
+          <p:nvPr/>
+        </p:nvCxnSpPr>
+        <p:spPr>
+          <a:xfrm flipV="1">
+            <a:off x="4430965" y="1815523"/>
+            <a:ext cx="0" cy="179500"/>
+          </a:xfrm>
+          <a:prstGeom prst="straightConnector1">
+            <a:avLst/>
+          </a:prstGeom>
+          <a:ln w="25400">
+            <a:solidFill>
+              <a:schemeClr val="tx1"/>
+            </a:solidFill>
+            <a:tailEnd type="triangle"/>
+          </a:ln>
+        </p:spPr>
+        <p:style>
+          <a:lnRef idx="1">
+            <a:schemeClr val="accent1"/>
+          </a:lnRef>
+          <a:fillRef idx="0">
+            <a:schemeClr val="accent1"/>
+          </a:fillRef>
+          <a:effectRef idx="0">
+            <a:schemeClr val="accent1"/>
+          </a:effectRef>
+          <a:fontRef idx="minor">
+            <a:schemeClr val="tx1"/>
+          </a:fontRef>
+        </p:style>
+      </p:cxnSp>
+      <p:cxnSp>
+        <p:nvCxnSpPr>
+          <p:cNvPr id="276" name="直线箭头连接符 275">
+            <a:extLst>
+              <a:ext uri="{FF2B5EF4-FFF2-40B4-BE49-F238E27FC236}">
+                <a16:creationId xmlns:a16="http://schemas.microsoft.com/office/drawing/2014/main" id="{031FAF20-C0DA-F245-8609-BD71606460B3}"/>
+              </a:ext>
+            </a:extLst>
+          </p:cNvPr>
+          <p:cNvCxnSpPr/>
+          <p:nvPr/>
+        </p:nvCxnSpPr>
+        <p:spPr>
+          <a:xfrm flipV="1">
+            <a:off x="4974868" y="1821075"/>
+            <a:ext cx="0" cy="179500"/>
+          </a:xfrm>
+          <a:prstGeom prst="straightConnector1">
+            <a:avLst/>
+          </a:prstGeom>
+          <a:ln w="25400">
+            <a:solidFill>
+              <a:schemeClr val="tx1"/>
+            </a:solidFill>
+            <a:tailEnd type="triangle"/>
+          </a:ln>
+        </p:spPr>
+        <p:style>
+          <a:lnRef idx="1">
+            <a:schemeClr val="accent1"/>
+          </a:lnRef>
+          <a:fillRef idx="0">
+            <a:schemeClr val="accent1"/>
+          </a:fillRef>
+          <a:effectRef idx="0">
+            <a:schemeClr val="accent1"/>
+          </a:effectRef>
+          <a:fontRef idx="minor">
+            <a:schemeClr val="tx1"/>
+          </a:fontRef>
+        </p:style>
+      </p:cxnSp>
+      <p:sp>
+        <p:nvSpPr>
+          <p:cNvPr id="277" name="椭圆 276">
+            <a:extLst>
+              <a:ext uri="{FF2B5EF4-FFF2-40B4-BE49-F238E27FC236}">
+                <a16:creationId xmlns:a16="http://schemas.microsoft.com/office/drawing/2014/main" id="{76F9CDE4-A622-9A40-BB98-C9FA44E2ED2A}"/>
+              </a:ext>
+            </a:extLst>
+          </p:cNvPr>
+          <p:cNvSpPr/>
+          <p:nvPr/>
+        </p:nvSpPr>
+        <p:spPr>
+          <a:xfrm>
+            <a:off x="5432338" y="1556353"/>
+            <a:ext cx="227965" cy="236107"/>
+          </a:xfrm>
+          <a:prstGeom prst="ellipse">
+            <a:avLst/>
+          </a:prstGeom>
+          <a:solidFill>
+            <a:srgbClr val="AB89E1"/>
+          </a:solidFill>
+          <a:ln>
+            <a:solidFill>
+              <a:schemeClr val="tx1"/>
+            </a:solidFill>
+          </a:ln>
+        </p:spPr>
+        <p:style>
+          <a:lnRef idx="2">
+            <a:schemeClr val="accent1">
+              <a:shade val="50000"/>
+            </a:schemeClr>
+          </a:lnRef>
+          <a:fillRef idx="1">
+            <a:schemeClr val="accent1"/>
+          </a:fillRef>
+          <a:effectRef idx="0">
+            <a:schemeClr val="accent1"/>
+          </a:effectRef>
+          <a:fontRef idx="minor">
+            <a:schemeClr val="lt1"/>
+          </a:fontRef>
+        </p:style>
+        <p:txBody>
+          <a:bodyPr rtlCol="0" anchor="ctr"/>
+          <a:lstStyle/>
+          <a:p>
+            <a:pPr algn="ctr"/>
+            <a:r>
+              <a:rPr kumimoji="1" lang="en-US" altLang="zh-CN" sz="679" i="1" dirty="0">
+                <a:solidFill>
+                  <a:schemeClr val="tx1"/>
+                </a:solidFill>
+                <a:latin typeface="Times New Roman" panose="02020603050405020304" pitchFamily="18" charset="0"/>
+                <a:cs typeface="Times New Roman" panose="02020603050405020304" pitchFamily="18" charset="0"/>
+              </a:rPr>
+              <a:t>C</a:t>
+            </a:r>
+            <a:endParaRPr kumimoji="1" lang="zh-CN" altLang="en-US" sz="679" i="1" dirty="0">
+              <a:solidFill>
+                <a:schemeClr val="tx1"/>
+              </a:solidFill>
+              <a:latin typeface="Times New Roman" panose="02020603050405020304" pitchFamily="18" charset="0"/>
+              <a:cs typeface="Times New Roman" panose="02020603050405020304" pitchFamily="18" charset="0"/>
+            </a:endParaRPr>
+          </a:p>
+        </p:txBody>
+      </p:sp>
+      <p:sp>
+        <p:nvSpPr>
+          <p:cNvPr id="279" name="椭圆 278">
+            <a:extLst>
+              <a:ext uri="{FF2B5EF4-FFF2-40B4-BE49-F238E27FC236}">
+                <a16:creationId xmlns:a16="http://schemas.microsoft.com/office/drawing/2014/main" id="{8FACE5CB-8738-504F-9BBF-B6AE600293B6}"/>
+              </a:ext>
+            </a:extLst>
+          </p:cNvPr>
+          <p:cNvSpPr/>
+          <p:nvPr/>
+        </p:nvSpPr>
+        <p:spPr>
+          <a:xfrm>
+            <a:off x="5977826" y="1556352"/>
+            <a:ext cx="227965" cy="236107"/>
+          </a:xfrm>
+          <a:prstGeom prst="ellipse">
+            <a:avLst/>
+          </a:prstGeom>
+          <a:solidFill>
+            <a:srgbClr val="AB89E1"/>
+          </a:solidFill>
+          <a:ln>
+            <a:solidFill>
+              <a:schemeClr val="tx1"/>
+            </a:solidFill>
+          </a:ln>
+        </p:spPr>
+        <p:style>
+          <a:lnRef idx="2">
+            <a:schemeClr val="accent1">
+              <a:shade val="50000"/>
+            </a:schemeClr>
+          </a:lnRef>
+          <a:fillRef idx="1">
+            <a:schemeClr val="accent1"/>
+          </a:fillRef>
+          <a:effectRef idx="0">
+            <a:schemeClr val="accent1"/>
+          </a:effectRef>
+          <a:fontRef idx="minor">
+            <a:schemeClr val="lt1"/>
+          </a:fontRef>
+        </p:style>
+        <p:txBody>
+          <a:bodyPr rtlCol="0" anchor="ctr"/>
+          <a:lstStyle/>
+          <a:p>
+            <a:pPr algn="ctr"/>
+            <a:r>
+              <a:rPr kumimoji="1" lang="en-US" altLang="zh-CN" sz="679" i="1" dirty="0">
+                <a:solidFill>
+                  <a:schemeClr val="tx1"/>
+                </a:solidFill>
+                <a:latin typeface="Times New Roman" panose="02020603050405020304" pitchFamily="18" charset="0"/>
+                <a:cs typeface="Times New Roman" panose="02020603050405020304" pitchFamily="18" charset="0"/>
+              </a:rPr>
+              <a:t>C</a:t>
+            </a:r>
+            <a:endParaRPr kumimoji="1" lang="zh-CN" altLang="en-US" sz="679" i="1" dirty="0">
+              <a:solidFill>
+                <a:schemeClr val="tx1"/>
+              </a:solidFill>
+              <a:latin typeface="Times New Roman" panose="02020603050405020304" pitchFamily="18" charset="0"/>
+              <a:cs typeface="Times New Roman" panose="02020603050405020304" pitchFamily="18" charset="0"/>
+            </a:endParaRPr>
+          </a:p>
+        </p:txBody>
+      </p:sp>
+      <p:cxnSp>
+        <p:nvCxnSpPr>
+          <p:cNvPr id="280" name="直线箭头连接符 279">
+            <a:extLst>
+              <a:ext uri="{FF2B5EF4-FFF2-40B4-BE49-F238E27FC236}">
+                <a16:creationId xmlns:a16="http://schemas.microsoft.com/office/drawing/2014/main" id="{37081C83-F103-B54F-83B7-1D6A31ECBCDA}"/>
+              </a:ext>
+            </a:extLst>
+          </p:cNvPr>
+          <p:cNvCxnSpPr/>
+          <p:nvPr/>
+        </p:nvCxnSpPr>
+        <p:spPr>
+          <a:xfrm>
+            <a:off x="5702151" y="1677097"/>
+            <a:ext cx="244248" cy="0"/>
+          </a:xfrm>
+          <a:prstGeom prst="straightConnector1">
+            <a:avLst/>
+          </a:prstGeom>
+          <a:ln w="25400">
+            <a:solidFill>
+              <a:schemeClr val="tx1"/>
+            </a:solidFill>
+            <a:tailEnd type="triangle"/>
+          </a:ln>
+        </p:spPr>
+        <p:style>
+          <a:lnRef idx="1">
+            <a:schemeClr val="accent1"/>
+          </a:lnRef>
+          <a:fillRef idx="0">
+            <a:schemeClr val="accent1"/>
+          </a:fillRef>
+          <a:effectRef idx="0">
+            <a:schemeClr val="accent1"/>
+          </a:effectRef>
+          <a:fontRef idx="minor">
+            <a:schemeClr val="tx1"/>
+          </a:fontRef>
+        </p:style>
+      </p:cxnSp>
+      <p:cxnSp>
+        <p:nvCxnSpPr>
+          <p:cNvPr id="282" name="直线箭头连接符 281">
+            <a:extLst>
+              <a:ext uri="{FF2B5EF4-FFF2-40B4-BE49-F238E27FC236}">
+                <a16:creationId xmlns:a16="http://schemas.microsoft.com/office/drawing/2014/main" id="{527D8D1E-65F9-7740-843D-2AD00FFF5555}"/>
+              </a:ext>
+            </a:extLst>
+          </p:cNvPr>
+          <p:cNvCxnSpPr/>
+          <p:nvPr/>
+        </p:nvCxnSpPr>
+        <p:spPr>
+          <a:xfrm flipV="1">
+            <a:off x="5531458" y="1343841"/>
+            <a:ext cx="0" cy="179500"/>
+          </a:xfrm>
+          <a:prstGeom prst="straightConnector1">
+            <a:avLst/>
+          </a:prstGeom>
+          <a:ln w="25400">
+            <a:solidFill>
+              <a:schemeClr val="tx1"/>
+            </a:solidFill>
+            <a:tailEnd type="triangle"/>
+          </a:ln>
+        </p:spPr>
+        <p:style>
+          <a:lnRef idx="1">
+            <a:schemeClr val="accent1"/>
+          </a:lnRef>
+          <a:fillRef idx="0">
+            <a:schemeClr val="accent1"/>
+          </a:fillRef>
+          <a:effectRef idx="0">
+            <a:schemeClr val="accent1"/>
+          </a:effectRef>
+          <a:fontRef idx="minor">
+            <a:schemeClr val="tx1"/>
+          </a:fontRef>
+        </p:style>
+      </p:cxnSp>
+      <p:sp>
+        <p:nvSpPr>
+          <p:cNvPr id="283" name="矩形 282">
+            <a:extLst>
+              <a:ext uri="{FF2B5EF4-FFF2-40B4-BE49-F238E27FC236}">
+                <a16:creationId xmlns:a16="http://schemas.microsoft.com/office/drawing/2014/main" id="{413DD249-9984-4C4C-91CB-0D1914225DD1}"/>
+              </a:ext>
+            </a:extLst>
+          </p:cNvPr>
+          <p:cNvSpPr/>
+          <p:nvPr/>
+        </p:nvSpPr>
+        <p:spPr>
+          <a:xfrm>
+            <a:off x="5481124" y="1113135"/>
+            <a:ext cx="107700" cy="107700"/>
+          </a:xfrm>
+          <a:prstGeom prst="rect">
+            <a:avLst/>
+          </a:prstGeom>
+          <a:solidFill>
+            <a:srgbClr val="01B0F0"/>
+          </a:solidFill>
+          <a:ln>
+            <a:solidFill>
+              <a:schemeClr val="tx1"/>
+            </a:solidFill>
+          </a:ln>
+        </p:spPr>
+        <p:style>
+          <a:lnRef idx="2">
+            <a:schemeClr val="accent1">
+              <a:shade val="50000"/>
+            </a:schemeClr>
+          </a:lnRef>
+          <a:fillRef idx="1">
+            <a:schemeClr val="accent1"/>
+          </a:fillRef>
+          <a:effectRef idx="0">
+            <a:schemeClr val="accent1"/>
+          </a:effectRef>
+          <a:fontRef idx="minor">
+            <a:schemeClr val="lt1"/>
+          </a:fontRef>
+        </p:style>
+        <p:txBody>
+          <a:bodyPr rtlCol="0" anchor="ctr"/>
+          <a:lstStyle/>
+          <a:p>
+            <a:pPr algn="ctr"/>
+            <a:endParaRPr kumimoji="1" lang="zh-CN" altLang="en-US" sz="679">
+              <a:solidFill>
+                <a:schemeClr val="tx1"/>
+              </a:solidFill>
+            </a:endParaRPr>
+          </a:p>
+        </p:txBody>
+      </p:sp>
+      <p:sp>
+        <p:nvSpPr>
+          <p:cNvPr id="284" name="矩形 283">
+            <a:extLst>
+              <a:ext uri="{FF2B5EF4-FFF2-40B4-BE49-F238E27FC236}">
+                <a16:creationId xmlns:a16="http://schemas.microsoft.com/office/drawing/2014/main" id="{573BC4DC-F5C5-CE43-9458-B4EEF063294D}"/>
+              </a:ext>
+            </a:extLst>
+          </p:cNvPr>
+          <p:cNvSpPr/>
+          <p:nvPr/>
+        </p:nvSpPr>
+        <p:spPr>
+          <a:xfrm>
+            <a:off x="5481124" y="1218873"/>
+            <a:ext cx="107700" cy="107700"/>
+          </a:xfrm>
+          <a:prstGeom prst="rect">
+            <a:avLst/>
+          </a:prstGeom>
+          <a:solidFill>
+            <a:srgbClr val="01B0F0"/>
+          </a:solidFill>
+          <a:ln>
+            <a:solidFill>
+              <a:schemeClr val="tx1"/>
+            </a:solidFill>
+          </a:ln>
+        </p:spPr>
+        <p:style>
+          <a:lnRef idx="2">
+            <a:schemeClr val="accent1">
+              <a:shade val="50000"/>
+            </a:schemeClr>
+          </a:lnRef>
+          <a:fillRef idx="1">
+            <a:schemeClr val="accent1"/>
+          </a:fillRef>
+          <a:effectRef idx="0">
+            <a:schemeClr val="accent1"/>
+          </a:effectRef>
+          <a:fontRef idx="minor">
+            <a:schemeClr val="lt1"/>
+          </a:fontRef>
+        </p:style>
+        <p:txBody>
+          <a:bodyPr rtlCol="0" anchor="ctr"/>
+          <a:lstStyle/>
+          <a:p>
+            <a:pPr algn="ctr"/>
+            <a:endParaRPr kumimoji="1" lang="zh-CN" altLang="en-US" sz="679">
+              <a:solidFill>
+                <a:schemeClr val="tx1"/>
+              </a:solidFill>
+            </a:endParaRPr>
+          </a:p>
+        </p:txBody>
+      </p:sp>
+      <p:cxnSp>
+        <p:nvCxnSpPr>
+          <p:cNvPr id="285" name="直线箭头连接符 284">
+            <a:extLst>
+              <a:ext uri="{FF2B5EF4-FFF2-40B4-BE49-F238E27FC236}">
+                <a16:creationId xmlns:a16="http://schemas.microsoft.com/office/drawing/2014/main" id="{64B48ACC-F162-4D44-9470-ED4F753F350B}"/>
+              </a:ext>
+            </a:extLst>
+          </p:cNvPr>
+          <p:cNvCxnSpPr/>
+          <p:nvPr/>
+        </p:nvCxnSpPr>
+        <p:spPr>
+          <a:xfrm flipV="1">
+            <a:off x="6075362" y="1349392"/>
+            <a:ext cx="0" cy="179500"/>
+          </a:xfrm>
+          <a:prstGeom prst="straightConnector1">
+            <a:avLst/>
+          </a:prstGeom>
+          <a:ln w="25400">
+            <a:solidFill>
+              <a:schemeClr val="tx1"/>
+            </a:solidFill>
+            <a:tailEnd type="triangle"/>
+          </a:ln>
+        </p:spPr>
+        <p:style>
+          <a:lnRef idx="1">
+            <a:schemeClr val="accent1"/>
+          </a:lnRef>
+          <a:fillRef idx="0">
+            <a:schemeClr val="accent1"/>
+          </a:fillRef>
+          <a:effectRef idx="0">
+            <a:schemeClr val="accent1"/>
+          </a:effectRef>
+          <a:fontRef idx="minor">
+            <a:schemeClr val="tx1"/>
+          </a:fontRef>
+        </p:style>
+      </p:cxnSp>
+      <p:sp>
+        <p:nvSpPr>
+          <p:cNvPr id="286" name="矩形 285">
+            <a:extLst>
+              <a:ext uri="{FF2B5EF4-FFF2-40B4-BE49-F238E27FC236}">
+                <a16:creationId xmlns:a16="http://schemas.microsoft.com/office/drawing/2014/main" id="{FA062C95-E9A4-9A40-93C8-CCD4F6580A0E}"/>
+              </a:ext>
+            </a:extLst>
+          </p:cNvPr>
+          <p:cNvSpPr/>
+          <p:nvPr/>
+        </p:nvSpPr>
+        <p:spPr>
+          <a:xfrm>
+            <a:off x="6025028" y="1118687"/>
+            <a:ext cx="107700" cy="107700"/>
+          </a:xfrm>
+          <a:prstGeom prst="rect">
+            <a:avLst/>
+          </a:prstGeom>
+          <a:solidFill>
+            <a:srgbClr val="01B0F0"/>
+          </a:solidFill>
+          <a:ln>
+            <a:solidFill>
+              <a:schemeClr val="tx1"/>
+            </a:solidFill>
+          </a:ln>
+        </p:spPr>
+        <p:style>
+          <a:lnRef idx="2">
+            <a:schemeClr val="accent1">
+              <a:shade val="50000"/>
+            </a:schemeClr>
+          </a:lnRef>
+          <a:fillRef idx="1">
+            <a:schemeClr val="accent1"/>
+          </a:fillRef>
+          <a:effectRef idx="0">
+            <a:schemeClr val="accent1"/>
+          </a:effectRef>
+          <a:fontRef idx="minor">
+            <a:schemeClr val="lt1"/>
+          </a:fontRef>
+        </p:style>
+        <p:txBody>
+          <a:bodyPr rtlCol="0" anchor="ctr"/>
+          <a:lstStyle/>
+          <a:p>
+            <a:pPr algn="ctr"/>
+            <a:endParaRPr kumimoji="1" lang="zh-CN" altLang="en-US" sz="679">
+              <a:solidFill>
+                <a:schemeClr val="tx1"/>
+              </a:solidFill>
+            </a:endParaRPr>
+          </a:p>
+        </p:txBody>
+      </p:sp>
+      <p:sp>
+        <p:nvSpPr>
+          <p:cNvPr id="287" name="矩形 286">
+            <a:extLst>
+              <a:ext uri="{FF2B5EF4-FFF2-40B4-BE49-F238E27FC236}">
+                <a16:creationId xmlns:a16="http://schemas.microsoft.com/office/drawing/2014/main" id="{E72E09C5-59FC-364D-BBC7-09BF2A68785C}"/>
+              </a:ext>
+            </a:extLst>
+          </p:cNvPr>
+          <p:cNvSpPr/>
+          <p:nvPr/>
+        </p:nvSpPr>
+        <p:spPr>
+          <a:xfrm>
+            <a:off x="6025028" y="1224425"/>
+            <a:ext cx="107700" cy="107700"/>
+          </a:xfrm>
+          <a:prstGeom prst="rect">
+            <a:avLst/>
+          </a:prstGeom>
+          <a:solidFill>
+            <a:srgbClr val="01B0F0"/>
+          </a:solidFill>
+          <a:ln>
+            <a:solidFill>
+              <a:schemeClr val="tx1"/>
+            </a:solidFill>
+          </a:ln>
+        </p:spPr>
+        <p:style>
+          <a:lnRef idx="2">
+            <a:schemeClr val="accent1">
+              <a:shade val="50000"/>
+            </a:schemeClr>
+          </a:lnRef>
+          <a:fillRef idx="1">
+            <a:schemeClr val="accent1"/>
+          </a:fillRef>
+          <a:effectRef idx="0">
+            <a:schemeClr val="accent1"/>
+          </a:effectRef>
+          <a:fontRef idx="minor">
+            <a:schemeClr val="lt1"/>
+          </a:fontRef>
+        </p:style>
+        <p:txBody>
+          <a:bodyPr rtlCol="0" anchor="ctr"/>
+          <a:lstStyle/>
+          <a:p>
+            <a:pPr algn="ctr"/>
+            <a:endParaRPr kumimoji="1" lang="zh-CN" altLang="en-US" sz="679">
+              <a:solidFill>
+                <a:schemeClr val="tx1"/>
+              </a:solidFill>
+            </a:endParaRPr>
+          </a:p>
+        </p:txBody>
+      </p:sp>
+      <p:sp>
+        <p:nvSpPr>
+          <p:cNvPr id="288" name="文本框 287">
+            <a:extLst>
+              <a:ext uri="{FF2B5EF4-FFF2-40B4-BE49-F238E27FC236}">
+                <a16:creationId xmlns:a16="http://schemas.microsoft.com/office/drawing/2014/main" id="{0BF7201F-3DA0-ED48-969C-D0A2D3B66451}"/>
+              </a:ext>
+            </a:extLst>
+          </p:cNvPr>
+          <p:cNvSpPr txBox="1"/>
+          <p:nvPr/>
+        </p:nvSpPr>
+        <p:spPr>
+          <a:xfrm>
+            <a:off x="5307171" y="1132648"/>
+            <a:ext cx="248786" cy="245773"/>
+          </a:xfrm>
+          <a:prstGeom prst="rect">
+            <a:avLst/>
+          </a:prstGeom>
+          <a:noFill/>
+        </p:spPr>
+        <p:txBody>
+          <a:bodyPr wrap="none" rtlCol="0">
+            <a:spAutoFit/>
+          </a:bodyPr>
+          <a:lstStyle/>
+          <a:p>
+            <a:r>
+              <a:rPr kumimoji="1" lang="en-US" altLang="zh-CN" sz="997" i="1" dirty="0">
+                <a:latin typeface="Times New Roman" panose="02020603050405020304" pitchFamily="18" charset="0"/>
+                <a:cs typeface="Times New Roman" panose="02020603050405020304" pitchFamily="18" charset="0"/>
+              </a:rPr>
+              <a:t>h</a:t>
+            </a:r>
+            <a:endParaRPr kumimoji="1" lang="zh-CN" altLang="en-US" sz="997" i="1" dirty="0">
+              <a:latin typeface="Times New Roman" panose="02020603050405020304" pitchFamily="18" charset="0"/>
+              <a:cs typeface="Times New Roman" panose="02020603050405020304" pitchFamily="18" charset="0"/>
+            </a:endParaRPr>
+          </a:p>
+        </p:txBody>
+      </p:sp>
+      <p:sp>
+        <p:nvSpPr>
+          <p:cNvPr id="289" name="文本框 288">
+            <a:extLst>
+              <a:ext uri="{FF2B5EF4-FFF2-40B4-BE49-F238E27FC236}">
+                <a16:creationId xmlns:a16="http://schemas.microsoft.com/office/drawing/2014/main" id="{36B40B95-C0DB-164E-AF99-7A1D2D4EFE05}"/>
+              </a:ext>
+            </a:extLst>
+          </p:cNvPr>
+          <p:cNvSpPr txBox="1"/>
+          <p:nvPr/>
+        </p:nvSpPr>
+        <p:spPr>
+          <a:xfrm>
+            <a:off x="5862966" y="1128943"/>
+            <a:ext cx="248786" cy="245773"/>
+          </a:xfrm>
+          <a:prstGeom prst="rect">
+            <a:avLst/>
+          </a:prstGeom>
+          <a:noFill/>
+        </p:spPr>
+        <p:txBody>
+          <a:bodyPr wrap="none" rtlCol="0">
+            <a:spAutoFit/>
+          </a:bodyPr>
+          <a:lstStyle/>
+          <a:p>
+            <a:r>
+              <a:rPr kumimoji="1" lang="en-US" altLang="zh-CN" sz="997" i="1" dirty="0">
+                <a:latin typeface="Times New Roman" panose="02020603050405020304" pitchFamily="18" charset="0"/>
+                <a:cs typeface="Times New Roman" panose="02020603050405020304" pitchFamily="18" charset="0"/>
+              </a:rPr>
+              <a:t>h</a:t>
+            </a:r>
+            <a:endParaRPr kumimoji="1" lang="zh-CN" altLang="en-US" sz="997" i="1" dirty="0">
+              <a:latin typeface="Times New Roman" panose="02020603050405020304" pitchFamily="18" charset="0"/>
+              <a:cs typeface="Times New Roman" panose="02020603050405020304" pitchFamily="18" charset="0"/>
+            </a:endParaRPr>
+          </a:p>
+        </p:txBody>
+      </p:sp>
+      <p:sp>
+        <p:nvSpPr>
+          <p:cNvPr id="290" name="矩形 289">
+            <a:extLst>
+              <a:ext uri="{FF2B5EF4-FFF2-40B4-BE49-F238E27FC236}">
+                <a16:creationId xmlns:a16="http://schemas.microsoft.com/office/drawing/2014/main" id="{4EAC114A-1B90-1E42-B6E2-B95EF11CCBB0}"/>
+              </a:ext>
+            </a:extLst>
+          </p:cNvPr>
+          <p:cNvSpPr/>
+          <p:nvPr/>
+        </p:nvSpPr>
+        <p:spPr>
+          <a:xfrm>
+            <a:off x="5389783" y="2028133"/>
+            <a:ext cx="290382" cy="240024"/>
+          </a:xfrm>
+          <a:prstGeom prst="rect">
+            <a:avLst/>
+          </a:prstGeom>
+          <a:solidFill>
+            <a:srgbClr val="F95100"/>
+          </a:solidFill>
+          <a:ln>
+            <a:solidFill>
+              <a:schemeClr val="tx1"/>
+            </a:solidFill>
+          </a:ln>
+        </p:spPr>
+        <p:style>
+          <a:lnRef idx="2">
+            <a:schemeClr val="accent1">
+              <a:shade val="50000"/>
+            </a:schemeClr>
+          </a:lnRef>
+          <a:fillRef idx="1">
+            <a:schemeClr val="accent1"/>
+          </a:fillRef>
+          <a:effectRef idx="0">
+            <a:schemeClr val="accent1"/>
+          </a:effectRef>
+          <a:fontRef idx="minor">
+            <a:schemeClr val="lt1"/>
+          </a:fontRef>
+        </p:style>
+        <p:txBody>
+          <a:bodyPr rtlCol="0" anchor="ctr"/>
+          <a:lstStyle/>
+          <a:p>
+            <a:pPr algn="ctr"/>
+            <a:r>
+              <a:rPr kumimoji="1" lang="zh-CN" altLang="en-US" sz="900" dirty="0">
+                <a:solidFill>
+                  <a:schemeClr val="tx1"/>
+                </a:solidFill>
+              </a:rPr>
+              <a:t>大</a:t>
+            </a:r>
+          </a:p>
+        </p:txBody>
+      </p:sp>
+      <p:sp>
+        <p:nvSpPr>
+          <p:cNvPr id="291" name="矩形 290">
+            <a:extLst>
+              <a:ext uri="{FF2B5EF4-FFF2-40B4-BE49-F238E27FC236}">
+                <a16:creationId xmlns:a16="http://schemas.microsoft.com/office/drawing/2014/main" id="{E5D3B89B-76A9-DA46-8C61-32C721517095}"/>
+              </a:ext>
+            </a:extLst>
+          </p:cNvPr>
+          <p:cNvSpPr/>
+          <p:nvPr/>
+        </p:nvSpPr>
+        <p:spPr>
+          <a:xfrm>
+            <a:off x="5930171" y="2033055"/>
+            <a:ext cx="290382" cy="240024"/>
+          </a:xfrm>
+          <a:prstGeom prst="rect">
+            <a:avLst/>
+          </a:prstGeom>
+          <a:solidFill>
+            <a:srgbClr val="F95100"/>
+          </a:solidFill>
+          <a:ln>
+            <a:solidFill>
+              <a:schemeClr val="tx1"/>
+            </a:solidFill>
+          </a:ln>
+        </p:spPr>
+        <p:style>
+          <a:lnRef idx="2">
+            <a:schemeClr val="accent1">
+              <a:shade val="50000"/>
+            </a:schemeClr>
+          </a:lnRef>
+          <a:fillRef idx="1">
+            <a:schemeClr val="accent1"/>
+          </a:fillRef>
+          <a:effectRef idx="0">
+            <a:schemeClr val="accent1"/>
+          </a:effectRef>
+          <a:fontRef idx="minor">
+            <a:schemeClr val="lt1"/>
+          </a:fontRef>
+        </p:style>
+        <p:txBody>
+          <a:bodyPr rtlCol="0" anchor="ctr"/>
+          <a:lstStyle/>
+          <a:p>
+            <a:pPr algn="ctr"/>
+            <a:r>
+              <a:rPr kumimoji="1" lang="zh-CN" altLang="en-US" sz="900" dirty="0">
+                <a:solidFill>
+                  <a:schemeClr val="tx1"/>
+                </a:solidFill>
+              </a:rPr>
+              <a:t>桥</a:t>
+            </a:r>
+          </a:p>
+        </p:txBody>
+      </p:sp>
+      <p:sp>
+        <p:nvSpPr>
+          <p:cNvPr id="292" name="椭圆 291">
+            <a:extLst>
+              <a:ext uri="{FF2B5EF4-FFF2-40B4-BE49-F238E27FC236}">
+                <a16:creationId xmlns:a16="http://schemas.microsoft.com/office/drawing/2014/main" id="{B704DACE-D582-D645-8AA5-13B19DDE2648}"/>
+              </a:ext>
+            </a:extLst>
+          </p:cNvPr>
+          <p:cNvSpPr/>
+          <p:nvPr/>
+        </p:nvSpPr>
+        <p:spPr>
+          <a:xfrm>
+            <a:off x="5195688" y="1883570"/>
+            <a:ext cx="166239" cy="151734"/>
+          </a:xfrm>
+          <a:prstGeom prst="ellipse">
+            <a:avLst/>
+          </a:prstGeom>
+          <a:blipFill>
+            <a:blip r:embed="rId3"/>
+            <a:tile tx="0" ty="0" sx="100000" sy="100000" flip="none" algn="tl"/>
+          </a:blipFill>
+          <a:ln>
+            <a:solidFill>
+              <a:schemeClr val="tx1"/>
+            </a:solidFill>
+          </a:ln>
+        </p:spPr>
+        <p:style>
+          <a:lnRef idx="2">
+            <a:schemeClr val="accent1">
+              <a:shade val="50000"/>
+            </a:schemeClr>
+          </a:lnRef>
+          <a:fillRef idx="1">
+            <a:schemeClr val="accent1"/>
+          </a:fillRef>
+          <a:effectRef idx="0">
+            <a:schemeClr val="accent1"/>
+          </a:effectRef>
+          <a:fontRef idx="minor">
+            <a:schemeClr val="lt1"/>
+          </a:fontRef>
+        </p:style>
+        <p:txBody>
+          <a:bodyPr rtlCol="0" anchor="ctr"/>
+          <a:lstStyle/>
+          <a:p>
+            <a:pPr algn="ctr"/>
+            <a:endParaRPr kumimoji="1" lang="zh-CN" altLang="en-US" sz="679" dirty="0">
+              <a:solidFill>
+                <a:schemeClr val="tx1"/>
+              </a:solidFill>
+            </a:endParaRPr>
+          </a:p>
+        </p:txBody>
+      </p:sp>
+      <p:sp>
+        <p:nvSpPr>
+          <p:cNvPr id="293" name="椭圆 292">
+            <a:extLst>
+              <a:ext uri="{FF2B5EF4-FFF2-40B4-BE49-F238E27FC236}">
+                <a16:creationId xmlns:a16="http://schemas.microsoft.com/office/drawing/2014/main" id="{677BCA06-ED72-4641-9546-DA918304920A}"/>
+              </a:ext>
+            </a:extLst>
+          </p:cNvPr>
+          <p:cNvSpPr/>
+          <p:nvPr/>
+        </p:nvSpPr>
+        <p:spPr>
+          <a:xfrm>
+            <a:off x="5754813" y="1883570"/>
+            <a:ext cx="166239" cy="151734"/>
+          </a:xfrm>
+          <a:prstGeom prst="ellipse">
+            <a:avLst/>
+          </a:prstGeom>
+          <a:blipFill>
+            <a:blip r:embed="rId3"/>
+            <a:tile tx="0" ty="0" sx="100000" sy="100000" flip="none" algn="tl"/>
+          </a:blipFill>
+          <a:ln>
+            <a:solidFill>
+              <a:schemeClr val="tx1"/>
+            </a:solidFill>
+          </a:ln>
+        </p:spPr>
+        <p:style>
+          <a:lnRef idx="2">
+            <a:schemeClr val="accent1">
+              <a:shade val="50000"/>
+            </a:schemeClr>
+          </a:lnRef>
+          <a:fillRef idx="1">
+            <a:schemeClr val="accent1"/>
+          </a:fillRef>
+          <a:effectRef idx="0">
+            <a:schemeClr val="accent1"/>
+          </a:effectRef>
+          <a:fontRef idx="minor">
+            <a:schemeClr val="lt1"/>
+          </a:fontRef>
+        </p:style>
+        <p:txBody>
+          <a:bodyPr rtlCol="0" anchor="ctr"/>
+          <a:lstStyle/>
+          <a:p>
+            <a:pPr algn="ctr"/>
+            <a:endParaRPr kumimoji="1" lang="zh-CN" altLang="en-US" sz="679" dirty="0">
+              <a:solidFill>
+                <a:schemeClr val="tx1"/>
+              </a:solidFill>
+            </a:endParaRPr>
+          </a:p>
+        </p:txBody>
+      </p:sp>
+      <p:cxnSp>
+        <p:nvCxnSpPr>
+          <p:cNvPr id="294" name="直线箭头连接符 293">
+            <a:extLst>
+              <a:ext uri="{FF2B5EF4-FFF2-40B4-BE49-F238E27FC236}">
+                <a16:creationId xmlns:a16="http://schemas.microsoft.com/office/drawing/2014/main" id="{1D4DC699-1314-C149-86D6-615D3C955DE0}"/>
+              </a:ext>
+            </a:extLst>
+          </p:cNvPr>
+          <p:cNvCxnSpPr>
+            <a:cxnSpLocks/>
+          </p:cNvCxnSpPr>
+          <p:nvPr/>
+        </p:nvCxnSpPr>
+        <p:spPr>
+          <a:xfrm flipV="1">
+            <a:off x="5284834" y="2048390"/>
+            <a:ext cx="0" cy="288883"/>
+          </a:xfrm>
+          <a:prstGeom prst="straightConnector1">
+            <a:avLst/>
+          </a:prstGeom>
+          <a:ln w="25400">
+            <a:solidFill>
+              <a:schemeClr val="tx1"/>
+            </a:solidFill>
+            <a:tailEnd type="triangle"/>
+          </a:ln>
+        </p:spPr>
+        <p:style>
+          <a:lnRef idx="1">
+            <a:schemeClr val="accent1"/>
+          </a:lnRef>
+          <a:fillRef idx="0">
+            <a:schemeClr val="accent1"/>
+          </a:fillRef>
+          <a:effectRef idx="0">
+            <a:schemeClr val="accent1"/>
+          </a:effectRef>
+          <a:fontRef idx="minor">
+            <a:schemeClr val="tx1"/>
+          </a:fontRef>
+        </p:style>
+      </p:cxnSp>
+      <p:sp>
+        <p:nvSpPr>
+          <p:cNvPr id="295" name="矩形 294">
+            <a:extLst>
+              <a:ext uri="{FF2B5EF4-FFF2-40B4-BE49-F238E27FC236}">
+                <a16:creationId xmlns:a16="http://schemas.microsoft.com/office/drawing/2014/main" id="{7DC82BDF-0663-E94B-A952-3998A1FA33A9}"/>
+              </a:ext>
+            </a:extLst>
+          </p:cNvPr>
+          <p:cNvSpPr/>
+          <p:nvPr/>
+        </p:nvSpPr>
+        <p:spPr>
+          <a:xfrm>
+            <a:off x="5018403" y="2354515"/>
+            <a:ext cx="555206" cy="240024"/>
+          </a:xfrm>
+          <a:prstGeom prst="rect">
+            <a:avLst/>
+          </a:prstGeom>
+          <a:solidFill>
+            <a:srgbClr val="FFC001"/>
+          </a:solidFill>
+          <a:ln>
+            <a:solidFill>
+              <a:schemeClr val="tx1"/>
+            </a:solidFill>
+          </a:ln>
+        </p:spPr>
+        <p:style>
+          <a:lnRef idx="2">
+            <a:schemeClr val="accent1">
+              <a:shade val="50000"/>
+            </a:schemeClr>
+          </a:lnRef>
+          <a:fillRef idx="1">
+            <a:schemeClr val="accent1"/>
+          </a:fillRef>
+          <a:effectRef idx="0">
+            <a:schemeClr val="accent1"/>
+          </a:effectRef>
+          <a:fontRef idx="minor">
+            <a:schemeClr val="lt1"/>
+          </a:fontRef>
+        </p:style>
+        <p:txBody>
+          <a:bodyPr rtlCol="0" anchor="ctr"/>
+          <a:lstStyle/>
+          <a:p>
+            <a:pPr algn="ctr"/>
+            <a:r>
+              <a:rPr kumimoji="1" lang="zh-CN" altLang="en-US" sz="679" dirty="0">
+                <a:solidFill>
+                  <a:schemeClr val="tx1"/>
+                </a:solidFill>
+              </a:rPr>
+              <a:t>长江大桥</a:t>
+            </a:r>
+          </a:p>
+        </p:txBody>
+      </p:sp>
+      <p:cxnSp>
+        <p:nvCxnSpPr>
+          <p:cNvPr id="296" name="直线箭头连接符 295">
+            <a:extLst>
+              <a:ext uri="{FF2B5EF4-FFF2-40B4-BE49-F238E27FC236}">
+                <a16:creationId xmlns:a16="http://schemas.microsoft.com/office/drawing/2014/main" id="{1D6FA51C-607A-9644-BF3E-E9318A965602}"/>
+              </a:ext>
+            </a:extLst>
+          </p:cNvPr>
+          <p:cNvCxnSpPr>
+            <a:cxnSpLocks/>
+          </p:cNvCxnSpPr>
+          <p:nvPr/>
+        </p:nvCxnSpPr>
+        <p:spPr>
+          <a:xfrm flipV="1">
+            <a:off x="5826729" y="2048388"/>
+            <a:ext cx="0" cy="288883"/>
+          </a:xfrm>
+          <a:prstGeom prst="straightConnector1">
+            <a:avLst/>
+          </a:prstGeom>
+          <a:ln w="25400">
+            <a:solidFill>
+              <a:schemeClr val="tx1"/>
+            </a:solidFill>
+            <a:tailEnd type="triangle"/>
+          </a:ln>
+        </p:spPr>
+        <p:style>
+          <a:lnRef idx="1">
+            <a:schemeClr val="accent1"/>
+          </a:lnRef>
+          <a:fillRef idx="0">
+            <a:schemeClr val="accent1"/>
+          </a:fillRef>
+          <a:effectRef idx="0">
+            <a:schemeClr val="accent1"/>
+          </a:effectRef>
+          <a:fontRef idx="minor">
+            <a:schemeClr val="tx1"/>
+          </a:fontRef>
+        </p:style>
+      </p:cxnSp>
+      <p:sp>
+        <p:nvSpPr>
+          <p:cNvPr id="297" name="矩形 296">
+            <a:extLst>
+              <a:ext uri="{FF2B5EF4-FFF2-40B4-BE49-F238E27FC236}">
+                <a16:creationId xmlns:a16="http://schemas.microsoft.com/office/drawing/2014/main" id="{459CF0B7-343D-F949-8956-A589D62BECEB}"/>
+              </a:ext>
+            </a:extLst>
+          </p:cNvPr>
+          <p:cNvSpPr/>
+          <p:nvPr/>
+        </p:nvSpPr>
+        <p:spPr>
+          <a:xfrm>
+            <a:off x="5666875" y="2354515"/>
+            <a:ext cx="358169" cy="240024"/>
+          </a:xfrm>
+          <a:prstGeom prst="rect">
+            <a:avLst/>
+          </a:prstGeom>
+          <a:solidFill>
+            <a:srgbClr val="FFC001"/>
+          </a:solidFill>
+          <a:ln>
+            <a:solidFill>
+              <a:schemeClr val="tx1"/>
+            </a:solidFill>
+          </a:ln>
+        </p:spPr>
+        <p:style>
+          <a:lnRef idx="2">
+            <a:schemeClr val="accent1">
+              <a:shade val="50000"/>
+            </a:schemeClr>
+          </a:lnRef>
+          <a:fillRef idx="1">
+            <a:schemeClr val="accent1"/>
+          </a:fillRef>
+          <a:effectRef idx="0">
+            <a:schemeClr val="accent1"/>
+          </a:effectRef>
+          <a:fontRef idx="minor">
+            <a:schemeClr val="lt1"/>
+          </a:fontRef>
+        </p:style>
+        <p:txBody>
+          <a:bodyPr rtlCol="0" anchor="ctr"/>
+          <a:lstStyle/>
+          <a:p>
+            <a:pPr algn="ctr"/>
+            <a:r>
+              <a:rPr kumimoji="1" lang="zh-CN" altLang="en-US" sz="679" dirty="0">
+                <a:solidFill>
+                  <a:schemeClr val="tx1"/>
+                </a:solidFill>
+              </a:rPr>
+              <a:t>大桥</a:t>
+            </a:r>
+          </a:p>
+        </p:txBody>
+      </p:sp>
+      <p:sp>
+        <p:nvSpPr>
+          <p:cNvPr id="299" name="弧 298">
+            <a:extLst>
+              <a:ext uri="{FF2B5EF4-FFF2-40B4-BE49-F238E27FC236}">
+                <a16:creationId xmlns:a16="http://schemas.microsoft.com/office/drawing/2014/main" id="{B3E9A294-FD39-8A41-A78E-EC4E20861736}"/>
+              </a:ext>
+            </a:extLst>
+          </p:cNvPr>
+          <p:cNvSpPr/>
+          <p:nvPr/>
+        </p:nvSpPr>
+        <p:spPr>
+          <a:xfrm rot="11851255">
+            <a:off x="5633744" y="1763014"/>
+            <a:ext cx="270138" cy="155570"/>
+          </a:xfrm>
+          <a:prstGeom prst="arc">
+            <a:avLst/>
+          </a:prstGeom>
+          <a:ln w="25400">
+            <a:solidFill>
+              <a:schemeClr val="tx1"/>
+            </a:solidFill>
+            <a:headEnd type="triangle"/>
+          </a:ln>
+        </p:spPr>
+        <p:style>
+          <a:lnRef idx="1">
+            <a:schemeClr val="accent1"/>
+          </a:lnRef>
+          <a:fillRef idx="0">
+            <a:schemeClr val="accent1"/>
+          </a:fillRef>
+          <a:effectRef idx="0">
+            <a:schemeClr val="accent1"/>
+          </a:effectRef>
+          <a:fontRef idx="minor">
+            <a:schemeClr val="tx1"/>
+          </a:fontRef>
+        </p:style>
+        <p:txBody>
+          <a:bodyPr rtlCol="0" anchor="ctr"/>
+          <a:lstStyle/>
+          <a:p>
+            <a:pPr algn="ctr"/>
+            <a:endParaRPr kumimoji="1" lang="zh-CN" altLang="en-US" sz="679"/>
+          </a:p>
+        </p:txBody>
+      </p:sp>
+      <p:sp>
+        <p:nvSpPr>
+          <p:cNvPr id="301" name="弧 300">
+            <a:extLst>
+              <a:ext uri="{FF2B5EF4-FFF2-40B4-BE49-F238E27FC236}">
+                <a16:creationId xmlns:a16="http://schemas.microsoft.com/office/drawing/2014/main" id="{F10822D2-C466-3E4E-92A5-45633623FE57}"/>
+              </a:ext>
+            </a:extLst>
+          </p:cNvPr>
+          <p:cNvSpPr/>
+          <p:nvPr/>
+        </p:nvSpPr>
+        <p:spPr>
+          <a:xfrm rot="6252311">
+            <a:off x="5832688" y="1692409"/>
+            <a:ext cx="270138" cy="155570"/>
+          </a:xfrm>
+          <a:prstGeom prst="arc">
+            <a:avLst/>
+          </a:prstGeom>
+          <a:ln w="25400">
+            <a:solidFill>
+              <a:schemeClr val="tx1"/>
+            </a:solidFill>
+            <a:headEnd type="triangle"/>
+          </a:ln>
+        </p:spPr>
+        <p:style>
+          <a:lnRef idx="1">
+            <a:schemeClr val="accent1"/>
+          </a:lnRef>
+          <a:fillRef idx="0">
+            <a:schemeClr val="accent1"/>
+          </a:fillRef>
+          <a:effectRef idx="0">
+            <a:schemeClr val="accent1"/>
+          </a:effectRef>
+          <a:fontRef idx="minor">
+            <a:schemeClr val="tx1"/>
+          </a:fontRef>
+        </p:style>
+        <p:txBody>
+          <a:bodyPr rtlCol="0" anchor="ctr"/>
+          <a:lstStyle/>
+          <a:p>
+            <a:pPr algn="ctr"/>
+            <a:endParaRPr kumimoji="1" lang="zh-CN" altLang="en-US" sz="679"/>
+          </a:p>
+        </p:txBody>
+      </p:sp>
+      <p:cxnSp>
+        <p:nvCxnSpPr>
+          <p:cNvPr id="302" name="直线箭头连接符 301">
+            <a:extLst>
+              <a:ext uri="{FF2B5EF4-FFF2-40B4-BE49-F238E27FC236}">
+                <a16:creationId xmlns:a16="http://schemas.microsoft.com/office/drawing/2014/main" id="{7616ABFA-89E6-2149-BE3A-11049BE62E30}"/>
+              </a:ext>
+            </a:extLst>
+          </p:cNvPr>
+          <p:cNvCxnSpPr/>
+          <p:nvPr/>
+        </p:nvCxnSpPr>
+        <p:spPr>
+          <a:xfrm flipV="1">
+            <a:off x="5530621" y="1815523"/>
+            <a:ext cx="0" cy="179500"/>
+          </a:xfrm>
+          <a:prstGeom prst="straightConnector1">
+            <a:avLst/>
+          </a:prstGeom>
+          <a:ln w="25400">
+            <a:solidFill>
+              <a:schemeClr val="tx1"/>
+            </a:solidFill>
+            <a:tailEnd type="triangle"/>
+          </a:ln>
+        </p:spPr>
+        <p:style>
+          <a:lnRef idx="1">
+            <a:schemeClr val="accent1"/>
+          </a:lnRef>
+          <a:fillRef idx="0">
+            <a:schemeClr val="accent1"/>
+          </a:fillRef>
+          <a:effectRef idx="0">
+            <a:schemeClr val="accent1"/>
+          </a:effectRef>
+          <a:fontRef idx="minor">
+            <a:schemeClr val="tx1"/>
+          </a:fontRef>
+        </p:style>
+      </p:cxnSp>
+      <p:cxnSp>
+        <p:nvCxnSpPr>
+          <p:cNvPr id="303" name="直线箭头连接符 302">
+            <a:extLst>
+              <a:ext uri="{FF2B5EF4-FFF2-40B4-BE49-F238E27FC236}">
+                <a16:creationId xmlns:a16="http://schemas.microsoft.com/office/drawing/2014/main" id="{21AF050F-AF04-CC4D-AE16-4707F677FEC7}"/>
+              </a:ext>
+            </a:extLst>
+          </p:cNvPr>
+          <p:cNvCxnSpPr/>
+          <p:nvPr/>
+        </p:nvCxnSpPr>
+        <p:spPr>
+          <a:xfrm flipV="1">
+            <a:off x="6074525" y="1821075"/>
+            <a:ext cx="0" cy="179500"/>
+          </a:xfrm>
+          <a:prstGeom prst="straightConnector1">
+            <a:avLst/>
+          </a:prstGeom>
+          <a:ln w="25400">
+            <a:solidFill>
+              <a:schemeClr val="tx1"/>
+            </a:solidFill>
+            <a:tailEnd type="triangle"/>
+          </a:ln>
+        </p:spPr>
+        <p:style>
+          <a:lnRef idx="1">
+            <a:schemeClr val="accent1"/>
+          </a:lnRef>
+          <a:fillRef idx="0">
+            <a:schemeClr val="accent1"/>
+          </a:fillRef>
+          <a:effectRef idx="0">
+            <a:schemeClr val="accent1"/>
+          </a:effectRef>
+          <a:fontRef idx="minor">
+            <a:schemeClr val="tx1"/>
+          </a:fontRef>
+        </p:style>
+      </p:cxnSp>
+      <p:sp>
+        <p:nvSpPr>
+          <p:cNvPr id="305" name="弧 304">
+            <a:extLst>
+              <a:ext uri="{FF2B5EF4-FFF2-40B4-BE49-F238E27FC236}">
+                <a16:creationId xmlns:a16="http://schemas.microsoft.com/office/drawing/2014/main" id="{B628C762-365D-EE41-A6BF-B161A7C6A088}"/>
+              </a:ext>
+            </a:extLst>
+          </p:cNvPr>
+          <p:cNvSpPr/>
+          <p:nvPr/>
+        </p:nvSpPr>
+        <p:spPr>
+          <a:xfrm rot="11851255">
+            <a:off x="4543736" y="1685182"/>
+            <a:ext cx="787383" cy="193315"/>
+          </a:xfrm>
+          <a:prstGeom prst="arc">
+            <a:avLst>
+              <a:gd name="adj1" fmla="val 11661939"/>
+              <a:gd name="adj2" fmla="val 20967848"/>
+            </a:avLst>
+          </a:prstGeom>
+          <a:ln w="25400">
+            <a:solidFill>
+              <a:schemeClr val="tx1"/>
+            </a:solidFill>
+            <a:headEnd type="triangle"/>
+          </a:ln>
+        </p:spPr>
+        <p:style>
+          <a:lnRef idx="1">
+            <a:schemeClr val="accent1"/>
+          </a:lnRef>
+          <a:fillRef idx="0">
+            <a:schemeClr val="accent1"/>
+          </a:fillRef>
+          <a:effectRef idx="0">
+            <a:schemeClr val="accent1"/>
+          </a:effectRef>
+          <a:fontRef idx="minor">
+            <a:schemeClr val="tx1"/>
+          </a:fontRef>
+        </p:style>
+        <p:txBody>
+          <a:bodyPr rtlCol="0" anchor="ctr"/>
+          <a:lstStyle/>
+          <a:p>
+            <a:pPr algn="ctr"/>
+            <a:endParaRPr kumimoji="1" lang="zh-CN" altLang="en-US" sz="679"/>
+          </a:p>
+        </p:txBody>
+      </p:sp>
+      <p:sp>
+        <p:nvSpPr>
+          <p:cNvPr id="306" name="弧 305">
+            <a:extLst>
+              <a:ext uri="{FF2B5EF4-FFF2-40B4-BE49-F238E27FC236}">
+                <a16:creationId xmlns:a16="http://schemas.microsoft.com/office/drawing/2014/main" id="{E399172A-FD11-E044-8ED6-11615CF82E91}"/>
+              </a:ext>
+            </a:extLst>
+          </p:cNvPr>
+          <p:cNvSpPr/>
+          <p:nvPr/>
+        </p:nvSpPr>
+        <p:spPr>
+          <a:xfrm rot="9541632">
+            <a:off x="5283663" y="1677800"/>
+            <a:ext cx="787383" cy="193315"/>
+          </a:xfrm>
+          <a:prstGeom prst="arc">
+            <a:avLst>
+              <a:gd name="adj1" fmla="val 11698443"/>
+              <a:gd name="adj2" fmla="val 20967848"/>
+            </a:avLst>
+          </a:prstGeom>
+          <a:ln w="25400">
+            <a:solidFill>
+              <a:schemeClr val="tx1"/>
+            </a:solidFill>
+            <a:headEnd type="triangle"/>
+          </a:ln>
+        </p:spPr>
+        <p:style>
+          <a:lnRef idx="1">
+            <a:schemeClr val="accent1"/>
+          </a:lnRef>
+          <a:fillRef idx="0">
+            <a:schemeClr val="accent1"/>
+          </a:fillRef>
+          <a:effectRef idx="0">
+            <a:schemeClr val="accent1"/>
+          </a:effectRef>
+          <a:fontRef idx="minor">
+            <a:schemeClr val="tx1"/>
+          </a:fontRef>
+        </p:style>
+        <p:txBody>
+          <a:bodyPr rtlCol="0" anchor="ctr"/>
+          <a:lstStyle/>
+          <a:p>
+            <a:pPr algn="ctr"/>
+            <a:endParaRPr kumimoji="1" lang="zh-CN" altLang="en-US" sz="679"/>
+          </a:p>
+        </p:txBody>
+      </p:sp>
+      <p:sp>
+        <p:nvSpPr>
+          <p:cNvPr id="12" name="圆角矩形 11">
+            <a:extLst>
+              <a:ext uri="{FF2B5EF4-FFF2-40B4-BE49-F238E27FC236}">
+                <a16:creationId xmlns:a16="http://schemas.microsoft.com/office/drawing/2014/main" id="{505CE3C3-EE2C-7B4A-AA5A-8C4ADC45D5D1}"/>
+              </a:ext>
+            </a:extLst>
+          </p:cNvPr>
+          <p:cNvSpPr/>
+          <p:nvPr/>
+        </p:nvSpPr>
+        <p:spPr>
+          <a:xfrm>
+            <a:off x="2600373" y="715753"/>
+            <a:ext cx="3727395" cy="252482"/>
+          </a:xfrm>
+          <a:prstGeom prst="roundRect">
+            <a:avLst/>
+          </a:prstGeom>
+          <a:solidFill>
+            <a:srgbClr val="4578D4"/>
+          </a:solidFill>
+          <a:ln>
+            <a:solidFill>
+              <a:schemeClr val="tx1"/>
+            </a:solidFill>
+          </a:ln>
+        </p:spPr>
+        <p:style>
+          <a:lnRef idx="2">
+            <a:schemeClr val="accent1">
+              <a:shade val="50000"/>
+            </a:schemeClr>
+          </a:lnRef>
+          <a:fillRef idx="1">
+            <a:schemeClr val="accent1"/>
+          </a:fillRef>
+          <a:effectRef idx="0">
+            <a:schemeClr val="accent1"/>
+          </a:effectRef>
+          <a:fontRef idx="minor">
+            <a:schemeClr val="lt1"/>
+          </a:fontRef>
+        </p:style>
+        <p:txBody>
+          <a:bodyPr rtlCol="0" anchor="ctr"/>
+          <a:lstStyle/>
+          <a:p>
+            <a:pPr algn="ctr"/>
+            <a:r>
+              <a:rPr kumimoji="1" lang="en-US" altLang="zh-CN" sz="1000" dirty="0">
+                <a:solidFill>
+                  <a:schemeClr val="bg1"/>
+                </a:solidFill>
+              </a:rPr>
+              <a:t>Conditional random field</a:t>
+            </a:r>
+            <a:r>
+              <a:rPr kumimoji="1" lang="zh-CN" altLang="en-US" sz="1000" dirty="0">
+                <a:solidFill>
+                  <a:schemeClr val="bg1"/>
+                </a:solidFill>
+              </a:rPr>
+              <a:t>，</a:t>
+            </a:r>
+            <a:r>
+              <a:rPr kumimoji="1" lang="en-US" altLang="zh-CN" sz="1000" dirty="0">
+                <a:solidFill>
+                  <a:schemeClr val="bg1"/>
+                </a:solidFill>
+              </a:rPr>
+              <a:t>CRF</a:t>
+            </a:r>
+            <a:endParaRPr kumimoji="1" lang="zh-CN" altLang="en-US" sz="1000" dirty="0">
+              <a:solidFill>
+                <a:schemeClr val="bg1"/>
+              </a:solidFill>
+            </a:endParaRPr>
+          </a:p>
+        </p:txBody>
+      </p:sp>
+      <p:cxnSp>
+        <p:nvCxnSpPr>
+          <p:cNvPr id="101" name="直线箭头连接符 100">
+            <a:extLst>
+              <a:ext uri="{FF2B5EF4-FFF2-40B4-BE49-F238E27FC236}">
+                <a16:creationId xmlns:a16="http://schemas.microsoft.com/office/drawing/2014/main" id="{647E89E0-4ABB-904C-B363-F3EF023EE7CA}"/>
+              </a:ext>
+            </a:extLst>
+          </p:cNvPr>
+          <p:cNvCxnSpPr/>
+          <p:nvPr/>
+        </p:nvCxnSpPr>
+        <p:spPr>
+          <a:xfrm flipV="1">
+            <a:off x="2830170" y="959737"/>
+            <a:ext cx="0" cy="144000"/>
+          </a:xfrm>
+          <a:prstGeom prst="straightConnector1">
+            <a:avLst/>
+          </a:prstGeom>
+          <a:ln w="25400">
+            <a:solidFill>
+              <a:schemeClr val="tx1"/>
+            </a:solidFill>
+            <a:tailEnd type="triangle"/>
+          </a:ln>
+        </p:spPr>
+        <p:style>
+          <a:lnRef idx="1">
+            <a:schemeClr val="accent1"/>
+          </a:lnRef>
+          <a:fillRef idx="0">
+            <a:schemeClr val="accent1"/>
+          </a:fillRef>
+          <a:effectRef idx="0">
+            <a:schemeClr val="accent1"/>
+          </a:effectRef>
+          <a:fontRef idx="minor">
+            <a:schemeClr val="tx1"/>
+          </a:fontRef>
+        </p:style>
+      </p:cxnSp>
+      <p:cxnSp>
+        <p:nvCxnSpPr>
+          <p:cNvPr id="102" name="直线箭头连接符 101">
+            <a:extLst>
+              <a:ext uri="{FF2B5EF4-FFF2-40B4-BE49-F238E27FC236}">
+                <a16:creationId xmlns:a16="http://schemas.microsoft.com/office/drawing/2014/main" id="{CDFE3D61-0987-CA4F-859F-F709410DBDFE}"/>
+              </a:ext>
+            </a:extLst>
+          </p:cNvPr>
+          <p:cNvCxnSpPr/>
+          <p:nvPr/>
+        </p:nvCxnSpPr>
+        <p:spPr>
+          <a:xfrm flipV="1">
+            <a:off x="3354614" y="960354"/>
+            <a:ext cx="0" cy="144000"/>
+          </a:xfrm>
+          <a:prstGeom prst="straightConnector1">
+            <a:avLst/>
+          </a:prstGeom>
+          <a:ln w="25400">
+            <a:solidFill>
+              <a:schemeClr val="tx1"/>
+            </a:solidFill>
+            <a:tailEnd type="triangle"/>
+          </a:ln>
+        </p:spPr>
+        <p:style>
+          <a:lnRef idx="1">
+            <a:schemeClr val="accent1"/>
+          </a:lnRef>
+          <a:fillRef idx="0">
+            <a:schemeClr val="accent1"/>
+          </a:fillRef>
+          <a:effectRef idx="0">
+            <a:schemeClr val="accent1"/>
+          </a:effectRef>
+          <a:fontRef idx="minor">
+            <a:schemeClr val="tx1"/>
+          </a:fontRef>
+        </p:style>
+      </p:cxnSp>
+      <p:cxnSp>
+        <p:nvCxnSpPr>
+          <p:cNvPr id="103" name="直线箭头连接符 102">
+            <a:extLst>
+              <a:ext uri="{FF2B5EF4-FFF2-40B4-BE49-F238E27FC236}">
+                <a16:creationId xmlns:a16="http://schemas.microsoft.com/office/drawing/2014/main" id="{4CB8EEA7-D035-644F-B29B-5C58A3E785C1}"/>
+              </a:ext>
+            </a:extLst>
+          </p:cNvPr>
+          <p:cNvCxnSpPr/>
+          <p:nvPr/>
+        </p:nvCxnSpPr>
+        <p:spPr>
+          <a:xfrm flipV="1">
+            <a:off x="3908741" y="959737"/>
+            <a:ext cx="0" cy="144000"/>
+          </a:xfrm>
+          <a:prstGeom prst="straightConnector1">
+            <a:avLst/>
+          </a:prstGeom>
+          <a:ln w="25400">
+            <a:solidFill>
+              <a:schemeClr val="tx1"/>
+            </a:solidFill>
+            <a:tailEnd type="triangle"/>
+          </a:ln>
+        </p:spPr>
+        <p:style>
+          <a:lnRef idx="1">
+            <a:schemeClr val="accent1"/>
+          </a:lnRef>
+          <a:fillRef idx="0">
+            <a:schemeClr val="accent1"/>
+          </a:fillRef>
+          <a:effectRef idx="0">
+            <a:schemeClr val="accent1"/>
+          </a:effectRef>
+          <a:fontRef idx="minor">
+            <a:schemeClr val="tx1"/>
+          </a:fontRef>
+        </p:style>
+      </p:cxnSp>
+      <p:cxnSp>
+        <p:nvCxnSpPr>
+          <p:cNvPr id="104" name="直线箭头连接符 103">
+            <a:extLst>
+              <a:ext uri="{FF2B5EF4-FFF2-40B4-BE49-F238E27FC236}">
+                <a16:creationId xmlns:a16="http://schemas.microsoft.com/office/drawing/2014/main" id="{D154D32A-B057-AC48-8C63-041888784655}"/>
+              </a:ext>
+            </a:extLst>
+          </p:cNvPr>
+          <p:cNvCxnSpPr/>
+          <p:nvPr/>
+        </p:nvCxnSpPr>
+        <p:spPr>
+          <a:xfrm flipV="1">
+            <a:off x="4433185" y="959737"/>
+            <a:ext cx="0" cy="144000"/>
+          </a:xfrm>
+          <a:prstGeom prst="straightConnector1">
+            <a:avLst/>
+          </a:prstGeom>
+          <a:ln w="25400">
+            <a:solidFill>
+              <a:schemeClr val="tx1"/>
+            </a:solidFill>
+            <a:tailEnd type="triangle"/>
+          </a:ln>
+        </p:spPr>
+        <p:style>
+          <a:lnRef idx="1">
+            <a:schemeClr val="accent1"/>
+          </a:lnRef>
+          <a:fillRef idx="0">
+            <a:schemeClr val="accent1"/>
+          </a:fillRef>
+          <a:effectRef idx="0">
+            <a:schemeClr val="accent1"/>
+          </a:effectRef>
+          <a:fontRef idx="minor">
+            <a:schemeClr val="tx1"/>
+          </a:fontRef>
+        </p:style>
+      </p:cxnSp>
+      <p:cxnSp>
+        <p:nvCxnSpPr>
+          <p:cNvPr id="105" name="直线箭头连接符 104">
+            <a:extLst>
+              <a:ext uri="{FF2B5EF4-FFF2-40B4-BE49-F238E27FC236}">
+                <a16:creationId xmlns:a16="http://schemas.microsoft.com/office/drawing/2014/main" id="{B6FE030C-D935-224A-B21B-1E896B006618}"/>
+              </a:ext>
+            </a:extLst>
+          </p:cNvPr>
+          <p:cNvCxnSpPr/>
+          <p:nvPr/>
+        </p:nvCxnSpPr>
+        <p:spPr>
+          <a:xfrm flipV="1">
+            <a:off x="4977088" y="965289"/>
+            <a:ext cx="0" cy="144000"/>
+          </a:xfrm>
+          <a:prstGeom prst="straightConnector1">
+            <a:avLst/>
+          </a:prstGeom>
+          <a:ln w="25400">
+            <a:solidFill>
+              <a:schemeClr val="tx1"/>
+            </a:solidFill>
+            <a:tailEnd type="triangle"/>
+          </a:ln>
+        </p:spPr>
+        <p:style>
+          <a:lnRef idx="1">
+            <a:schemeClr val="accent1"/>
+          </a:lnRef>
+          <a:fillRef idx="0">
+            <a:schemeClr val="accent1"/>
+          </a:fillRef>
+          <a:effectRef idx="0">
+            <a:schemeClr val="accent1"/>
+          </a:effectRef>
+          <a:fontRef idx="minor">
+            <a:schemeClr val="tx1"/>
+          </a:fontRef>
+        </p:style>
+      </p:cxnSp>
+      <p:cxnSp>
+        <p:nvCxnSpPr>
+          <p:cNvPr id="106" name="直线箭头连接符 105">
+            <a:extLst>
+              <a:ext uri="{FF2B5EF4-FFF2-40B4-BE49-F238E27FC236}">
+                <a16:creationId xmlns:a16="http://schemas.microsoft.com/office/drawing/2014/main" id="{029AB45C-21F4-F04D-AEF1-498955A04828}"/>
+              </a:ext>
+            </a:extLst>
+          </p:cNvPr>
+          <p:cNvCxnSpPr/>
+          <p:nvPr/>
+        </p:nvCxnSpPr>
+        <p:spPr>
+          <a:xfrm flipV="1">
+            <a:off x="5532841" y="959737"/>
+            <a:ext cx="0" cy="144000"/>
+          </a:xfrm>
+          <a:prstGeom prst="straightConnector1">
+            <a:avLst/>
+          </a:prstGeom>
+          <a:ln w="25400">
+            <a:solidFill>
+              <a:schemeClr val="tx1"/>
+            </a:solidFill>
+            <a:tailEnd type="triangle"/>
+          </a:ln>
+        </p:spPr>
+        <p:style>
+          <a:lnRef idx="1">
+            <a:schemeClr val="accent1"/>
+          </a:lnRef>
+          <a:fillRef idx="0">
+            <a:schemeClr val="accent1"/>
+          </a:fillRef>
+          <a:effectRef idx="0">
+            <a:schemeClr val="accent1"/>
+          </a:effectRef>
+          <a:fontRef idx="minor">
+            <a:schemeClr val="tx1"/>
+          </a:fontRef>
+        </p:style>
+      </p:cxnSp>
+      <p:cxnSp>
+        <p:nvCxnSpPr>
+          <p:cNvPr id="107" name="直线箭头连接符 106">
+            <a:extLst>
+              <a:ext uri="{FF2B5EF4-FFF2-40B4-BE49-F238E27FC236}">
+                <a16:creationId xmlns:a16="http://schemas.microsoft.com/office/drawing/2014/main" id="{4F76D6F7-117B-6545-8113-24E66B654ABD}"/>
+              </a:ext>
+            </a:extLst>
+          </p:cNvPr>
+          <p:cNvCxnSpPr/>
+          <p:nvPr/>
+        </p:nvCxnSpPr>
+        <p:spPr>
+          <a:xfrm flipV="1">
+            <a:off x="6076745" y="965289"/>
+            <a:ext cx="0" cy="144000"/>
+          </a:xfrm>
+          <a:prstGeom prst="straightConnector1">
+            <a:avLst/>
+          </a:prstGeom>
+          <a:ln w="25400">
+            <a:solidFill>
+              <a:schemeClr val="tx1"/>
+            </a:solidFill>
+            <a:tailEnd type="triangle"/>
+          </a:ln>
+        </p:spPr>
+        <p:style>
+          <a:lnRef idx="1">
+            <a:schemeClr val="accent1"/>
+          </a:lnRef>
+          <a:fillRef idx="0">
+            <a:schemeClr val="accent1"/>
+          </a:fillRef>
+          <a:effectRef idx="0">
+            <a:schemeClr val="accent1"/>
+          </a:effectRef>
+          <a:fontRef idx="minor">
+            <a:schemeClr val="tx1"/>
+          </a:fontRef>
+        </p:style>
+      </p:cxnSp>
+    </p:spTree>
+    <p:extLst>
+      <p:ext uri="{BB962C8B-B14F-4D97-AF65-F5344CB8AC3E}">
+        <p14:creationId xmlns:p14="http://schemas.microsoft.com/office/powerpoint/2010/main" val="3204771758"/>
       </p:ext>
     </p:extLst>
   </p:cSld>
@@ -14429,4 +19835,299 @@
     </a:ext>
   </a:extLst>
 </a:theme>
+</file>
+
+<file path=ppt/theme/theme2.xml><?xml version="1.0" encoding="utf-8"?>
+<a:theme xmlns:a="http://schemas.openxmlformats.org/drawingml/2006/main" name="Office 主题​​">
+  <a:themeElements>
+    <a:clrScheme name="Office">
+      <a:dk1>
+        <a:sysClr val="windowText" lastClr="000000"/>
+      </a:dk1>
+      <a:lt1>
+        <a:sysClr val="window" lastClr="FFFFFF"/>
+      </a:lt1>
+      <a:dk2>
+        <a:srgbClr val="44546A"/>
+      </a:dk2>
+      <a:lt2>
+        <a:srgbClr val="E7E6E6"/>
+      </a:lt2>
+      <a:accent1>
+        <a:srgbClr val="4472C4"/>
+      </a:accent1>
+      <a:accent2>
+        <a:srgbClr val="ED7D31"/>
+      </a:accent2>
+      <a:accent3>
+        <a:srgbClr val="A5A5A5"/>
+      </a:accent3>
+      <a:accent4>
+        <a:srgbClr val="FFC000"/>
+      </a:accent4>
+      <a:accent5>
+        <a:srgbClr val="5B9BD5"/>
+      </a:accent5>
+      <a:accent6>
+        <a:srgbClr val="70AD47"/>
+      </a:accent6>
+      <a:hlink>
+        <a:srgbClr val="0563C1"/>
+      </a:hlink>
+      <a:folHlink>
+        <a:srgbClr val="954F72"/>
+      </a:folHlink>
+    </a:clrScheme>
+    <a:fontScheme name="Office">
+      <a:majorFont>
+        <a:latin typeface="等线 Light" panose="020F0302020204030204"/>
+        <a:ea typeface=""/>
+        <a:cs typeface=""/>
+        <a:font script="Jpan" typeface="游ゴシック Light"/>
+        <a:font script="Hang" typeface="맑은 고딕"/>
+        <a:font script="Hans" typeface="等线 Light"/>
+        <a:font script="Hant" typeface="新細明體"/>
+        <a:font script="Arab" typeface="Times New Roman"/>
+        <a:font script="Hebr" typeface="Times New Roman"/>
+        <a:font script="Thai" typeface="Angsana New"/>
+        <a:font script="Ethi" typeface="Nyala"/>
+        <a:font script="Beng" typeface="Vrinda"/>
+        <a:font script="Gujr" typeface="Shruti"/>
+        <a:font script="Khmr" typeface="MoolBoran"/>
+        <a:font script="Knda" typeface="Tunga"/>
+        <a:font script="Guru" typeface="Raavi"/>
+        <a:font script="Cans" typeface="Euphemia"/>
+        <a:font script="Cher" typeface="Plantagenet Cherokee"/>
+        <a:font script="Yiii" typeface="Microsoft Yi Baiti"/>
+        <a:font script="Tibt" typeface="Microsoft Himalaya"/>
+        <a:font script="Thaa" typeface="MV Boli"/>
+        <a:font script="Deva" typeface="Mangal"/>
+        <a:font script="Telu" typeface="Gautami"/>
+        <a:font script="Taml" typeface="Latha"/>
+        <a:font script="Syrc" typeface="Estrangelo Edessa"/>
+        <a:font script="Orya" typeface="Kalinga"/>
+        <a:font script="Mlym" typeface="Kartika"/>
+        <a:font script="Laoo" typeface="DokChampa"/>
+        <a:font script="Sinh" typeface="Iskoola Pota"/>
+        <a:font script="Mong" typeface="Mongolian Baiti"/>
+        <a:font script="Viet" typeface="Times New Roman"/>
+        <a:font script="Uigh" typeface="Microsoft Uighur"/>
+        <a:font script="Geor" typeface="Sylfaen"/>
+        <a:font script="Armn" typeface="Arial"/>
+        <a:font script="Bugi" typeface="Leelawadee UI"/>
+        <a:font script="Bopo" typeface="Microsoft JhengHei"/>
+        <a:font script="Java" typeface="Javanese Text"/>
+        <a:font script="Lisu" typeface="Segoe UI"/>
+        <a:font script="Mymr" typeface="Myanmar Text"/>
+        <a:font script="Nkoo" typeface="Ebrima"/>
+        <a:font script="Olck" typeface="Nirmala UI"/>
+        <a:font script="Osma" typeface="Ebrima"/>
+        <a:font script="Phag" typeface="Phagspa"/>
+        <a:font script="Syrn" typeface="Estrangelo Edessa"/>
+        <a:font script="Syrj" typeface="Estrangelo Edessa"/>
+        <a:font script="Syre" typeface="Estrangelo Edessa"/>
+        <a:font script="Sora" typeface="Nirmala UI"/>
+        <a:font script="Tale" typeface="Microsoft Tai Le"/>
+        <a:font script="Talu" typeface="Microsoft New Tai Lue"/>
+        <a:font script="Tfng" typeface="Ebrima"/>
+      </a:majorFont>
+      <a:minorFont>
+        <a:latin typeface="等线" panose="020F0502020204030204"/>
+        <a:ea typeface=""/>
+        <a:cs typeface=""/>
+        <a:font script="Jpan" typeface="游ゴシック"/>
+        <a:font script="Hang" typeface="맑은 고딕"/>
+        <a:font script="Hans" typeface="等线"/>
+        <a:font script="Hant" typeface="新細明體"/>
+        <a:font script="Arab" typeface="Arial"/>
+        <a:font script="Hebr" typeface="Arial"/>
+        <a:font script="Thai" typeface="Cordia New"/>
+        <a:font script="Ethi" typeface="Nyala"/>
+        <a:font script="Beng" typeface="Vrinda"/>
+        <a:font script="Gujr" typeface="Shruti"/>
+        <a:font script="Khmr" typeface="DaunPenh"/>
+        <a:font script="Knda" typeface="Tunga"/>
+        <a:font script="Guru" typeface="Raavi"/>
+        <a:font script="Cans" typeface="Euphemia"/>
+        <a:font script="Cher" typeface="Plantagenet Cherokee"/>
+        <a:font script="Yiii" typeface="Microsoft Yi Baiti"/>
+        <a:font script="Tibt" typeface="Microsoft Himalaya"/>
+        <a:font script="Thaa" typeface="MV Boli"/>
+        <a:font script="Deva" typeface="Mangal"/>
+        <a:font script="Telu" typeface="Gautami"/>
+        <a:font script="Taml" typeface="Latha"/>
+        <a:font script="Syrc" typeface="Estrangelo Edessa"/>
+        <a:font script="Orya" typeface="Kalinga"/>
+        <a:font script="Mlym" typeface="Kartika"/>
+        <a:font script="Laoo" typeface="DokChampa"/>
+        <a:font script="Sinh" typeface="Iskoola Pota"/>
+        <a:font script="Mong" typeface="Mongolian Baiti"/>
+        <a:font script="Viet" typeface="Arial"/>
+        <a:font script="Uigh" typeface="Microsoft Uighur"/>
+        <a:font script="Geor" typeface="Sylfaen"/>
+        <a:font script="Armn" typeface="Arial"/>
+        <a:font script="Bugi" typeface="Leelawadee UI"/>
+        <a:font script="Bopo" typeface="Microsoft JhengHei"/>
+        <a:font script="Java" typeface="Javanese Text"/>
+        <a:font script="Lisu" typeface="Segoe UI"/>
+        <a:font script="Mymr" typeface="Myanmar Text"/>
+        <a:font script="Nkoo" typeface="Ebrima"/>
+        <a:font script="Olck" typeface="Nirmala UI"/>
+        <a:font script="Osma" typeface="Ebrima"/>
+        <a:font script="Phag" typeface="Phagspa"/>
+        <a:font script="Syrn" typeface="Estrangelo Edessa"/>
+        <a:font script="Syrj" typeface="Estrangelo Edessa"/>
+        <a:font script="Syre" typeface="Estrangelo Edessa"/>
+        <a:font script="Sora" typeface="Nirmala UI"/>
+        <a:font script="Tale" typeface="Microsoft Tai Le"/>
+        <a:font script="Talu" typeface="Microsoft New Tai Lue"/>
+        <a:font script="Tfng" typeface="Ebrima"/>
+      </a:minorFont>
+    </a:fontScheme>
+    <a:fmtScheme name="Office">
+      <a:fillStyleLst>
+        <a:solidFill>
+          <a:schemeClr val="phClr"/>
+        </a:solidFill>
+        <a:gradFill rotWithShape="1">
+          <a:gsLst>
+            <a:gs pos="0">
+              <a:schemeClr val="phClr">
+                <a:lumMod val="110000"/>
+                <a:satMod val="105000"/>
+                <a:tint val="67000"/>
+              </a:schemeClr>
+            </a:gs>
+            <a:gs pos="50000">
+              <a:schemeClr val="phClr">
+                <a:lumMod val="105000"/>
+                <a:satMod val="103000"/>
+                <a:tint val="73000"/>
+              </a:schemeClr>
+            </a:gs>
+            <a:gs pos="100000">
+              <a:schemeClr val="phClr">
+                <a:lumMod val="105000"/>
+                <a:satMod val="109000"/>
+                <a:tint val="81000"/>
+              </a:schemeClr>
+            </a:gs>
+          </a:gsLst>
+          <a:lin ang="5400000" scaled="0"/>
+        </a:gradFill>
+        <a:gradFill rotWithShape="1">
+          <a:gsLst>
+            <a:gs pos="0">
+              <a:schemeClr val="phClr">
+                <a:satMod val="103000"/>
+                <a:lumMod val="102000"/>
+                <a:tint val="94000"/>
+              </a:schemeClr>
+            </a:gs>
+            <a:gs pos="50000">
+              <a:schemeClr val="phClr">
+                <a:satMod val="110000"/>
+                <a:lumMod val="100000"/>
+                <a:shade val="100000"/>
+              </a:schemeClr>
+            </a:gs>
+            <a:gs pos="100000">
+              <a:schemeClr val="phClr">
+                <a:lumMod val="99000"/>
+                <a:satMod val="120000"/>
+                <a:shade val="78000"/>
+              </a:schemeClr>
+            </a:gs>
+          </a:gsLst>
+          <a:lin ang="5400000" scaled="0"/>
+        </a:gradFill>
+      </a:fillStyleLst>
+      <a:lnStyleLst>
+        <a:ln w="6350" cap="flat" cmpd="sng" algn="ctr">
+          <a:solidFill>
+            <a:schemeClr val="phClr"/>
+          </a:solidFill>
+          <a:prstDash val="solid"/>
+          <a:miter lim="800000"/>
+        </a:ln>
+        <a:ln w="12700" cap="flat" cmpd="sng" algn="ctr">
+          <a:solidFill>
+            <a:schemeClr val="phClr"/>
+          </a:solidFill>
+          <a:prstDash val="solid"/>
+          <a:miter lim="800000"/>
+        </a:ln>
+        <a:ln w="19050" cap="flat" cmpd="sng" algn="ctr">
+          <a:solidFill>
+            <a:schemeClr val="phClr"/>
+          </a:solidFill>
+          <a:prstDash val="solid"/>
+          <a:miter lim="800000"/>
+        </a:ln>
+      </a:lnStyleLst>
+      <a:effectStyleLst>
+        <a:effectStyle>
+          <a:effectLst/>
+        </a:effectStyle>
+        <a:effectStyle>
+          <a:effectLst/>
+        </a:effectStyle>
+        <a:effectStyle>
+          <a:effectLst>
+            <a:outerShdw blurRad="57150" dist="19050" dir="5400000" algn="ctr" rotWithShape="0">
+              <a:srgbClr val="000000">
+                <a:alpha val="63000"/>
+              </a:srgbClr>
+            </a:outerShdw>
+          </a:effectLst>
+        </a:effectStyle>
+      </a:effectStyleLst>
+      <a:bgFillStyleLst>
+        <a:solidFill>
+          <a:schemeClr val="phClr"/>
+        </a:solidFill>
+        <a:solidFill>
+          <a:schemeClr val="phClr">
+            <a:tint val="95000"/>
+            <a:satMod val="170000"/>
+          </a:schemeClr>
+        </a:solidFill>
+        <a:gradFill rotWithShape="1">
+          <a:gsLst>
+            <a:gs pos="0">
+              <a:schemeClr val="phClr">
+                <a:tint val="93000"/>
+                <a:satMod val="150000"/>
+                <a:shade val="98000"/>
+                <a:lumMod val="102000"/>
+              </a:schemeClr>
+            </a:gs>
+            <a:gs pos="50000">
+              <a:schemeClr val="phClr">
+                <a:tint val="98000"/>
+                <a:satMod val="130000"/>
+                <a:shade val="90000"/>
+                <a:lumMod val="103000"/>
+              </a:schemeClr>
+            </a:gs>
+            <a:gs pos="100000">
+              <a:schemeClr val="phClr">
+                <a:shade val="63000"/>
+                <a:satMod val="120000"/>
+              </a:schemeClr>
+            </a:gs>
+          </a:gsLst>
+          <a:lin ang="5400000" scaled="0"/>
+        </a:gradFill>
+      </a:bgFillStyleLst>
+    </a:fmtScheme>
+  </a:themeElements>
+  <a:objectDefaults/>
+  <a:extraClrSchemeLst/>
+  <a:extLst>
+    <a:ext uri="{05A4C25C-085E-4340-85A3-A5531E510DB2}">
+      <thm15:themeFamily xmlns:thm15="http://schemas.microsoft.com/office/thememl/2012/main" name="Office Theme" id="{62F939B6-93AF-4DB8-9C6B-D6C7DFDC589F}" vid="{4A3C46E8-61CC-4603-A589-7422A47A8E4A}"/>
+    </a:ext>
+  </a:extLst>
+</a:theme>
 </file>
--- a/figures/model.pptx
+++ b/figures/model.pptx
@@ -5,12 +5,16 @@
     <p:sldMasterId id="2147483720" r:id="rId1"/>
   </p:sldMasterIdLst>
   <p:notesMasterIdLst>
-    <p:notesMasterId r:id="rId5"/>
+    <p:notesMasterId r:id="rId9"/>
   </p:notesMasterIdLst>
   <p:sldIdLst>
     <p:sldId id="256" r:id="rId2"/>
     <p:sldId id="257" r:id="rId3"/>
     <p:sldId id="350" r:id="rId4"/>
+    <p:sldId id="337" r:id="rId5"/>
+    <p:sldId id="351" r:id="rId6"/>
+    <p:sldId id="362" r:id="rId7"/>
+    <p:sldId id="340" r:id="rId8"/>
   </p:sldIdLst>
   <p:sldSz cx="8928100" cy="3419475"/>
   <p:notesSz cx="6858000" cy="9144000"/>
@@ -117,6 +121,1976 @@
 </p:presentation>
 </file>
 
+<file path=ppt/charts/chart1.xml><?xml version="1.0" encoding="utf-8"?>
+<c:chartSpace xmlns:c="http://schemas.openxmlformats.org/drawingml/2006/chart" xmlns:a="http://schemas.openxmlformats.org/drawingml/2006/main" xmlns:r="http://schemas.openxmlformats.org/officeDocument/2006/relationships" xmlns:c16r2="http://schemas.microsoft.com/office/drawing/2015/06/chart">
+  <c:date1904 val="0"/>
+  <c:lang val="zh-CN"/>
+  <c:roundedCorners val="0"/>
+  <mc:AlternateContent xmlns:mc="http://schemas.openxmlformats.org/markup-compatibility/2006">
+    <mc:Choice xmlns:c14="http://schemas.microsoft.com/office/drawing/2007/8/2/chart" Requires="c14">
+      <c14:style val="102"/>
+    </mc:Choice>
+    <mc:Fallback>
+      <c:style val="2"/>
+    </mc:Fallback>
+  </mc:AlternateContent>
+  <c:chart>
+    <c:autoTitleDeleted val="1"/>
+    <c:plotArea>
+      <c:layout/>
+      <c:lineChart>
+        <c:grouping val="standard"/>
+        <c:varyColors val="0"/>
+        <c:ser>
+          <c:idx val="0"/>
+          <c:order val="0"/>
+          <c:tx>
+            <c:strRef>
+              <c:f>Sheet1!$B$1</c:f>
+              <c:strCache>
+                <c:ptCount val="1"/>
+                <c:pt idx="0">
+                  <c:v>国内律师数量</c:v>
+                </c:pt>
+              </c:strCache>
+            </c:strRef>
+          </c:tx>
+          <c:spPr>
+            <a:ln>
+              <a:solidFill>
+                <a:srgbClr val="2875DD"/>
+              </a:solidFill>
+            </a:ln>
+          </c:spPr>
+          <c:marker>
+            <c:symbol val="circle"/>
+            <c:size val="5"/>
+            <c:spPr>
+              <a:solidFill>
+                <a:srgbClr val="2875DD"/>
+              </a:solidFill>
+              <a:ln>
+                <a:solidFill>
+                  <a:srgbClr val="2875DD"/>
+                </a:solidFill>
+              </a:ln>
+            </c:spPr>
+          </c:marker>
+          <c:dLbls>
+            <c:dLbl>
+              <c:idx val="0"/>
+              <c:spPr>
+                <a:noFill/>
+                <a:ln>
+                  <a:noFill/>
+                </a:ln>
+                <a:effectLst/>
+              </c:spPr>
+              <c:txPr>
+                <a:bodyPr/>
+                <a:lstStyle/>
+                <a:p>
+                  <a:pPr>
+                    <a:defRPr sz="1000" b="1" smtId="4294967295">
+                      <a:solidFill>
+                        <a:schemeClr val="tx1"/>
+                      </a:solidFill>
+                      <a:latin typeface="Arial" pitchFamily="34" charset="0"/>
+                    </a:defRPr>
+                  </a:pPr>
+                  <a:endParaRPr lang="zh-CN"/>
+                </a:p>
+              </c:txPr>
+              <c:dLblPos val="t"/>
+              <c:showLegendKey val="0"/>
+              <c:showVal val="1"/>
+              <c:showCatName val="0"/>
+              <c:showSerName val="0"/>
+              <c:showPercent val="0"/>
+              <c:showBubbleSize val="0"/>
+              <c:extLst>
+                <c:ext xmlns:c16="http://schemas.microsoft.com/office/drawing/2014/chart" uri="{C3380CC4-5D6E-409C-BE32-E72D297353CC}">
+                  <c16:uniqueId val="{00000000-A692-8745-83F2-0160F16B5DE5}"/>
+                </c:ext>
+              </c:extLst>
+            </c:dLbl>
+            <c:dLbl>
+              <c:idx val="1"/>
+              <c:numFmt formatCode="#,##0" sourceLinked="0"/>
+              <c:spPr/>
+              <c:txPr>
+                <a:bodyPr/>
+                <a:lstStyle/>
+                <a:p>
+                  <a:pPr>
+                    <a:defRPr sz="1000" b="1" smtId="4294967295">
+                      <a:solidFill>
+                        <a:schemeClr val="tx1"/>
+                      </a:solidFill>
+                      <a:latin typeface="Arial" pitchFamily="34" charset="0"/>
+                    </a:defRPr>
+                  </a:pPr>
+                  <a:endParaRPr lang="zh-CN"/>
+                </a:p>
+              </c:txPr>
+              <c:dLblPos val="t"/>
+              <c:showLegendKey val="0"/>
+              <c:showVal val="1"/>
+              <c:showCatName val="0"/>
+              <c:showSerName val="0"/>
+              <c:showPercent val="0"/>
+              <c:showBubbleSize val="0"/>
+              <c:extLst>
+                <c:ext xmlns:c16="http://schemas.microsoft.com/office/drawing/2014/chart" uri="{C3380CC4-5D6E-409C-BE32-E72D297353CC}">
+                  <c16:uniqueId val="{00000001-A692-8745-83F2-0160F16B5DE5}"/>
+                </c:ext>
+              </c:extLst>
+            </c:dLbl>
+            <c:dLbl>
+              <c:idx val="2"/>
+              <c:numFmt formatCode="#,##0" sourceLinked="0"/>
+              <c:spPr/>
+              <c:txPr>
+                <a:bodyPr/>
+                <a:lstStyle/>
+                <a:p>
+                  <a:pPr>
+                    <a:defRPr sz="1000" b="1" smtId="4294967295">
+                      <a:solidFill>
+                        <a:schemeClr val="tx1"/>
+                      </a:solidFill>
+                      <a:latin typeface="Arial" pitchFamily="34" charset="0"/>
+                    </a:defRPr>
+                  </a:pPr>
+                  <a:endParaRPr lang="zh-CN"/>
+                </a:p>
+              </c:txPr>
+              <c:dLblPos val="t"/>
+              <c:showLegendKey val="0"/>
+              <c:showVal val="1"/>
+              <c:showCatName val="0"/>
+              <c:showSerName val="0"/>
+              <c:showPercent val="0"/>
+              <c:showBubbleSize val="0"/>
+              <c:extLst>
+                <c:ext xmlns:c16="http://schemas.microsoft.com/office/drawing/2014/chart" uri="{C3380CC4-5D6E-409C-BE32-E72D297353CC}">
+                  <c16:uniqueId val="{00000002-A692-8745-83F2-0160F16B5DE5}"/>
+                </c:ext>
+              </c:extLst>
+            </c:dLbl>
+            <c:dLbl>
+              <c:idx val="3"/>
+              <c:numFmt formatCode="#,##0" sourceLinked="0"/>
+              <c:spPr/>
+              <c:txPr>
+                <a:bodyPr/>
+                <a:lstStyle/>
+                <a:p>
+                  <a:pPr>
+                    <a:defRPr sz="1000" b="1" smtId="4294967295">
+                      <a:solidFill>
+                        <a:schemeClr val="tx1"/>
+                      </a:solidFill>
+                      <a:latin typeface="Arial" pitchFamily="34" charset="0"/>
+                    </a:defRPr>
+                  </a:pPr>
+                  <a:endParaRPr lang="zh-CN"/>
+                </a:p>
+              </c:txPr>
+              <c:dLblPos val="t"/>
+              <c:showLegendKey val="0"/>
+              <c:showVal val="1"/>
+              <c:showCatName val="0"/>
+              <c:showSerName val="0"/>
+              <c:showPercent val="0"/>
+              <c:showBubbleSize val="0"/>
+              <c:extLst>
+                <c:ext xmlns:c16="http://schemas.microsoft.com/office/drawing/2014/chart" uri="{C3380CC4-5D6E-409C-BE32-E72D297353CC}">
+                  <c16:uniqueId val="{00000003-A692-8745-83F2-0160F16B5DE5}"/>
+                </c:ext>
+              </c:extLst>
+            </c:dLbl>
+            <c:dLbl>
+              <c:idx val="4"/>
+              <c:numFmt formatCode="#,##0" sourceLinked="0"/>
+              <c:spPr/>
+              <c:txPr>
+                <a:bodyPr/>
+                <a:lstStyle/>
+                <a:p>
+                  <a:pPr>
+                    <a:defRPr sz="1000" b="1" smtId="4294967295">
+                      <a:solidFill>
+                        <a:schemeClr val="tx1"/>
+                      </a:solidFill>
+                      <a:latin typeface="Arial" pitchFamily="34" charset="0"/>
+                    </a:defRPr>
+                  </a:pPr>
+                  <a:endParaRPr lang="zh-CN"/>
+                </a:p>
+              </c:txPr>
+              <c:dLblPos val="t"/>
+              <c:showLegendKey val="0"/>
+              <c:showVal val="1"/>
+              <c:showCatName val="0"/>
+              <c:showSerName val="0"/>
+              <c:showPercent val="0"/>
+              <c:showBubbleSize val="0"/>
+              <c:extLst>
+                <c:ext xmlns:c16="http://schemas.microsoft.com/office/drawing/2014/chart" uri="{C3380CC4-5D6E-409C-BE32-E72D297353CC}">
+                  <c16:uniqueId val="{00000004-A692-8745-83F2-0160F16B5DE5}"/>
+                </c:ext>
+              </c:extLst>
+            </c:dLbl>
+            <c:dLbl>
+              <c:idx val="5"/>
+              <c:numFmt formatCode="#,##0" sourceLinked="0"/>
+              <c:spPr/>
+              <c:txPr>
+                <a:bodyPr/>
+                <a:lstStyle/>
+                <a:p>
+                  <a:pPr>
+                    <a:defRPr sz="1000" b="1" smtId="4294967295">
+                      <a:solidFill>
+                        <a:schemeClr val="tx1"/>
+                      </a:solidFill>
+                      <a:latin typeface="Arial" pitchFamily="34" charset="0"/>
+                    </a:defRPr>
+                  </a:pPr>
+                  <a:endParaRPr lang="zh-CN"/>
+                </a:p>
+              </c:txPr>
+              <c:dLblPos val="t"/>
+              <c:showLegendKey val="0"/>
+              <c:showVal val="1"/>
+              <c:showCatName val="0"/>
+              <c:showSerName val="0"/>
+              <c:showPercent val="0"/>
+              <c:showBubbleSize val="0"/>
+              <c:extLst>
+                <c:ext xmlns:c16="http://schemas.microsoft.com/office/drawing/2014/chart" uri="{C3380CC4-5D6E-409C-BE32-E72D297353CC}">
+                  <c16:uniqueId val="{00000000-95FE-8D4E-A411-B5DD2268077E}"/>
+                </c:ext>
+              </c:extLst>
+            </c:dLbl>
+            <c:spPr>
+              <a:noFill/>
+              <a:ln>
+                <a:noFill/>
+              </a:ln>
+              <a:effectLst/>
+            </c:spPr>
+            <c:txPr>
+              <a:bodyPr/>
+              <a:lstStyle/>
+              <a:p>
+                <a:pPr>
+                  <a:defRPr sz="900" b="1" smtId="4294967295">
+                    <a:solidFill>
+                      <a:schemeClr val="tx1"/>
+                    </a:solidFill>
+                    <a:latin typeface="Arial" pitchFamily="34" charset="0"/>
+                  </a:defRPr>
+                </a:pPr>
+                <a:endParaRPr lang="zh-CN"/>
+              </a:p>
+            </c:txPr>
+            <c:dLblPos val="t"/>
+            <c:showLegendKey val="0"/>
+            <c:showVal val="1"/>
+            <c:showCatName val="0"/>
+            <c:showSerName val="0"/>
+            <c:showPercent val="0"/>
+            <c:showBubbleSize val="0"/>
+            <c:showLeaderLines val="0"/>
+            <c:extLst>
+              <c:ext xmlns:c15="http://schemas.microsoft.com/office/drawing/2012/chart" uri="{CE6537A1-D6FC-4f65-9D91-7224C49458BB}">
+                <c15:showLeaderLines val="0"/>
+              </c:ext>
+            </c:extLst>
+          </c:dLbls>
+          <c:cat>
+            <c:numRef>
+              <c:f>Sheet1!$A$2:$A$7</c:f>
+              <c:numCache>
+                <c:formatCode>General</c:formatCode>
+                <c:ptCount val="6"/>
+                <c:pt idx="0">
+                  <c:v>1997</c:v>
+                </c:pt>
+                <c:pt idx="1">
+                  <c:v>2004</c:v>
+                </c:pt>
+                <c:pt idx="2">
+                  <c:v>2008</c:v>
+                </c:pt>
+                <c:pt idx="3">
+                  <c:v>2012</c:v>
+                </c:pt>
+                <c:pt idx="4">
+                  <c:v>2014</c:v>
+                </c:pt>
+                <c:pt idx="5">
+                  <c:v>2017</c:v>
+                </c:pt>
+              </c:numCache>
+            </c:numRef>
+          </c:cat>
+          <c:val>
+            <c:numRef>
+              <c:f>Sheet1!$B$2:$B$7</c:f>
+              <c:numCache>
+                <c:formatCode>General</c:formatCode>
+                <c:ptCount val="6"/>
+                <c:pt idx="0">
+                  <c:v>17.399999999999999</c:v>
+                </c:pt>
+                <c:pt idx="1">
+                  <c:v>19.100000000000001</c:v>
+                </c:pt>
+                <c:pt idx="2">
+                  <c:v>18.940000000000001</c:v>
+                </c:pt>
+                <c:pt idx="3">
+                  <c:v>19.5</c:v>
+                </c:pt>
+                <c:pt idx="4">
+                  <c:v>19.600000000000001</c:v>
+                </c:pt>
+                <c:pt idx="5">
+                  <c:v>12</c:v>
+                </c:pt>
+              </c:numCache>
+            </c:numRef>
+          </c:val>
+          <c:smooth val="0"/>
+          <c:extLst>
+            <c:ext xmlns:c16="http://schemas.microsoft.com/office/drawing/2014/chart" uri="{C3380CC4-5D6E-409C-BE32-E72D297353CC}">
+              <c16:uniqueId val="{00000005-A692-8745-83F2-0160F16B5DE5}"/>
+            </c:ext>
+          </c:extLst>
+        </c:ser>
+        <c:dLbls>
+          <c:showLegendKey val="0"/>
+          <c:showVal val="0"/>
+          <c:showCatName val="0"/>
+          <c:showSerName val="0"/>
+          <c:showPercent val="0"/>
+          <c:showBubbleSize val="0"/>
+        </c:dLbls>
+        <c:marker val="1"/>
+        <c:smooth val="0"/>
+        <c:axId val="-2069137680"/>
+        <c:axId val="-2069134352"/>
+      </c:lineChart>
+      <c:catAx>
+        <c:axId val="-2069137680"/>
+        <c:scaling>
+          <c:orientation val="minMax"/>
+        </c:scaling>
+        <c:delete val="0"/>
+        <c:axPos val="b"/>
+        <c:numFmt formatCode="General" sourceLinked="1"/>
+        <c:majorTickMark val="none"/>
+        <c:minorTickMark val="none"/>
+        <c:tickLblPos val="low"/>
+        <c:spPr>
+          <a:ln w="25400">
+            <a:solidFill>
+              <a:schemeClr val="tx1"/>
+            </a:solidFill>
+          </a:ln>
+        </c:spPr>
+        <c:txPr>
+          <a:bodyPr/>
+          <a:lstStyle/>
+          <a:p>
+            <a:pPr>
+              <a:defRPr sz="900" b="0" smtId="4294967295">
+                <a:solidFill>
+                  <a:schemeClr val="tx1"/>
+                </a:solidFill>
+                <a:latin typeface="Arial" pitchFamily="34" charset="0"/>
+              </a:defRPr>
+            </a:pPr>
+            <a:endParaRPr lang="zh-CN"/>
+          </a:p>
+        </c:txPr>
+        <c:crossAx val="-2069134352"/>
+        <c:crosses val="autoZero"/>
+        <c:auto val="0"/>
+        <c:lblAlgn val="ctr"/>
+        <c:lblOffset val="100"/>
+        <c:noMultiLvlLbl val="0"/>
+      </c:catAx>
+      <c:valAx>
+        <c:axId val="-2069134352"/>
+        <c:scaling>
+          <c:orientation val="minMax"/>
+          <c:min val="0"/>
+        </c:scaling>
+        <c:delete val="0"/>
+        <c:axPos val="l"/>
+        <c:majorGridlines>
+          <c:spPr>
+            <a:ln>
+              <a:solidFill>
+                <a:schemeClr val="tx1"/>
+              </a:solidFill>
+              <a:prstDash val="dot"/>
+            </a:ln>
+          </c:spPr>
+        </c:majorGridlines>
+        <c:title>
+          <c:tx>
+            <c:rich>
+              <a:bodyPr/>
+              <a:lstStyle/>
+              <a:p>
+                <a:pPr>
+                  <a:defRPr sz="1000"/>
+                </a:pPr>
+                <a:r>
+                  <a:rPr lang="zh-CN" altLang="en-US" sz="1000" b="0" dirty="0">
+                    <a:solidFill>
+                      <a:srgbClr val="0F283E"/>
+                    </a:solidFill>
+                    <a:latin typeface="Arial" pitchFamily="34" charset="0"/>
+                  </a:rPr>
+                  <a:t>万人</a:t>
+                </a:r>
+                <a:endParaRPr lang="en-US" sz="1000" b="0" dirty="0">
+                  <a:solidFill>
+                    <a:srgbClr val="0F283E"/>
+                  </a:solidFill>
+                  <a:latin typeface="Arial" pitchFamily="34" charset="0"/>
+                </a:endParaRPr>
+              </a:p>
+            </c:rich>
+          </c:tx>
+          <c:overlay val="0"/>
+        </c:title>
+        <c:numFmt formatCode="#,##0.0" sourceLinked="0"/>
+        <c:majorTickMark val="none"/>
+        <c:minorTickMark val="none"/>
+        <c:tickLblPos val="low"/>
+        <c:spPr>
+          <a:ln>
+            <a:noFill/>
+          </a:ln>
+        </c:spPr>
+        <c:txPr>
+          <a:bodyPr/>
+          <a:lstStyle/>
+          <a:p>
+            <a:pPr>
+              <a:defRPr sz="1000" b="0" smtId="4294967295">
+                <a:solidFill>
+                  <a:schemeClr val="tx1"/>
+                </a:solidFill>
+                <a:latin typeface="Arial" pitchFamily="34" charset="0"/>
+              </a:defRPr>
+            </a:pPr>
+            <a:endParaRPr lang="zh-CN"/>
+          </a:p>
+        </c:txPr>
+        <c:crossAx val="-2069137680"/>
+        <c:crosses val="autoZero"/>
+        <c:crossBetween val="between"/>
+      </c:valAx>
+    </c:plotArea>
+    <c:plotVisOnly val="1"/>
+    <c:dispBlanksAs val="zero"/>
+    <c:showDLblsOverMax val="1"/>
+  </c:chart>
+  <c:txPr>
+    <a:bodyPr/>
+    <a:lstStyle/>
+    <a:p>
+      <a:pPr>
+        <a:defRPr sz="1800" smtId="4294967295"/>
+      </a:pPr>
+      <a:endParaRPr lang="zh-CN"/>
+    </a:p>
+  </c:txPr>
+  <c:externalData r:id="rId1">
+    <c:autoUpdate val="0"/>
+  </c:externalData>
+</c:chartSpace>
+</file>
+
+<file path=ppt/charts/chart2.xml><?xml version="1.0" encoding="utf-8"?>
+<c:chartSpace xmlns:c="http://schemas.openxmlformats.org/drawingml/2006/chart" xmlns:a="http://schemas.openxmlformats.org/drawingml/2006/main" xmlns:r="http://schemas.openxmlformats.org/officeDocument/2006/relationships" xmlns:c16r2="http://schemas.microsoft.com/office/drawing/2015/06/chart">
+  <c:date1904 val="0"/>
+  <c:lang val="zh-CN"/>
+  <c:roundedCorners val="0"/>
+  <mc:AlternateContent xmlns:mc="http://schemas.openxmlformats.org/markup-compatibility/2006">
+    <mc:Choice xmlns:c14="http://schemas.microsoft.com/office/drawing/2007/8/2/chart" Requires="c14">
+      <c14:style val="102"/>
+    </mc:Choice>
+    <mc:Fallback>
+      <c:style val="2"/>
+    </mc:Fallback>
+  </mc:AlternateContent>
+  <c:chart>
+    <c:autoTitleDeleted val="1"/>
+    <c:plotArea>
+      <c:layout/>
+      <c:barChart>
+        <c:barDir val="col"/>
+        <c:grouping val="clustered"/>
+        <c:varyColors val="0"/>
+        <c:ser>
+          <c:idx val="0"/>
+          <c:order val="0"/>
+          <c:tx>
+            <c:strRef>
+              <c:f>Sheet1!$B$1</c:f>
+              <c:strCache>
+                <c:ptCount val="1"/>
+                <c:pt idx="0">
+                  <c:v>受理案件数量</c:v>
+                </c:pt>
+              </c:strCache>
+            </c:strRef>
+          </c:tx>
+          <c:spPr>
+            <a:ln>
+              <a:solidFill>
+                <a:srgbClr val="2875DD"/>
+              </a:solidFill>
+            </a:ln>
+          </c:spPr>
+          <c:invertIfNegative val="0"/>
+          <c:dLbls>
+            <c:dLbl>
+              <c:idx val="0"/>
+              <c:numFmt formatCode="#,##0" sourceLinked="0"/>
+              <c:spPr/>
+              <c:txPr>
+                <a:bodyPr/>
+                <a:lstStyle/>
+                <a:p>
+                  <a:pPr>
+                    <a:defRPr sz="800" b="1" smtId="4294967295">
+                      <a:solidFill>
+                        <a:schemeClr val="tx1"/>
+                      </a:solidFill>
+                      <a:latin typeface="Arial" pitchFamily="34" charset="0"/>
+                    </a:defRPr>
+                  </a:pPr>
+                  <a:endParaRPr lang="zh-CN"/>
+                </a:p>
+              </c:txPr>
+              <c:showLegendKey val="0"/>
+              <c:showVal val="1"/>
+              <c:showCatName val="0"/>
+              <c:showSerName val="0"/>
+              <c:showPercent val="0"/>
+              <c:showBubbleSize val="0"/>
+              <c:extLst>
+                <c:ext xmlns:c16="http://schemas.microsoft.com/office/drawing/2014/chart" uri="{C3380CC4-5D6E-409C-BE32-E72D297353CC}">
+                  <c16:uniqueId val="{00000000-A13E-F24E-B182-CC7C5DDB8267}"/>
+                </c:ext>
+              </c:extLst>
+            </c:dLbl>
+            <c:dLbl>
+              <c:idx val="1"/>
+              <c:numFmt formatCode="#,##0" sourceLinked="0"/>
+              <c:spPr/>
+              <c:txPr>
+                <a:bodyPr/>
+                <a:lstStyle/>
+                <a:p>
+                  <a:pPr>
+                    <a:defRPr sz="800" b="1" smtId="4294967295">
+                      <a:solidFill>
+                        <a:schemeClr val="tx1"/>
+                      </a:solidFill>
+                      <a:latin typeface="Arial" pitchFamily="34" charset="0"/>
+                    </a:defRPr>
+                  </a:pPr>
+                  <a:endParaRPr lang="zh-CN"/>
+                </a:p>
+              </c:txPr>
+              <c:showLegendKey val="0"/>
+              <c:showVal val="1"/>
+              <c:showCatName val="0"/>
+              <c:showSerName val="0"/>
+              <c:showPercent val="0"/>
+              <c:showBubbleSize val="0"/>
+              <c:extLst>
+                <c:ext xmlns:c16="http://schemas.microsoft.com/office/drawing/2014/chart" uri="{C3380CC4-5D6E-409C-BE32-E72D297353CC}">
+                  <c16:uniqueId val="{00000001-A13E-F24E-B182-CC7C5DDB8267}"/>
+                </c:ext>
+              </c:extLst>
+            </c:dLbl>
+            <c:dLbl>
+              <c:idx val="2"/>
+              <c:numFmt formatCode="#,##0" sourceLinked="0"/>
+              <c:spPr/>
+              <c:txPr>
+                <a:bodyPr/>
+                <a:lstStyle/>
+                <a:p>
+                  <a:pPr>
+                    <a:defRPr sz="800" b="1" smtId="4294967295">
+                      <a:solidFill>
+                        <a:schemeClr val="tx1"/>
+                      </a:solidFill>
+                      <a:latin typeface="Arial" pitchFamily="34" charset="0"/>
+                    </a:defRPr>
+                  </a:pPr>
+                  <a:endParaRPr lang="zh-CN"/>
+                </a:p>
+              </c:txPr>
+              <c:showLegendKey val="0"/>
+              <c:showVal val="1"/>
+              <c:showCatName val="0"/>
+              <c:showSerName val="0"/>
+              <c:showPercent val="0"/>
+              <c:showBubbleSize val="0"/>
+              <c:extLst>
+                <c:ext xmlns:c16="http://schemas.microsoft.com/office/drawing/2014/chart" uri="{C3380CC4-5D6E-409C-BE32-E72D297353CC}">
+                  <c16:uniqueId val="{00000002-A13E-F24E-B182-CC7C5DDB8267}"/>
+                </c:ext>
+              </c:extLst>
+            </c:dLbl>
+            <c:dLbl>
+              <c:idx val="3"/>
+              <c:numFmt formatCode="#,##0" sourceLinked="0"/>
+              <c:spPr/>
+              <c:txPr>
+                <a:bodyPr/>
+                <a:lstStyle/>
+                <a:p>
+                  <a:pPr>
+                    <a:defRPr sz="800" b="1" smtId="4294967295">
+                      <a:solidFill>
+                        <a:schemeClr val="tx1"/>
+                      </a:solidFill>
+                      <a:latin typeface="Arial" pitchFamily="34" charset="0"/>
+                    </a:defRPr>
+                  </a:pPr>
+                  <a:endParaRPr lang="zh-CN"/>
+                </a:p>
+              </c:txPr>
+              <c:showLegendKey val="0"/>
+              <c:showVal val="1"/>
+              <c:showCatName val="0"/>
+              <c:showSerName val="0"/>
+              <c:showPercent val="0"/>
+              <c:showBubbleSize val="0"/>
+              <c:extLst>
+                <c:ext xmlns:c16="http://schemas.microsoft.com/office/drawing/2014/chart" uri="{C3380CC4-5D6E-409C-BE32-E72D297353CC}">
+                  <c16:uniqueId val="{00000003-A13E-F24E-B182-CC7C5DDB8267}"/>
+                </c:ext>
+              </c:extLst>
+            </c:dLbl>
+            <c:dLbl>
+              <c:idx val="4"/>
+              <c:numFmt formatCode="#,##0" sourceLinked="0"/>
+              <c:spPr/>
+              <c:txPr>
+                <a:bodyPr/>
+                <a:lstStyle/>
+                <a:p>
+                  <a:pPr>
+                    <a:defRPr sz="800" b="1" smtId="4294967295">
+                      <a:solidFill>
+                        <a:schemeClr val="tx1"/>
+                      </a:solidFill>
+                      <a:latin typeface="Arial" pitchFamily="34" charset="0"/>
+                    </a:defRPr>
+                  </a:pPr>
+                  <a:endParaRPr lang="zh-CN"/>
+                </a:p>
+              </c:txPr>
+              <c:showLegendKey val="0"/>
+              <c:showVal val="1"/>
+              <c:showCatName val="0"/>
+              <c:showSerName val="0"/>
+              <c:showPercent val="0"/>
+              <c:showBubbleSize val="0"/>
+              <c:extLst>
+                <c:ext xmlns:c16="http://schemas.microsoft.com/office/drawing/2014/chart" uri="{C3380CC4-5D6E-409C-BE32-E72D297353CC}">
+                  <c16:uniqueId val="{00000004-A13E-F24E-B182-CC7C5DDB8267}"/>
+                </c:ext>
+              </c:extLst>
+            </c:dLbl>
+            <c:spPr>
+              <a:noFill/>
+              <a:ln>
+                <a:noFill/>
+              </a:ln>
+              <a:effectLst/>
+            </c:spPr>
+            <c:txPr>
+              <a:bodyPr/>
+              <a:lstStyle/>
+              <a:p>
+                <a:pPr>
+                  <a:defRPr sz="800" b="1" smtId="4294967295">
+                    <a:solidFill>
+                      <a:schemeClr val="tx1"/>
+                    </a:solidFill>
+                    <a:latin typeface="Arial" pitchFamily="34" charset="0"/>
+                  </a:defRPr>
+                </a:pPr>
+                <a:endParaRPr lang="zh-CN"/>
+              </a:p>
+            </c:txPr>
+            <c:showLegendKey val="0"/>
+            <c:showVal val="1"/>
+            <c:showCatName val="0"/>
+            <c:showSerName val="0"/>
+            <c:showPercent val="0"/>
+            <c:showBubbleSize val="0"/>
+            <c:showLeaderLines val="0"/>
+            <c:extLst>
+              <c:ext xmlns:c15="http://schemas.microsoft.com/office/drawing/2012/chart" uri="{CE6537A1-D6FC-4f65-9D91-7224C49458BB}">
+                <c15:showLeaderLines val="0"/>
+              </c:ext>
+            </c:extLst>
+          </c:dLbls>
+          <c:cat>
+            <c:numRef>
+              <c:f>Sheet1!$A$2:$A$7</c:f>
+              <c:numCache>
+                <c:formatCode>General</c:formatCode>
+                <c:ptCount val="6"/>
+                <c:pt idx="0">
+                  <c:v>2013</c:v>
+                </c:pt>
+                <c:pt idx="1">
+                  <c:v>2014</c:v>
+                </c:pt>
+                <c:pt idx="2">
+                  <c:v>2015</c:v>
+                </c:pt>
+                <c:pt idx="3">
+                  <c:v>2016</c:v>
+                </c:pt>
+                <c:pt idx="4">
+                  <c:v>2017</c:v>
+                </c:pt>
+                <c:pt idx="5">
+                  <c:v>2018</c:v>
+                </c:pt>
+              </c:numCache>
+            </c:numRef>
+          </c:cat>
+          <c:val>
+            <c:numRef>
+              <c:f>Sheet1!$B$2:$B$7</c:f>
+              <c:numCache>
+                <c:formatCode>General</c:formatCode>
+                <c:ptCount val="6"/>
+                <c:pt idx="0">
+                  <c:v>1421.7</c:v>
+                </c:pt>
+                <c:pt idx="1">
+                  <c:v>1565.1</c:v>
+                </c:pt>
+                <c:pt idx="2">
+                  <c:v>1951.1</c:v>
+                </c:pt>
+                <c:pt idx="3">
+                  <c:v>2303</c:v>
+                </c:pt>
+                <c:pt idx="4">
+                  <c:v>2260</c:v>
+                </c:pt>
+                <c:pt idx="5">
+                  <c:v>2800</c:v>
+                </c:pt>
+              </c:numCache>
+            </c:numRef>
+          </c:val>
+          <c:extLst>
+            <c:ext xmlns:c16="http://schemas.microsoft.com/office/drawing/2014/chart" uri="{C3380CC4-5D6E-409C-BE32-E72D297353CC}">
+              <c16:uniqueId val="{00000005-A13E-F24E-B182-CC7C5DDB8267}"/>
+            </c:ext>
+          </c:extLst>
+        </c:ser>
+        <c:dLbls>
+          <c:showLegendKey val="0"/>
+          <c:showVal val="0"/>
+          <c:showCatName val="0"/>
+          <c:showSerName val="0"/>
+          <c:showPercent val="0"/>
+          <c:showBubbleSize val="0"/>
+        </c:dLbls>
+        <c:gapWidth val="150"/>
+        <c:axId val="-2069085792"/>
+        <c:axId val="-2069082400"/>
+      </c:barChart>
+      <c:catAx>
+        <c:axId val="-2069085792"/>
+        <c:scaling>
+          <c:orientation val="minMax"/>
+        </c:scaling>
+        <c:delete val="0"/>
+        <c:axPos val="b"/>
+        <c:numFmt formatCode="General" sourceLinked="1"/>
+        <c:majorTickMark val="none"/>
+        <c:minorTickMark val="none"/>
+        <c:tickLblPos val="low"/>
+        <c:spPr>
+          <a:ln w="25400">
+            <a:solidFill>
+              <a:schemeClr val="tx1"/>
+            </a:solidFill>
+          </a:ln>
+        </c:spPr>
+        <c:txPr>
+          <a:bodyPr/>
+          <a:lstStyle/>
+          <a:p>
+            <a:pPr>
+              <a:defRPr sz="900" b="0" smtId="4294967295">
+                <a:solidFill>
+                  <a:schemeClr val="tx1"/>
+                </a:solidFill>
+                <a:latin typeface="Arial" pitchFamily="34" charset="0"/>
+              </a:defRPr>
+            </a:pPr>
+            <a:endParaRPr lang="zh-CN"/>
+          </a:p>
+        </c:txPr>
+        <c:crossAx val="-2069082400"/>
+        <c:crosses val="autoZero"/>
+        <c:auto val="0"/>
+        <c:lblAlgn val="ctr"/>
+        <c:lblOffset val="100"/>
+        <c:noMultiLvlLbl val="0"/>
+      </c:catAx>
+      <c:valAx>
+        <c:axId val="-2069082400"/>
+        <c:scaling>
+          <c:orientation val="minMax"/>
+          <c:max val="3000"/>
+          <c:min val="1000"/>
+        </c:scaling>
+        <c:delete val="0"/>
+        <c:axPos val="l"/>
+        <c:majorGridlines>
+          <c:spPr>
+            <a:ln>
+              <a:solidFill>
+                <a:schemeClr val="tx1"/>
+              </a:solidFill>
+              <a:prstDash val="dot"/>
+            </a:ln>
+          </c:spPr>
+        </c:majorGridlines>
+        <c:title>
+          <c:tx>
+            <c:rich>
+              <a:bodyPr/>
+              <a:lstStyle/>
+              <a:p>
+                <a:pPr>
+                  <a:defRPr sz="1200"/>
+                </a:pPr>
+                <a:r>
+                  <a:rPr lang="zh-CN" altLang="en-US" sz="1200" b="0" dirty="0">
+                    <a:solidFill>
+                      <a:srgbClr val="0F283E"/>
+                    </a:solidFill>
+                    <a:latin typeface="Arial" pitchFamily="34" charset="0"/>
+                  </a:rPr>
+                  <a:t>万件</a:t>
+                </a:r>
+                <a:endParaRPr lang="en-US" sz="1200" b="0" dirty="0">
+                  <a:solidFill>
+                    <a:srgbClr val="0F283E"/>
+                  </a:solidFill>
+                  <a:latin typeface="Arial" pitchFamily="34" charset="0"/>
+                </a:endParaRPr>
+              </a:p>
+            </c:rich>
+          </c:tx>
+          <c:overlay val="0"/>
+        </c:title>
+        <c:numFmt formatCode="#,##0.0" sourceLinked="0"/>
+        <c:majorTickMark val="none"/>
+        <c:minorTickMark val="none"/>
+        <c:tickLblPos val="low"/>
+        <c:spPr>
+          <a:ln>
+            <a:noFill/>
+          </a:ln>
+        </c:spPr>
+        <c:txPr>
+          <a:bodyPr/>
+          <a:lstStyle/>
+          <a:p>
+            <a:pPr>
+              <a:defRPr sz="900" b="0" smtId="4294967295">
+                <a:solidFill>
+                  <a:schemeClr val="tx1"/>
+                </a:solidFill>
+                <a:latin typeface="Arial" pitchFamily="34" charset="0"/>
+              </a:defRPr>
+            </a:pPr>
+            <a:endParaRPr lang="zh-CN"/>
+          </a:p>
+        </c:txPr>
+        <c:crossAx val="-2069085792"/>
+        <c:crosses val="autoZero"/>
+        <c:crossBetween val="between"/>
+      </c:valAx>
+    </c:plotArea>
+    <c:plotVisOnly val="1"/>
+    <c:dispBlanksAs val="zero"/>
+    <c:showDLblsOverMax val="1"/>
+  </c:chart>
+  <c:txPr>
+    <a:bodyPr/>
+    <a:lstStyle/>
+    <a:p>
+      <a:pPr>
+        <a:defRPr sz="1800" smtId="4294967295"/>
+      </a:pPr>
+      <a:endParaRPr lang="zh-CN"/>
+    </a:p>
+  </c:txPr>
+  <c:externalData r:id="rId1">
+    <c:autoUpdate val="0"/>
+  </c:externalData>
+</c:chartSpace>
+</file>
+
+<file path=ppt/charts/chart3.xml><?xml version="1.0" encoding="utf-8"?>
+<c:chartSpace xmlns:c="http://schemas.openxmlformats.org/drawingml/2006/chart" xmlns:a="http://schemas.openxmlformats.org/drawingml/2006/main" xmlns:r="http://schemas.openxmlformats.org/officeDocument/2006/relationships" xmlns:c16r2="http://schemas.microsoft.com/office/drawing/2015/06/chart">
+  <c:date1904 val="0"/>
+  <c:lang val="zh-CN"/>
+  <c:roundedCorners val="0"/>
+  <mc:AlternateContent xmlns:mc="http://schemas.openxmlformats.org/markup-compatibility/2006">
+    <mc:Choice xmlns:c14="http://schemas.microsoft.com/office/drawing/2007/8/2/chart" Requires="c14">
+      <c14:style val="102"/>
+    </mc:Choice>
+    <mc:Fallback>
+      <c:style val="2"/>
+    </mc:Fallback>
+  </mc:AlternateContent>
+  <c:chart>
+    <c:autoTitleDeleted val="1"/>
+    <c:plotArea>
+      <c:layout/>
+      <c:lineChart>
+        <c:grouping val="standard"/>
+        <c:varyColors val="0"/>
+        <c:ser>
+          <c:idx val="0"/>
+          <c:order val="0"/>
+          <c:tx>
+            <c:strRef>
+              <c:f>Sheet1!$B$1</c:f>
+              <c:strCache>
+                <c:ptCount val="1"/>
+                <c:pt idx="0">
+                  <c:v>国内律师数量</c:v>
+                </c:pt>
+              </c:strCache>
+            </c:strRef>
+          </c:tx>
+          <c:spPr>
+            <a:ln>
+              <a:solidFill>
+                <a:srgbClr val="2875DD"/>
+              </a:solidFill>
+            </a:ln>
+          </c:spPr>
+          <c:marker>
+            <c:symbol val="circle"/>
+            <c:size val="5"/>
+            <c:spPr>
+              <a:solidFill>
+                <a:srgbClr val="2875DD"/>
+              </a:solidFill>
+              <a:ln>
+                <a:solidFill>
+                  <a:srgbClr val="2875DD"/>
+                </a:solidFill>
+              </a:ln>
+            </c:spPr>
+          </c:marker>
+          <c:dLbls>
+            <c:dLbl>
+              <c:idx val="0"/>
+              <c:numFmt formatCode="#,##0" sourceLinked="0"/>
+              <c:spPr/>
+              <c:txPr>
+                <a:bodyPr/>
+                <a:lstStyle/>
+                <a:p>
+                  <a:pPr>
+                    <a:defRPr sz="1000" b="1" smtId="4294967295">
+                      <a:solidFill>
+                        <a:srgbClr val="0F283E"/>
+                      </a:solidFill>
+                      <a:latin typeface="Arial" pitchFamily="34" charset="0"/>
+                    </a:defRPr>
+                  </a:pPr>
+                  <a:endParaRPr lang="zh-CN"/>
+                </a:p>
+              </c:txPr>
+              <c:dLblPos val="t"/>
+              <c:showLegendKey val="0"/>
+              <c:showVal val="1"/>
+              <c:showCatName val="0"/>
+              <c:showSerName val="0"/>
+              <c:showPercent val="0"/>
+              <c:showBubbleSize val="0"/>
+              <c:extLst>
+                <c:ext xmlns:c15="http://schemas.microsoft.com/office/drawing/2012/chart" uri="{CE6537A1-D6FC-4f65-9D91-7224C49458BB}"/>
+                <c:ext xmlns:c16="http://schemas.microsoft.com/office/drawing/2014/chart" uri="{C3380CC4-5D6E-409C-BE32-E72D297353CC}">
+                  <c16:uniqueId val="{00000000-A692-8745-83F2-0160F16B5DE5}"/>
+                </c:ext>
+              </c:extLst>
+            </c:dLbl>
+            <c:dLbl>
+              <c:idx val="1"/>
+              <c:numFmt formatCode="#,##0" sourceLinked="0"/>
+              <c:spPr/>
+              <c:txPr>
+                <a:bodyPr/>
+                <a:lstStyle/>
+                <a:p>
+                  <a:pPr>
+                    <a:defRPr sz="1000" b="1" smtId="4294967295">
+                      <a:solidFill>
+                        <a:srgbClr val="0F283E"/>
+                      </a:solidFill>
+                      <a:latin typeface="Arial" pitchFamily="34" charset="0"/>
+                    </a:defRPr>
+                  </a:pPr>
+                  <a:endParaRPr lang="zh-CN"/>
+                </a:p>
+              </c:txPr>
+              <c:dLblPos val="t"/>
+              <c:showLegendKey val="0"/>
+              <c:showVal val="1"/>
+              <c:showCatName val="0"/>
+              <c:showSerName val="0"/>
+              <c:showPercent val="0"/>
+              <c:showBubbleSize val="0"/>
+              <c:extLst>
+                <c:ext xmlns:c15="http://schemas.microsoft.com/office/drawing/2012/chart" uri="{CE6537A1-D6FC-4f65-9D91-7224C49458BB}"/>
+                <c:ext xmlns:c16="http://schemas.microsoft.com/office/drawing/2014/chart" uri="{C3380CC4-5D6E-409C-BE32-E72D297353CC}">
+                  <c16:uniqueId val="{00000001-A692-8745-83F2-0160F16B5DE5}"/>
+                </c:ext>
+              </c:extLst>
+            </c:dLbl>
+            <c:dLbl>
+              <c:idx val="2"/>
+              <c:numFmt formatCode="#,##0" sourceLinked="0"/>
+              <c:spPr/>
+              <c:txPr>
+                <a:bodyPr/>
+                <a:lstStyle/>
+                <a:p>
+                  <a:pPr>
+                    <a:defRPr sz="1000" b="1" smtId="4294967295">
+                      <a:solidFill>
+                        <a:srgbClr val="0F283E"/>
+                      </a:solidFill>
+                      <a:latin typeface="Arial" pitchFamily="34" charset="0"/>
+                    </a:defRPr>
+                  </a:pPr>
+                  <a:endParaRPr lang="zh-CN"/>
+                </a:p>
+              </c:txPr>
+              <c:dLblPos val="t"/>
+              <c:showLegendKey val="0"/>
+              <c:showVal val="1"/>
+              <c:showCatName val="0"/>
+              <c:showSerName val="0"/>
+              <c:showPercent val="0"/>
+              <c:showBubbleSize val="0"/>
+              <c:extLst>
+                <c:ext xmlns:c15="http://schemas.microsoft.com/office/drawing/2012/chart" uri="{CE6537A1-D6FC-4f65-9D91-7224C49458BB}"/>
+                <c:ext xmlns:c16="http://schemas.microsoft.com/office/drawing/2014/chart" uri="{C3380CC4-5D6E-409C-BE32-E72D297353CC}">
+                  <c16:uniqueId val="{00000002-A692-8745-83F2-0160F16B5DE5}"/>
+                </c:ext>
+              </c:extLst>
+            </c:dLbl>
+            <c:dLbl>
+              <c:idx val="3"/>
+              <c:numFmt formatCode="#,##0" sourceLinked="0"/>
+              <c:spPr/>
+              <c:txPr>
+                <a:bodyPr/>
+                <a:lstStyle/>
+                <a:p>
+                  <a:pPr>
+                    <a:defRPr sz="1000" b="1" smtId="4294967295">
+                      <a:solidFill>
+                        <a:srgbClr val="0F283E"/>
+                      </a:solidFill>
+                      <a:latin typeface="Arial" pitchFamily="34" charset="0"/>
+                    </a:defRPr>
+                  </a:pPr>
+                  <a:endParaRPr lang="zh-CN"/>
+                </a:p>
+              </c:txPr>
+              <c:dLblPos val="t"/>
+              <c:showLegendKey val="0"/>
+              <c:showVal val="1"/>
+              <c:showCatName val="0"/>
+              <c:showSerName val="0"/>
+              <c:showPercent val="0"/>
+              <c:showBubbleSize val="0"/>
+              <c:extLst>
+                <c:ext xmlns:c15="http://schemas.microsoft.com/office/drawing/2012/chart" uri="{CE6537A1-D6FC-4f65-9D91-7224C49458BB}"/>
+                <c:ext xmlns:c16="http://schemas.microsoft.com/office/drawing/2014/chart" uri="{C3380CC4-5D6E-409C-BE32-E72D297353CC}">
+                  <c16:uniqueId val="{00000003-A692-8745-83F2-0160F16B5DE5}"/>
+                </c:ext>
+              </c:extLst>
+            </c:dLbl>
+            <c:dLbl>
+              <c:idx val="4"/>
+              <c:numFmt formatCode="#,##0" sourceLinked="0"/>
+              <c:spPr/>
+              <c:txPr>
+                <a:bodyPr/>
+                <a:lstStyle/>
+                <a:p>
+                  <a:pPr>
+                    <a:defRPr sz="1000" b="1" smtId="4294967295">
+                      <a:solidFill>
+                        <a:srgbClr val="0F283E"/>
+                      </a:solidFill>
+                      <a:latin typeface="Arial" pitchFamily="34" charset="0"/>
+                    </a:defRPr>
+                  </a:pPr>
+                  <a:endParaRPr lang="zh-CN"/>
+                </a:p>
+              </c:txPr>
+              <c:dLblPos val="t"/>
+              <c:showLegendKey val="0"/>
+              <c:showVal val="1"/>
+              <c:showCatName val="0"/>
+              <c:showSerName val="0"/>
+              <c:showPercent val="0"/>
+              <c:showBubbleSize val="0"/>
+              <c:extLst>
+                <c:ext xmlns:c15="http://schemas.microsoft.com/office/drawing/2012/chart" uri="{CE6537A1-D6FC-4f65-9D91-7224C49458BB}"/>
+                <c:ext xmlns:c16="http://schemas.microsoft.com/office/drawing/2014/chart" uri="{C3380CC4-5D6E-409C-BE32-E72D297353CC}">
+                  <c16:uniqueId val="{00000004-A692-8745-83F2-0160F16B5DE5}"/>
+                </c:ext>
+              </c:extLst>
+            </c:dLbl>
+            <c:spPr>
+              <a:noFill/>
+              <a:ln>
+                <a:noFill/>
+              </a:ln>
+              <a:effectLst/>
+            </c:spPr>
+            <c:txPr>
+              <a:bodyPr/>
+              <a:lstStyle/>
+              <a:p>
+                <a:pPr>
+                  <a:defRPr sz="900" b="0" smtId="4294967295">
+                    <a:solidFill>
+                      <a:srgbClr val="0F283E"/>
+                    </a:solidFill>
+                    <a:latin typeface="Arial" pitchFamily="34" charset="0"/>
+                  </a:defRPr>
+                </a:pPr>
+                <a:endParaRPr lang="zh-CN"/>
+              </a:p>
+            </c:txPr>
+            <c:showLegendKey val="0"/>
+            <c:showVal val="1"/>
+            <c:showCatName val="0"/>
+            <c:showSerName val="0"/>
+            <c:showPercent val="0"/>
+            <c:showBubbleSize val="0"/>
+            <c:showLeaderLines val="0"/>
+            <c:extLst>
+              <c:ext xmlns:c15="http://schemas.microsoft.com/office/drawing/2012/chart" uri="{CE6537A1-D6FC-4f65-9D91-7224C49458BB}">
+                <c15:showLeaderLines val="0"/>
+              </c:ext>
+            </c:extLst>
+          </c:dLbls>
+          <c:cat>
+            <c:strRef>
+              <c:f>Sheet1!$A$2:$A$6</c:f>
+              <c:strCache>
+                <c:ptCount val="5"/>
+                <c:pt idx="0">
+                  <c:v>2004</c:v>
+                </c:pt>
+                <c:pt idx="1">
+                  <c:v>2008</c:v>
+                </c:pt>
+                <c:pt idx="2">
+                  <c:v>2012</c:v>
+                </c:pt>
+                <c:pt idx="3">
+                  <c:v>2016</c:v>
+                </c:pt>
+                <c:pt idx="4">
+                  <c:v>2020*</c:v>
+                </c:pt>
+              </c:strCache>
+            </c:strRef>
+          </c:cat>
+          <c:val>
+            <c:numRef>
+              <c:f>Sheet1!$B$2:$B$6</c:f>
+              <c:numCache>
+                <c:formatCode>General</c:formatCode>
+                <c:ptCount val="5"/>
+                <c:pt idx="0">
+                  <c:v>11.45</c:v>
+                </c:pt>
+                <c:pt idx="1">
+                  <c:v>15.67</c:v>
+                </c:pt>
+                <c:pt idx="2">
+                  <c:v>23.23</c:v>
+                </c:pt>
+                <c:pt idx="3">
+                  <c:v>29.7</c:v>
+                </c:pt>
+                <c:pt idx="4">
+                  <c:v>40.880000000000003</c:v>
+                </c:pt>
+              </c:numCache>
+            </c:numRef>
+          </c:val>
+          <c:smooth val="0"/>
+          <c:extLst>
+            <c:ext xmlns:c16="http://schemas.microsoft.com/office/drawing/2014/chart" uri="{C3380CC4-5D6E-409C-BE32-E72D297353CC}">
+              <c16:uniqueId val="{00000005-A692-8745-83F2-0160F16B5DE5}"/>
+            </c:ext>
+          </c:extLst>
+        </c:ser>
+        <c:dLbls>
+          <c:showLegendKey val="0"/>
+          <c:showVal val="0"/>
+          <c:showCatName val="0"/>
+          <c:showSerName val="0"/>
+          <c:showPercent val="0"/>
+          <c:showBubbleSize val="0"/>
+        </c:dLbls>
+        <c:marker val="1"/>
+        <c:smooth val="0"/>
+        <c:axId val="-2069137680"/>
+        <c:axId val="-2069134352"/>
+      </c:lineChart>
+      <c:lineChart>
+        <c:grouping val="standard"/>
+        <c:varyColors val="0"/>
+        <c:ser>
+          <c:idx val="1"/>
+          <c:order val="1"/>
+          <c:tx>
+            <c:strRef>
+              <c:f>Sheet1!$C$1</c:f>
+              <c:strCache>
+                <c:ptCount val="1"/>
+                <c:pt idx="0">
+                  <c:v>国内律所数量</c:v>
+                </c:pt>
+              </c:strCache>
+            </c:strRef>
+          </c:tx>
+          <c:cat>
+            <c:strRef>
+              <c:f>Sheet1!$A$2:$A$6</c:f>
+              <c:strCache>
+                <c:ptCount val="5"/>
+                <c:pt idx="0">
+                  <c:v>2004</c:v>
+                </c:pt>
+                <c:pt idx="1">
+                  <c:v>2008</c:v>
+                </c:pt>
+                <c:pt idx="2">
+                  <c:v>2012</c:v>
+                </c:pt>
+                <c:pt idx="3">
+                  <c:v>2016</c:v>
+                </c:pt>
+                <c:pt idx="4">
+                  <c:v>2020*</c:v>
+                </c:pt>
+              </c:strCache>
+            </c:strRef>
+          </c:cat>
+          <c:val>
+            <c:numRef>
+              <c:f>Sheet1!$C$2:$C$6</c:f>
+              <c:numCache>
+                <c:formatCode>General</c:formatCode>
+                <c:ptCount val="5"/>
+                <c:pt idx="0">
+                  <c:v>1.1599999999999999</c:v>
+                </c:pt>
+                <c:pt idx="1">
+                  <c:v>1.45</c:v>
+                </c:pt>
+                <c:pt idx="2">
+                  <c:v>1.94</c:v>
+                </c:pt>
+                <c:pt idx="3">
+                  <c:v>2.4</c:v>
+                </c:pt>
+                <c:pt idx="4">
+                  <c:v>3.06</c:v>
+                </c:pt>
+              </c:numCache>
+            </c:numRef>
+          </c:val>
+          <c:smooth val="0"/>
+          <c:extLst>
+            <c:ext xmlns:c16="http://schemas.microsoft.com/office/drawing/2014/chart" uri="{C3380CC4-5D6E-409C-BE32-E72D297353CC}">
+              <c16:uniqueId val="{00000006-A692-8745-83F2-0160F16B5DE5}"/>
+            </c:ext>
+          </c:extLst>
+        </c:ser>
+        <c:dLbls>
+          <c:showLegendKey val="0"/>
+          <c:showVal val="0"/>
+          <c:showCatName val="0"/>
+          <c:showSerName val="0"/>
+          <c:showPercent val="0"/>
+          <c:showBubbleSize val="0"/>
+        </c:dLbls>
+        <c:marker val="1"/>
+        <c:smooth val="0"/>
+        <c:axId val="-2069125488"/>
+        <c:axId val="-2069128704"/>
+      </c:lineChart>
+      <c:catAx>
+        <c:axId val="-2069137680"/>
+        <c:scaling>
+          <c:orientation val="minMax"/>
+        </c:scaling>
+        <c:delete val="0"/>
+        <c:axPos val="b"/>
+        <c:numFmt formatCode="General" sourceLinked="1"/>
+        <c:majorTickMark val="none"/>
+        <c:minorTickMark val="none"/>
+        <c:tickLblPos val="low"/>
+        <c:spPr>
+          <a:ln w="25400">
+            <a:solidFill>
+              <a:schemeClr val="tx1"/>
+            </a:solidFill>
+          </a:ln>
+        </c:spPr>
+        <c:txPr>
+          <a:bodyPr/>
+          <a:lstStyle/>
+          <a:p>
+            <a:pPr>
+              <a:defRPr sz="900" b="0" smtId="4294967295">
+                <a:solidFill>
+                  <a:schemeClr val="tx1"/>
+                </a:solidFill>
+                <a:latin typeface="Arial" pitchFamily="34" charset="0"/>
+              </a:defRPr>
+            </a:pPr>
+            <a:endParaRPr lang="zh-CN"/>
+          </a:p>
+        </c:txPr>
+        <c:crossAx val="-2069134352"/>
+        <c:crosses val="autoZero"/>
+        <c:auto val="0"/>
+        <c:lblAlgn val="ctr"/>
+        <c:lblOffset val="100"/>
+        <c:noMultiLvlLbl val="0"/>
+      </c:catAx>
+      <c:valAx>
+        <c:axId val="-2069134352"/>
+        <c:scaling>
+          <c:orientation val="minMax"/>
+          <c:min val="0"/>
+        </c:scaling>
+        <c:delete val="0"/>
+        <c:axPos val="l"/>
+        <c:majorGridlines>
+          <c:spPr>
+            <a:ln>
+              <a:solidFill>
+                <a:schemeClr val="tx1"/>
+              </a:solidFill>
+              <a:prstDash val="dot"/>
+            </a:ln>
+          </c:spPr>
+        </c:majorGridlines>
+        <c:numFmt formatCode="#,##0.0" sourceLinked="0"/>
+        <c:majorTickMark val="none"/>
+        <c:minorTickMark val="none"/>
+        <c:tickLblPos val="low"/>
+        <c:spPr>
+          <a:ln>
+            <a:noFill/>
+          </a:ln>
+        </c:spPr>
+        <c:txPr>
+          <a:bodyPr/>
+          <a:lstStyle/>
+          <a:p>
+            <a:pPr>
+              <a:defRPr sz="900" b="0" smtId="4294967295">
+                <a:solidFill>
+                  <a:schemeClr val="tx1"/>
+                </a:solidFill>
+                <a:latin typeface="Arial" pitchFamily="34" charset="0"/>
+              </a:defRPr>
+            </a:pPr>
+            <a:endParaRPr lang="zh-CN"/>
+          </a:p>
+        </c:txPr>
+        <c:crossAx val="-2069137680"/>
+        <c:crosses val="autoZero"/>
+        <c:crossBetween val="between"/>
+      </c:valAx>
+      <c:valAx>
+        <c:axId val="-2069128704"/>
+        <c:scaling>
+          <c:orientation val="minMax"/>
+          <c:max val="3.5"/>
+        </c:scaling>
+        <c:delete val="0"/>
+        <c:axPos val="r"/>
+        <c:numFmt formatCode="General" sourceLinked="1"/>
+        <c:majorTickMark val="out"/>
+        <c:minorTickMark val="none"/>
+        <c:tickLblPos val="nextTo"/>
+        <c:txPr>
+          <a:bodyPr/>
+          <a:lstStyle/>
+          <a:p>
+            <a:pPr>
+              <a:defRPr sz="1100"/>
+            </a:pPr>
+            <a:endParaRPr lang="zh-CN"/>
+          </a:p>
+        </c:txPr>
+        <c:crossAx val="-2069125488"/>
+        <c:crosses val="max"/>
+        <c:crossBetween val="between"/>
+      </c:valAx>
+      <c:catAx>
+        <c:axId val="-2069125488"/>
+        <c:scaling>
+          <c:orientation val="minMax"/>
+        </c:scaling>
+        <c:delete val="1"/>
+        <c:axPos val="b"/>
+        <c:numFmt formatCode="General" sourceLinked="1"/>
+        <c:majorTickMark val="out"/>
+        <c:minorTickMark val="none"/>
+        <c:tickLblPos val="nextTo"/>
+        <c:crossAx val="-2069128704"/>
+        <c:crosses val="autoZero"/>
+        <c:auto val="1"/>
+        <c:lblAlgn val="ctr"/>
+        <c:lblOffset val="100"/>
+        <c:noMultiLvlLbl val="0"/>
+      </c:catAx>
+    </c:plotArea>
+    <c:plotVisOnly val="1"/>
+    <c:dispBlanksAs val="zero"/>
+    <c:showDLblsOverMax val="1"/>
+  </c:chart>
+  <c:txPr>
+    <a:bodyPr/>
+    <a:lstStyle/>
+    <a:p>
+      <a:pPr>
+        <a:defRPr sz="1800" smtId="4294967295"/>
+      </a:pPr>
+      <a:endParaRPr lang="zh-CN"/>
+    </a:p>
+  </c:txPr>
+  <c:externalData r:id="rId1">
+    <c:autoUpdate val="0"/>
+  </c:externalData>
+</c:chartSpace>
+</file>
+
+<file path=ppt/charts/chart4.xml><?xml version="1.0" encoding="utf-8"?>
+<c:chartSpace xmlns:c="http://schemas.openxmlformats.org/drawingml/2006/chart" xmlns:a="http://schemas.openxmlformats.org/drawingml/2006/main" xmlns:r="http://schemas.openxmlformats.org/officeDocument/2006/relationships" xmlns:c16r2="http://schemas.microsoft.com/office/drawing/2015/06/chart">
+  <c:date1904 val="0"/>
+  <c:lang val="zh-CN"/>
+  <c:roundedCorners val="0"/>
+  <mc:AlternateContent xmlns:mc="http://schemas.openxmlformats.org/markup-compatibility/2006">
+    <mc:Choice xmlns:c14="http://schemas.microsoft.com/office/drawing/2007/8/2/chart" Requires="c14">
+      <c14:style val="102"/>
+    </mc:Choice>
+    <mc:Fallback>
+      <c:style val="2"/>
+    </mc:Fallback>
+  </mc:AlternateContent>
+  <c:chart>
+    <c:autoTitleDeleted val="1"/>
+    <c:plotArea>
+      <c:layout/>
+      <c:lineChart>
+        <c:grouping val="standard"/>
+        <c:varyColors val="0"/>
+        <c:ser>
+          <c:idx val="0"/>
+          <c:order val="0"/>
+          <c:tx>
+            <c:strRef>
+              <c:f>Sheet1!$B$1</c:f>
+              <c:strCache>
+                <c:ptCount val="1"/>
+                <c:pt idx="0">
+                  <c:v>国内律师数量</c:v>
+                </c:pt>
+              </c:strCache>
+            </c:strRef>
+          </c:tx>
+          <c:spPr>
+            <a:ln>
+              <a:solidFill>
+                <a:srgbClr val="2875DD"/>
+              </a:solidFill>
+            </a:ln>
+          </c:spPr>
+          <c:marker>
+            <c:symbol val="circle"/>
+            <c:size val="5"/>
+            <c:spPr>
+              <a:solidFill>
+                <a:srgbClr val="2875DD"/>
+              </a:solidFill>
+              <a:ln>
+                <a:solidFill>
+                  <a:srgbClr val="2875DD"/>
+                </a:solidFill>
+              </a:ln>
+            </c:spPr>
+          </c:marker>
+          <c:dLbls>
+            <c:dLbl>
+              <c:idx val="0"/>
+              <c:spPr>
+                <a:noFill/>
+                <a:ln>
+                  <a:noFill/>
+                </a:ln>
+                <a:effectLst/>
+              </c:spPr>
+              <c:txPr>
+                <a:bodyPr/>
+                <a:lstStyle/>
+                <a:p>
+                  <a:pPr>
+                    <a:defRPr sz="1000" b="1" smtId="4294967295">
+                      <a:solidFill>
+                        <a:schemeClr val="tx1"/>
+                      </a:solidFill>
+                      <a:latin typeface="Arial" pitchFamily="34" charset="0"/>
+                    </a:defRPr>
+                  </a:pPr>
+                  <a:endParaRPr lang="zh-CN"/>
+                </a:p>
+              </c:txPr>
+              <c:dLblPos val="t"/>
+              <c:showLegendKey val="0"/>
+              <c:showVal val="1"/>
+              <c:showCatName val="0"/>
+              <c:showSerName val="0"/>
+              <c:showPercent val="0"/>
+              <c:showBubbleSize val="0"/>
+              <c:extLst>
+                <c:ext xmlns:c16="http://schemas.microsoft.com/office/drawing/2014/chart" uri="{C3380CC4-5D6E-409C-BE32-E72D297353CC}">
+                  <c16:uniqueId val="{00000000-A185-CC41-A182-ECDEE0A282B3}"/>
+                </c:ext>
+              </c:extLst>
+            </c:dLbl>
+            <c:dLbl>
+              <c:idx val="1"/>
+              <c:numFmt formatCode="#,##0" sourceLinked="0"/>
+              <c:spPr/>
+              <c:txPr>
+                <a:bodyPr/>
+                <a:lstStyle/>
+                <a:p>
+                  <a:pPr>
+                    <a:defRPr sz="1000" b="1" smtId="4294967295">
+                      <a:solidFill>
+                        <a:schemeClr val="tx1"/>
+                      </a:solidFill>
+                      <a:latin typeface="Arial" pitchFamily="34" charset="0"/>
+                    </a:defRPr>
+                  </a:pPr>
+                  <a:endParaRPr lang="zh-CN"/>
+                </a:p>
+              </c:txPr>
+              <c:dLblPos val="t"/>
+              <c:showLegendKey val="0"/>
+              <c:showVal val="1"/>
+              <c:showCatName val="0"/>
+              <c:showSerName val="0"/>
+              <c:showPercent val="0"/>
+              <c:showBubbleSize val="0"/>
+              <c:extLst>
+                <c:ext xmlns:c16="http://schemas.microsoft.com/office/drawing/2014/chart" uri="{C3380CC4-5D6E-409C-BE32-E72D297353CC}">
+                  <c16:uniqueId val="{00000001-A185-CC41-A182-ECDEE0A282B3}"/>
+                </c:ext>
+              </c:extLst>
+            </c:dLbl>
+            <c:dLbl>
+              <c:idx val="2"/>
+              <c:numFmt formatCode="#,##0" sourceLinked="0"/>
+              <c:spPr/>
+              <c:txPr>
+                <a:bodyPr/>
+                <a:lstStyle/>
+                <a:p>
+                  <a:pPr>
+                    <a:defRPr sz="1000" b="1" smtId="4294967295">
+                      <a:solidFill>
+                        <a:schemeClr val="tx1"/>
+                      </a:solidFill>
+                      <a:latin typeface="Arial" pitchFamily="34" charset="0"/>
+                    </a:defRPr>
+                  </a:pPr>
+                  <a:endParaRPr lang="zh-CN"/>
+                </a:p>
+              </c:txPr>
+              <c:dLblPos val="t"/>
+              <c:showLegendKey val="0"/>
+              <c:showVal val="1"/>
+              <c:showCatName val="0"/>
+              <c:showSerName val="0"/>
+              <c:showPercent val="0"/>
+              <c:showBubbleSize val="0"/>
+              <c:extLst>
+                <c:ext xmlns:c16="http://schemas.microsoft.com/office/drawing/2014/chart" uri="{C3380CC4-5D6E-409C-BE32-E72D297353CC}">
+                  <c16:uniqueId val="{00000002-A185-CC41-A182-ECDEE0A282B3}"/>
+                </c:ext>
+              </c:extLst>
+            </c:dLbl>
+            <c:dLbl>
+              <c:idx val="3"/>
+              <c:numFmt formatCode="#,##0" sourceLinked="0"/>
+              <c:spPr/>
+              <c:txPr>
+                <a:bodyPr/>
+                <a:lstStyle/>
+                <a:p>
+                  <a:pPr>
+                    <a:defRPr sz="1000" b="1" smtId="4294967295">
+                      <a:solidFill>
+                        <a:schemeClr val="tx1"/>
+                      </a:solidFill>
+                      <a:latin typeface="Arial" pitchFamily="34" charset="0"/>
+                    </a:defRPr>
+                  </a:pPr>
+                  <a:endParaRPr lang="zh-CN"/>
+                </a:p>
+              </c:txPr>
+              <c:dLblPos val="t"/>
+              <c:showLegendKey val="0"/>
+              <c:showVal val="1"/>
+              <c:showCatName val="0"/>
+              <c:showSerName val="0"/>
+              <c:showPercent val="0"/>
+              <c:showBubbleSize val="0"/>
+              <c:extLst>
+                <c:ext xmlns:c16="http://schemas.microsoft.com/office/drawing/2014/chart" uri="{C3380CC4-5D6E-409C-BE32-E72D297353CC}">
+                  <c16:uniqueId val="{00000003-A185-CC41-A182-ECDEE0A282B3}"/>
+                </c:ext>
+              </c:extLst>
+            </c:dLbl>
+            <c:dLbl>
+              <c:idx val="4"/>
+              <c:numFmt formatCode="#,##0" sourceLinked="0"/>
+              <c:spPr/>
+              <c:txPr>
+                <a:bodyPr/>
+                <a:lstStyle/>
+                <a:p>
+                  <a:pPr>
+                    <a:defRPr sz="1000" b="1" smtId="4294967295">
+                      <a:solidFill>
+                        <a:schemeClr val="tx1"/>
+                      </a:solidFill>
+                      <a:latin typeface="Arial" pitchFamily="34" charset="0"/>
+                    </a:defRPr>
+                  </a:pPr>
+                  <a:endParaRPr lang="zh-CN"/>
+                </a:p>
+              </c:txPr>
+              <c:dLblPos val="t"/>
+              <c:showLegendKey val="0"/>
+              <c:showVal val="1"/>
+              <c:showCatName val="0"/>
+              <c:showSerName val="0"/>
+              <c:showPercent val="0"/>
+              <c:showBubbleSize val="0"/>
+              <c:extLst>
+                <c:ext xmlns:c16="http://schemas.microsoft.com/office/drawing/2014/chart" uri="{C3380CC4-5D6E-409C-BE32-E72D297353CC}">
+                  <c16:uniqueId val="{00000004-A185-CC41-A182-ECDEE0A282B3}"/>
+                </c:ext>
+              </c:extLst>
+            </c:dLbl>
+            <c:dLbl>
+              <c:idx val="5"/>
+              <c:numFmt formatCode="#,##0" sourceLinked="0"/>
+              <c:spPr/>
+              <c:txPr>
+                <a:bodyPr/>
+                <a:lstStyle/>
+                <a:p>
+                  <a:pPr>
+                    <a:defRPr sz="1000" b="1" smtId="4294967295">
+                      <a:solidFill>
+                        <a:schemeClr val="tx1"/>
+                      </a:solidFill>
+                      <a:latin typeface="Arial" pitchFamily="34" charset="0"/>
+                    </a:defRPr>
+                  </a:pPr>
+                  <a:endParaRPr lang="zh-CN"/>
+                </a:p>
+              </c:txPr>
+              <c:dLblPos val="t"/>
+              <c:showLegendKey val="0"/>
+              <c:showVal val="1"/>
+              <c:showCatName val="0"/>
+              <c:showSerName val="0"/>
+              <c:showPercent val="0"/>
+              <c:showBubbleSize val="0"/>
+              <c:extLst>
+                <c:ext xmlns:c16="http://schemas.microsoft.com/office/drawing/2014/chart" uri="{C3380CC4-5D6E-409C-BE32-E72D297353CC}">
+                  <c16:uniqueId val="{00000005-A185-CC41-A182-ECDEE0A282B3}"/>
+                </c:ext>
+              </c:extLst>
+            </c:dLbl>
+            <c:spPr>
+              <a:noFill/>
+              <a:ln>
+                <a:noFill/>
+              </a:ln>
+              <a:effectLst/>
+            </c:spPr>
+            <c:txPr>
+              <a:bodyPr/>
+              <a:lstStyle/>
+              <a:p>
+                <a:pPr>
+                  <a:defRPr sz="900" b="1" smtId="4294967295">
+                    <a:solidFill>
+                      <a:schemeClr val="tx1"/>
+                    </a:solidFill>
+                    <a:latin typeface="Arial" pitchFamily="34" charset="0"/>
+                  </a:defRPr>
+                </a:pPr>
+                <a:endParaRPr lang="zh-CN"/>
+              </a:p>
+            </c:txPr>
+            <c:dLblPos val="t"/>
+            <c:showLegendKey val="0"/>
+            <c:showVal val="1"/>
+            <c:showCatName val="0"/>
+            <c:showSerName val="0"/>
+            <c:showPercent val="0"/>
+            <c:showBubbleSize val="0"/>
+            <c:showLeaderLines val="0"/>
+            <c:extLst>
+              <c:ext xmlns:c15="http://schemas.microsoft.com/office/drawing/2012/chart" uri="{CE6537A1-D6FC-4f65-9D91-7224C49458BB}">
+                <c15:showLeaderLines val="0"/>
+              </c:ext>
+            </c:extLst>
+          </c:dLbls>
+          <c:cat>
+            <c:numRef>
+              <c:f>Sheet1!$A$2:$A$7</c:f>
+              <c:numCache>
+                <c:formatCode>General</c:formatCode>
+                <c:ptCount val="6"/>
+                <c:pt idx="0">
+                  <c:v>1997</c:v>
+                </c:pt>
+                <c:pt idx="1">
+                  <c:v>2004</c:v>
+                </c:pt>
+                <c:pt idx="2">
+                  <c:v>2008</c:v>
+                </c:pt>
+                <c:pt idx="3">
+                  <c:v>2012</c:v>
+                </c:pt>
+                <c:pt idx="4">
+                  <c:v>2014</c:v>
+                </c:pt>
+                <c:pt idx="5">
+                  <c:v>2017</c:v>
+                </c:pt>
+              </c:numCache>
+            </c:numRef>
+          </c:cat>
+          <c:val>
+            <c:numRef>
+              <c:f>Sheet1!$B$2:$B$7</c:f>
+              <c:numCache>
+                <c:formatCode>General</c:formatCode>
+                <c:ptCount val="6"/>
+                <c:pt idx="0">
+                  <c:v>17.399999999999999</c:v>
+                </c:pt>
+                <c:pt idx="1">
+                  <c:v>19.100000000000001</c:v>
+                </c:pt>
+                <c:pt idx="2">
+                  <c:v>18.940000000000001</c:v>
+                </c:pt>
+                <c:pt idx="3">
+                  <c:v>19.5</c:v>
+                </c:pt>
+                <c:pt idx="4">
+                  <c:v>19.600000000000001</c:v>
+                </c:pt>
+                <c:pt idx="5">
+                  <c:v>12</c:v>
+                </c:pt>
+              </c:numCache>
+            </c:numRef>
+          </c:val>
+          <c:smooth val="0"/>
+          <c:extLst>
+            <c:ext xmlns:c16="http://schemas.microsoft.com/office/drawing/2014/chart" uri="{C3380CC4-5D6E-409C-BE32-E72D297353CC}">
+              <c16:uniqueId val="{00000006-A185-CC41-A182-ECDEE0A282B3}"/>
+            </c:ext>
+          </c:extLst>
+        </c:ser>
+        <c:dLbls>
+          <c:showLegendKey val="0"/>
+          <c:showVal val="0"/>
+          <c:showCatName val="0"/>
+          <c:showSerName val="0"/>
+          <c:showPercent val="0"/>
+          <c:showBubbleSize val="0"/>
+        </c:dLbls>
+        <c:marker val="1"/>
+        <c:smooth val="0"/>
+        <c:axId val="-2069137680"/>
+        <c:axId val="-2069134352"/>
+      </c:lineChart>
+      <c:catAx>
+        <c:axId val="-2069137680"/>
+        <c:scaling>
+          <c:orientation val="minMax"/>
+        </c:scaling>
+        <c:delete val="0"/>
+        <c:axPos val="b"/>
+        <c:numFmt formatCode="General" sourceLinked="1"/>
+        <c:majorTickMark val="none"/>
+        <c:minorTickMark val="none"/>
+        <c:tickLblPos val="low"/>
+        <c:spPr>
+          <a:ln w="25400">
+            <a:solidFill>
+              <a:schemeClr val="tx1"/>
+            </a:solidFill>
+          </a:ln>
+        </c:spPr>
+        <c:txPr>
+          <a:bodyPr/>
+          <a:lstStyle/>
+          <a:p>
+            <a:pPr>
+              <a:defRPr sz="900" b="0" smtId="4294967295">
+                <a:solidFill>
+                  <a:schemeClr val="tx1"/>
+                </a:solidFill>
+                <a:latin typeface="Arial" pitchFamily="34" charset="0"/>
+              </a:defRPr>
+            </a:pPr>
+            <a:endParaRPr lang="zh-CN"/>
+          </a:p>
+        </c:txPr>
+        <c:crossAx val="-2069134352"/>
+        <c:crosses val="autoZero"/>
+        <c:auto val="0"/>
+        <c:lblAlgn val="ctr"/>
+        <c:lblOffset val="100"/>
+        <c:noMultiLvlLbl val="0"/>
+      </c:catAx>
+      <c:valAx>
+        <c:axId val="-2069134352"/>
+        <c:scaling>
+          <c:orientation val="minMax"/>
+          <c:min val="0"/>
+        </c:scaling>
+        <c:delete val="0"/>
+        <c:axPos val="l"/>
+        <c:majorGridlines>
+          <c:spPr>
+            <a:ln>
+              <a:solidFill>
+                <a:schemeClr val="tx1"/>
+              </a:solidFill>
+              <a:prstDash val="dot"/>
+            </a:ln>
+          </c:spPr>
+        </c:majorGridlines>
+        <c:numFmt formatCode="#,##0.0" sourceLinked="0"/>
+        <c:majorTickMark val="none"/>
+        <c:minorTickMark val="none"/>
+        <c:tickLblPos val="low"/>
+        <c:spPr>
+          <a:ln>
+            <a:noFill/>
+          </a:ln>
+        </c:spPr>
+        <c:txPr>
+          <a:bodyPr/>
+          <a:lstStyle/>
+          <a:p>
+            <a:pPr>
+              <a:defRPr sz="1000" b="0" smtId="4294967295">
+                <a:solidFill>
+                  <a:schemeClr val="tx1"/>
+                </a:solidFill>
+                <a:latin typeface="Arial" pitchFamily="34" charset="0"/>
+              </a:defRPr>
+            </a:pPr>
+            <a:endParaRPr lang="zh-CN"/>
+          </a:p>
+        </c:txPr>
+        <c:crossAx val="-2069137680"/>
+        <c:crosses val="autoZero"/>
+        <c:crossBetween val="between"/>
+      </c:valAx>
+    </c:plotArea>
+    <c:plotVisOnly val="1"/>
+    <c:dispBlanksAs val="zero"/>
+    <c:showDLblsOverMax val="1"/>
+  </c:chart>
+  <c:txPr>
+    <a:bodyPr/>
+    <a:lstStyle/>
+    <a:p>
+      <a:pPr>
+        <a:defRPr sz="1800" smtId="4294967295"/>
+      </a:pPr>
+      <a:endParaRPr lang="zh-CN"/>
+    </a:p>
+  </c:txPr>
+  <c:externalData r:id="rId1">
+    <c:autoUpdate val="0"/>
+  </c:externalData>
+</c:chartSpace>
+</file>
+
 <file path=ppt/notesMasters/notesMaster1.xml><?xml version="1.0" encoding="utf-8"?>
 <p:notesMaster xmlns:a="http://schemas.openxmlformats.org/drawingml/2006/main" xmlns:r="http://schemas.openxmlformats.org/officeDocument/2006/relationships" xmlns:p="http://schemas.openxmlformats.org/presentationml/2006/main">
   <p:cSld>
@@ -199,7 +2173,7 @@
           <a:p>
             <a:fld id="{82E91903-46AE-AE4A-A63E-AF738F56B93D}" type="datetimeFigureOut">
               <a:rPr kumimoji="1" lang="zh-CN" altLang="en-US" smtClean="0"/>
-              <a:t>2019/4/23</a:t>
+              <a:t>2019/5/1</a:t>
             </a:fld>
             <a:endParaRPr kumimoji="1" lang="zh-CN" altLang="en-US"/>
           </a:p>
@@ -495,8 +2469,8 @@
         </p:nvSpPr>
         <p:spPr>
           <a:xfrm>
-            <a:off x="-598488" y="1143000"/>
-            <a:ext cx="8054976" cy="3086100"/>
+            <a:off x="-600075" y="1143000"/>
+            <a:ext cx="8058150" cy="3086100"/>
           </a:xfrm>
         </p:spPr>
       </p:sp>
@@ -546,6 +2520,357 @@
     <p:extLst>
       <p:ext uri="{BB962C8B-B14F-4D97-AF65-F5344CB8AC3E}">
         <p14:creationId xmlns:p14="http://schemas.microsoft.com/office/powerpoint/2010/main" val="4012638590"/>
+      </p:ext>
+    </p:extLst>
+  </p:cSld>
+  <p:clrMapOvr>
+    <a:masterClrMapping/>
+  </p:clrMapOvr>
+</p:notes>
+</file>
+
+<file path=ppt/notesSlides/notesSlide2.xml><?xml version="1.0" encoding="utf-8"?>
+<p:notes xmlns:a="http://schemas.openxmlformats.org/drawingml/2006/main" xmlns:r="http://schemas.openxmlformats.org/officeDocument/2006/relationships" xmlns:p="http://schemas.openxmlformats.org/presentationml/2006/main">
+  <p:cSld>
+    <p:spTree>
+      <p:nvGrpSpPr>
+        <p:cNvPr id="1" name=""/>
+        <p:cNvGrpSpPr/>
+        <p:nvPr/>
+      </p:nvGrpSpPr>
+      <p:grpSpPr>
+        <a:xfrm>
+          <a:off x="0" y="0"/>
+          <a:ext cx="0" cy="0"/>
+          <a:chOff x="0" y="0"/>
+          <a:chExt cx="0" cy="0"/>
+        </a:xfrm>
+      </p:grpSpPr>
+      <p:sp>
+        <p:nvSpPr>
+          <p:cNvPr id="2" name="幻灯片图像占位符 1"/>
+          <p:cNvSpPr>
+            <a:spLocks noGrp="1" noRot="1" noChangeAspect="1"/>
+          </p:cNvSpPr>
+          <p:nvPr>
+            <p:ph type="sldImg"/>
+          </p:nvPr>
+        </p:nvSpPr>
+        <p:spPr>
+          <a:xfrm>
+            <a:off x="-600075" y="1143000"/>
+            <a:ext cx="8058150" cy="3086100"/>
+          </a:xfrm>
+        </p:spPr>
+      </p:sp>
+      <p:sp>
+        <p:nvSpPr>
+          <p:cNvPr id="3" name="备注占位符 2"/>
+          <p:cNvSpPr>
+            <a:spLocks noGrp="1"/>
+          </p:cNvSpPr>
+          <p:nvPr>
+            <p:ph type="body" idx="1"/>
+          </p:nvPr>
+        </p:nvSpPr>
+        <p:spPr/>
+        <p:txBody>
+          <a:bodyPr/>
+          <a:lstStyle/>
+          <a:p>
+            <a:endParaRPr kumimoji="1" lang="zh-CN" altLang="en-US" dirty="0"/>
+          </a:p>
+        </p:txBody>
+      </p:sp>
+      <p:sp>
+        <p:nvSpPr>
+          <p:cNvPr id="4" name="幻灯片编号占位符 3"/>
+          <p:cNvSpPr>
+            <a:spLocks noGrp="1"/>
+          </p:cNvSpPr>
+          <p:nvPr>
+            <p:ph type="sldNum" sz="quarter" idx="10"/>
+          </p:nvPr>
+        </p:nvSpPr>
+        <p:spPr/>
+        <p:txBody>
+          <a:bodyPr/>
+          <a:lstStyle/>
+          <a:p>
+            <a:fld id="{CFA7B309-9137-48C2-8EB6-CE19385A9792}" type="slidenum">
+              <a:rPr lang="zh-CN" altLang="en-US" smtClean="0"/>
+              <a:t>4</a:t>
+            </a:fld>
+            <a:endParaRPr lang="zh-CN" altLang="en-US"/>
+          </a:p>
+        </p:txBody>
+      </p:sp>
+    </p:spTree>
+    <p:extLst>
+      <p:ext uri="{BB962C8B-B14F-4D97-AF65-F5344CB8AC3E}">
+        <p14:creationId xmlns:p14="http://schemas.microsoft.com/office/powerpoint/2010/main" val="3787718275"/>
+      </p:ext>
+    </p:extLst>
+  </p:cSld>
+  <p:clrMapOvr>
+    <a:masterClrMapping/>
+  </p:clrMapOvr>
+</p:notes>
+</file>
+
+<file path=ppt/notesSlides/notesSlide3.xml><?xml version="1.0" encoding="utf-8"?>
+<p:notes xmlns:a="http://schemas.openxmlformats.org/drawingml/2006/main" xmlns:r="http://schemas.openxmlformats.org/officeDocument/2006/relationships" xmlns:p="http://schemas.openxmlformats.org/presentationml/2006/main">
+  <p:cSld>
+    <p:spTree>
+      <p:nvGrpSpPr>
+        <p:cNvPr id="1" name=""/>
+        <p:cNvGrpSpPr/>
+        <p:nvPr/>
+      </p:nvGrpSpPr>
+      <p:grpSpPr>
+        <a:xfrm>
+          <a:off x="0" y="0"/>
+          <a:ext cx="0" cy="0"/>
+          <a:chOff x="0" y="0"/>
+          <a:chExt cx="0" cy="0"/>
+        </a:xfrm>
+      </p:grpSpPr>
+      <p:sp>
+        <p:nvSpPr>
+          <p:cNvPr id="2" name="幻灯片图像占位符 1"/>
+          <p:cNvSpPr>
+            <a:spLocks noGrp="1" noRot="1" noChangeAspect="1"/>
+          </p:cNvSpPr>
+          <p:nvPr>
+            <p:ph type="sldImg"/>
+          </p:nvPr>
+        </p:nvSpPr>
+        <p:spPr>
+          <a:xfrm>
+            <a:off x="-600075" y="1143000"/>
+            <a:ext cx="8058150" cy="3086100"/>
+          </a:xfrm>
+        </p:spPr>
+      </p:sp>
+      <p:sp>
+        <p:nvSpPr>
+          <p:cNvPr id="3" name="备注占位符 2"/>
+          <p:cNvSpPr>
+            <a:spLocks noGrp="1"/>
+          </p:cNvSpPr>
+          <p:nvPr>
+            <p:ph type="body" idx="1"/>
+          </p:nvPr>
+        </p:nvSpPr>
+        <p:spPr/>
+        <p:txBody>
+          <a:bodyPr/>
+          <a:lstStyle/>
+          <a:p>
+            <a:endParaRPr kumimoji="1" lang="zh-CN" altLang="en-US" dirty="0"/>
+          </a:p>
+        </p:txBody>
+      </p:sp>
+      <p:sp>
+        <p:nvSpPr>
+          <p:cNvPr id="4" name="幻灯片编号占位符 3"/>
+          <p:cNvSpPr>
+            <a:spLocks noGrp="1"/>
+          </p:cNvSpPr>
+          <p:nvPr>
+            <p:ph type="sldNum" sz="quarter" idx="10"/>
+          </p:nvPr>
+        </p:nvSpPr>
+        <p:spPr/>
+        <p:txBody>
+          <a:bodyPr/>
+          <a:lstStyle/>
+          <a:p>
+            <a:fld id="{CFA7B309-9137-48C2-8EB6-CE19385A9792}" type="slidenum">
+              <a:rPr lang="zh-CN" altLang="en-US" smtClean="0"/>
+              <a:t>5</a:t>
+            </a:fld>
+            <a:endParaRPr lang="zh-CN" altLang="en-US"/>
+          </a:p>
+        </p:txBody>
+      </p:sp>
+    </p:spTree>
+    <p:extLst>
+      <p:ext uri="{BB962C8B-B14F-4D97-AF65-F5344CB8AC3E}">
+        <p14:creationId xmlns:p14="http://schemas.microsoft.com/office/powerpoint/2010/main" val="2334195743"/>
+      </p:ext>
+    </p:extLst>
+  </p:cSld>
+  <p:clrMapOvr>
+    <a:masterClrMapping/>
+  </p:clrMapOvr>
+</p:notes>
+</file>
+
+<file path=ppt/notesSlides/notesSlide4.xml><?xml version="1.0" encoding="utf-8"?>
+<p:notes xmlns:a="http://schemas.openxmlformats.org/drawingml/2006/main" xmlns:r="http://schemas.openxmlformats.org/officeDocument/2006/relationships" xmlns:p="http://schemas.openxmlformats.org/presentationml/2006/main">
+  <p:cSld>
+    <p:spTree>
+      <p:nvGrpSpPr>
+        <p:cNvPr id="1" name=""/>
+        <p:cNvGrpSpPr/>
+        <p:nvPr/>
+      </p:nvGrpSpPr>
+      <p:grpSpPr>
+        <a:xfrm>
+          <a:off x="0" y="0"/>
+          <a:ext cx="0" cy="0"/>
+          <a:chOff x="0" y="0"/>
+          <a:chExt cx="0" cy="0"/>
+        </a:xfrm>
+      </p:grpSpPr>
+      <p:sp>
+        <p:nvSpPr>
+          <p:cNvPr id="2" name="幻灯片图像占位符 1"/>
+          <p:cNvSpPr>
+            <a:spLocks noGrp="1" noRot="1" noChangeAspect="1"/>
+          </p:cNvSpPr>
+          <p:nvPr>
+            <p:ph type="sldImg"/>
+          </p:nvPr>
+        </p:nvSpPr>
+        <p:spPr>
+          <a:xfrm>
+            <a:off x="-600075" y="1143000"/>
+            <a:ext cx="8058150" cy="3086100"/>
+          </a:xfrm>
+        </p:spPr>
+      </p:sp>
+      <p:sp>
+        <p:nvSpPr>
+          <p:cNvPr id="3" name="备注占位符 2"/>
+          <p:cNvSpPr>
+            <a:spLocks noGrp="1"/>
+          </p:cNvSpPr>
+          <p:nvPr>
+            <p:ph type="body" idx="1"/>
+          </p:nvPr>
+        </p:nvSpPr>
+        <p:spPr/>
+        <p:txBody>
+          <a:bodyPr/>
+          <a:lstStyle/>
+          <a:p>
+            <a:endParaRPr kumimoji="1" lang="zh-CN" altLang="en-US" dirty="0"/>
+          </a:p>
+        </p:txBody>
+      </p:sp>
+      <p:sp>
+        <p:nvSpPr>
+          <p:cNvPr id="4" name="幻灯片编号占位符 3"/>
+          <p:cNvSpPr>
+            <a:spLocks noGrp="1"/>
+          </p:cNvSpPr>
+          <p:nvPr>
+            <p:ph type="sldNum" sz="quarter" idx="10"/>
+          </p:nvPr>
+        </p:nvSpPr>
+        <p:spPr/>
+        <p:txBody>
+          <a:bodyPr/>
+          <a:lstStyle/>
+          <a:p>
+            <a:fld id="{CFA7B309-9137-48C2-8EB6-CE19385A9792}" type="slidenum">
+              <a:rPr lang="zh-CN" altLang="en-US" smtClean="0"/>
+              <a:t>6</a:t>
+            </a:fld>
+            <a:endParaRPr lang="zh-CN" altLang="en-US"/>
+          </a:p>
+        </p:txBody>
+      </p:sp>
+    </p:spTree>
+    <p:extLst>
+      <p:ext uri="{BB962C8B-B14F-4D97-AF65-F5344CB8AC3E}">
+        <p14:creationId xmlns:p14="http://schemas.microsoft.com/office/powerpoint/2010/main" val="4264400499"/>
+      </p:ext>
+    </p:extLst>
+  </p:cSld>
+  <p:clrMapOvr>
+    <a:masterClrMapping/>
+  </p:clrMapOvr>
+</p:notes>
+</file>
+
+<file path=ppt/notesSlides/notesSlide5.xml><?xml version="1.0" encoding="utf-8"?>
+<p:notes xmlns:a="http://schemas.openxmlformats.org/drawingml/2006/main" xmlns:r="http://schemas.openxmlformats.org/officeDocument/2006/relationships" xmlns:p="http://schemas.openxmlformats.org/presentationml/2006/main">
+  <p:cSld>
+    <p:spTree>
+      <p:nvGrpSpPr>
+        <p:cNvPr id="1" name=""/>
+        <p:cNvGrpSpPr/>
+        <p:nvPr/>
+      </p:nvGrpSpPr>
+      <p:grpSpPr>
+        <a:xfrm>
+          <a:off x="0" y="0"/>
+          <a:ext cx="0" cy="0"/>
+          <a:chOff x="0" y="0"/>
+          <a:chExt cx="0" cy="0"/>
+        </a:xfrm>
+      </p:grpSpPr>
+      <p:sp>
+        <p:nvSpPr>
+          <p:cNvPr id="2" name="幻灯片图像占位符 1"/>
+          <p:cNvSpPr>
+            <a:spLocks noGrp="1" noRot="1" noChangeAspect="1"/>
+          </p:cNvSpPr>
+          <p:nvPr>
+            <p:ph type="sldImg"/>
+          </p:nvPr>
+        </p:nvSpPr>
+        <p:spPr/>
+      </p:sp>
+      <p:sp>
+        <p:nvSpPr>
+          <p:cNvPr id="3" name="备注占位符 2"/>
+          <p:cNvSpPr>
+            <a:spLocks noGrp="1"/>
+          </p:cNvSpPr>
+          <p:nvPr>
+            <p:ph type="body" idx="1"/>
+          </p:nvPr>
+        </p:nvSpPr>
+        <p:spPr/>
+        <p:txBody>
+          <a:bodyPr/>
+          <a:lstStyle/>
+          <a:p>
+            <a:endParaRPr kumimoji="1" lang="zh-CN" altLang="en-US" dirty="0"/>
+          </a:p>
+        </p:txBody>
+      </p:sp>
+      <p:sp>
+        <p:nvSpPr>
+          <p:cNvPr id="4" name="幻灯片编号占位符 3"/>
+          <p:cNvSpPr>
+            <a:spLocks noGrp="1"/>
+          </p:cNvSpPr>
+          <p:nvPr>
+            <p:ph type="sldNum" sz="quarter" idx="10"/>
+          </p:nvPr>
+        </p:nvSpPr>
+        <p:spPr/>
+        <p:txBody>
+          <a:bodyPr/>
+          <a:lstStyle/>
+          <a:p>
+            <a:fld id="{CFA7B309-9137-48C2-8EB6-CE19385A9792}" type="slidenum">
+              <a:rPr lang="zh-CN" altLang="en-US" smtClean="0"/>
+              <a:t>7</a:t>
+            </a:fld>
+            <a:endParaRPr lang="zh-CN" altLang="en-US"/>
+          </a:p>
+        </p:txBody>
+      </p:sp>
+    </p:spTree>
+    <p:extLst>
+      <p:ext uri="{BB962C8B-B14F-4D97-AF65-F5344CB8AC3E}">
+        <p14:creationId xmlns:p14="http://schemas.microsoft.com/office/powerpoint/2010/main" val="224797087"/>
       </p:ext>
     </p:extLst>
   </p:cSld>
@@ -584,7 +2909,7 @@
         </p:nvSpPr>
         <p:spPr>
           <a:xfrm>
-            <a:off x="1116019" y="559623"/>
+            <a:off x="1116023" y="559624"/>
             <a:ext cx="6696075" cy="1190484"/>
           </a:xfrm>
         </p:spPr>
@@ -616,8 +2941,8 @@
         </p:nvSpPr>
         <p:spPr>
           <a:xfrm>
-            <a:off x="1116019" y="1796022"/>
-            <a:ext cx="6696075" cy="825581"/>
+            <a:off x="1116023" y="1796031"/>
+            <a:ext cx="6696075" cy="825580"/>
           </a:xfrm>
         </p:spPr>
         <p:txBody>
@@ -686,7 +3011,7 @@
           <a:p>
             <a:fld id="{8DAEAD0A-DAD5-4728-A269-B7525C65528F}" type="datetimeFigureOut">
               <a:rPr lang="zh-CN" altLang="en-US" smtClean="0"/>
-              <a:t>2019/4/23</a:t>
+              <a:t>2019/5/1</a:t>
             </a:fld>
             <a:endParaRPr lang="zh-CN" altLang="en-US"/>
           </a:p>
@@ -832,7 +3157,7 @@
           <a:p>
             <a:fld id="{8DAEAD0A-DAD5-4728-A269-B7525C65528F}" type="datetimeFigureOut">
               <a:rPr lang="zh-CN" altLang="en-US" smtClean="0"/>
-              <a:t>2019/4/23</a:t>
+              <a:t>2019/5/1</a:t>
             </a:fld>
             <a:endParaRPr lang="zh-CN" altLang="en-US"/>
           </a:p>
@@ -922,7 +3247,7 @@
         </p:nvSpPr>
         <p:spPr>
           <a:xfrm>
-            <a:off x="6389172" y="182061"/>
+            <a:off x="6389173" y="182069"/>
             <a:ext cx="1925122" cy="2897847"/>
           </a:xfrm>
         </p:spPr>
@@ -950,8 +3275,8 @@
         </p:nvSpPr>
         <p:spPr>
           <a:xfrm>
-            <a:off x="613808" y="182061"/>
-            <a:ext cx="5663762" cy="2897847"/>
+            <a:off x="613813" y="182069"/>
+            <a:ext cx="5663761" cy="2897847"/>
           </a:xfrm>
         </p:spPr>
         <p:txBody>
@@ -988,7 +3313,7 @@
           <a:p>
             <a:fld id="{8DAEAD0A-DAD5-4728-A269-B7525C65528F}" type="datetimeFigureOut">
               <a:rPr lang="zh-CN" altLang="en-US" smtClean="0"/>
-              <a:t>2019/4/23</a:t>
+              <a:t>2019/5/1</a:t>
             </a:fld>
             <a:endParaRPr lang="zh-CN" altLang="en-US"/>
           </a:p>
@@ -1134,7 +3459,7 @@
           <a:p>
             <a:fld id="{8DAEAD0A-DAD5-4728-A269-B7525C65528F}" type="datetimeFigureOut">
               <a:rPr lang="zh-CN" altLang="en-US" smtClean="0"/>
-              <a:t>2019/4/23</a:t>
+              <a:t>2019/5/1</a:t>
             </a:fld>
             <a:endParaRPr lang="zh-CN" altLang="en-US"/>
           </a:p>
@@ -1224,7 +3549,7 @@
         </p:nvSpPr>
         <p:spPr>
           <a:xfrm>
-            <a:off x="609156" y="852495"/>
+            <a:off x="609158" y="852495"/>
             <a:ext cx="7700486" cy="1422406"/>
           </a:xfrm>
         </p:spPr>
@@ -1256,7 +3581,7 @@
         </p:nvSpPr>
         <p:spPr>
           <a:xfrm>
-            <a:off x="609156" y="2288357"/>
+            <a:off x="609158" y="2288357"/>
             <a:ext cx="7700486" cy="748010"/>
           </a:xfrm>
         </p:spPr>
@@ -1385,7 +3710,7 @@
           <a:p>
             <a:fld id="{8DAEAD0A-DAD5-4728-A269-B7525C65528F}" type="datetimeFigureOut">
               <a:rPr lang="zh-CN" altLang="en-US" smtClean="0"/>
-              <a:t>2019/4/23</a:t>
+              <a:t>2019/5/1</a:t>
             </a:fld>
             <a:endParaRPr lang="zh-CN" altLang="en-US"/>
           </a:p>
@@ -1498,7 +3823,7 @@
         </p:nvSpPr>
         <p:spPr>
           <a:xfrm>
-            <a:off x="613812" y="910277"/>
+            <a:off x="613814" y="910278"/>
             <a:ext cx="3794442" cy="2169625"/>
           </a:xfrm>
         </p:spPr>
@@ -1531,7 +3856,7 @@
         </p:nvSpPr>
         <p:spPr>
           <a:xfrm>
-            <a:off x="4519854" y="910277"/>
+            <a:off x="4519857" y="910278"/>
             <a:ext cx="3794442" cy="2169625"/>
           </a:xfrm>
         </p:spPr>
@@ -1569,7 +3894,7 @@
           <a:p>
             <a:fld id="{8DAEAD0A-DAD5-4728-A269-B7525C65528F}" type="datetimeFigureOut">
               <a:rPr lang="zh-CN" altLang="en-US" smtClean="0"/>
-              <a:t>2019/4/23</a:t>
+              <a:t>2019/5/1</a:t>
             </a:fld>
             <a:endParaRPr lang="zh-CN" altLang="en-US"/>
           </a:p>
@@ -1659,7 +3984,7 @@
         </p:nvSpPr>
         <p:spPr>
           <a:xfrm>
-            <a:off x="614970" y="182056"/>
+            <a:off x="614973" y="182056"/>
             <a:ext cx="7700486" cy="660940"/>
           </a:xfrm>
         </p:spPr>
@@ -1757,7 +4082,7 @@
         </p:nvSpPr>
         <p:spPr>
           <a:xfrm>
-            <a:off x="614970" y="1249064"/>
+            <a:off x="614970" y="1249073"/>
             <a:ext cx="3777004" cy="1837177"/>
           </a:xfrm>
         </p:spPr>
@@ -1790,8 +4115,8 @@
         </p:nvSpPr>
         <p:spPr>
           <a:xfrm>
-            <a:off x="4519854" y="838246"/>
-            <a:ext cx="3795604" cy="410812"/>
+            <a:off x="4519860" y="838246"/>
+            <a:ext cx="3795603" cy="410812"/>
           </a:xfrm>
         </p:spPr>
         <p:txBody>
@@ -1860,8 +4185,8 @@
         </p:nvSpPr>
         <p:spPr>
           <a:xfrm>
-            <a:off x="4519854" y="1249064"/>
-            <a:ext cx="3795604" cy="1837177"/>
+            <a:off x="4519860" y="1249073"/>
+            <a:ext cx="3795603" cy="1837177"/>
           </a:xfrm>
         </p:spPr>
         <p:txBody>
@@ -1898,7 +4223,7 @@
           <a:p>
             <a:fld id="{8DAEAD0A-DAD5-4728-A269-B7525C65528F}" type="datetimeFigureOut">
               <a:rPr lang="zh-CN" altLang="en-US" smtClean="0"/>
-              <a:t>2019/4/23</a:t>
+              <a:t>2019/5/1</a:t>
             </a:fld>
             <a:endParaRPr lang="zh-CN" altLang="en-US"/>
           </a:p>
@@ -2016,7 +4341,7 @@
           <a:p>
             <a:fld id="{8DAEAD0A-DAD5-4728-A269-B7525C65528F}" type="datetimeFigureOut">
               <a:rPr lang="zh-CN" altLang="en-US" smtClean="0"/>
-              <a:t>2019/4/23</a:t>
+              <a:t>2019/5/1</a:t>
             </a:fld>
             <a:endParaRPr lang="zh-CN" altLang="en-US"/>
           </a:p>
@@ -2111,7 +4436,7 @@
           <a:p>
             <a:fld id="{8DAEAD0A-DAD5-4728-A269-B7525C65528F}" type="datetimeFigureOut">
               <a:rPr lang="zh-CN" altLang="en-US" smtClean="0"/>
-              <a:t>2019/4/23</a:t>
+              <a:t>2019/5/1</a:t>
             </a:fld>
             <a:endParaRPr lang="zh-CN" altLang="en-US"/>
           </a:p>
@@ -2201,7 +4526,7 @@
         </p:nvSpPr>
         <p:spPr>
           <a:xfrm>
-            <a:off x="614970" y="227965"/>
+            <a:off x="614973" y="227965"/>
             <a:ext cx="2879544" cy="797878"/>
           </a:xfrm>
         </p:spPr>
@@ -2233,8 +4558,8 @@
         </p:nvSpPr>
         <p:spPr>
           <a:xfrm>
-            <a:off x="3795605" y="492341"/>
-            <a:ext cx="4519852" cy="2430044"/>
+            <a:off x="3795609" y="492341"/>
+            <a:ext cx="4519853" cy="2430044"/>
           </a:xfrm>
         </p:spPr>
         <p:txBody>
@@ -2294,7 +4619,7 @@
         </p:nvSpPr>
         <p:spPr>
           <a:xfrm>
-            <a:off x="614970" y="1025843"/>
+            <a:off x="614973" y="1025843"/>
             <a:ext cx="2879544" cy="1900500"/>
           </a:xfrm>
         </p:spPr>
@@ -2369,7 +4694,7 @@
           <a:p>
             <a:fld id="{8DAEAD0A-DAD5-4728-A269-B7525C65528F}" type="datetimeFigureOut">
               <a:rPr lang="zh-CN" altLang="en-US" smtClean="0"/>
-              <a:t>2019/4/23</a:t>
+              <a:t>2019/5/1</a:t>
             </a:fld>
             <a:endParaRPr lang="zh-CN" altLang="en-US"/>
           </a:p>
@@ -2459,7 +4784,7 @@
         </p:nvSpPr>
         <p:spPr>
           <a:xfrm>
-            <a:off x="614970" y="227965"/>
+            <a:off x="614973" y="227965"/>
             <a:ext cx="2879544" cy="797878"/>
           </a:xfrm>
         </p:spPr>
@@ -2491,8 +4816,8 @@
         </p:nvSpPr>
         <p:spPr>
           <a:xfrm>
-            <a:off x="3795605" y="492341"/>
-            <a:ext cx="4519852" cy="2430044"/>
+            <a:off x="3795609" y="492341"/>
+            <a:ext cx="4519853" cy="2430044"/>
           </a:xfrm>
         </p:spPr>
         <p:txBody>
@@ -2556,7 +4881,7 @@
         </p:nvSpPr>
         <p:spPr>
           <a:xfrm>
-            <a:off x="614970" y="1025843"/>
+            <a:off x="614973" y="1025843"/>
             <a:ext cx="2879544" cy="1900500"/>
           </a:xfrm>
         </p:spPr>
@@ -2631,7 +4956,7 @@
           <a:p>
             <a:fld id="{8DAEAD0A-DAD5-4728-A269-B7525C65528F}" type="datetimeFigureOut">
               <a:rPr lang="zh-CN" altLang="en-US" smtClean="0"/>
-              <a:t>2019/4/23</a:t>
+              <a:t>2019/5/1</a:t>
             </a:fld>
             <a:endParaRPr lang="zh-CN" altLang="en-US"/>
           </a:p>
@@ -2726,7 +5051,7 @@
         </p:nvSpPr>
         <p:spPr>
           <a:xfrm>
-            <a:off x="613808" y="182056"/>
+            <a:off x="613810" y="182056"/>
             <a:ext cx="7700486" cy="660940"/>
           </a:xfrm>
           <a:prstGeom prst="rect">
@@ -2759,7 +5084,7 @@
         </p:nvSpPr>
         <p:spPr>
           <a:xfrm>
-            <a:off x="613808" y="910277"/>
+            <a:off x="613810" y="910278"/>
             <a:ext cx="7700486" cy="2169625"/>
           </a:xfrm>
           <a:prstGeom prst="rect">
@@ -2797,8 +5122,8 @@
         </p:nvSpPr>
         <p:spPr>
           <a:xfrm>
-            <a:off x="613808" y="3169353"/>
-            <a:ext cx="2008824" cy="182055"/>
+            <a:off x="613813" y="3169361"/>
+            <a:ext cx="2008823" cy="182055"/>
           </a:xfrm>
           <a:prstGeom prst="rect">
             <a:avLst/>
@@ -2820,7 +5145,7 @@
           <a:p>
             <a:fld id="{8DAEAD0A-DAD5-4728-A269-B7525C65528F}" type="datetimeFigureOut">
               <a:rPr lang="zh-CN" altLang="en-US" smtClean="0"/>
-              <a:t>2019/4/23</a:t>
+              <a:t>2019/5/1</a:t>
             </a:fld>
             <a:endParaRPr lang="zh-CN" altLang="en-US"/>
           </a:p>
@@ -2838,7 +5163,7 @@
         </p:nvSpPr>
         <p:spPr>
           <a:xfrm>
-            <a:off x="2957434" y="3169353"/>
+            <a:off x="2957435" y="3169361"/>
             <a:ext cx="3013234" cy="182055"/>
           </a:xfrm>
           <a:prstGeom prst="rect">
@@ -2875,8 +5200,8 @@
         </p:nvSpPr>
         <p:spPr>
           <a:xfrm>
-            <a:off x="6305471" y="3169353"/>
-            <a:ext cx="2008824" cy="182055"/>
+            <a:off x="6305476" y="3169361"/>
+            <a:ext cx="2008823" cy="182055"/>
           </a:xfrm>
           <a:prstGeom prst="rect">
             <a:avLst/>
@@ -3239,7 +5564,7 @@
         </p:nvSpPr>
         <p:spPr>
           <a:xfrm>
-            <a:off x="5422748" y="86777"/>
+            <a:off x="5422748" y="86786"/>
             <a:ext cx="3428600" cy="3254991"/>
           </a:xfrm>
           <a:prstGeom prst="rect">
@@ -3293,7 +5618,7 @@
         </p:nvSpPr>
         <p:spPr>
           <a:xfrm>
-            <a:off x="69673" y="86759"/>
+            <a:off x="69673" y="86760"/>
             <a:ext cx="4572000" cy="3254991"/>
           </a:xfrm>
           <a:prstGeom prst="rect">
@@ -5851,7 +8176,7 @@
         </p:nvSpPr>
         <p:spPr>
           <a:xfrm>
-            <a:off x="2457739" y="366307"/>
+            <a:off x="2457749" y="366317"/>
             <a:ext cx="702453" cy="2091941"/>
           </a:xfrm>
           <a:prstGeom prst="roundRect">
@@ -5900,7 +8225,7 @@
         </p:nvSpPr>
         <p:spPr>
           <a:xfrm>
-            <a:off x="2189770" y="1301474"/>
+            <a:off x="2189770" y="1301484"/>
             <a:ext cx="1254868" cy="307777"/>
           </a:xfrm>
           <a:prstGeom prst="rect">
@@ -5937,7 +8262,7 @@
         </p:nvCxnSpPr>
         <p:spPr>
           <a:xfrm>
-            <a:off x="2075909" y="589190"/>
+            <a:off x="2075919" y="589190"/>
             <a:ext cx="279779" cy="0"/>
           </a:xfrm>
           <a:prstGeom prst="straightConnector1">
@@ -5973,7 +8298,7 @@
         </p:nvCxnSpPr>
         <p:spPr>
           <a:xfrm>
-            <a:off x="2075909" y="936885"/>
+            <a:off x="2075919" y="936885"/>
             <a:ext cx="279779" cy="0"/>
           </a:xfrm>
           <a:prstGeom prst="straightConnector1">
@@ -6009,7 +8334,7 @@
         </p:nvCxnSpPr>
         <p:spPr>
           <a:xfrm>
-            <a:off x="2075909" y="1284580"/>
+            <a:off x="2075919" y="1284580"/>
             <a:ext cx="279779" cy="0"/>
           </a:xfrm>
           <a:prstGeom prst="straightConnector1">
@@ -6045,7 +8370,7 @@
         </p:nvCxnSpPr>
         <p:spPr>
           <a:xfrm>
-            <a:off x="2075908" y="2181320"/>
+            <a:off x="2075918" y="2181320"/>
             <a:ext cx="279779" cy="0"/>
           </a:xfrm>
           <a:prstGeom prst="straightConnector1">
@@ -8409,7 +10734,7 @@
         </p:nvSpPr>
         <p:spPr>
           <a:xfrm>
-            <a:off x="3330319" y="2458259"/>
+            <a:off x="3330319" y="2458269"/>
             <a:ext cx="1254868" cy="307777"/>
           </a:xfrm>
           <a:prstGeom prst="rect">
@@ -8446,7 +10771,7 @@
         </p:nvCxnSpPr>
         <p:spPr>
           <a:xfrm>
-            <a:off x="3239736" y="1466596"/>
+            <a:off x="3239746" y="1466596"/>
             <a:ext cx="279779" cy="0"/>
           </a:xfrm>
           <a:prstGeom prst="straightConnector1">
@@ -9064,7 +11389,7 @@
         </p:nvCxnSpPr>
         <p:spPr>
           <a:xfrm>
-            <a:off x="2075909" y="1632274"/>
+            <a:off x="2075919" y="1632274"/>
             <a:ext cx="279779" cy="0"/>
           </a:xfrm>
           <a:prstGeom prst="straightConnector1">
@@ -9100,7 +11425,7 @@
         </p:nvSpPr>
         <p:spPr>
           <a:xfrm>
-            <a:off x="1582980" y="2965645"/>
+            <a:off x="1582980" y="2965653"/>
             <a:ext cx="1637772" cy="301749"/>
           </a:xfrm>
           <a:prstGeom prst="rect">
@@ -9180,7 +11505,7 @@
         </p:nvSpPr>
         <p:spPr>
           <a:xfrm>
-            <a:off x="6708218" y="272875"/>
+            <a:off x="6708218" y="272885"/>
             <a:ext cx="745688" cy="493819"/>
           </a:xfrm>
           <a:prstGeom prst="roundRect">
@@ -10156,7 +12481,7 @@
         </p:nvCxnSpPr>
         <p:spPr>
           <a:xfrm>
-            <a:off x="7467625" y="503979"/>
+            <a:off x="7467633" y="503979"/>
             <a:ext cx="279779" cy="0"/>
           </a:xfrm>
           <a:prstGeom prst="straightConnector1">
@@ -10198,7 +12523,7 @@
         </p:nvCxnSpPr>
         <p:spPr>
           <a:xfrm>
-            <a:off x="7467625" y="1249802"/>
+            <a:off x="7467633" y="1249802"/>
             <a:ext cx="279779" cy="0"/>
           </a:xfrm>
           <a:prstGeom prst="straightConnector1">
@@ -10240,7 +12565,7 @@
         </p:nvCxnSpPr>
         <p:spPr>
           <a:xfrm>
-            <a:off x="7467625" y="2383940"/>
+            <a:off x="7467633" y="2383940"/>
             <a:ext cx="279779" cy="0"/>
           </a:xfrm>
           <a:prstGeom prst="straightConnector1">
@@ -10282,7 +12607,7 @@
         </p:nvSpPr>
         <p:spPr>
           <a:xfrm>
-            <a:off x="6703862" y="983333"/>
+            <a:off x="6703862" y="983343"/>
             <a:ext cx="745688" cy="493819"/>
           </a:xfrm>
           <a:prstGeom prst="roundRect">
@@ -10387,7 +12712,7 @@
         </p:nvSpPr>
         <p:spPr>
           <a:xfrm>
-            <a:off x="6703862" y="2117471"/>
+            <a:off x="6703862" y="2117481"/>
             <a:ext cx="745688" cy="493819"/>
           </a:xfrm>
           <a:prstGeom prst="roundRect">
@@ -13851,7 +16176,7 @@
         </p:nvSpPr>
         <p:spPr>
           <a:xfrm>
-            <a:off x="6314898" y="2950344"/>
+            <a:off x="6314898" y="2950354"/>
             <a:ext cx="1637772" cy="301749"/>
           </a:xfrm>
           <a:prstGeom prst="rect">
@@ -14033,7 +16358,7 @@
         </p:nvCxnSpPr>
         <p:spPr>
           <a:xfrm>
-            <a:off x="6389215" y="564886"/>
+            <a:off x="6389225" y="564886"/>
             <a:ext cx="279779" cy="0"/>
           </a:xfrm>
           <a:prstGeom prst="straightConnector1">
@@ -14075,7 +16400,7 @@
         </p:nvCxnSpPr>
         <p:spPr>
           <a:xfrm>
-            <a:off x="6389217" y="1187156"/>
+            <a:off x="6389227" y="1187156"/>
             <a:ext cx="279779" cy="0"/>
           </a:xfrm>
           <a:prstGeom prst="straightConnector1">
@@ -14117,7 +16442,7 @@
         </p:nvCxnSpPr>
         <p:spPr>
           <a:xfrm>
-            <a:off x="6389217" y="2378622"/>
+            <a:off x="6389227" y="2378622"/>
             <a:ext cx="279779" cy="0"/>
           </a:xfrm>
           <a:prstGeom prst="straightConnector1">
@@ -14666,7 +16991,7 @@
         </p:nvSpPr>
         <p:spPr>
           <a:xfrm>
-            <a:off x="3980979" y="2721116"/>
+            <a:off x="3980979" y="2721126"/>
             <a:ext cx="1338828" cy="245773"/>
           </a:xfrm>
           <a:prstGeom prst="rect">
@@ -14701,7 +17026,7 @@
         </p:nvSpPr>
         <p:spPr>
           <a:xfrm>
-            <a:off x="2706682" y="1561781"/>
+            <a:off x="2706692" y="1561791"/>
             <a:ext cx="227965" cy="236107"/>
           </a:xfrm>
           <a:prstGeom prst="ellipse">
@@ -14771,7 +17096,7 @@
         </p:nvSpPr>
         <p:spPr>
           <a:xfrm>
-            <a:off x="3244260" y="1561783"/>
+            <a:off x="3244270" y="1561793"/>
             <a:ext cx="227965" cy="236107"/>
           </a:xfrm>
           <a:prstGeom prst="ellipse">
@@ -14841,7 +17166,7 @@
         </p:nvSpPr>
         <p:spPr>
           <a:xfrm>
-            <a:off x="3792621" y="1561783"/>
+            <a:off x="3792631" y="1561793"/>
             <a:ext cx="227965" cy="236107"/>
           </a:xfrm>
           <a:prstGeom prst="ellipse">
@@ -14995,7 +17320,7 @@
         </p:nvSpPr>
         <p:spPr>
           <a:xfrm>
-            <a:off x="4332682" y="1556353"/>
+            <a:off x="4332692" y="1556363"/>
             <a:ext cx="227965" cy="236107"/>
           </a:xfrm>
           <a:prstGeom prst="ellipse">
@@ -15107,7 +17432,7 @@
         </p:nvSpPr>
         <p:spPr>
           <a:xfrm>
-            <a:off x="4878171" y="1556354"/>
+            <a:off x="4878181" y="1556364"/>
             <a:ext cx="227965" cy="236107"/>
           </a:xfrm>
           <a:prstGeom prst="ellipse">
@@ -15221,7 +17546,7 @@
         </p:nvCxnSpPr>
         <p:spPr>
           <a:xfrm>
-            <a:off x="2538234" y="1674384"/>
+            <a:off x="2538244" y="1674384"/>
             <a:ext cx="140147" cy="8142"/>
           </a:xfrm>
           <a:prstGeom prst="straightConnector1">
@@ -16095,7 +18420,7 @@
         </p:nvSpPr>
         <p:spPr>
           <a:xfrm>
-            <a:off x="2600352" y="1127094"/>
+            <a:off x="2600352" y="1127104"/>
             <a:ext cx="248786" cy="245773"/>
           </a:xfrm>
           <a:prstGeom prst="rect">
@@ -16137,7 +18462,7 @@
         </p:nvSpPr>
         <p:spPr>
           <a:xfrm>
-            <a:off x="3134982" y="1128943"/>
+            <a:off x="3134982" y="1128953"/>
             <a:ext cx="248786" cy="245773"/>
           </a:xfrm>
           <a:prstGeom prst="rect">
@@ -16179,7 +18504,7 @@
         </p:nvSpPr>
         <p:spPr>
           <a:xfrm>
-            <a:off x="3694628" y="1128945"/>
+            <a:off x="3694628" y="1128955"/>
             <a:ext cx="248786" cy="245773"/>
           </a:xfrm>
           <a:prstGeom prst="rect">
@@ -16221,7 +18546,7 @@
         </p:nvSpPr>
         <p:spPr>
           <a:xfrm>
-            <a:off x="4207515" y="1132648"/>
+            <a:off x="4207515" y="1132658"/>
             <a:ext cx="248786" cy="245773"/>
           </a:xfrm>
           <a:prstGeom prst="rect">
@@ -16263,7 +18588,7 @@
         </p:nvSpPr>
         <p:spPr>
           <a:xfrm>
-            <a:off x="4763309" y="1128945"/>
+            <a:off x="4763309" y="1128955"/>
             <a:ext cx="248786" cy="245773"/>
           </a:xfrm>
           <a:prstGeom prst="rect">
@@ -16610,7 +18935,7 @@
         </p:nvSpPr>
         <p:spPr>
           <a:xfrm>
-            <a:off x="2998660" y="1881321"/>
+            <a:off x="2998670" y="1881321"/>
             <a:ext cx="166239" cy="151734"/>
           </a:xfrm>
           <a:prstGeom prst="ellipse">
@@ -16669,7 +18994,7 @@
         </p:nvSpPr>
         <p:spPr>
           <a:xfrm>
-            <a:off x="3541076" y="1875966"/>
+            <a:off x="3541086" y="1875966"/>
             <a:ext cx="166239" cy="151734"/>
           </a:xfrm>
           <a:prstGeom prst="ellipse">
@@ -16728,7 +19053,7 @@
         </p:nvSpPr>
         <p:spPr>
           <a:xfrm>
-            <a:off x="4096032" y="1883570"/>
+            <a:off x="4096042" y="1883570"/>
             <a:ext cx="166239" cy="151734"/>
           </a:xfrm>
           <a:prstGeom prst="ellipse">
@@ -16787,7 +19112,7 @@
         </p:nvSpPr>
         <p:spPr>
           <a:xfrm>
-            <a:off x="4655159" y="1883570"/>
+            <a:off x="4655169" y="1883570"/>
             <a:ext cx="166239" cy="151734"/>
           </a:xfrm>
           <a:prstGeom prst="ellipse">
@@ -16848,7 +19173,7 @@
         </p:nvCxnSpPr>
         <p:spPr>
           <a:xfrm flipV="1">
-            <a:off x="3081590" y="2048388"/>
+            <a:off x="3081590" y="2048398"/>
             <a:ext cx="0" cy="288883"/>
           </a:xfrm>
           <a:prstGeom prst="straightConnector1">
@@ -16890,7 +19215,7 @@
         </p:nvSpPr>
         <p:spPr>
           <a:xfrm>
-            <a:off x="2921733" y="2354515"/>
+            <a:off x="2921743" y="2354515"/>
             <a:ext cx="378885" cy="240024"/>
           </a:xfrm>
           <a:prstGeom prst="rect">
@@ -16953,7 +19278,7 @@
         </p:nvCxnSpPr>
         <p:spPr>
           <a:xfrm flipV="1">
-            <a:off x="3659136" y="2048390"/>
+            <a:off x="3659136" y="2048400"/>
             <a:ext cx="0" cy="288883"/>
           </a:xfrm>
           <a:prstGeom prst="straightConnector1">
@@ -16995,7 +19320,7 @@
         </p:nvSpPr>
         <p:spPr>
           <a:xfrm>
-            <a:off x="3430241" y="2354515"/>
+            <a:off x="3430251" y="2354515"/>
             <a:ext cx="465463" cy="240024"/>
           </a:xfrm>
           <a:prstGeom prst="rect">
@@ -17058,7 +19383,7 @@
         </p:nvCxnSpPr>
         <p:spPr>
           <a:xfrm flipV="1">
-            <a:off x="4185178" y="2048390"/>
+            <a:off x="4185178" y="2048400"/>
             <a:ext cx="0" cy="288883"/>
           </a:xfrm>
           <a:prstGeom prst="straightConnector1">
@@ -17100,7 +19425,7 @@
         </p:nvSpPr>
         <p:spPr>
           <a:xfrm>
-            <a:off x="4025323" y="2354515"/>
+            <a:off x="4025333" y="2354515"/>
             <a:ext cx="356161" cy="240024"/>
           </a:xfrm>
           <a:prstGeom prst="rect">
@@ -17163,7 +19488,7 @@
         </p:nvCxnSpPr>
         <p:spPr>
           <a:xfrm flipV="1">
-            <a:off x="4727073" y="2048390"/>
+            <a:off x="4727073" y="2048400"/>
             <a:ext cx="0" cy="288883"/>
           </a:xfrm>
           <a:prstGeom prst="straightConnector1">
@@ -17205,7 +19530,7 @@
         </p:nvSpPr>
         <p:spPr>
           <a:xfrm>
-            <a:off x="4567218" y="2354515"/>
+            <a:off x="4567228" y="2354515"/>
             <a:ext cx="356155" cy="240024"/>
           </a:xfrm>
           <a:prstGeom prst="rect">
@@ -17316,7 +19641,7 @@
         </p:nvSpPr>
         <p:spPr>
           <a:xfrm rot="11851255">
-            <a:off x="2928820" y="1691759"/>
+            <a:off x="2928830" y="1691769"/>
             <a:ext cx="787383" cy="193315"/>
           </a:xfrm>
           <a:prstGeom prst="arc">
@@ -17879,7 +20204,7 @@
         </p:nvSpPr>
         <p:spPr>
           <a:xfrm>
-            <a:off x="5432338" y="1556353"/>
+            <a:off x="5432348" y="1556363"/>
             <a:ext cx="227965" cy="236107"/>
           </a:xfrm>
           <a:prstGeom prst="ellipse">
@@ -17949,7 +20274,7 @@
         </p:nvSpPr>
         <p:spPr>
           <a:xfrm>
-            <a:off x="5977826" y="1556352"/>
+            <a:off x="5977836" y="1556362"/>
             <a:ext cx="227965" cy="236107"/>
           </a:xfrm>
           <a:prstGeom prst="ellipse">
@@ -18377,7 +20702,7 @@
         </p:nvSpPr>
         <p:spPr>
           <a:xfrm>
-            <a:off x="5307171" y="1132648"/>
+            <a:off x="5307171" y="1132658"/>
             <a:ext cx="248786" cy="245773"/>
           </a:xfrm>
           <a:prstGeom prst="rect">
@@ -18419,7 +20744,7 @@
         </p:nvSpPr>
         <p:spPr>
           <a:xfrm>
-            <a:off x="5862966" y="1128943"/>
+            <a:off x="5862966" y="1128953"/>
             <a:ext cx="248786" cy="245773"/>
           </a:xfrm>
           <a:prstGeom prst="rect">
@@ -18583,7 +20908,7 @@
         </p:nvSpPr>
         <p:spPr>
           <a:xfrm>
-            <a:off x="5195688" y="1883570"/>
+            <a:off x="5195698" y="1883570"/>
             <a:ext cx="166239" cy="151734"/>
           </a:xfrm>
           <a:prstGeom prst="ellipse">
@@ -18642,7 +20967,7 @@
         </p:nvSpPr>
         <p:spPr>
           <a:xfrm>
-            <a:off x="5754813" y="1883570"/>
+            <a:off x="5754823" y="1883570"/>
             <a:ext cx="166239" cy="151734"/>
           </a:xfrm>
           <a:prstGeom prst="ellipse">
@@ -18703,7 +21028,7 @@
         </p:nvCxnSpPr>
         <p:spPr>
           <a:xfrm flipV="1">
-            <a:off x="5284834" y="2048390"/>
+            <a:off x="5284834" y="2048400"/>
             <a:ext cx="0" cy="288883"/>
           </a:xfrm>
           <a:prstGeom prst="straightConnector1">
@@ -18808,7 +21133,7 @@
         </p:nvCxnSpPr>
         <p:spPr>
           <a:xfrm flipV="1">
-            <a:off x="5826729" y="2048388"/>
+            <a:off x="5826729" y="2048398"/>
             <a:ext cx="0" cy="288883"/>
           </a:xfrm>
           <a:prstGeom prst="straightConnector1">
@@ -18850,7 +21175,7 @@
         </p:nvSpPr>
         <p:spPr>
           <a:xfrm>
-            <a:off x="5666875" y="2354515"/>
+            <a:off x="5666885" y="2354515"/>
             <a:ext cx="358169" cy="240024"/>
           </a:xfrm>
           <a:prstGeom prst="rect">
@@ -19095,7 +21420,7 @@
         </p:nvSpPr>
         <p:spPr>
           <a:xfrm rot="11851255">
-            <a:off x="4543736" y="1685182"/>
+            <a:off x="4543746" y="1685192"/>
             <a:ext cx="787383" cy="193315"/>
           </a:xfrm>
           <a:prstGeom prst="arc">
@@ -19148,7 +21473,7 @@
         </p:nvSpPr>
         <p:spPr>
           <a:xfrm rot="9541632">
-            <a:off x="5283663" y="1677800"/>
+            <a:off x="5283673" y="1677810"/>
             <a:ext cx="787383" cy="193315"/>
           </a:xfrm>
           <a:prstGeom prst="arc">
@@ -19201,7 +21526,7 @@
         </p:nvSpPr>
         <p:spPr>
           <a:xfrm>
-            <a:off x="2600373" y="715753"/>
+            <a:off x="2600383" y="715753"/>
             <a:ext cx="3727395" cy="252482"/>
           </a:xfrm>
           <a:prstGeom prst="roundRect">
@@ -19567,6 +21892,4200 @@
     <p:extLst>
       <p:ext uri="{BB962C8B-B14F-4D97-AF65-F5344CB8AC3E}">
         <p14:creationId xmlns:p14="http://schemas.microsoft.com/office/powerpoint/2010/main" val="3204771758"/>
+      </p:ext>
+    </p:extLst>
+  </p:cSld>
+  <p:clrMapOvr>
+    <a:masterClrMapping/>
+  </p:clrMapOvr>
+</p:sld>
+</file>
+
+<file path=ppt/slides/slide4.xml><?xml version="1.0" encoding="utf-8"?>
+<p:sld xmlns:a="http://schemas.openxmlformats.org/drawingml/2006/main" xmlns:r="http://schemas.openxmlformats.org/officeDocument/2006/relationships" xmlns:p="http://schemas.openxmlformats.org/presentationml/2006/main">
+  <p:cSld>
+    <p:spTree>
+      <p:nvGrpSpPr>
+        <p:cNvPr id="1" name=""/>
+        <p:cNvGrpSpPr/>
+        <p:nvPr/>
+      </p:nvGrpSpPr>
+      <p:grpSpPr>
+        <a:xfrm>
+          <a:off x="0" y="0"/>
+          <a:ext cx="0" cy="0"/>
+          <a:chOff x="0" y="0"/>
+          <a:chExt cx="0" cy="0"/>
+        </a:xfrm>
+      </p:grpSpPr>
+      <p:sp>
+        <p:nvSpPr>
+          <p:cNvPr id="9" name="标题 1"/>
+          <p:cNvSpPr txBox="1">
+            <a:spLocks/>
+          </p:cNvSpPr>
+          <p:nvPr/>
+        </p:nvSpPr>
+        <p:spPr>
+          <a:xfrm>
+            <a:off x="1621260" y="69417"/>
+            <a:ext cx="5243195" cy="660940"/>
+          </a:xfrm>
+          <a:prstGeom prst="rect">
+            <a:avLst/>
+          </a:prstGeom>
+        </p:spPr>
+        <p:txBody>
+          <a:bodyPr vert="horz" lIns="45593" tIns="22797" rIns="45593" bIns="22797" rtlCol="0" anchor="ctr">
+            <a:normAutofit/>
+          </a:bodyPr>
+          <a:lstStyle>
+            <a:lvl1pPr algn="l" defTabSz="914400" rtl="0" eaLnBrk="1" latinLnBrk="0" hangingPunct="1">
+              <a:lnSpc>
+                <a:spcPct val="90000"/>
+              </a:lnSpc>
+              <a:spcBef>
+                <a:spcPct val="0"/>
+              </a:spcBef>
+              <a:buNone/>
+              <a:defRPr sz="4400" kern="1200">
+                <a:solidFill>
+                  <a:schemeClr val="tx1"/>
+                </a:solidFill>
+                <a:latin typeface="+mj-lt"/>
+                <a:ea typeface="+mj-ea"/>
+                <a:cs typeface="+mj-cs"/>
+              </a:defRPr>
+            </a:lvl1pPr>
+          </a:lstStyle>
+          <a:p>
+            <a:endParaRPr lang="zh-CN" altLang="en-US" sz="2194" dirty="0"/>
+          </a:p>
+        </p:txBody>
+      </p:sp>
+      <p:graphicFrame>
+        <p:nvGraphicFramePr>
+          <p:cNvPr id="14" name="ChartObject">
+            <a:extLst>
+              <a:ext uri="{FF2B5EF4-FFF2-40B4-BE49-F238E27FC236}">
+                <a16:creationId xmlns:a16="http://schemas.microsoft.com/office/drawing/2014/main" id="{DC709721-8961-8341-9B71-2D5CC61A82A5}"/>
+              </a:ext>
+            </a:extLst>
+          </p:cNvPr>
+          <p:cNvGraphicFramePr/>
+          <p:nvPr>
+            <p:extLst>
+              <p:ext uri="{D42A27DB-BD31-4B8C-83A1-F6EECF244321}">
+                <p14:modId xmlns:p14="http://schemas.microsoft.com/office/powerpoint/2010/main" val="905711938"/>
+              </p:ext>
+            </p:extLst>
+          </p:nvPr>
+        </p:nvGraphicFramePr>
+        <p:xfrm>
+          <a:off x="1621262" y="69417"/>
+          <a:ext cx="6153665" cy="3299254"/>
+        </p:xfrm>
+        <a:graphic>
+          <a:graphicData uri="http://schemas.openxmlformats.org/drawingml/2006/chart">
+            <c:chart xmlns:c="http://schemas.openxmlformats.org/drawingml/2006/chart" xmlns:r="http://schemas.openxmlformats.org/officeDocument/2006/relationships" r:id="rId3"/>
+          </a:graphicData>
+        </a:graphic>
+      </p:graphicFrame>
+      <p:sp>
+        <p:nvSpPr>
+          <p:cNvPr id="15" name="文本框 14">
+            <a:extLst>
+              <a:ext uri="{FF2B5EF4-FFF2-40B4-BE49-F238E27FC236}">
+                <a16:creationId xmlns:a16="http://schemas.microsoft.com/office/drawing/2014/main" id="{8EB86B76-708F-C344-AE92-B59E89130831}"/>
+              </a:ext>
+            </a:extLst>
+          </p:cNvPr>
+          <p:cNvSpPr txBox="1"/>
+          <p:nvPr/>
+        </p:nvSpPr>
+        <p:spPr>
+          <a:xfrm>
+            <a:off x="3943396" y="4109945"/>
+            <a:ext cx="1630891" cy="216278"/>
+          </a:xfrm>
+          <a:prstGeom prst="rect">
+            <a:avLst/>
+          </a:prstGeom>
+          <a:noFill/>
+        </p:spPr>
+        <p:txBody>
+          <a:bodyPr wrap="square" rtlCol="0">
+            <a:spAutoFit/>
+          </a:bodyPr>
+          <a:lstStyle/>
+          <a:p>
+            <a:pPr algn="ctr">
+              <a:lnSpc>
+                <a:spcPct val="150000"/>
+              </a:lnSpc>
+            </a:pPr>
+            <a:r>
+              <a:rPr lang="zh-CN" altLang="en-US" sz="598" b="1" dirty="0"/>
+              <a:t>国内法官数量（司法改革后减少</a:t>
+            </a:r>
+            <a:r>
+              <a:rPr lang="en-US" altLang="zh-CN" sz="598" b="1" dirty="0"/>
+              <a:t>40%</a:t>
+            </a:r>
+            <a:r>
+              <a:rPr lang="zh-CN" altLang="en-US" sz="598" b="1" dirty="0"/>
+              <a:t>）</a:t>
+            </a:r>
+            <a:endParaRPr lang="zh-CN" altLang="en-US" sz="524" dirty="0"/>
+          </a:p>
+        </p:txBody>
+      </p:sp>
+      <p:sp>
+        <p:nvSpPr>
+          <p:cNvPr id="20" name="文本框 19">
+            <a:extLst>
+              <a:ext uri="{FF2B5EF4-FFF2-40B4-BE49-F238E27FC236}">
+                <a16:creationId xmlns:a16="http://schemas.microsoft.com/office/drawing/2014/main" id="{FD1C8980-4DCC-474C-A1CB-4DD8DFA9A6DF}"/>
+              </a:ext>
+            </a:extLst>
+          </p:cNvPr>
+          <p:cNvSpPr txBox="1"/>
+          <p:nvPr/>
+        </p:nvSpPr>
+        <p:spPr>
+          <a:xfrm>
+            <a:off x="2409728" y="3790896"/>
+            <a:ext cx="679994" cy="246221"/>
+          </a:xfrm>
+          <a:prstGeom prst="rect">
+            <a:avLst/>
+          </a:prstGeom>
+          <a:noFill/>
+        </p:spPr>
+        <p:txBody>
+          <a:bodyPr wrap="none" rtlCol="0">
+            <a:spAutoFit/>
+          </a:bodyPr>
+          <a:lstStyle/>
+          <a:p>
+            <a:r>
+              <a:rPr kumimoji="1" lang="en-US" altLang="zh-CN" sz="1000" dirty="0"/>
+              <a:t>(</a:t>
+            </a:r>
+            <a:r>
+              <a:rPr kumimoji="1" lang="zh-CN" altLang="en-US" sz="1000" dirty="0"/>
+              <a:t>单位</a:t>
+            </a:r>
+            <a:r>
+              <a:rPr kumimoji="1" lang="en-US" altLang="zh-CN" sz="1000" dirty="0"/>
+              <a:t>:</a:t>
+            </a:r>
+            <a:r>
+              <a:rPr kumimoji="1" lang="zh-CN" altLang="en-US" sz="1000" dirty="0"/>
+              <a:t>万</a:t>
+            </a:r>
+            <a:r>
+              <a:rPr kumimoji="1" lang="en-US" altLang="zh-CN" sz="1000" dirty="0"/>
+              <a:t>)</a:t>
+            </a:r>
+            <a:endParaRPr kumimoji="1" lang="zh-CN" altLang="en-US" sz="1000" dirty="0"/>
+          </a:p>
+        </p:txBody>
+      </p:sp>
+    </p:spTree>
+    <p:extLst>
+      <p:ext uri="{BB962C8B-B14F-4D97-AF65-F5344CB8AC3E}">
+        <p14:creationId xmlns:p14="http://schemas.microsoft.com/office/powerpoint/2010/main" val="1718212500"/>
+      </p:ext>
+    </p:extLst>
+  </p:cSld>
+  <p:clrMapOvr>
+    <a:masterClrMapping/>
+  </p:clrMapOvr>
+</p:sld>
+</file>
+
+<file path=ppt/slides/slide5.xml><?xml version="1.0" encoding="utf-8"?>
+<p:sld xmlns:a="http://schemas.openxmlformats.org/drawingml/2006/main" xmlns:r="http://schemas.openxmlformats.org/officeDocument/2006/relationships" xmlns:p="http://schemas.openxmlformats.org/presentationml/2006/main">
+  <p:cSld>
+    <p:spTree>
+      <p:nvGrpSpPr>
+        <p:cNvPr id="1" name=""/>
+        <p:cNvGrpSpPr/>
+        <p:nvPr/>
+      </p:nvGrpSpPr>
+      <p:grpSpPr>
+        <a:xfrm>
+          <a:off x="0" y="0"/>
+          <a:ext cx="0" cy="0"/>
+          <a:chOff x="0" y="0"/>
+          <a:chExt cx="0" cy="0"/>
+        </a:xfrm>
+      </p:grpSpPr>
+      <p:sp>
+        <p:nvSpPr>
+          <p:cNvPr id="9" name="标题 1"/>
+          <p:cNvSpPr txBox="1">
+            <a:spLocks/>
+          </p:cNvSpPr>
+          <p:nvPr/>
+        </p:nvSpPr>
+        <p:spPr>
+          <a:xfrm>
+            <a:off x="1621260" y="69417"/>
+            <a:ext cx="5243195" cy="660940"/>
+          </a:xfrm>
+          <a:prstGeom prst="rect">
+            <a:avLst/>
+          </a:prstGeom>
+        </p:spPr>
+        <p:txBody>
+          <a:bodyPr vert="horz" lIns="45593" tIns="22797" rIns="45593" bIns="22797" rtlCol="0" anchor="ctr">
+            <a:normAutofit/>
+          </a:bodyPr>
+          <a:lstStyle>
+            <a:lvl1pPr algn="l" defTabSz="914400" rtl="0" eaLnBrk="1" latinLnBrk="0" hangingPunct="1">
+              <a:lnSpc>
+                <a:spcPct val="90000"/>
+              </a:lnSpc>
+              <a:spcBef>
+                <a:spcPct val="0"/>
+              </a:spcBef>
+              <a:buNone/>
+              <a:defRPr sz="4400" kern="1200">
+                <a:solidFill>
+                  <a:schemeClr val="tx1"/>
+                </a:solidFill>
+                <a:latin typeface="+mj-lt"/>
+                <a:ea typeface="+mj-ea"/>
+                <a:cs typeface="+mj-cs"/>
+              </a:defRPr>
+            </a:lvl1pPr>
+          </a:lstStyle>
+          <a:p>
+            <a:endParaRPr lang="zh-CN" altLang="en-US" sz="2194" dirty="0"/>
+          </a:p>
+        </p:txBody>
+      </p:sp>
+      <p:sp>
+        <p:nvSpPr>
+          <p:cNvPr id="2" name="幻灯片编号占位符 1"/>
+          <p:cNvSpPr>
+            <a:spLocks noGrp="1"/>
+          </p:cNvSpPr>
+          <p:nvPr>
+            <p:ph type="sldNum" sz="quarter" idx="12"/>
+          </p:nvPr>
+        </p:nvSpPr>
+        <p:spPr/>
+        <p:txBody>
+          <a:bodyPr/>
+          <a:lstStyle/>
+          <a:p>
+            <a:fld id="{C352E51F-1B4E-48A3-9A87-3A96E1F0AAC9}" type="slidenum">
+              <a:rPr lang="zh-CN" altLang="en-US" smtClean="0">
+                <a:solidFill>
+                  <a:schemeClr val="tx1"/>
+                </a:solidFill>
+              </a:rPr>
+              <a:t>5</a:t>
+            </a:fld>
+            <a:endParaRPr lang="zh-CN" altLang="en-US" dirty="0">
+              <a:solidFill>
+                <a:schemeClr val="tx1"/>
+              </a:solidFill>
+            </a:endParaRPr>
+          </a:p>
+        </p:txBody>
+      </p:sp>
+      <p:graphicFrame>
+        <p:nvGraphicFramePr>
+          <p:cNvPr id="12" name="ChartObject">
+            <a:extLst>
+              <a:ext uri="{FF2B5EF4-FFF2-40B4-BE49-F238E27FC236}">
+                <a16:creationId xmlns:a16="http://schemas.microsoft.com/office/drawing/2014/main" id="{982D2458-1960-D04A-B1A0-3696B5203048}"/>
+              </a:ext>
+            </a:extLst>
+          </p:cNvPr>
+          <p:cNvGraphicFramePr/>
+          <p:nvPr>
+            <p:extLst>
+              <p:ext uri="{D42A27DB-BD31-4B8C-83A1-F6EECF244321}">
+                <p14:modId xmlns:p14="http://schemas.microsoft.com/office/powerpoint/2010/main" val="979467026"/>
+              </p:ext>
+            </p:extLst>
+          </p:nvPr>
+        </p:nvGraphicFramePr>
+        <p:xfrm>
+          <a:off x="1621254" y="69418"/>
+          <a:ext cx="5943328" cy="3281990"/>
+        </p:xfrm>
+        <a:graphic>
+          <a:graphicData uri="http://schemas.openxmlformats.org/drawingml/2006/chart">
+            <c:chart xmlns:c="http://schemas.openxmlformats.org/drawingml/2006/chart" xmlns:r="http://schemas.openxmlformats.org/officeDocument/2006/relationships" r:id="rId3"/>
+          </a:graphicData>
+        </a:graphic>
+      </p:graphicFrame>
+      <p:sp>
+        <p:nvSpPr>
+          <p:cNvPr id="13" name="文本框 12">
+            <a:extLst>
+              <a:ext uri="{FF2B5EF4-FFF2-40B4-BE49-F238E27FC236}">
+                <a16:creationId xmlns:a16="http://schemas.microsoft.com/office/drawing/2014/main" id="{A13665AF-6BAD-7C4C-9687-7588B498B951}"/>
+              </a:ext>
+            </a:extLst>
+          </p:cNvPr>
+          <p:cNvSpPr txBox="1"/>
+          <p:nvPr/>
+        </p:nvSpPr>
+        <p:spPr>
+          <a:xfrm>
+            <a:off x="3672319" y="3734726"/>
+            <a:ext cx="1630891" cy="1028871"/>
+          </a:xfrm>
+          <a:prstGeom prst="rect">
+            <a:avLst/>
+          </a:prstGeom>
+          <a:noFill/>
+        </p:spPr>
+        <p:txBody>
+          <a:bodyPr wrap="square" rtlCol="0">
+            <a:spAutoFit/>
+          </a:bodyPr>
+          <a:lstStyle/>
+          <a:p>
+            <a:pPr algn="ctr">
+              <a:lnSpc>
+                <a:spcPct val="150000"/>
+              </a:lnSpc>
+            </a:pPr>
+            <a:r>
+              <a:rPr lang="zh-CN" altLang="en-US" sz="1400" b="1" dirty="0"/>
+              <a:t>中国法院受理案件数量（增速达</a:t>
+            </a:r>
+            <a:r>
+              <a:rPr lang="en-US" altLang="zh-CN" sz="1400" b="1" dirty="0"/>
+              <a:t>14.5%</a:t>
+            </a:r>
+            <a:r>
+              <a:rPr lang="zh-CN" altLang="en-US" sz="1400" b="1" dirty="0"/>
+              <a:t>）</a:t>
+            </a:r>
+            <a:endParaRPr lang="zh-CN" altLang="en-US" sz="1400" dirty="0"/>
+          </a:p>
+        </p:txBody>
+      </p:sp>
+    </p:spTree>
+    <p:extLst>
+      <p:ext uri="{BB962C8B-B14F-4D97-AF65-F5344CB8AC3E}">
+        <p14:creationId xmlns:p14="http://schemas.microsoft.com/office/powerpoint/2010/main" val="3331687585"/>
+      </p:ext>
+    </p:extLst>
+  </p:cSld>
+  <p:clrMapOvr>
+    <a:masterClrMapping/>
+  </p:clrMapOvr>
+</p:sld>
+</file>
+
+<file path=ppt/slides/slide6.xml><?xml version="1.0" encoding="utf-8"?>
+<p:sld xmlns:a="http://schemas.openxmlformats.org/drawingml/2006/main" xmlns:r="http://schemas.openxmlformats.org/officeDocument/2006/relationships" xmlns:p="http://schemas.openxmlformats.org/presentationml/2006/main">
+  <p:cSld>
+    <p:spTree>
+      <p:nvGrpSpPr>
+        <p:cNvPr id="1" name=""/>
+        <p:cNvGrpSpPr/>
+        <p:nvPr/>
+      </p:nvGrpSpPr>
+      <p:grpSpPr>
+        <a:xfrm>
+          <a:off x="0" y="0"/>
+          <a:ext cx="0" cy="0"/>
+          <a:chOff x="0" y="0"/>
+          <a:chExt cx="0" cy="0"/>
+        </a:xfrm>
+      </p:grpSpPr>
+      <p:sp>
+        <p:nvSpPr>
+          <p:cNvPr id="9" name="标题 1"/>
+          <p:cNvSpPr txBox="1">
+            <a:spLocks/>
+          </p:cNvSpPr>
+          <p:nvPr/>
+        </p:nvSpPr>
+        <p:spPr>
+          <a:xfrm>
+            <a:off x="1621254" y="69417"/>
+            <a:ext cx="5243195" cy="660940"/>
+          </a:xfrm>
+          <a:prstGeom prst="rect">
+            <a:avLst/>
+          </a:prstGeom>
+        </p:spPr>
+        <p:txBody>
+          <a:bodyPr vert="horz" lIns="45593" tIns="22797" rIns="45593" bIns="22797" rtlCol="0" anchor="ctr">
+            <a:normAutofit/>
+          </a:bodyPr>
+          <a:lstStyle>
+            <a:lvl1pPr algn="l" defTabSz="914400" rtl="0" eaLnBrk="1" latinLnBrk="0" hangingPunct="1">
+              <a:lnSpc>
+                <a:spcPct val="90000"/>
+              </a:lnSpc>
+              <a:spcBef>
+                <a:spcPct val="0"/>
+              </a:spcBef>
+              <a:buNone/>
+              <a:defRPr sz="4400" kern="1200">
+                <a:solidFill>
+                  <a:schemeClr val="tx1"/>
+                </a:solidFill>
+                <a:latin typeface="+mj-lt"/>
+                <a:ea typeface="+mj-ea"/>
+                <a:cs typeface="+mj-cs"/>
+              </a:defRPr>
+            </a:lvl1pPr>
+          </a:lstStyle>
+          <a:p>
+            <a:endParaRPr lang="zh-CN" altLang="en-US" sz="2194" dirty="0"/>
+          </a:p>
+        </p:txBody>
+      </p:sp>
+      <p:graphicFrame>
+        <p:nvGraphicFramePr>
+          <p:cNvPr id="14" name="ChartObject">
+            <a:extLst>
+              <a:ext uri="{FF2B5EF4-FFF2-40B4-BE49-F238E27FC236}">
+                <a16:creationId xmlns:a16="http://schemas.microsoft.com/office/drawing/2014/main" id="{DC709721-8961-8341-9B71-2D5CC61A82A5}"/>
+              </a:ext>
+            </a:extLst>
+          </p:cNvPr>
+          <p:cNvGraphicFramePr/>
+          <p:nvPr>
+            <p:extLst>
+              <p:ext uri="{D42A27DB-BD31-4B8C-83A1-F6EECF244321}">
+                <p14:modId xmlns:p14="http://schemas.microsoft.com/office/powerpoint/2010/main" val="2719458040"/>
+              </p:ext>
+            </p:extLst>
+          </p:nvPr>
+        </p:nvGraphicFramePr>
+        <p:xfrm>
+          <a:off x="182836" y="457201"/>
+          <a:ext cx="4312507" cy="2113005"/>
+        </p:xfrm>
+        <a:graphic>
+          <a:graphicData uri="http://schemas.openxmlformats.org/drawingml/2006/chart">
+            <c:chart xmlns:c="http://schemas.openxmlformats.org/drawingml/2006/chart" xmlns:r="http://schemas.openxmlformats.org/officeDocument/2006/relationships" r:id="rId3"/>
+          </a:graphicData>
+        </a:graphic>
+      </p:graphicFrame>
+      <p:sp>
+        <p:nvSpPr>
+          <p:cNvPr id="15" name="文本框 14">
+            <a:extLst>
+              <a:ext uri="{FF2B5EF4-FFF2-40B4-BE49-F238E27FC236}">
+                <a16:creationId xmlns:a16="http://schemas.microsoft.com/office/drawing/2014/main" id="{8EB86B76-708F-C344-AE92-B59E89130831}"/>
+              </a:ext>
+            </a:extLst>
+          </p:cNvPr>
+          <p:cNvSpPr txBox="1"/>
+          <p:nvPr/>
+        </p:nvSpPr>
+        <p:spPr>
+          <a:xfrm>
+            <a:off x="2" y="2570206"/>
+            <a:ext cx="4942677" cy="299569"/>
+          </a:xfrm>
+          <a:prstGeom prst="rect">
+            <a:avLst/>
+          </a:prstGeom>
+          <a:noFill/>
+        </p:spPr>
+        <p:txBody>
+          <a:bodyPr wrap="square" rtlCol="0">
+            <a:spAutoFit/>
+          </a:bodyPr>
+          <a:lstStyle/>
+          <a:p>
+            <a:pPr algn="ctr">
+              <a:lnSpc>
+                <a:spcPct val="150000"/>
+              </a:lnSpc>
+            </a:pPr>
+            <a:r>
+              <a:rPr lang="zh-CN" altLang="en-US" sz="1000" dirty="0"/>
+              <a:t>国内律师与律所数量（增速不足</a:t>
+            </a:r>
+            <a:r>
+              <a:rPr lang="en-US" altLang="zh-CN" sz="1000" dirty="0"/>
+              <a:t>7%</a:t>
+            </a:r>
+            <a:r>
+              <a:rPr lang="zh-CN" altLang="en-US" sz="1000" dirty="0"/>
+              <a:t>）</a:t>
+            </a:r>
+          </a:p>
+        </p:txBody>
+      </p:sp>
+      <p:graphicFrame>
+        <p:nvGraphicFramePr>
+          <p:cNvPr id="28" name="ChartObject">
+            <a:extLst>
+              <a:ext uri="{FF2B5EF4-FFF2-40B4-BE49-F238E27FC236}">
+                <a16:creationId xmlns:a16="http://schemas.microsoft.com/office/drawing/2014/main" id="{758F9519-5784-654B-BBB5-867ACD44D06A}"/>
+              </a:ext>
+            </a:extLst>
+          </p:cNvPr>
+          <p:cNvGraphicFramePr/>
+          <p:nvPr>
+            <p:extLst>
+              <p:ext uri="{D42A27DB-BD31-4B8C-83A1-F6EECF244321}">
+                <p14:modId xmlns:p14="http://schemas.microsoft.com/office/powerpoint/2010/main" val="3856797112"/>
+              </p:ext>
+            </p:extLst>
+          </p:nvPr>
+        </p:nvGraphicFramePr>
+        <p:xfrm>
+          <a:off x="4495341" y="457201"/>
+          <a:ext cx="4315028" cy="2113005"/>
+        </p:xfrm>
+        <a:graphic>
+          <a:graphicData uri="http://schemas.openxmlformats.org/drawingml/2006/chart">
+            <c:chart xmlns:c="http://schemas.openxmlformats.org/drawingml/2006/chart" xmlns:r="http://schemas.openxmlformats.org/officeDocument/2006/relationships" r:id="rId4"/>
+          </a:graphicData>
+        </a:graphic>
+      </p:graphicFrame>
+      <p:sp>
+        <p:nvSpPr>
+          <p:cNvPr id="31" name="文本框 30">
+            <a:extLst>
+              <a:ext uri="{FF2B5EF4-FFF2-40B4-BE49-F238E27FC236}">
+                <a16:creationId xmlns:a16="http://schemas.microsoft.com/office/drawing/2014/main" id="{C54D9488-2DA3-3D49-98B7-3D04DF02107F}"/>
+              </a:ext>
+            </a:extLst>
+          </p:cNvPr>
+          <p:cNvSpPr txBox="1"/>
+          <p:nvPr/>
+        </p:nvSpPr>
+        <p:spPr>
+          <a:xfrm>
+            <a:off x="4942677" y="2570206"/>
+            <a:ext cx="3836772" cy="299569"/>
+          </a:xfrm>
+          <a:prstGeom prst="rect">
+            <a:avLst/>
+          </a:prstGeom>
+          <a:noFill/>
+        </p:spPr>
+        <p:txBody>
+          <a:bodyPr wrap="square" rtlCol="0">
+            <a:spAutoFit/>
+          </a:bodyPr>
+          <a:lstStyle/>
+          <a:p>
+            <a:pPr algn="ctr">
+              <a:lnSpc>
+                <a:spcPct val="150000"/>
+              </a:lnSpc>
+            </a:pPr>
+            <a:r>
+              <a:rPr lang="zh-CN" altLang="en-US" sz="1000" dirty="0"/>
+              <a:t>国内法官数量（减少</a:t>
+            </a:r>
+            <a:r>
+              <a:rPr lang="en-US" altLang="zh-CN" sz="1000" dirty="0"/>
+              <a:t>40%</a:t>
+            </a:r>
+            <a:r>
+              <a:rPr lang="zh-CN" altLang="en-US" sz="1000" dirty="0"/>
+              <a:t>）</a:t>
+            </a:r>
+          </a:p>
+        </p:txBody>
+      </p:sp>
+      <p:sp>
+        <p:nvSpPr>
+          <p:cNvPr id="17" name="文本框 16">
+            <a:extLst>
+              <a:ext uri="{FF2B5EF4-FFF2-40B4-BE49-F238E27FC236}">
+                <a16:creationId xmlns:a16="http://schemas.microsoft.com/office/drawing/2014/main" id="{A0170004-8685-B346-93F5-D098542F399B}"/>
+              </a:ext>
+            </a:extLst>
+          </p:cNvPr>
+          <p:cNvSpPr txBox="1"/>
+          <p:nvPr/>
+        </p:nvSpPr>
+        <p:spPr>
+          <a:xfrm>
+            <a:off x="140480" y="2447094"/>
+            <a:ext cx="518091" cy="246221"/>
+          </a:xfrm>
+          <a:prstGeom prst="rect">
+            <a:avLst/>
+          </a:prstGeom>
+          <a:noFill/>
+        </p:spPr>
+        <p:txBody>
+          <a:bodyPr wrap="none" rtlCol="0">
+            <a:spAutoFit/>
+          </a:bodyPr>
+          <a:lstStyle/>
+          <a:p>
+            <a:r>
+              <a:rPr kumimoji="1" lang="en-US" altLang="zh-CN" sz="1000" dirty="0"/>
+              <a:t>(</a:t>
+            </a:r>
+            <a:r>
+              <a:rPr kumimoji="1" lang="zh-CN" altLang="en-US" sz="1000" dirty="0"/>
+              <a:t>万人</a:t>
+            </a:r>
+            <a:r>
+              <a:rPr kumimoji="1" lang="en-US" altLang="zh-CN" sz="1000" dirty="0"/>
+              <a:t>)</a:t>
+            </a:r>
+            <a:endParaRPr kumimoji="1" lang="zh-CN" altLang="en-US" sz="1000" dirty="0"/>
+          </a:p>
+        </p:txBody>
+      </p:sp>
+      <p:sp>
+        <p:nvSpPr>
+          <p:cNvPr id="32" name="文本框 31">
+            <a:extLst>
+              <a:ext uri="{FF2B5EF4-FFF2-40B4-BE49-F238E27FC236}">
+                <a16:creationId xmlns:a16="http://schemas.microsoft.com/office/drawing/2014/main" id="{851905EE-47A1-DB4B-8E4A-5DE673F2B01F}"/>
+              </a:ext>
+            </a:extLst>
+          </p:cNvPr>
+          <p:cNvSpPr txBox="1"/>
+          <p:nvPr/>
+        </p:nvSpPr>
+        <p:spPr>
+          <a:xfrm>
+            <a:off x="4023269" y="2447094"/>
+            <a:ext cx="518091" cy="246221"/>
+          </a:xfrm>
+          <a:prstGeom prst="rect">
+            <a:avLst/>
+          </a:prstGeom>
+          <a:noFill/>
+        </p:spPr>
+        <p:txBody>
+          <a:bodyPr wrap="none" rtlCol="0">
+            <a:spAutoFit/>
+          </a:bodyPr>
+          <a:lstStyle/>
+          <a:p>
+            <a:r>
+              <a:rPr kumimoji="1" lang="en-US" altLang="zh-CN" sz="1000" dirty="0"/>
+              <a:t>(</a:t>
+            </a:r>
+            <a:r>
+              <a:rPr kumimoji="1" lang="zh-CN" altLang="en-US" sz="1000" dirty="0"/>
+              <a:t>万所</a:t>
+            </a:r>
+            <a:r>
+              <a:rPr kumimoji="1" lang="en-US" altLang="zh-CN" sz="1000" dirty="0"/>
+              <a:t>)</a:t>
+            </a:r>
+            <a:endParaRPr kumimoji="1" lang="zh-CN" altLang="en-US" sz="1000" dirty="0"/>
+          </a:p>
+        </p:txBody>
+      </p:sp>
+      <p:sp>
+        <p:nvSpPr>
+          <p:cNvPr id="33" name="文本框 32">
+            <a:extLst>
+              <a:ext uri="{FF2B5EF4-FFF2-40B4-BE49-F238E27FC236}">
+                <a16:creationId xmlns:a16="http://schemas.microsoft.com/office/drawing/2014/main" id="{36EC01A5-A47B-0D4A-8532-664F97C789BA}"/>
+              </a:ext>
+            </a:extLst>
+          </p:cNvPr>
+          <p:cNvSpPr txBox="1"/>
+          <p:nvPr/>
+        </p:nvSpPr>
+        <p:spPr>
+          <a:xfrm>
+            <a:off x="4466944" y="2447094"/>
+            <a:ext cx="518091" cy="246221"/>
+          </a:xfrm>
+          <a:prstGeom prst="rect">
+            <a:avLst/>
+          </a:prstGeom>
+          <a:noFill/>
+        </p:spPr>
+        <p:txBody>
+          <a:bodyPr wrap="none" rtlCol="0">
+            <a:spAutoFit/>
+          </a:bodyPr>
+          <a:lstStyle/>
+          <a:p>
+            <a:r>
+              <a:rPr kumimoji="1" lang="en-US" altLang="zh-CN" sz="1000" dirty="0"/>
+              <a:t>(</a:t>
+            </a:r>
+            <a:r>
+              <a:rPr kumimoji="1" lang="zh-CN" altLang="en-US" sz="1000" dirty="0"/>
+              <a:t>万人</a:t>
+            </a:r>
+            <a:r>
+              <a:rPr kumimoji="1" lang="en-US" altLang="zh-CN" sz="1000" dirty="0"/>
+              <a:t>)</a:t>
+            </a:r>
+            <a:endParaRPr kumimoji="1" lang="zh-CN" altLang="en-US" sz="1000" dirty="0"/>
+          </a:p>
+        </p:txBody>
+      </p:sp>
+    </p:spTree>
+    <p:extLst>
+      <p:ext uri="{BB962C8B-B14F-4D97-AF65-F5344CB8AC3E}">
+        <p14:creationId xmlns:p14="http://schemas.microsoft.com/office/powerpoint/2010/main" val="3979475646"/>
+      </p:ext>
+    </p:extLst>
+  </p:cSld>
+  <p:clrMapOvr>
+    <a:masterClrMapping/>
+  </p:clrMapOvr>
+</p:sld>
+</file>
+
+<file path=ppt/slides/slide7.xml><?xml version="1.0" encoding="utf-8"?>
+<p:sld xmlns:a="http://schemas.openxmlformats.org/drawingml/2006/main" xmlns:r="http://schemas.openxmlformats.org/officeDocument/2006/relationships" xmlns:p="http://schemas.openxmlformats.org/presentationml/2006/main">
+  <p:cSld>
+    <p:spTree>
+      <p:nvGrpSpPr>
+        <p:cNvPr id="1" name=""/>
+        <p:cNvGrpSpPr/>
+        <p:nvPr/>
+      </p:nvGrpSpPr>
+      <p:grpSpPr>
+        <a:xfrm>
+          <a:off x="0" y="0"/>
+          <a:ext cx="0" cy="0"/>
+          <a:chOff x="0" y="0"/>
+          <a:chExt cx="0" cy="0"/>
+        </a:xfrm>
+      </p:grpSpPr>
+      <p:sp>
+        <p:nvSpPr>
+          <p:cNvPr id="53" name="圆角矩形 52">
+            <a:extLst>
+              <a:ext uri="{FF2B5EF4-FFF2-40B4-BE49-F238E27FC236}">
+                <a16:creationId xmlns:a16="http://schemas.microsoft.com/office/drawing/2014/main" id="{2286FA02-CE13-BB4C-B3E3-4B3714D65A08}"/>
+              </a:ext>
+            </a:extLst>
+          </p:cNvPr>
+          <p:cNvSpPr/>
+          <p:nvPr/>
+        </p:nvSpPr>
+        <p:spPr>
+          <a:xfrm>
+            <a:off x="1015101" y="1111174"/>
+            <a:ext cx="643273" cy="410537"/>
+          </a:xfrm>
+          <a:prstGeom prst="roundRect">
+            <a:avLst/>
+          </a:prstGeom>
+          <a:solidFill>
+            <a:srgbClr val="01B0F0"/>
+          </a:solidFill>
+          <a:ln>
+            <a:solidFill>
+              <a:schemeClr val="tx1"/>
+            </a:solidFill>
+          </a:ln>
+        </p:spPr>
+        <p:style>
+          <a:lnRef idx="2">
+            <a:schemeClr val="accent1">
+              <a:shade val="50000"/>
+            </a:schemeClr>
+          </a:lnRef>
+          <a:fillRef idx="1">
+            <a:schemeClr val="accent1"/>
+          </a:fillRef>
+          <a:effectRef idx="0">
+            <a:schemeClr val="accent1"/>
+          </a:effectRef>
+          <a:fontRef idx="minor">
+            <a:schemeClr val="lt1"/>
+          </a:fontRef>
+        </p:style>
+        <p:txBody>
+          <a:bodyPr rtlCol="0" anchor="ctr"/>
+          <a:lstStyle/>
+          <a:p>
+            <a:pPr algn="ctr"/>
+            <a:r>
+              <a:rPr kumimoji="1" lang="zh-CN" altLang="en-US" sz="1000" dirty="0"/>
+              <a:t>事实</a:t>
+            </a:r>
+          </a:p>
+        </p:txBody>
+      </p:sp>
+      <p:sp>
+        <p:nvSpPr>
+          <p:cNvPr id="54" name="圆角矩形 53">
+            <a:extLst>
+              <a:ext uri="{FF2B5EF4-FFF2-40B4-BE49-F238E27FC236}">
+                <a16:creationId xmlns:a16="http://schemas.microsoft.com/office/drawing/2014/main" id="{237F1E93-6B4F-704B-9DC9-58E8F20EE4DE}"/>
+              </a:ext>
+            </a:extLst>
+          </p:cNvPr>
+          <p:cNvSpPr/>
+          <p:nvPr/>
+        </p:nvSpPr>
+        <p:spPr>
+          <a:xfrm>
+            <a:off x="984700" y="2582327"/>
+            <a:ext cx="713455" cy="392722"/>
+          </a:xfrm>
+          <a:prstGeom prst="roundRect">
+            <a:avLst/>
+          </a:prstGeom>
+          <a:solidFill>
+            <a:srgbClr val="01B0F0"/>
+          </a:solidFill>
+          <a:ln>
+            <a:solidFill>
+              <a:schemeClr val="tx1"/>
+            </a:solidFill>
+          </a:ln>
+        </p:spPr>
+        <p:style>
+          <a:lnRef idx="2">
+            <a:schemeClr val="accent1">
+              <a:shade val="50000"/>
+            </a:schemeClr>
+          </a:lnRef>
+          <a:fillRef idx="1">
+            <a:schemeClr val="accent1"/>
+          </a:fillRef>
+          <a:effectRef idx="0">
+            <a:schemeClr val="accent1"/>
+          </a:effectRef>
+          <a:fontRef idx="minor">
+            <a:schemeClr val="lt1"/>
+          </a:fontRef>
+        </p:style>
+        <p:txBody>
+          <a:bodyPr rtlCol="0" anchor="ctr"/>
+          <a:lstStyle/>
+          <a:p>
+            <a:pPr algn="ctr"/>
+            <a:r>
+              <a:rPr kumimoji="1" lang="zh-CN" altLang="en-US" sz="1000" dirty="0"/>
+              <a:t>数据库</a:t>
+            </a:r>
+          </a:p>
+        </p:txBody>
+      </p:sp>
+      <p:sp>
+        <p:nvSpPr>
+          <p:cNvPr id="55" name="圆角矩形 54">
+            <a:extLst>
+              <a:ext uri="{FF2B5EF4-FFF2-40B4-BE49-F238E27FC236}">
+                <a16:creationId xmlns:a16="http://schemas.microsoft.com/office/drawing/2014/main" id="{5F255BFE-41E6-1C40-A1CE-F52434426ED4}"/>
+              </a:ext>
+            </a:extLst>
+          </p:cNvPr>
+          <p:cNvSpPr/>
+          <p:nvPr/>
+        </p:nvSpPr>
+        <p:spPr>
+          <a:xfrm>
+            <a:off x="1839294" y="1057408"/>
+            <a:ext cx="713454" cy="392722"/>
+          </a:xfrm>
+          <a:prstGeom prst="roundRect">
+            <a:avLst/>
+          </a:prstGeom>
+          <a:solidFill>
+            <a:srgbClr val="F95100"/>
+          </a:solidFill>
+          <a:ln>
+            <a:solidFill>
+              <a:schemeClr val="tx1"/>
+            </a:solidFill>
+          </a:ln>
+        </p:spPr>
+        <p:style>
+          <a:lnRef idx="2">
+            <a:schemeClr val="accent1">
+              <a:shade val="50000"/>
+            </a:schemeClr>
+          </a:lnRef>
+          <a:fillRef idx="1">
+            <a:schemeClr val="accent1"/>
+          </a:fillRef>
+          <a:effectRef idx="0">
+            <a:schemeClr val="accent1"/>
+          </a:effectRef>
+          <a:fontRef idx="minor">
+            <a:schemeClr val="lt1"/>
+          </a:fontRef>
+        </p:style>
+        <p:txBody>
+          <a:bodyPr rtlCol="0" anchor="ctr"/>
+          <a:lstStyle/>
+          <a:p>
+            <a:pPr algn="ctr"/>
+            <a:r>
+              <a:rPr kumimoji="1" lang="zh-CN" altLang="en-US" sz="1000" dirty="0"/>
+              <a:t>词法分析</a:t>
+            </a:r>
+          </a:p>
+        </p:txBody>
+      </p:sp>
+      <p:sp>
+        <p:nvSpPr>
+          <p:cNvPr id="57" name="圆角矩形 56">
+            <a:extLst>
+              <a:ext uri="{FF2B5EF4-FFF2-40B4-BE49-F238E27FC236}">
+                <a16:creationId xmlns:a16="http://schemas.microsoft.com/office/drawing/2014/main" id="{9A9183DB-2EC4-7F49-BA81-4EE187DE6445}"/>
+              </a:ext>
+            </a:extLst>
+          </p:cNvPr>
+          <p:cNvSpPr/>
+          <p:nvPr/>
+        </p:nvSpPr>
+        <p:spPr>
+          <a:xfrm>
+            <a:off x="1839294" y="1783499"/>
+            <a:ext cx="713454" cy="392722"/>
+          </a:xfrm>
+          <a:prstGeom prst="roundRect">
+            <a:avLst/>
+          </a:prstGeom>
+          <a:solidFill>
+            <a:srgbClr val="F95100"/>
+          </a:solidFill>
+          <a:ln>
+            <a:solidFill>
+              <a:schemeClr val="tx1"/>
+            </a:solidFill>
+          </a:ln>
+        </p:spPr>
+        <p:style>
+          <a:lnRef idx="2">
+            <a:schemeClr val="accent1">
+              <a:shade val="50000"/>
+            </a:schemeClr>
+          </a:lnRef>
+          <a:fillRef idx="1">
+            <a:schemeClr val="accent1"/>
+          </a:fillRef>
+          <a:effectRef idx="0">
+            <a:schemeClr val="accent1"/>
+          </a:effectRef>
+          <a:fontRef idx="minor">
+            <a:schemeClr val="lt1"/>
+          </a:fontRef>
+        </p:style>
+        <p:txBody>
+          <a:bodyPr rtlCol="0" anchor="ctr"/>
+          <a:lstStyle/>
+          <a:p>
+            <a:pPr algn="ctr"/>
+            <a:r>
+              <a:rPr kumimoji="1" lang="zh-CN" altLang="en-US" sz="1000" dirty="0"/>
+              <a:t>字嵌入</a:t>
+            </a:r>
+          </a:p>
+        </p:txBody>
+      </p:sp>
+      <p:sp>
+        <p:nvSpPr>
+          <p:cNvPr id="59" name="圆角矩形 58">
+            <a:extLst>
+              <a:ext uri="{FF2B5EF4-FFF2-40B4-BE49-F238E27FC236}">
+                <a16:creationId xmlns:a16="http://schemas.microsoft.com/office/drawing/2014/main" id="{70424A6E-BE70-A049-89FC-76738B0B9C1A}"/>
+              </a:ext>
+            </a:extLst>
+          </p:cNvPr>
+          <p:cNvSpPr/>
+          <p:nvPr/>
+        </p:nvSpPr>
+        <p:spPr>
+          <a:xfrm>
+            <a:off x="2800810" y="928535"/>
+            <a:ext cx="808340" cy="392400"/>
+          </a:xfrm>
+          <a:prstGeom prst="roundRect">
+            <a:avLst/>
+          </a:prstGeom>
+          <a:solidFill>
+            <a:srgbClr val="AB89E1"/>
+          </a:solidFill>
+          <a:ln>
+            <a:solidFill>
+              <a:schemeClr val="tx1"/>
+            </a:solidFill>
+          </a:ln>
+        </p:spPr>
+        <p:style>
+          <a:lnRef idx="2">
+            <a:schemeClr val="accent1">
+              <a:shade val="50000"/>
+            </a:schemeClr>
+          </a:lnRef>
+          <a:fillRef idx="1">
+            <a:schemeClr val="accent1"/>
+          </a:fillRef>
+          <a:effectRef idx="0">
+            <a:schemeClr val="accent1"/>
+          </a:effectRef>
+          <a:fontRef idx="minor">
+            <a:schemeClr val="lt1"/>
+          </a:fontRef>
+        </p:style>
+        <p:txBody>
+          <a:bodyPr rtlCol="0" anchor="ctr"/>
+          <a:lstStyle/>
+          <a:p>
+            <a:pPr algn="ctr"/>
+            <a:r>
+              <a:rPr kumimoji="1" lang="zh-CN" altLang="en-US" sz="1000" dirty="0"/>
+              <a:t>命名实体识别</a:t>
+            </a:r>
+          </a:p>
+        </p:txBody>
+      </p:sp>
+      <p:sp>
+        <p:nvSpPr>
+          <p:cNvPr id="61" name="圆角矩形 60">
+            <a:extLst>
+              <a:ext uri="{FF2B5EF4-FFF2-40B4-BE49-F238E27FC236}">
+                <a16:creationId xmlns:a16="http://schemas.microsoft.com/office/drawing/2014/main" id="{56437094-D059-C444-8CB1-5D24DC59DF5D}"/>
+              </a:ext>
+            </a:extLst>
+          </p:cNvPr>
+          <p:cNvSpPr/>
+          <p:nvPr/>
+        </p:nvSpPr>
+        <p:spPr>
+          <a:xfrm>
+            <a:off x="2800810" y="1351396"/>
+            <a:ext cx="808340" cy="392400"/>
+          </a:xfrm>
+          <a:prstGeom prst="roundRect">
+            <a:avLst/>
+          </a:prstGeom>
+          <a:solidFill>
+            <a:srgbClr val="AB89E1"/>
+          </a:solidFill>
+          <a:ln>
+            <a:solidFill>
+              <a:schemeClr val="tx1"/>
+            </a:solidFill>
+          </a:ln>
+        </p:spPr>
+        <p:style>
+          <a:lnRef idx="2">
+            <a:schemeClr val="accent1">
+              <a:shade val="50000"/>
+            </a:schemeClr>
+          </a:lnRef>
+          <a:fillRef idx="1">
+            <a:schemeClr val="accent1"/>
+          </a:fillRef>
+          <a:effectRef idx="0">
+            <a:schemeClr val="accent1"/>
+          </a:effectRef>
+          <a:fontRef idx="minor">
+            <a:schemeClr val="lt1"/>
+          </a:fontRef>
+        </p:style>
+        <p:txBody>
+          <a:bodyPr rtlCol="0" anchor="ctr"/>
+          <a:lstStyle/>
+          <a:p>
+            <a:pPr algn="ctr"/>
+            <a:r>
+              <a:rPr kumimoji="1" lang="zh-CN" altLang="en-US" sz="1000" dirty="0"/>
+              <a:t>词嵌入</a:t>
+            </a:r>
+          </a:p>
+        </p:txBody>
+      </p:sp>
+      <p:sp>
+        <p:nvSpPr>
+          <p:cNvPr id="62" name="圆角矩形 61">
+            <a:extLst>
+              <a:ext uri="{FF2B5EF4-FFF2-40B4-BE49-F238E27FC236}">
+                <a16:creationId xmlns:a16="http://schemas.microsoft.com/office/drawing/2014/main" id="{3BF1FAD6-726F-FF43-8327-D48A64EA3CCC}"/>
+              </a:ext>
+            </a:extLst>
+          </p:cNvPr>
+          <p:cNvSpPr/>
+          <p:nvPr/>
+        </p:nvSpPr>
+        <p:spPr>
+          <a:xfrm>
+            <a:off x="3866337" y="1797460"/>
+            <a:ext cx="806400" cy="392400"/>
+          </a:xfrm>
+          <a:prstGeom prst="roundRect">
+            <a:avLst/>
+          </a:prstGeom>
+          <a:solidFill>
+            <a:srgbClr val="FFC001"/>
+          </a:solidFill>
+          <a:ln>
+            <a:solidFill>
+              <a:schemeClr val="tx1"/>
+            </a:solidFill>
+          </a:ln>
+        </p:spPr>
+        <p:style>
+          <a:lnRef idx="2">
+            <a:schemeClr val="accent1">
+              <a:shade val="50000"/>
+            </a:schemeClr>
+          </a:lnRef>
+          <a:fillRef idx="1">
+            <a:schemeClr val="accent1"/>
+          </a:fillRef>
+          <a:effectRef idx="0">
+            <a:schemeClr val="accent1"/>
+          </a:effectRef>
+          <a:fontRef idx="minor">
+            <a:schemeClr val="lt1"/>
+          </a:fontRef>
+        </p:style>
+        <p:txBody>
+          <a:bodyPr rtlCol="0" anchor="ctr"/>
+          <a:lstStyle/>
+          <a:p>
+            <a:pPr algn="ctr"/>
+            <a:r>
+              <a:rPr kumimoji="1" lang="en-US" altLang="zh-CN" sz="1000" dirty="0"/>
+              <a:t>Lattice</a:t>
+            </a:r>
+            <a:endParaRPr kumimoji="1" lang="zh-CN" altLang="en-US" sz="1000" dirty="0"/>
+          </a:p>
+        </p:txBody>
+      </p:sp>
+      <p:sp>
+        <p:nvSpPr>
+          <p:cNvPr id="63" name="圆角矩形 62">
+            <a:extLst>
+              <a:ext uri="{FF2B5EF4-FFF2-40B4-BE49-F238E27FC236}">
+                <a16:creationId xmlns:a16="http://schemas.microsoft.com/office/drawing/2014/main" id="{8CE60CDE-EC58-F844-8459-3D02EC95F756}"/>
+              </a:ext>
+            </a:extLst>
+          </p:cNvPr>
+          <p:cNvSpPr/>
+          <p:nvPr/>
+        </p:nvSpPr>
+        <p:spPr>
+          <a:xfrm>
+            <a:off x="4927157" y="1911208"/>
+            <a:ext cx="806400" cy="360000"/>
+          </a:xfrm>
+          <a:prstGeom prst="roundRect">
+            <a:avLst/>
+          </a:prstGeom>
+          <a:solidFill>
+            <a:srgbClr val="4578D4"/>
+          </a:solidFill>
+          <a:ln>
+            <a:solidFill>
+              <a:schemeClr val="tx1"/>
+            </a:solidFill>
+          </a:ln>
+        </p:spPr>
+        <p:style>
+          <a:lnRef idx="2">
+            <a:schemeClr val="accent1">
+              <a:shade val="50000"/>
+            </a:schemeClr>
+          </a:lnRef>
+          <a:fillRef idx="1">
+            <a:schemeClr val="accent1"/>
+          </a:fillRef>
+          <a:effectRef idx="0">
+            <a:schemeClr val="accent1"/>
+          </a:effectRef>
+          <a:fontRef idx="minor">
+            <a:schemeClr val="lt1"/>
+          </a:fontRef>
+        </p:style>
+        <p:txBody>
+          <a:bodyPr rtlCol="0" anchor="ctr"/>
+          <a:lstStyle/>
+          <a:p>
+            <a:pPr algn="ctr"/>
+            <a:r>
+              <a:rPr kumimoji="1" lang="zh-CN" altLang="en-US" sz="1000" dirty="0"/>
+              <a:t>条件随机场</a:t>
+            </a:r>
+          </a:p>
+        </p:txBody>
+      </p:sp>
+      <p:sp>
+        <p:nvSpPr>
+          <p:cNvPr id="64" name="圆角矩形 63">
+            <a:extLst>
+              <a:ext uri="{FF2B5EF4-FFF2-40B4-BE49-F238E27FC236}">
+                <a16:creationId xmlns:a16="http://schemas.microsoft.com/office/drawing/2014/main" id="{12EA9F14-2FB8-A248-8297-EFB91E9CF611}"/>
+              </a:ext>
+            </a:extLst>
+          </p:cNvPr>
+          <p:cNvSpPr/>
+          <p:nvPr/>
+        </p:nvSpPr>
+        <p:spPr>
+          <a:xfrm>
+            <a:off x="5972781" y="1849614"/>
+            <a:ext cx="756000" cy="360000"/>
+          </a:xfrm>
+          <a:prstGeom prst="roundRect">
+            <a:avLst/>
+          </a:prstGeom>
+          <a:solidFill>
+            <a:srgbClr val="C06D43"/>
+          </a:solidFill>
+          <a:ln>
+            <a:solidFill>
+              <a:schemeClr val="tx1"/>
+            </a:solidFill>
+          </a:ln>
+        </p:spPr>
+        <p:style>
+          <a:lnRef idx="2">
+            <a:schemeClr val="accent1">
+              <a:shade val="50000"/>
+            </a:schemeClr>
+          </a:lnRef>
+          <a:fillRef idx="1">
+            <a:schemeClr val="accent1"/>
+          </a:fillRef>
+          <a:effectRef idx="0">
+            <a:schemeClr val="accent1"/>
+          </a:effectRef>
+          <a:fontRef idx="minor">
+            <a:schemeClr val="lt1"/>
+          </a:fontRef>
+        </p:style>
+        <p:txBody>
+          <a:bodyPr rtlCol="0" anchor="ctr"/>
+          <a:lstStyle/>
+          <a:p>
+            <a:pPr algn="ctr"/>
+            <a:r>
+              <a:rPr kumimoji="1" lang="zh-CN" altLang="en-US" sz="1000" dirty="0"/>
+              <a:t>序列预测</a:t>
+            </a:r>
+          </a:p>
+        </p:txBody>
+      </p:sp>
+      <p:sp>
+        <p:nvSpPr>
+          <p:cNvPr id="66" name="圆角矩形 65">
+            <a:extLst>
+              <a:ext uri="{FF2B5EF4-FFF2-40B4-BE49-F238E27FC236}">
+                <a16:creationId xmlns:a16="http://schemas.microsoft.com/office/drawing/2014/main" id="{4734F9E8-3C4F-1948-9133-099303D8924E}"/>
+              </a:ext>
+            </a:extLst>
+          </p:cNvPr>
+          <p:cNvSpPr/>
+          <p:nvPr/>
+        </p:nvSpPr>
+        <p:spPr>
+          <a:xfrm>
+            <a:off x="3875901" y="1253930"/>
+            <a:ext cx="806400" cy="392400"/>
+          </a:xfrm>
+          <a:prstGeom prst="roundRect">
+            <a:avLst/>
+          </a:prstGeom>
+          <a:solidFill>
+            <a:srgbClr val="FFC001"/>
+          </a:solidFill>
+          <a:ln>
+            <a:solidFill>
+              <a:schemeClr val="tx1"/>
+            </a:solidFill>
+          </a:ln>
+        </p:spPr>
+        <p:style>
+          <a:lnRef idx="2">
+            <a:schemeClr val="accent1">
+              <a:shade val="50000"/>
+            </a:schemeClr>
+          </a:lnRef>
+          <a:fillRef idx="1">
+            <a:schemeClr val="accent1"/>
+          </a:fillRef>
+          <a:effectRef idx="0">
+            <a:schemeClr val="accent1"/>
+          </a:effectRef>
+          <a:fontRef idx="minor">
+            <a:schemeClr val="lt1"/>
+          </a:fontRef>
+        </p:style>
+        <p:txBody>
+          <a:bodyPr rtlCol="0" anchor="ctr"/>
+          <a:lstStyle/>
+          <a:p>
+            <a:pPr algn="ctr"/>
+            <a:r>
+              <a:rPr kumimoji="1" lang="zh-CN" altLang="en-US" sz="1000" dirty="0"/>
+              <a:t>语义捕捉</a:t>
+            </a:r>
+          </a:p>
+        </p:txBody>
+      </p:sp>
+      <p:sp>
+        <p:nvSpPr>
+          <p:cNvPr id="69" name="圆角矩形 68">
+            <a:extLst>
+              <a:ext uri="{FF2B5EF4-FFF2-40B4-BE49-F238E27FC236}">
+                <a16:creationId xmlns:a16="http://schemas.microsoft.com/office/drawing/2014/main" id="{50C87763-66FA-AB46-8EE7-F412075C691B}"/>
+              </a:ext>
+            </a:extLst>
+          </p:cNvPr>
+          <p:cNvSpPr/>
+          <p:nvPr/>
+        </p:nvSpPr>
+        <p:spPr>
+          <a:xfrm>
+            <a:off x="1840722" y="523730"/>
+            <a:ext cx="713454" cy="392722"/>
+          </a:xfrm>
+          <a:prstGeom prst="roundRect">
+            <a:avLst/>
+          </a:prstGeom>
+          <a:solidFill>
+            <a:srgbClr val="F95100"/>
+          </a:solidFill>
+          <a:ln>
+            <a:solidFill>
+              <a:schemeClr val="tx1"/>
+            </a:solidFill>
+          </a:ln>
+        </p:spPr>
+        <p:style>
+          <a:lnRef idx="2">
+            <a:schemeClr val="accent1">
+              <a:shade val="50000"/>
+            </a:schemeClr>
+          </a:lnRef>
+          <a:fillRef idx="1">
+            <a:schemeClr val="accent1"/>
+          </a:fillRef>
+          <a:effectRef idx="0">
+            <a:schemeClr val="accent1"/>
+          </a:effectRef>
+          <a:fontRef idx="minor">
+            <a:schemeClr val="lt1"/>
+          </a:fontRef>
+        </p:style>
+        <p:txBody>
+          <a:bodyPr rtlCol="0" anchor="ctr"/>
+          <a:lstStyle/>
+          <a:p>
+            <a:pPr algn="ctr"/>
+            <a:r>
+              <a:rPr kumimoji="1" lang="zh-CN" altLang="en-US" sz="1000" dirty="0"/>
+              <a:t>特征抽取</a:t>
+            </a:r>
+          </a:p>
+        </p:txBody>
+      </p:sp>
+      <p:sp>
+        <p:nvSpPr>
+          <p:cNvPr id="70" name="圆角矩形 69">
+            <a:extLst>
+              <a:ext uri="{FF2B5EF4-FFF2-40B4-BE49-F238E27FC236}">
+                <a16:creationId xmlns:a16="http://schemas.microsoft.com/office/drawing/2014/main" id="{E70D1238-31D8-114C-827A-8CE2FD71D0E0}"/>
+              </a:ext>
+            </a:extLst>
+          </p:cNvPr>
+          <p:cNvSpPr/>
+          <p:nvPr/>
+        </p:nvSpPr>
+        <p:spPr>
+          <a:xfrm>
+            <a:off x="2802326" y="511169"/>
+            <a:ext cx="808340" cy="389802"/>
+          </a:xfrm>
+          <a:prstGeom prst="roundRect">
+            <a:avLst/>
+          </a:prstGeom>
+          <a:solidFill>
+            <a:srgbClr val="AB89E1"/>
+          </a:solidFill>
+          <a:ln>
+            <a:solidFill>
+              <a:schemeClr val="tx1"/>
+            </a:solidFill>
+          </a:ln>
+        </p:spPr>
+        <p:style>
+          <a:lnRef idx="2">
+            <a:schemeClr val="accent1">
+              <a:shade val="50000"/>
+            </a:schemeClr>
+          </a:lnRef>
+          <a:fillRef idx="1">
+            <a:schemeClr val="accent1"/>
+          </a:fillRef>
+          <a:effectRef idx="0">
+            <a:schemeClr val="accent1"/>
+          </a:effectRef>
+          <a:fontRef idx="minor">
+            <a:schemeClr val="lt1"/>
+          </a:fontRef>
+        </p:style>
+        <p:txBody>
+          <a:bodyPr rtlCol="0" anchor="ctr"/>
+          <a:lstStyle/>
+          <a:p>
+            <a:pPr algn="ctr"/>
+            <a:r>
+              <a:rPr kumimoji="1" lang="zh-CN" altLang="en-US" sz="1000" dirty="0"/>
+              <a:t>事件检测</a:t>
+            </a:r>
+          </a:p>
+        </p:txBody>
+      </p:sp>
+      <p:sp>
+        <p:nvSpPr>
+          <p:cNvPr id="72" name="圆角矩形 71">
+            <a:extLst>
+              <a:ext uri="{FF2B5EF4-FFF2-40B4-BE49-F238E27FC236}">
+                <a16:creationId xmlns:a16="http://schemas.microsoft.com/office/drawing/2014/main" id="{77A3DA97-9CB9-6443-82BC-D301BA5F99F9}"/>
+              </a:ext>
+            </a:extLst>
+          </p:cNvPr>
+          <p:cNvSpPr/>
+          <p:nvPr/>
+        </p:nvSpPr>
+        <p:spPr>
+          <a:xfrm>
+            <a:off x="3875901" y="656307"/>
+            <a:ext cx="806400" cy="392400"/>
+          </a:xfrm>
+          <a:prstGeom prst="roundRect">
+            <a:avLst/>
+          </a:prstGeom>
+          <a:solidFill>
+            <a:srgbClr val="FFC001"/>
+          </a:solidFill>
+          <a:ln>
+            <a:solidFill>
+              <a:schemeClr val="tx1"/>
+            </a:solidFill>
+          </a:ln>
+        </p:spPr>
+        <p:style>
+          <a:lnRef idx="2">
+            <a:schemeClr val="accent1">
+              <a:shade val="50000"/>
+            </a:schemeClr>
+          </a:lnRef>
+          <a:fillRef idx="1">
+            <a:schemeClr val="accent1"/>
+          </a:fillRef>
+          <a:effectRef idx="0">
+            <a:schemeClr val="accent1"/>
+          </a:effectRef>
+          <a:fontRef idx="minor">
+            <a:schemeClr val="lt1"/>
+          </a:fontRef>
+        </p:style>
+        <p:txBody>
+          <a:bodyPr rtlCol="0" anchor="ctr"/>
+          <a:lstStyle/>
+          <a:p>
+            <a:pPr algn="ctr"/>
+            <a:r>
+              <a:rPr kumimoji="1" lang="zh-CN" altLang="en-US" sz="1000" dirty="0"/>
+              <a:t>事实成分抽取</a:t>
+            </a:r>
+          </a:p>
+        </p:txBody>
+      </p:sp>
+      <p:sp>
+        <p:nvSpPr>
+          <p:cNvPr id="75" name="圆角矩形 74">
+            <a:extLst>
+              <a:ext uri="{FF2B5EF4-FFF2-40B4-BE49-F238E27FC236}">
+                <a16:creationId xmlns:a16="http://schemas.microsoft.com/office/drawing/2014/main" id="{9909FCA3-E0E2-D046-8E25-DC9F4E74D986}"/>
+              </a:ext>
+            </a:extLst>
+          </p:cNvPr>
+          <p:cNvSpPr/>
+          <p:nvPr/>
+        </p:nvSpPr>
+        <p:spPr>
+          <a:xfrm>
+            <a:off x="3875901" y="205752"/>
+            <a:ext cx="806400" cy="392400"/>
+          </a:xfrm>
+          <a:prstGeom prst="roundRect">
+            <a:avLst/>
+          </a:prstGeom>
+          <a:solidFill>
+            <a:srgbClr val="FFC001"/>
+          </a:solidFill>
+          <a:ln>
+            <a:solidFill>
+              <a:schemeClr val="tx1"/>
+            </a:solidFill>
+          </a:ln>
+        </p:spPr>
+        <p:style>
+          <a:lnRef idx="2">
+            <a:schemeClr val="accent1">
+              <a:shade val="50000"/>
+            </a:schemeClr>
+          </a:lnRef>
+          <a:fillRef idx="1">
+            <a:schemeClr val="accent1"/>
+          </a:fillRef>
+          <a:effectRef idx="0">
+            <a:schemeClr val="accent1"/>
+          </a:effectRef>
+          <a:fontRef idx="minor">
+            <a:schemeClr val="lt1"/>
+          </a:fontRef>
+        </p:style>
+        <p:txBody>
+          <a:bodyPr rtlCol="0" anchor="ctr"/>
+          <a:lstStyle/>
+          <a:p>
+            <a:pPr algn="ctr"/>
+            <a:r>
+              <a:rPr kumimoji="1" lang="zh-CN" altLang="en-US" sz="1000" dirty="0"/>
+              <a:t>时间推导</a:t>
+            </a:r>
+          </a:p>
+        </p:txBody>
+      </p:sp>
+      <p:sp>
+        <p:nvSpPr>
+          <p:cNvPr id="76" name="圆角矩形 75">
+            <a:extLst>
+              <a:ext uri="{FF2B5EF4-FFF2-40B4-BE49-F238E27FC236}">
+                <a16:creationId xmlns:a16="http://schemas.microsoft.com/office/drawing/2014/main" id="{B0FF44CD-996D-D84C-AA9C-C8880237D9FA}"/>
+              </a:ext>
+            </a:extLst>
+          </p:cNvPr>
+          <p:cNvSpPr/>
+          <p:nvPr/>
+        </p:nvSpPr>
+        <p:spPr>
+          <a:xfrm>
+            <a:off x="4927157" y="266882"/>
+            <a:ext cx="806400" cy="374400"/>
+          </a:xfrm>
+          <a:prstGeom prst="roundRect">
+            <a:avLst/>
+          </a:prstGeom>
+          <a:solidFill>
+            <a:srgbClr val="4578D4"/>
+          </a:solidFill>
+          <a:ln>
+            <a:solidFill>
+              <a:schemeClr val="tx1"/>
+            </a:solidFill>
+          </a:ln>
+        </p:spPr>
+        <p:style>
+          <a:lnRef idx="2">
+            <a:schemeClr val="accent1">
+              <a:shade val="50000"/>
+            </a:schemeClr>
+          </a:lnRef>
+          <a:fillRef idx="1">
+            <a:schemeClr val="accent1"/>
+          </a:fillRef>
+          <a:effectRef idx="0">
+            <a:schemeClr val="accent1"/>
+          </a:effectRef>
+          <a:fontRef idx="minor">
+            <a:schemeClr val="lt1"/>
+          </a:fontRef>
+        </p:style>
+        <p:txBody>
+          <a:bodyPr rtlCol="0" anchor="ctr"/>
+          <a:lstStyle/>
+          <a:p>
+            <a:pPr algn="ctr"/>
+            <a:r>
+              <a:rPr kumimoji="1" lang="en-US" altLang="zh-CN" sz="1000" dirty="0"/>
+              <a:t>timeline</a:t>
+            </a:r>
+            <a:endParaRPr kumimoji="1" lang="zh-CN" altLang="en-US" sz="1000" dirty="0"/>
+          </a:p>
+        </p:txBody>
+      </p:sp>
+      <p:sp>
+        <p:nvSpPr>
+          <p:cNvPr id="80" name="圆角矩形 79">
+            <a:extLst>
+              <a:ext uri="{FF2B5EF4-FFF2-40B4-BE49-F238E27FC236}">
+                <a16:creationId xmlns:a16="http://schemas.microsoft.com/office/drawing/2014/main" id="{220EF2A7-332D-DE4E-9093-3DD32701A9A9}"/>
+              </a:ext>
+            </a:extLst>
+          </p:cNvPr>
+          <p:cNvSpPr/>
+          <p:nvPr/>
+        </p:nvSpPr>
+        <p:spPr>
+          <a:xfrm>
+            <a:off x="1836655" y="2586750"/>
+            <a:ext cx="713454" cy="392722"/>
+          </a:xfrm>
+          <a:prstGeom prst="roundRect">
+            <a:avLst/>
+          </a:prstGeom>
+          <a:solidFill>
+            <a:srgbClr val="F95100"/>
+          </a:solidFill>
+          <a:ln>
+            <a:solidFill>
+              <a:schemeClr val="tx1"/>
+            </a:solidFill>
+          </a:ln>
+        </p:spPr>
+        <p:style>
+          <a:lnRef idx="2">
+            <a:schemeClr val="accent1">
+              <a:shade val="50000"/>
+            </a:schemeClr>
+          </a:lnRef>
+          <a:fillRef idx="1">
+            <a:schemeClr val="accent1"/>
+          </a:fillRef>
+          <a:effectRef idx="0">
+            <a:schemeClr val="accent1"/>
+          </a:effectRef>
+          <a:fontRef idx="minor">
+            <a:schemeClr val="lt1"/>
+          </a:fontRef>
+        </p:style>
+        <p:txBody>
+          <a:bodyPr rtlCol="0" anchor="ctr"/>
+          <a:lstStyle/>
+          <a:p>
+            <a:pPr algn="ctr"/>
+            <a:r>
+              <a:rPr kumimoji="1" lang="zh-CN" altLang="en-US" sz="1000" dirty="0"/>
+              <a:t>条件筛选</a:t>
+            </a:r>
+          </a:p>
+        </p:txBody>
+      </p:sp>
+      <p:sp>
+        <p:nvSpPr>
+          <p:cNvPr id="81" name="圆角矩形 80">
+            <a:extLst>
+              <a:ext uri="{FF2B5EF4-FFF2-40B4-BE49-F238E27FC236}">
+                <a16:creationId xmlns:a16="http://schemas.microsoft.com/office/drawing/2014/main" id="{0D6C10F4-19BA-0640-8917-F8AC3E6506E6}"/>
+              </a:ext>
+            </a:extLst>
+          </p:cNvPr>
+          <p:cNvSpPr/>
+          <p:nvPr/>
+        </p:nvSpPr>
+        <p:spPr>
+          <a:xfrm>
+            <a:off x="2793740" y="2438137"/>
+            <a:ext cx="808340" cy="320400"/>
+          </a:xfrm>
+          <a:prstGeom prst="roundRect">
+            <a:avLst/>
+          </a:prstGeom>
+          <a:solidFill>
+            <a:srgbClr val="AB89E1"/>
+          </a:solidFill>
+          <a:ln>
+            <a:solidFill>
+              <a:schemeClr val="tx1"/>
+            </a:solidFill>
+          </a:ln>
+        </p:spPr>
+        <p:style>
+          <a:lnRef idx="2">
+            <a:schemeClr val="accent1">
+              <a:shade val="50000"/>
+            </a:schemeClr>
+          </a:lnRef>
+          <a:fillRef idx="1">
+            <a:schemeClr val="accent1"/>
+          </a:fillRef>
+          <a:effectRef idx="0">
+            <a:schemeClr val="accent1"/>
+          </a:effectRef>
+          <a:fontRef idx="minor">
+            <a:schemeClr val="lt1"/>
+          </a:fontRef>
+        </p:style>
+        <p:txBody>
+          <a:bodyPr rtlCol="0" anchor="ctr"/>
+          <a:lstStyle/>
+          <a:p>
+            <a:pPr algn="ctr"/>
+            <a:r>
+              <a:rPr kumimoji="1" lang="en-US" altLang="zh-CN" sz="1000" dirty="0"/>
+              <a:t>TF-IDF</a:t>
+            </a:r>
+            <a:endParaRPr kumimoji="1" lang="zh-CN" altLang="en-US" sz="1000" dirty="0"/>
+          </a:p>
+        </p:txBody>
+      </p:sp>
+      <p:sp>
+        <p:nvSpPr>
+          <p:cNvPr id="82" name="圆角矩形 81">
+            <a:extLst>
+              <a:ext uri="{FF2B5EF4-FFF2-40B4-BE49-F238E27FC236}">
+                <a16:creationId xmlns:a16="http://schemas.microsoft.com/office/drawing/2014/main" id="{A92ACB95-0002-9D4C-B34C-6E47AA6D40ED}"/>
+              </a:ext>
+            </a:extLst>
+          </p:cNvPr>
+          <p:cNvSpPr/>
+          <p:nvPr/>
+        </p:nvSpPr>
+        <p:spPr>
+          <a:xfrm>
+            <a:off x="2800739" y="2818950"/>
+            <a:ext cx="808340" cy="320400"/>
+          </a:xfrm>
+          <a:prstGeom prst="roundRect">
+            <a:avLst/>
+          </a:prstGeom>
+          <a:solidFill>
+            <a:srgbClr val="AB89E1"/>
+          </a:solidFill>
+          <a:ln>
+            <a:solidFill>
+              <a:schemeClr val="tx1"/>
+            </a:solidFill>
+          </a:ln>
+        </p:spPr>
+        <p:style>
+          <a:lnRef idx="2">
+            <a:schemeClr val="accent1">
+              <a:shade val="50000"/>
+            </a:schemeClr>
+          </a:lnRef>
+          <a:fillRef idx="1">
+            <a:schemeClr val="accent1"/>
+          </a:fillRef>
+          <a:effectRef idx="0">
+            <a:schemeClr val="accent1"/>
+          </a:effectRef>
+          <a:fontRef idx="minor">
+            <a:schemeClr val="lt1"/>
+          </a:fontRef>
+        </p:style>
+        <p:txBody>
+          <a:bodyPr rtlCol="0" anchor="ctr"/>
+          <a:lstStyle/>
+          <a:p>
+            <a:pPr algn="ctr"/>
+            <a:r>
+              <a:rPr kumimoji="1" lang="en-US" altLang="zh-CN" sz="1000" dirty="0"/>
+              <a:t>BM25</a:t>
+            </a:r>
+            <a:endParaRPr kumimoji="1" lang="zh-CN" altLang="en-US" sz="1000" dirty="0"/>
+          </a:p>
+        </p:txBody>
+      </p:sp>
+      <p:sp>
+        <p:nvSpPr>
+          <p:cNvPr id="83" name="圆角矩形 82">
+            <a:extLst>
+              <a:ext uri="{FF2B5EF4-FFF2-40B4-BE49-F238E27FC236}">
+                <a16:creationId xmlns:a16="http://schemas.microsoft.com/office/drawing/2014/main" id="{DC4C5948-AF6C-3E4F-8B9A-6B2434DC0857}"/>
+              </a:ext>
+            </a:extLst>
+          </p:cNvPr>
+          <p:cNvSpPr/>
+          <p:nvPr/>
+        </p:nvSpPr>
+        <p:spPr>
+          <a:xfrm>
+            <a:off x="3875901" y="2586750"/>
+            <a:ext cx="806400" cy="392400"/>
+          </a:xfrm>
+          <a:prstGeom prst="roundRect">
+            <a:avLst/>
+          </a:prstGeom>
+          <a:solidFill>
+            <a:srgbClr val="FFC001"/>
+          </a:solidFill>
+          <a:ln>
+            <a:solidFill>
+              <a:schemeClr val="tx1"/>
+            </a:solidFill>
+          </a:ln>
+        </p:spPr>
+        <p:style>
+          <a:lnRef idx="2">
+            <a:schemeClr val="accent1">
+              <a:shade val="50000"/>
+            </a:schemeClr>
+          </a:lnRef>
+          <a:fillRef idx="1">
+            <a:schemeClr val="accent1"/>
+          </a:fillRef>
+          <a:effectRef idx="0">
+            <a:schemeClr val="accent1"/>
+          </a:effectRef>
+          <a:fontRef idx="minor">
+            <a:schemeClr val="lt1"/>
+          </a:fontRef>
+        </p:style>
+        <p:txBody>
+          <a:bodyPr rtlCol="0" anchor="ctr"/>
+          <a:lstStyle/>
+          <a:p>
+            <a:pPr algn="ctr"/>
+            <a:r>
+              <a:rPr kumimoji="1" lang="zh-CN" altLang="en-US" sz="1000" dirty="0"/>
+              <a:t>类案候选</a:t>
+            </a:r>
+          </a:p>
+        </p:txBody>
+      </p:sp>
+      <p:sp>
+        <p:nvSpPr>
+          <p:cNvPr id="84" name="圆角矩形 83">
+            <a:extLst>
+              <a:ext uri="{FF2B5EF4-FFF2-40B4-BE49-F238E27FC236}">
+                <a16:creationId xmlns:a16="http://schemas.microsoft.com/office/drawing/2014/main" id="{2A9116F4-1636-E84D-9CCD-439DE6BD6395}"/>
+              </a:ext>
+            </a:extLst>
+          </p:cNvPr>
+          <p:cNvSpPr/>
+          <p:nvPr/>
+        </p:nvSpPr>
+        <p:spPr>
+          <a:xfrm>
+            <a:off x="4927157" y="2446315"/>
+            <a:ext cx="806400" cy="324000"/>
+          </a:xfrm>
+          <a:prstGeom prst="roundRect">
+            <a:avLst/>
+          </a:prstGeom>
+          <a:solidFill>
+            <a:srgbClr val="4578D4"/>
+          </a:solidFill>
+          <a:ln>
+            <a:solidFill>
+              <a:schemeClr val="tx1"/>
+            </a:solidFill>
+          </a:ln>
+        </p:spPr>
+        <p:style>
+          <a:lnRef idx="2">
+            <a:schemeClr val="accent1">
+              <a:shade val="50000"/>
+            </a:schemeClr>
+          </a:lnRef>
+          <a:fillRef idx="1">
+            <a:schemeClr val="accent1"/>
+          </a:fillRef>
+          <a:effectRef idx="0">
+            <a:schemeClr val="accent1"/>
+          </a:effectRef>
+          <a:fontRef idx="minor">
+            <a:schemeClr val="lt1"/>
+          </a:fontRef>
+        </p:style>
+        <p:txBody>
+          <a:bodyPr rtlCol="0" anchor="ctr"/>
+          <a:lstStyle/>
+          <a:p>
+            <a:pPr algn="ctr"/>
+            <a:r>
+              <a:rPr kumimoji="1" lang="zh-CN" altLang="en-US" sz="1000" dirty="0"/>
+              <a:t>文本向量映射</a:t>
+            </a:r>
+          </a:p>
+        </p:txBody>
+      </p:sp>
+      <p:sp>
+        <p:nvSpPr>
+          <p:cNvPr id="85" name="圆角矩形 84">
+            <a:extLst>
+              <a:ext uri="{FF2B5EF4-FFF2-40B4-BE49-F238E27FC236}">
+                <a16:creationId xmlns:a16="http://schemas.microsoft.com/office/drawing/2014/main" id="{EEDFBCE9-A35E-A94A-A301-430798A2EB4E}"/>
+              </a:ext>
+            </a:extLst>
+          </p:cNvPr>
+          <p:cNvSpPr/>
+          <p:nvPr/>
+        </p:nvSpPr>
+        <p:spPr>
+          <a:xfrm>
+            <a:off x="4911205" y="2817887"/>
+            <a:ext cx="806400" cy="288000"/>
+          </a:xfrm>
+          <a:prstGeom prst="roundRect">
+            <a:avLst/>
+          </a:prstGeom>
+          <a:solidFill>
+            <a:srgbClr val="4578D4"/>
+          </a:solidFill>
+          <a:ln>
+            <a:solidFill>
+              <a:schemeClr val="tx1"/>
+            </a:solidFill>
+          </a:ln>
+        </p:spPr>
+        <p:style>
+          <a:lnRef idx="2">
+            <a:schemeClr val="accent1">
+              <a:shade val="50000"/>
+            </a:schemeClr>
+          </a:lnRef>
+          <a:fillRef idx="1">
+            <a:schemeClr val="accent1"/>
+          </a:fillRef>
+          <a:effectRef idx="0">
+            <a:schemeClr val="accent1"/>
+          </a:effectRef>
+          <a:fontRef idx="minor">
+            <a:schemeClr val="lt1"/>
+          </a:fontRef>
+        </p:style>
+        <p:txBody>
+          <a:bodyPr rtlCol="0" anchor="ctr"/>
+          <a:lstStyle/>
+          <a:p>
+            <a:pPr algn="ctr"/>
+            <a:r>
+              <a:rPr kumimoji="1" lang="zh-CN" altLang="en-US" sz="1000" dirty="0"/>
+              <a:t>文本蕴含</a:t>
+            </a:r>
+          </a:p>
+        </p:txBody>
+      </p:sp>
+      <p:sp>
+        <p:nvSpPr>
+          <p:cNvPr id="86" name="圆角矩形 85">
+            <a:extLst>
+              <a:ext uri="{FF2B5EF4-FFF2-40B4-BE49-F238E27FC236}">
+                <a16:creationId xmlns:a16="http://schemas.microsoft.com/office/drawing/2014/main" id="{56108614-9A73-3B44-990B-3EC52B58B89C}"/>
+              </a:ext>
+            </a:extLst>
+          </p:cNvPr>
+          <p:cNvSpPr/>
+          <p:nvPr/>
+        </p:nvSpPr>
+        <p:spPr>
+          <a:xfrm>
+            <a:off x="5972781" y="2608315"/>
+            <a:ext cx="756000" cy="360000"/>
+          </a:xfrm>
+          <a:prstGeom prst="roundRect">
+            <a:avLst/>
+          </a:prstGeom>
+          <a:solidFill>
+            <a:srgbClr val="C06D43"/>
+          </a:solidFill>
+          <a:ln>
+            <a:solidFill>
+              <a:schemeClr val="tx1"/>
+            </a:solidFill>
+          </a:ln>
+        </p:spPr>
+        <p:style>
+          <a:lnRef idx="2">
+            <a:schemeClr val="accent1">
+              <a:shade val="50000"/>
+            </a:schemeClr>
+          </a:lnRef>
+          <a:fillRef idx="1">
+            <a:schemeClr val="accent1"/>
+          </a:fillRef>
+          <a:effectRef idx="0">
+            <a:schemeClr val="accent1"/>
+          </a:effectRef>
+          <a:fontRef idx="minor">
+            <a:schemeClr val="lt1"/>
+          </a:fontRef>
+        </p:style>
+        <p:txBody>
+          <a:bodyPr rtlCol="0" anchor="ctr"/>
+          <a:lstStyle/>
+          <a:p>
+            <a:pPr algn="ctr"/>
+            <a:r>
+              <a:rPr kumimoji="1" lang="zh-CN" altLang="en-US" sz="1000" dirty="0"/>
+              <a:t>重排序</a:t>
+            </a:r>
+          </a:p>
+        </p:txBody>
+      </p:sp>
+      <p:grpSp>
+        <p:nvGrpSpPr>
+          <p:cNvPr id="43" name="组合 42">
+            <a:extLst>
+              <a:ext uri="{FF2B5EF4-FFF2-40B4-BE49-F238E27FC236}">
+                <a16:creationId xmlns:a16="http://schemas.microsoft.com/office/drawing/2014/main" id="{CFA808BA-5CE7-B74C-8334-8C8BC4A1DE52}"/>
+              </a:ext>
+            </a:extLst>
+          </p:cNvPr>
+          <p:cNvGrpSpPr/>
+          <p:nvPr/>
+        </p:nvGrpSpPr>
+        <p:grpSpPr>
+          <a:xfrm>
+            <a:off x="7035885" y="2508287"/>
+            <a:ext cx="828000" cy="623397"/>
+            <a:chOff x="7035885" y="2733571"/>
+            <a:chExt cx="828000" cy="623397"/>
+          </a:xfrm>
+        </p:grpSpPr>
+        <p:sp>
+          <p:nvSpPr>
+            <p:cNvPr id="87" name="矩形 86">
+              <a:extLst>
+                <a:ext uri="{FF2B5EF4-FFF2-40B4-BE49-F238E27FC236}">
+                  <a16:creationId xmlns:a16="http://schemas.microsoft.com/office/drawing/2014/main" id="{69EFA7C4-A606-8248-9610-517B6222B625}"/>
+                </a:ext>
+              </a:extLst>
+            </p:cNvPr>
+            <p:cNvSpPr/>
+            <p:nvPr/>
+          </p:nvSpPr>
+          <p:spPr>
+            <a:xfrm>
+              <a:off x="7035885" y="2733571"/>
+              <a:ext cx="828000" cy="309600"/>
+            </a:xfrm>
+            <a:prstGeom prst="rect">
+              <a:avLst/>
+            </a:prstGeom>
+            <a:solidFill>
+              <a:srgbClr val="AB89E1"/>
+            </a:solidFill>
+            <a:ln w="12700" cap="rnd">
+              <a:solidFill>
+                <a:schemeClr val="tx1"/>
+              </a:solidFill>
+              <a:prstDash val="solid"/>
+              <a:round/>
+            </a:ln>
+          </p:spPr>
+          <p:style>
+            <a:lnRef idx="2">
+              <a:schemeClr val="accent1">
+                <a:shade val="50000"/>
+              </a:schemeClr>
+            </a:lnRef>
+            <a:fillRef idx="1">
+              <a:schemeClr val="accent1"/>
+            </a:fillRef>
+            <a:effectRef idx="0">
+              <a:schemeClr val="accent1"/>
+            </a:effectRef>
+            <a:fontRef idx="minor">
+              <a:schemeClr val="lt1"/>
+            </a:fontRef>
+          </p:style>
+          <p:txBody>
+            <a:bodyPr rtlCol="0" anchor="ctr"/>
+            <a:lstStyle/>
+            <a:p>
+              <a:pPr algn="ctr"/>
+              <a:r>
+                <a:rPr kumimoji="1" lang="zh-CN" altLang="en-US" sz="1000" dirty="0">
+                  <a:solidFill>
+                    <a:schemeClr val="bg1"/>
+                  </a:solidFill>
+                </a:rPr>
+                <a:t>类案检索</a:t>
+              </a:r>
+            </a:p>
+          </p:txBody>
+        </p:sp>
+        <p:sp>
+          <p:nvSpPr>
+            <p:cNvPr id="88" name="矩形 87">
+              <a:extLst>
+                <a:ext uri="{FF2B5EF4-FFF2-40B4-BE49-F238E27FC236}">
+                  <a16:creationId xmlns:a16="http://schemas.microsoft.com/office/drawing/2014/main" id="{E2E4CEF9-432B-7043-8274-3534A0EB8E5A}"/>
+                </a:ext>
+              </a:extLst>
+            </p:cNvPr>
+            <p:cNvSpPr/>
+            <p:nvPr/>
+          </p:nvSpPr>
+          <p:spPr>
+            <a:xfrm>
+              <a:off x="7035885" y="3047368"/>
+              <a:ext cx="828000" cy="309600"/>
+            </a:xfrm>
+            <a:prstGeom prst="rect">
+              <a:avLst/>
+            </a:prstGeom>
+            <a:solidFill>
+              <a:srgbClr val="AB89E1"/>
+            </a:solidFill>
+            <a:ln w="12700" cap="rnd">
+              <a:solidFill>
+                <a:schemeClr val="tx1"/>
+              </a:solidFill>
+              <a:prstDash val="solid"/>
+              <a:round/>
+            </a:ln>
+          </p:spPr>
+          <p:style>
+            <a:lnRef idx="2">
+              <a:schemeClr val="accent1">
+                <a:shade val="50000"/>
+              </a:schemeClr>
+            </a:lnRef>
+            <a:fillRef idx="1">
+              <a:schemeClr val="accent1"/>
+            </a:fillRef>
+            <a:effectRef idx="0">
+              <a:schemeClr val="accent1"/>
+            </a:effectRef>
+            <a:fontRef idx="minor">
+              <a:schemeClr val="lt1"/>
+            </a:fontRef>
+          </p:style>
+          <p:txBody>
+            <a:bodyPr rtlCol="0" anchor="ctr"/>
+            <a:lstStyle/>
+            <a:p>
+              <a:pPr algn="ctr"/>
+              <a:r>
+                <a:rPr kumimoji="1" lang="zh-CN" altLang="en-US" sz="1000" dirty="0">
+                  <a:solidFill>
+                    <a:schemeClr val="bg1"/>
+                  </a:solidFill>
+                </a:rPr>
+                <a:t>专业问答</a:t>
+              </a:r>
+            </a:p>
+          </p:txBody>
+        </p:sp>
+      </p:grpSp>
+      <p:cxnSp>
+        <p:nvCxnSpPr>
+          <p:cNvPr id="10" name="直线箭头连接符 9">
+            <a:extLst>
+              <a:ext uri="{FF2B5EF4-FFF2-40B4-BE49-F238E27FC236}">
+                <a16:creationId xmlns:a16="http://schemas.microsoft.com/office/drawing/2014/main" id="{9514C313-6026-254A-A96B-BBEA74105238}"/>
+              </a:ext>
+            </a:extLst>
+          </p:cNvPr>
+          <p:cNvCxnSpPr>
+            <a:cxnSpLocks/>
+            <a:stCxn id="54" idx="3"/>
+          </p:cNvCxnSpPr>
+          <p:nvPr/>
+        </p:nvCxnSpPr>
+        <p:spPr>
+          <a:xfrm>
+            <a:off x="1698155" y="2778688"/>
+            <a:ext cx="143308" cy="0"/>
+          </a:xfrm>
+          <a:prstGeom prst="straightConnector1">
+            <a:avLst/>
+          </a:prstGeom>
+          <a:ln w="12700">
+            <a:solidFill>
+              <a:schemeClr val="tx1"/>
+            </a:solidFill>
+            <a:tailEnd type="triangle"/>
+          </a:ln>
+        </p:spPr>
+        <p:style>
+          <a:lnRef idx="1">
+            <a:schemeClr val="accent1"/>
+          </a:lnRef>
+          <a:fillRef idx="0">
+            <a:schemeClr val="accent1"/>
+          </a:fillRef>
+          <a:effectRef idx="0">
+            <a:schemeClr val="accent1"/>
+          </a:effectRef>
+          <a:fontRef idx="minor">
+            <a:schemeClr val="tx1"/>
+          </a:fontRef>
+        </p:style>
+      </p:cxnSp>
+      <p:sp>
+        <p:nvSpPr>
+          <p:cNvPr id="11" name="左大括号 10">
+            <a:extLst>
+              <a:ext uri="{FF2B5EF4-FFF2-40B4-BE49-F238E27FC236}">
+                <a16:creationId xmlns:a16="http://schemas.microsoft.com/office/drawing/2014/main" id="{212BF155-7DBC-EE4D-A38B-2DAA60EFBF04}"/>
+              </a:ext>
+            </a:extLst>
+          </p:cNvPr>
+          <p:cNvSpPr/>
+          <p:nvPr/>
+        </p:nvSpPr>
+        <p:spPr>
+          <a:xfrm>
+            <a:off x="2636947" y="2630727"/>
+            <a:ext cx="91327" cy="343882"/>
+          </a:xfrm>
+          <a:prstGeom prst="leftBrace">
+            <a:avLst/>
+          </a:prstGeom>
+          <a:ln w="12700">
+            <a:solidFill>
+              <a:schemeClr val="tx1"/>
+            </a:solidFill>
+          </a:ln>
+        </p:spPr>
+        <p:style>
+          <a:lnRef idx="1">
+            <a:schemeClr val="accent1"/>
+          </a:lnRef>
+          <a:fillRef idx="0">
+            <a:schemeClr val="accent1"/>
+          </a:fillRef>
+          <a:effectRef idx="0">
+            <a:schemeClr val="accent1"/>
+          </a:effectRef>
+          <a:fontRef idx="minor">
+            <a:schemeClr val="tx1"/>
+          </a:fontRef>
+        </p:style>
+        <p:txBody>
+          <a:bodyPr rtlCol="0" anchor="ctr"/>
+          <a:lstStyle/>
+          <a:p>
+            <a:pPr algn="ctr"/>
+            <a:endParaRPr kumimoji="1" lang="zh-CN" altLang="en-US" sz="679" dirty="0"/>
+          </a:p>
+        </p:txBody>
+      </p:sp>
+      <p:sp>
+        <p:nvSpPr>
+          <p:cNvPr id="12" name="右大括号 11">
+            <a:extLst>
+              <a:ext uri="{FF2B5EF4-FFF2-40B4-BE49-F238E27FC236}">
+                <a16:creationId xmlns:a16="http://schemas.microsoft.com/office/drawing/2014/main" id="{A142AD46-0075-0A47-BD93-29C7C60BB490}"/>
+              </a:ext>
+            </a:extLst>
+          </p:cNvPr>
+          <p:cNvSpPr/>
+          <p:nvPr/>
+        </p:nvSpPr>
+        <p:spPr>
+          <a:xfrm>
+            <a:off x="3695917" y="2645567"/>
+            <a:ext cx="91545" cy="344640"/>
+          </a:xfrm>
+          <a:prstGeom prst="rightBrace">
+            <a:avLst/>
+          </a:prstGeom>
+          <a:ln w="12700">
+            <a:solidFill>
+              <a:schemeClr val="tx1"/>
+            </a:solidFill>
+          </a:ln>
+        </p:spPr>
+        <p:style>
+          <a:lnRef idx="1">
+            <a:schemeClr val="accent1"/>
+          </a:lnRef>
+          <a:fillRef idx="0">
+            <a:schemeClr val="accent1"/>
+          </a:fillRef>
+          <a:effectRef idx="0">
+            <a:schemeClr val="accent1"/>
+          </a:effectRef>
+          <a:fontRef idx="minor">
+            <a:schemeClr val="tx1"/>
+          </a:fontRef>
+        </p:style>
+        <p:txBody>
+          <a:bodyPr rtlCol="0" anchor="ctr"/>
+          <a:lstStyle/>
+          <a:p>
+            <a:pPr algn="ctr"/>
+            <a:endParaRPr kumimoji="1" lang="zh-CN" altLang="en-US" sz="679"/>
+          </a:p>
+        </p:txBody>
+      </p:sp>
+      <p:sp>
+        <p:nvSpPr>
+          <p:cNvPr id="89" name="左大括号 88">
+            <a:extLst>
+              <a:ext uri="{FF2B5EF4-FFF2-40B4-BE49-F238E27FC236}">
+                <a16:creationId xmlns:a16="http://schemas.microsoft.com/office/drawing/2014/main" id="{AB9B7D89-01EC-EA4A-8B75-DEE8B323F936}"/>
+              </a:ext>
+            </a:extLst>
+          </p:cNvPr>
+          <p:cNvSpPr/>
+          <p:nvPr/>
+        </p:nvSpPr>
+        <p:spPr>
+          <a:xfrm>
+            <a:off x="4752965" y="2620695"/>
+            <a:ext cx="91327" cy="343882"/>
+          </a:xfrm>
+          <a:prstGeom prst="leftBrace">
+            <a:avLst/>
+          </a:prstGeom>
+          <a:ln w="12700">
+            <a:solidFill>
+              <a:schemeClr val="tx1"/>
+            </a:solidFill>
+          </a:ln>
+        </p:spPr>
+        <p:style>
+          <a:lnRef idx="1">
+            <a:schemeClr val="accent1"/>
+          </a:lnRef>
+          <a:fillRef idx="0">
+            <a:schemeClr val="accent1"/>
+          </a:fillRef>
+          <a:effectRef idx="0">
+            <a:schemeClr val="accent1"/>
+          </a:effectRef>
+          <a:fontRef idx="minor">
+            <a:schemeClr val="tx1"/>
+          </a:fontRef>
+        </p:style>
+        <p:txBody>
+          <a:bodyPr rtlCol="0" anchor="ctr"/>
+          <a:lstStyle/>
+          <a:p>
+            <a:pPr algn="ctr"/>
+            <a:endParaRPr kumimoji="1" lang="zh-CN" altLang="en-US" sz="679"/>
+          </a:p>
+        </p:txBody>
+      </p:sp>
+      <p:sp>
+        <p:nvSpPr>
+          <p:cNvPr id="90" name="右大括号 89">
+            <a:extLst>
+              <a:ext uri="{FF2B5EF4-FFF2-40B4-BE49-F238E27FC236}">
+                <a16:creationId xmlns:a16="http://schemas.microsoft.com/office/drawing/2014/main" id="{B84156E7-D798-6548-8D5F-EFE74809FA22}"/>
+              </a:ext>
+            </a:extLst>
+          </p:cNvPr>
+          <p:cNvSpPr/>
+          <p:nvPr/>
+        </p:nvSpPr>
+        <p:spPr>
+          <a:xfrm>
+            <a:off x="5778917" y="2617247"/>
+            <a:ext cx="91545" cy="344640"/>
+          </a:xfrm>
+          <a:prstGeom prst="rightBrace">
+            <a:avLst/>
+          </a:prstGeom>
+          <a:ln w="12700">
+            <a:solidFill>
+              <a:schemeClr val="tx1"/>
+            </a:solidFill>
+          </a:ln>
+        </p:spPr>
+        <p:style>
+          <a:lnRef idx="1">
+            <a:schemeClr val="accent1"/>
+          </a:lnRef>
+          <a:fillRef idx="0">
+            <a:schemeClr val="accent1"/>
+          </a:fillRef>
+          <a:effectRef idx="0">
+            <a:schemeClr val="accent1"/>
+          </a:effectRef>
+          <a:fontRef idx="minor">
+            <a:schemeClr val="tx1"/>
+          </a:fontRef>
+        </p:style>
+        <p:txBody>
+          <a:bodyPr rtlCol="0" anchor="ctr"/>
+          <a:lstStyle/>
+          <a:p>
+            <a:pPr algn="ctr"/>
+            <a:endParaRPr kumimoji="1" lang="zh-CN" altLang="en-US" sz="679"/>
+          </a:p>
+        </p:txBody>
+      </p:sp>
+      <p:sp>
+        <p:nvSpPr>
+          <p:cNvPr id="13" name="右箭头 12">
+            <a:extLst>
+              <a:ext uri="{FF2B5EF4-FFF2-40B4-BE49-F238E27FC236}">
+                <a16:creationId xmlns:a16="http://schemas.microsoft.com/office/drawing/2014/main" id="{CA2B29B8-D04E-8D4E-AD52-DEB27B3BB413}"/>
+              </a:ext>
+            </a:extLst>
+          </p:cNvPr>
+          <p:cNvSpPr/>
+          <p:nvPr/>
+        </p:nvSpPr>
+        <p:spPr>
+          <a:xfrm>
+            <a:off x="6794681" y="2645487"/>
+            <a:ext cx="180000" cy="360000"/>
+          </a:xfrm>
+          <a:prstGeom prst="rightArrow">
+            <a:avLst/>
+          </a:prstGeom>
+          <a:solidFill>
+            <a:schemeClr val="bg1"/>
+          </a:solidFill>
+          <a:ln>
+            <a:solidFill>
+              <a:schemeClr val="tx1"/>
+            </a:solidFill>
+          </a:ln>
+        </p:spPr>
+        <p:style>
+          <a:lnRef idx="2">
+            <a:schemeClr val="accent1">
+              <a:shade val="50000"/>
+            </a:schemeClr>
+          </a:lnRef>
+          <a:fillRef idx="1">
+            <a:schemeClr val="accent1"/>
+          </a:fillRef>
+          <a:effectRef idx="0">
+            <a:schemeClr val="accent1"/>
+          </a:effectRef>
+          <a:fontRef idx="minor">
+            <a:schemeClr val="lt1"/>
+          </a:fontRef>
+        </p:style>
+        <p:txBody>
+          <a:bodyPr rtlCol="0" anchor="ctr"/>
+          <a:lstStyle/>
+          <a:p>
+            <a:pPr algn="ctr"/>
+            <a:endParaRPr kumimoji="1" lang="zh-CN" altLang="en-US" sz="679"/>
+          </a:p>
+        </p:txBody>
+      </p:sp>
+      <p:cxnSp>
+        <p:nvCxnSpPr>
+          <p:cNvPr id="15" name="直线连接符 14">
+            <a:extLst>
+              <a:ext uri="{FF2B5EF4-FFF2-40B4-BE49-F238E27FC236}">
+                <a16:creationId xmlns:a16="http://schemas.microsoft.com/office/drawing/2014/main" id="{20F90034-37E2-0D4F-9AF8-21879AE56E0A}"/>
+              </a:ext>
+            </a:extLst>
+          </p:cNvPr>
+          <p:cNvCxnSpPr>
+            <a:cxnSpLocks/>
+          </p:cNvCxnSpPr>
+          <p:nvPr/>
+        </p:nvCxnSpPr>
+        <p:spPr>
+          <a:xfrm>
+            <a:off x="2182991" y="2393053"/>
+            <a:ext cx="5256000" cy="0"/>
+          </a:xfrm>
+          <a:prstGeom prst="line">
+            <a:avLst/>
+          </a:prstGeom>
+          <a:ln w="12700">
+            <a:solidFill>
+              <a:schemeClr val="tx1"/>
+            </a:solidFill>
+          </a:ln>
+        </p:spPr>
+        <p:style>
+          <a:lnRef idx="1">
+            <a:schemeClr val="accent1"/>
+          </a:lnRef>
+          <a:fillRef idx="0">
+            <a:schemeClr val="accent1"/>
+          </a:fillRef>
+          <a:effectRef idx="0">
+            <a:schemeClr val="accent1"/>
+          </a:effectRef>
+          <a:fontRef idx="minor">
+            <a:schemeClr val="tx1"/>
+          </a:fontRef>
+        </p:style>
+      </p:cxnSp>
+      <p:cxnSp>
+        <p:nvCxnSpPr>
+          <p:cNvPr id="17" name="直线连接符 16">
+            <a:extLst>
+              <a:ext uri="{FF2B5EF4-FFF2-40B4-BE49-F238E27FC236}">
+                <a16:creationId xmlns:a16="http://schemas.microsoft.com/office/drawing/2014/main" id="{44BE9B31-B26E-3049-95C8-FA4B4E7B0F00}"/>
+              </a:ext>
+            </a:extLst>
+          </p:cNvPr>
+          <p:cNvCxnSpPr>
+            <a:cxnSpLocks/>
+          </p:cNvCxnSpPr>
+          <p:nvPr/>
+        </p:nvCxnSpPr>
+        <p:spPr>
+          <a:xfrm flipH="1">
+            <a:off x="7429893" y="2282226"/>
+            <a:ext cx="0" cy="108000"/>
+          </a:xfrm>
+          <a:prstGeom prst="line">
+            <a:avLst/>
+          </a:prstGeom>
+          <a:ln w="12700">
+            <a:solidFill>
+              <a:schemeClr val="tx1"/>
+            </a:solidFill>
+          </a:ln>
+        </p:spPr>
+        <p:style>
+          <a:lnRef idx="1">
+            <a:schemeClr val="accent1"/>
+          </a:lnRef>
+          <a:fillRef idx="0">
+            <a:schemeClr val="accent1"/>
+          </a:fillRef>
+          <a:effectRef idx="0">
+            <a:schemeClr val="accent1"/>
+          </a:effectRef>
+          <a:fontRef idx="minor">
+            <a:schemeClr val="tx1"/>
+          </a:fontRef>
+        </p:style>
+      </p:cxnSp>
+      <p:cxnSp>
+        <p:nvCxnSpPr>
+          <p:cNvPr id="19" name="直线箭头连接符 18">
+            <a:extLst>
+              <a:ext uri="{FF2B5EF4-FFF2-40B4-BE49-F238E27FC236}">
+                <a16:creationId xmlns:a16="http://schemas.microsoft.com/office/drawing/2014/main" id="{0044F14B-85A6-5E41-AD65-6AE8088F16C2}"/>
+              </a:ext>
+            </a:extLst>
+          </p:cNvPr>
+          <p:cNvCxnSpPr>
+            <a:cxnSpLocks/>
+            <a:endCxn id="80" idx="0"/>
+          </p:cNvCxnSpPr>
+          <p:nvPr/>
+        </p:nvCxnSpPr>
+        <p:spPr>
+          <a:xfrm flipH="1">
+            <a:off x="2193382" y="2390226"/>
+            <a:ext cx="0" cy="201600"/>
+          </a:xfrm>
+          <a:prstGeom prst="straightConnector1">
+            <a:avLst/>
+          </a:prstGeom>
+          <a:ln w="12700">
+            <a:solidFill>
+              <a:schemeClr val="tx1"/>
+            </a:solidFill>
+            <a:tailEnd type="triangle"/>
+          </a:ln>
+        </p:spPr>
+        <p:style>
+          <a:lnRef idx="1">
+            <a:schemeClr val="accent1"/>
+          </a:lnRef>
+          <a:fillRef idx="0">
+            <a:schemeClr val="accent1"/>
+          </a:fillRef>
+          <a:effectRef idx="0">
+            <a:schemeClr val="accent1"/>
+          </a:effectRef>
+          <a:fontRef idx="minor">
+            <a:schemeClr val="tx1"/>
+          </a:fontRef>
+        </p:style>
+      </p:cxnSp>
+      <p:sp>
+        <p:nvSpPr>
+          <p:cNvPr id="25" name="左大括号 24">
+            <a:extLst>
+              <a:ext uri="{FF2B5EF4-FFF2-40B4-BE49-F238E27FC236}">
+                <a16:creationId xmlns:a16="http://schemas.microsoft.com/office/drawing/2014/main" id="{618F518E-7784-2B48-90EB-940493419640}"/>
+              </a:ext>
+            </a:extLst>
+          </p:cNvPr>
+          <p:cNvSpPr/>
+          <p:nvPr/>
+        </p:nvSpPr>
+        <p:spPr>
+          <a:xfrm>
+            <a:off x="1695643" y="640032"/>
+            <a:ext cx="135992" cy="1317618"/>
+          </a:xfrm>
+          <a:prstGeom prst="leftBrace">
+            <a:avLst/>
+          </a:prstGeom>
+          <a:ln w="12700">
+            <a:solidFill>
+              <a:schemeClr val="tx1"/>
+            </a:solidFill>
+          </a:ln>
+        </p:spPr>
+        <p:style>
+          <a:lnRef idx="1">
+            <a:schemeClr val="accent1"/>
+          </a:lnRef>
+          <a:fillRef idx="0">
+            <a:schemeClr val="accent1"/>
+          </a:fillRef>
+          <a:effectRef idx="0">
+            <a:schemeClr val="accent1"/>
+          </a:effectRef>
+          <a:fontRef idx="minor">
+            <a:schemeClr val="tx1"/>
+          </a:fontRef>
+        </p:style>
+        <p:txBody>
+          <a:bodyPr rtlCol="0" anchor="ctr"/>
+          <a:lstStyle/>
+          <a:p>
+            <a:pPr algn="ctr"/>
+            <a:endParaRPr kumimoji="1" lang="zh-CN" altLang="en-US" sz="679"/>
+          </a:p>
+        </p:txBody>
+      </p:sp>
+      <p:sp>
+        <p:nvSpPr>
+          <p:cNvPr id="113" name="矩形 112">
+            <a:extLst>
+              <a:ext uri="{FF2B5EF4-FFF2-40B4-BE49-F238E27FC236}">
+                <a16:creationId xmlns:a16="http://schemas.microsoft.com/office/drawing/2014/main" id="{C481B560-0229-C346-AA2A-EF698C888AE0}"/>
+              </a:ext>
+            </a:extLst>
+          </p:cNvPr>
+          <p:cNvSpPr/>
+          <p:nvPr/>
+        </p:nvSpPr>
+        <p:spPr>
+          <a:xfrm>
+            <a:off x="7035885" y="257361"/>
+            <a:ext cx="828000" cy="360000"/>
+          </a:xfrm>
+          <a:prstGeom prst="rect">
+            <a:avLst/>
+          </a:prstGeom>
+          <a:solidFill>
+            <a:srgbClr val="AB89E1"/>
+          </a:solidFill>
+          <a:ln w="12700" cap="rnd">
+            <a:solidFill>
+              <a:schemeClr val="tx1"/>
+            </a:solidFill>
+            <a:prstDash val="solid"/>
+            <a:round/>
+          </a:ln>
+        </p:spPr>
+        <p:style>
+          <a:lnRef idx="2">
+            <a:schemeClr val="accent1">
+              <a:shade val="50000"/>
+            </a:schemeClr>
+          </a:lnRef>
+          <a:fillRef idx="1">
+            <a:schemeClr val="accent1"/>
+          </a:fillRef>
+          <a:effectRef idx="0">
+            <a:schemeClr val="accent1"/>
+          </a:effectRef>
+          <a:fontRef idx="minor">
+            <a:schemeClr val="lt1"/>
+          </a:fontRef>
+        </p:style>
+        <p:txBody>
+          <a:bodyPr rtlCol="0" anchor="ctr"/>
+          <a:lstStyle/>
+          <a:p>
+            <a:pPr algn="ctr"/>
+            <a:r>
+              <a:rPr kumimoji="1" lang="zh-CN" altLang="en-US" sz="1000" dirty="0">
+                <a:solidFill>
+                  <a:schemeClr val="bg1"/>
+                </a:solidFill>
+              </a:rPr>
+              <a:t>核心事实</a:t>
+            </a:r>
+          </a:p>
+        </p:txBody>
+      </p:sp>
+      <p:sp>
+        <p:nvSpPr>
+          <p:cNvPr id="115" name="左大括号 114">
+            <a:extLst>
+              <a:ext uri="{FF2B5EF4-FFF2-40B4-BE49-F238E27FC236}">
+                <a16:creationId xmlns:a16="http://schemas.microsoft.com/office/drawing/2014/main" id="{EDA1F255-DAD2-634C-99C2-9C67E550F128}"/>
+              </a:ext>
+            </a:extLst>
+          </p:cNvPr>
+          <p:cNvSpPr/>
+          <p:nvPr/>
+        </p:nvSpPr>
+        <p:spPr>
+          <a:xfrm>
+            <a:off x="2610366" y="1086015"/>
+            <a:ext cx="87231" cy="472693"/>
+          </a:xfrm>
+          <a:prstGeom prst="leftBrace">
+            <a:avLst/>
+          </a:prstGeom>
+          <a:ln w="12700">
+            <a:solidFill>
+              <a:schemeClr val="tx1"/>
+            </a:solidFill>
+          </a:ln>
+        </p:spPr>
+        <p:style>
+          <a:lnRef idx="1">
+            <a:schemeClr val="accent1"/>
+          </a:lnRef>
+          <a:fillRef idx="0">
+            <a:schemeClr val="accent1"/>
+          </a:fillRef>
+          <a:effectRef idx="0">
+            <a:schemeClr val="accent1"/>
+          </a:effectRef>
+          <a:fontRef idx="minor">
+            <a:schemeClr val="tx1"/>
+          </a:fontRef>
+        </p:style>
+        <p:txBody>
+          <a:bodyPr rtlCol="0" anchor="ctr"/>
+          <a:lstStyle/>
+          <a:p>
+            <a:pPr algn="ctr"/>
+            <a:endParaRPr kumimoji="1" lang="zh-CN" altLang="en-US" sz="679"/>
+          </a:p>
+        </p:txBody>
+      </p:sp>
+      <p:cxnSp>
+        <p:nvCxnSpPr>
+          <p:cNvPr id="28" name="直线箭头连接符 27">
+            <a:extLst>
+              <a:ext uri="{FF2B5EF4-FFF2-40B4-BE49-F238E27FC236}">
+                <a16:creationId xmlns:a16="http://schemas.microsoft.com/office/drawing/2014/main" id="{F8A6475C-116B-6546-8F2C-2C97C5DD0002}"/>
+              </a:ext>
+            </a:extLst>
+          </p:cNvPr>
+          <p:cNvCxnSpPr>
+            <a:cxnSpLocks/>
+          </p:cNvCxnSpPr>
+          <p:nvPr/>
+        </p:nvCxnSpPr>
+        <p:spPr>
+          <a:xfrm>
+            <a:off x="3620185" y="1457558"/>
+            <a:ext cx="168557" cy="0"/>
+          </a:xfrm>
+          <a:prstGeom prst="straightConnector1">
+            <a:avLst/>
+          </a:prstGeom>
+          <a:ln w="12700">
+            <a:solidFill>
+              <a:schemeClr val="tx1"/>
+            </a:solidFill>
+            <a:tailEnd type="triangle"/>
+          </a:ln>
+        </p:spPr>
+        <p:style>
+          <a:lnRef idx="1">
+            <a:schemeClr val="accent1"/>
+          </a:lnRef>
+          <a:fillRef idx="0">
+            <a:schemeClr val="accent1"/>
+          </a:fillRef>
+          <a:effectRef idx="0">
+            <a:schemeClr val="accent1"/>
+          </a:effectRef>
+          <a:fontRef idx="minor">
+            <a:schemeClr val="tx1"/>
+          </a:fontRef>
+        </p:style>
+      </p:cxnSp>
+      <p:cxnSp>
+        <p:nvCxnSpPr>
+          <p:cNvPr id="116" name="直线箭头连接符 115">
+            <a:extLst>
+              <a:ext uri="{FF2B5EF4-FFF2-40B4-BE49-F238E27FC236}">
+                <a16:creationId xmlns:a16="http://schemas.microsoft.com/office/drawing/2014/main" id="{1CC18093-6363-D942-A9B1-992A1B0559E4}"/>
+              </a:ext>
+            </a:extLst>
+          </p:cNvPr>
+          <p:cNvCxnSpPr>
+            <a:cxnSpLocks/>
+          </p:cNvCxnSpPr>
+          <p:nvPr/>
+        </p:nvCxnSpPr>
+        <p:spPr>
+          <a:xfrm>
+            <a:off x="2599126" y="717498"/>
+            <a:ext cx="165900" cy="0"/>
+          </a:xfrm>
+          <a:prstGeom prst="straightConnector1">
+            <a:avLst/>
+          </a:prstGeom>
+          <a:ln w="12700">
+            <a:solidFill>
+              <a:schemeClr val="tx1"/>
+            </a:solidFill>
+            <a:tailEnd type="triangle"/>
+          </a:ln>
+        </p:spPr>
+        <p:style>
+          <a:lnRef idx="1">
+            <a:schemeClr val="accent1"/>
+          </a:lnRef>
+          <a:fillRef idx="0">
+            <a:schemeClr val="accent1"/>
+          </a:fillRef>
+          <a:effectRef idx="0">
+            <a:schemeClr val="accent1"/>
+          </a:effectRef>
+          <a:fontRef idx="minor">
+            <a:schemeClr val="tx1"/>
+          </a:fontRef>
+        </p:style>
+      </p:cxnSp>
+      <p:sp>
+        <p:nvSpPr>
+          <p:cNvPr id="119" name="右大括号 118">
+            <a:extLst>
+              <a:ext uri="{FF2B5EF4-FFF2-40B4-BE49-F238E27FC236}">
+                <a16:creationId xmlns:a16="http://schemas.microsoft.com/office/drawing/2014/main" id="{1C641041-631F-1B4E-AF47-CA676F74254F}"/>
+              </a:ext>
+            </a:extLst>
+          </p:cNvPr>
+          <p:cNvSpPr/>
+          <p:nvPr/>
+        </p:nvSpPr>
+        <p:spPr>
+          <a:xfrm>
+            <a:off x="3662498" y="640031"/>
+            <a:ext cx="126244" cy="510667"/>
+          </a:xfrm>
+          <a:prstGeom prst="rightBrace">
+            <a:avLst/>
+          </a:prstGeom>
+          <a:ln w="12700">
+            <a:solidFill>
+              <a:schemeClr val="tx1"/>
+            </a:solidFill>
+          </a:ln>
+        </p:spPr>
+        <p:style>
+          <a:lnRef idx="1">
+            <a:schemeClr val="accent1"/>
+          </a:lnRef>
+          <a:fillRef idx="0">
+            <a:schemeClr val="accent1"/>
+          </a:fillRef>
+          <a:effectRef idx="0">
+            <a:schemeClr val="accent1"/>
+          </a:effectRef>
+          <a:fontRef idx="minor">
+            <a:schemeClr val="tx1"/>
+          </a:fontRef>
+        </p:style>
+        <p:txBody>
+          <a:bodyPr rtlCol="0" anchor="ctr"/>
+          <a:lstStyle/>
+          <a:p>
+            <a:pPr algn="ctr"/>
+            <a:endParaRPr kumimoji="1" lang="zh-CN" altLang="en-US" sz="679"/>
+          </a:p>
+        </p:txBody>
+      </p:sp>
+      <p:sp>
+        <p:nvSpPr>
+          <p:cNvPr id="120" name="右大括号 119">
+            <a:extLst>
+              <a:ext uri="{FF2B5EF4-FFF2-40B4-BE49-F238E27FC236}">
+                <a16:creationId xmlns:a16="http://schemas.microsoft.com/office/drawing/2014/main" id="{80586FFC-10B4-A543-9B87-C39AA475165C}"/>
+              </a:ext>
+            </a:extLst>
+          </p:cNvPr>
+          <p:cNvSpPr/>
+          <p:nvPr/>
+        </p:nvSpPr>
+        <p:spPr>
+          <a:xfrm>
+            <a:off x="4754149" y="334631"/>
+            <a:ext cx="107743" cy="541778"/>
+          </a:xfrm>
+          <a:prstGeom prst="rightBrace">
+            <a:avLst>
+              <a:gd name="adj1" fmla="val 8333"/>
+              <a:gd name="adj2" fmla="val 20047"/>
+            </a:avLst>
+          </a:prstGeom>
+          <a:ln w="12700">
+            <a:solidFill>
+              <a:schemeClr val="tx1"/>
+            </a:solidFill>
+          </a:ln>
+        </p:spPr>
+        <p:style>
+          <a:lnRef idx="1">
+            <a:schemeClr val="accent1"/>
+          </a:lnRef>
+          <a:fillRef idx="0">
+            <a:schemeClr val="accent1"/>
+          </a:fillRef>
+          <a:effectRef idx="0">
+            <a:schemeClr val="accent1"/>
+          </a:effectRef>
+          <a:fontRef idx="minor">
+            <a:schemeClr val="tx1"/>
+          </a:fontRef>
+        </p:style>
+        <p:txBody>
+          <a:bodyPr rtlCol="0" anchor="ctr"/>
+          <a:lstStyle/>
+          <a:p>
+            <a:pPr algn="ctr"/>
+            <a:endParaRPr kumimoji="1" lang="zh-CN" altLang="en-US" sz="679"/>
+          </a:p>
+        </p:txBody>
+      </p:sp>
+      <p:grpSp>
+        <p:nvGrpSpPr>
+          <p:cNvPr id="34" name="组合 33">
+            <a:extLst>
+              <a:ext uri="{FF2B5EF4-FFF2-40B4-BE49-F238E27FC236}">
+                <a16:creationId xmlns:a16="http://schemas.microsoft.com/office/drawing/2014/main" id="{03990F89-3BDF-F045-AAF4-FDC85729225E}"/>
+              </a:ext>
+            </a:extLst>
+          </p:cNvPr>
+          <p:cNvGrpSpPr/>
+          <p:nvPr/>
+        </p:nvGrpSpPr>
+        <p:grpSpPr>
+          <a:xfrm>
+            <a:off x="3204980" y="361453"/>
+            <a:ext cx="583762" cy="105008"/>
+            <a:chOff x="4029262" y="793516"/>
+            <a:chExt cx="398729" cy="71800"/>
+          </a:xfrm>
+        </p:grpSpPr>
+        <p:cxnSp>
+          <p:nvCxnSpPr>
+            <p:cNvPr id="121" name="直线箭头连接符 120">
+              <a:extLst>
+                <a:ext uri="{FF2B5EF4-FFF2-40B4-BE49-F238E27FC236}">
+                  <a16:creationId xmlns:a16="http://schemas.microsoft.com/office/drawing/2014/main" id="{F11771B1-02AB-5C4A-9BDF-0DC5F2CE0867}"/>
+                </a:ext>
+              </a:extLst>
+            </p:cNvPr>
+            <p:cNvCxnSpPr>
+              <a:cxnSpLocks/>
+            </p:cNvCxnSpPr>
+            <p:nvPr/>
+          </p:nvCxnSpPr>
+          <p:spPr>
+            <a:xfrm>
+              <a:off x="4036735" y="800807"/>
+              <a:ext cx="391256" cy="0"/>
+            </a:xfrm>
+            <a:prstGeom prst="straightConnector1">
+              <a:avLst/>
+            </a:prstGeom>
+            <a:ln w="12700">
+              <a:solidFill>
+                <a:schemeClr val="tx1"/>
+              </a:solidFill>
+              <a:tailEnd type="triangle"/>
+            </a:ln>
+          </p:spPr>
+          <p:style>
+            <a:lnRef idx="1">
+              <a:schemeClr val="accent1"/>
+            </a:lnRef>
+            <a:fillRef idx="0">
+              <a:schemeClr val="accent1"/>
+            </a:fillRef>
+            <a:effectRef idx="0">
+              <a:schemeClr val="accent1"/>
+            </a:effectRef>
+            <a:fontRef idx="minor">
+              <a:schemeClr val="tx1"/>
+            </a:fontRef>
+          </p:style>
+        </p:cxnSp>
+        <p:cxnSp>
+          <p:nvCxnSpPr>
+            <p:cNvPr id="122" name="直线连接符 121">
+              <a:extLst>
+                <a:ext uri="{FF2B5EF4-FFF2-40B4-BE49-F238E27FC236}">
+                  <a16:creationId xmlns:a16="http://schemas.microsoft.com/office/drawing/2014/main" id="{D8EBB506-FBAB-FD4D-BA2E-122EA3620F1C}"/>
+                </a:ext>
+              </a:extLst>
+            </p:cNvPr>
+            <p:cNvCxnSpPr>
+              <a:cxnSpLocks/>
+            </p:cNvCxnSpPr>
+            <p:nvPr/>
+          </p:nvCxnSpPr>
+          <p:spPr>
+            <a:xfrm flipH="1">
+              <a:off x="4029262" y="793516"/>
+              <a:ext cx="0" cy="71800"/>
+            </a:xfrm>
+            <a:prstGeom prst="line">
+              <a:avLst/>
+            </a:prstGeom>
+            <a:ln w="12700">
+              <a:solidFill>
+                <a:schemeClr val="tx1"/>
+              </a:solidFill>
+            </a:ln>
+          </p:spPr>
+          <p:style>
+            <a:lnRef idx="1">
+              <a:schemeClr val="accent1"/>
+            </a:lnRef>
+            <a:fillRef idx="0">
+              <a:schemeClr val="accent1"/>
+            </a:fillRef>
+            <a:effectRef idx="0">
+              <a:schemeClr val="accent1"/>
+            </a:effectRef>
+            <a:fontRef idx="minor">
+              <a:schemeClr val="tx1"/>
+            </a:fontRef>
+          </p:style>
+        </p:cxnSp>
+      </p:grpSp>
+      <p:cxnSp>
+        <p:nvCxnSpPr>
+          <p:cNvPr id="123" name="直线箭头连接符 122">
+            <a:extLst>
+              <a:ext uri="{FF2B5EF4-FFF2-40B4-BE49-F238E27FC236}">
+                <a16:creationId xmlns:a16="http://schemas.microsoft.com/office/drawing/2014/main" id="{B8BDE743-007C-7840-9E2E-B79F714B0E17}"/>
+              </a:ext>
+            </a:extLst>
+          </p:cNvPr>
+          <p:cNvCxnSpPr>
+            <a:cxnSpLocks/>
+          </p:cNvCxnSpPr>
+          <p:nvPr/>
+        </p:nvCxnSpPr>
+        <p:spPr>
+          <a:xfrm>
+            <a:off x="2568942" y="2003298"/>
+            <a:ext cx="1219800" cy="0"/>
+          </a:xfrm>
+          <a:prstGeom prst="straightConnector1">
+            <a:avLst/>
+          </a:prstGeom>
+          <a:ln w="12700">
+            <a:solidFill>
+              <a:schemeClr val="tx1"/>
+            </a:solidFill>
+            <a:tailEnd type="triangle"/>
+          </a:ln>
+        </p:spPr>
+        <p:style>
+          <a:lnRef idx="1">
+            <a:schemeClr val="accent1"/>
+          </a:lnRef>
+          <a:fillRef idx="0">
+            <a:schemeClr val="accent1"/>
+          </a:fillRef>
+          <a:effectRef idx="0">
+            <a:schemeClr val="accent1"/>
+          </a:effectRef>
+          <a:fontRef idx="minor">
+            <a:schemeClr val="tx1"/>
+          </a:fontRef>
+        </p:style>
+      </p:cxnSp>
+      <p:cxnSp>
+        <p:nvCxnSpPr>
+          <p:cNvPr id="47" name="直线箭头连接符 46">
+            <a:extLst>
+              <a:ext uri="{FF2B5EF4-FFF2-40B4-BE49-F238E27FC236}">
+                <a16:creationId xmlns:a16="http://schemas.microsoft.com/office/drawing/2014/main" id="{D6BA009B-750F-F84F-ACDE-DEEBA4F2264F}"/>
+              </a:ext>
+            </a:extLst>
+          </p:cNvPr>
+          <p:cNvCxnSpPr>
+            <a:cxnSpLocks/>
+          </p:cNvCxnSpPr>
+          <p:nvPr/>
+        </p:nvCxnSpPr>
+        <p:spPr>
+          <a:xfrm>
+            <a:off x="3204980" y="1745714"/>
+            <a:ext cx="0" cy="245353"/>
+          </a:xfrm>
+          <a:prstGeom prst="straightConnector1">
+            <a:avLst/>
+          </a:prstGeom>
+          <a:ln w="12700">
+            <a:solidFill>
+              <a:schemeClr val="tx1"/>
+            </a:solidFill>
+            <a:tailEnd type="triangle"/>
+          </a:ln>
+        </p:spPr>
+        <p:style>
+          <a:lnRef idx="1">
+            <a:schemeClr val="accent1"/>
+          </a:lnRef>
+          <a:fillRef idx="0">
+            <a:schemeClr val="accent1"/>
+          </a:fillRef>
+          <a:effectRef idx="0">
+            <a:schemeClr val="accent1"/>
+          </a:effectRef>
+          <a:fontRef idx="minor">
+            <a:schemeClr val="tx1"/>
+          </a:fontRef>
+        </p:style>
+      </p:cxnSp>
+      <p:cxnSp>
+        <p:nvCxnSpPr>
+          <p:cNvPr id="124" name="直线箭头连接符 123">
+            <a:extLst>
+              <a:ext uri="{FF2B5EF4-FFF2-40B4-BE49-F238E27FC236}">
+                <a16:creationId xmlns:a16="http://schemas.microsoft.com/office/drawing/2014/main" id="{622ADF2A-4146-6047-BB0F-CC38AA5F53E4}"/>
+              </a:ext>
+            </a:extLst>
+          </p:cNvPr>
+          <p:cNvCxnSpPr>
+            <a:cxnSpLocks/>
+          </p:cNvCxnSpPr>
+          <p:nvPr/>
+        </p:nvCxnSpPr>
+        <p:spPr>
+          <a:xfrm>
+            <a:off x="4726714" y="2074789"/>
+            <a:ext cx="165900" cy="0"/>
+          </a:xfrm>
+          <a:prstGeom prst="straightConnector1">
+            <a:avLst/>
+          </a:prstGeom>
+          <a:ln w="12700">
+            <a:solidFill>
+              <a:schemeClr val="tx1"/>
+            </a:solidFill>
+            <a:tailEnd type="triangle"/>
+          </a:ln>
+        </p:spPr>
+        <p:style>
+          <a:lnRef idx="1">
+            <a:schemeClr val="accent1"/>
+          </a:lnRef>
+          <a:fillRef idx="0">
+            <a:schemeClr val="accent1"/>
+          </a:fillRef>
+          <a:effectRef idx="0">
+            <a:schemeClr val="accent1"/>
+          </a:effectRef>
+          <a:fontRef idx="minor">
+            <a:schemeClr val="tx1"/>
+          </a:fontRef>
+        </p:style>
+      </p:cxnSp>
+      <p:cxnSp>
+        <p:nvCxnSpPr>
+          <p:cNvPr id="125" name="直线箭头连接符 124">
+            <a:extLst>
+              <a:ext uri="{FF2B5EF4-FFF2-40B4-BE49-F238E27FC236}">
+                <a16:creationId xmlns:a16="http://schemas.microsoft.com/office/drawing/2014/main" id="{2A7C8C7E-3D5C-6441-943B-C6AE2A23BC08}"/>
+              </a:ext>
+            </a:extLst>
+          </p:cNvPr>
+          <p:cNvCxnSpPr>
+            <a:cxnSpLocks/>
+          </p:cNvCxnSpPr>
+          <p:nvPr/>
+        </p:nvCxnSpPr>
+        <p:spPr>
+          <a:xfrm>
+            <a:off x="5764915" y="2074789"/>
+            <a:ext cx="165900" cy="0"/>
+          </a:xfrm>
+          <a:prstGeom prst="straightConnector1">
+            <a:avLst/>
+          </a:prstGeom>
+          <a:ln w="12700">
+            <a:solidFill>
+              <a:schemeClr val="tx1"/>
+            </a:solidFill>
+            <a:tailEnd type="triangle"/>
+          </a:ln>
+        </p:spPr>
+        <p:style>
+          <a:lnRef idx="1">
+            <a:schemeClr val="accent1"/>
+          </a:lnRef>
+          <a:fillRef idx="0">
+            <a:schemeClr val="accent1"/>
+          </a:fillRef>
+          <a:effectRef idx="0">
+            <a:schemeClr val="accent1"/>
+          </a:effectRef>
+          <a:fontRef idx="minor">
+            <a:schemeClr val="tx1"/>
+          </a:fontRef>
+        </p:style>
+      </p:cxnSp>
+      <p:sp>
+        <p:nvSpPr>
+          <p:cNvPr id="126" name="右箭头 125">
+            <a:extLst>
+              <a:ext uri="{FF2B5EF4-FFF2-40B4-BE49-F238E27FC236}">
+                <a16:creationId xmlns:a16="http://schemas.microsoft.com/office/drawing/2014/main" id="{61C48702-E1F9-CE41-B5ED-D9DF7A1B3081}"/>
+              </a:ext>
+            </a:extLst>
+          </p:cNvPr>
+          <p:cNvSpPr/>
+          <p:nvPr/>
+        </p:nvSpPr>
+        <p:spPr>
+          <a:xfrm>
+            <a:off x="6794681" y="1160652"/>
+            <a:ext cx="180000" cy="360000"/>
+          </a:xfrm>
+          <a:prstGeom prst="rightArrow">
+            <a:avLst/>
+          </a:prstGeom>
+          <a:solidFill>
+            <a:schemeClr val="bg1"/>
+          </a:solidFill>
+          <a:ln>
+            <a:solidFill>
+              <a:schemeClr val="tx1"/>
+            </a:solidFill>
+          </a:ln>
+        </p:spPr>
+        <p:style>
+          <a:lnRef idx="2">
+            <a:schemeClr val="accent1">
+              <a:shade val="50000"/>
+            </a:schemeClr>
+          </a:lnRef>
+          <a:fillRef idx="1">
+            <a:schemeClr val="accent1"/>
+          </a:fillRef>
+          <a:effectRef idx="0">
+            <a:schemeClr val="accent1"/>
+          </a:effectRef>
+          <a:fontRef idx="minor">
+            <a:schemeClr val="lt1"/>
+          </a:fontRef>
+        </p:style>
+        <p:txBody>
+          <a:bodyPr rtlCol="0" anchor="ctr"/>
+          <a:lstStyle/>
+          <a:p>
+            <a:pPr algn="ctr"/>
+            <a:endParaRPr kumimoji="1" lang="zh-CN" altLang="en-US" sz="679"/>
+          </a:p>
+        </p:txBody>
+      </p:sp>
+      <p:cxnSp>
+        <p:nvCxnSpPr>
+          <p:cNvPr id="127" name="直线箭头连接符 126">
+            <a:extLst>
+              <a:ext uri="{FF2B5EF4-FFF2-40B4-BE49-F238E27FC236}">
+                <a16:creationId xmlns:a16="http://schemas.microsoft.com/office/drawing/2014/main" id="{4D724AE5-7860-9F45-A522-8C0723D8D44A}"/>
+              </a:ext>
+            </a:extLst>
+          </p:cNvPr>
+          <p:cNvCxnSpPr>
+            <a:cxnSpLocks/>
+          </p:cNvCxnSpPr>
+          <p:nvPr/>
+        </p:nvCxnSpPr>
+        <p:spPr>
+          <a:xfrm>
+            <a:off x="5858222" y="466461"/>
+            <a:ext cx="1041342" cy="0"/>
+          </a:xfrm>
+          <a:prstGeom prst="straightConnector1">
+            <a:avLst/>
+          </a:prstGeom>
+          <a:ln w="12700">
+            <a:solidFill>
+              <a:schemeClr val="tx1"/>
+            </a:solidFill>
+            <a:tailEnd type="triangle"/>
+          </a:ln>
+        </p:spPr>
+        <p:style>
+          <a:lnRef idx="1">
+            <a:schemeClr val="accent1"/>
+          </a:lnRef>
+          <a:fillRef idx="0">
+            <a:schemeClr val="accent1"/>
+          </a:fillRef>
+          <a:effectRef idx="0">
+            <a:schemeClr val="accent1"/>
+          </a:effectRef>
+          <a:fontRef idx="minor">
+            <a:schemeClr val="tx1"/>
+          </a:fontRef>
+        </p:style>
+      </p:cxnSp>
+      <p:grpSp>
+        <p:nvGrpSpPr>
+          <p:cNvPr id="37" name="组合 36">
+            <a:extLst>
+              <a:ext uri="{FF2B5EF4-FFF2-40B4-BE49-F238E27FC236}">
+                <a16:creationId xmlns:a16="http://schemas.microsoft.com/office/drawing/2014/main" id="{DD62DEA0-5168-FE49-97B5-9DEF28B47783}"/>
+              </a:ext>
+            </a:extLst>
+          </p:cNvPr>
+          <p:cNvGrpSpPr/>
+          <p:nvPr/>
+        </p:nvGrpSpPr>
+        <p:grpSpPr>
+          <a:xfrm>
+            <a:off x="4884155" y="691416"/>
+            <a:ext cx="894762" cy="1193497"/>
+            <a:chOff x="4889753" y="936205"/>
+            <a:chExt cx="894762" cy="1193497"/>
+          </a:xfrm>
+        </p:grpSpPr>
+        <p:sp>
+          <p:nvSpPr>
+            <p:cNvPr id="49" name="矩形 48">
+              <a:extLst>
+                <a:ext uri="{FF2B5EF4-FFF2-40B4-BE49-F238E27FC236}">
+                  <a16:creationId xmlns:a16="http://schemas.microsoft.com/office/drawing/2014/main" id="{B1A59986-D755-8942-9D9C-1F085FDC9B54}"/>
+                </a:ext>
+              </a:extLst>
+            </p:cNvPr>
+            <p:cNvSpPr/>
+            <p:nvPr/>
+          </p:nvSpPr>
+          <p:spPr>
+            <a:xfrm>
+              <a:off x="4889753" y="936205"/>
+              <a:ext cx="894762" cy="1193497"/>
+            </a:xfrm>
+            <a:prstGeom prst="rect">
+              <a:avLst/>
+            </a:prstGeom>
+            <a:noFill/>
+            <a:ln w="12700">
+              <a:solidFill>
+                <a:schemeClr val="tx1"/>
+              </a:solidFill>
+              <a:prstDash val="dash"/>
+            </a:ln>
+          </p:spPr>
+          <p:style>
+            <a:lnRef idx="2">
+              <a:schemeClr val="accent1">
+                <a:shade val="50000"/>
+              </a:schemeClr>
+            </a:lnRef>
+            <a:fillRef idx="1">
+              <a:schemeClr val="accent1"/>
+            </a:fillRef>
+            <a:effectRef idx="0">
+              <a:schemeClr val="accent1"/>
+            </a:effectRef>
+            <a:fontRef idx="minor">
+              <a:schemeClr val="lt1"/>
+            </a:fontRef>
+          </p:style>
+          <p:txBody>
+            <a:bodyPr rtlCol="0" anchor="ctr"/>
+            <a:lstStyle/>
+            <a:p>
+              <a:pPr algn="ctr"/>
+              <a:endParaRPr kumimoji="1" lang="zh-CN" altLang="en-US" sz="679" dirty="0"/>
+            </a:p>
+          </p:txBody>
+        </p:sp>
+        <p:sp>
+          <p:nvSpPr>
+            <p:cNvPr id="130" name="圆角矩形 129">
+              <a:extLst>
+                <a:ext uri="{FF2B5EF4-FFF2-40B4-BE49-F238E27FC236}">
+                  <a16:creationId xmlns:a16="http://schemas.microsoft.com/office/drawing/2014/main" id="{8F7151BC-4483-D04B-9F0C-44B75218B72A}"/>
+                </a:ext>
+              </a:extLst>
+            </p:cNvPr>
+            <p:cNvSpPr/>
+            <p:nvPr/>
+          </p:nvSpPr>
+          <p:spPr>
+            <a:xfrm>
+              <a:off x="4932755" y="963766"/>
+              <a:ext cx="806400" cy="288000"/>
+            </a:xfrm>
+            <a:prstGeom prst="roundRect">
+              <a:avLst/>
+            </a:prstGeom>
+            <a:solidFill>
+              <a:srgbClr val="4578D4"/>
+            </a:solidFill>
+            <a:ln>
+              <a:solidFill>
+                <a:schemeClr val="tx1"/>
+              </a:solidFill>
+            </a:ln>
+          </p:spPr>
+          <p:style>
+            <a:lnRef idx="2">
+              <a:schemeClr val="accent1">
+                <a:shade val="50000"/>
+              </a:schemeClr>
+            </a:lnRef>
+            <a:fillRef idx="1">
+              <a:schemeClr val="accent1"/>
+            </a:fillRef>
+            <a:effectRef idx="0">
+              <a:schemeClr val="accent1"/>
+            </a:effectRef>
+            <a:fontRef idx="minor">
+              <a:schemeClr val="lt1"/>
+            </a:fontRef>
+          </p:style>
+          <p:txBody>
+            <a:bodyPr rtlCol="0" anchor="ctr"/>
+            <a:lstStyle/>
+            <a:p>
+              <a:pPr algn="ctr"/>
+              <a:r>
+                <a:rPr kumimoji="1" lang="zh-CN" altLang="en-US" sz="1000" dirty="0"/>
+                <a:t>要素向量</a:t>
+              </a:r>
+            </a:p>
+          </p:txBody>
+        </p:sp>
+        <p:sp>
+          <p:nvSpPr>
+            <p:cNvPr id="131" name="圆角矩形 130">
+              <a:extLst>
+                <a:ext uri="{FF2B5EF4-FFF2-40B4-BE49-F238E27FC236}">
+                  <a16:creationId xmlns:a16="http://schemas.microsoft.com/office/drawing/2014/main" id="{FCF9C456-4D7E-704A-8C25-0BAEEF7BEB88}"/>
+                </a:ext>
+              </a:extLst>
+            </p:cNvPr>
+            <p:cNvSpPr/>
+            <p:nvPr/>
+          </p:nvSpPr>
+          <p:spPr>
+            <a:xfrm>
+              <a:off x="4932755" y="1247714"/>
+              <a:ext cx="806400" cy="288000"/>
+            </a:xfrm>
+            <a:prstGeom prst="roundRect">
+              <a:avLst/>
+            </a:prstGeom>
+            <a:solidFill>
+              <a:srgbClr val="4578D4"/>
+            </a:solidFill>
+            <a:ln>
+              <a:solidFill>
+                <a:schemeClr val="tx1"/>
+              </a:solidFill>
+            </a:ln>
+          </p:spPr>
+          <p:style>
+            <a:lnRef idx="2">
+              <a:schemeClr val="accent1">
+                <a:shade val="50000"/>
+              </a:schemeClr>
+            </a:lnRef>
+            <a:fillRef idx="1">
+              <a:schemeClr val="accent1"/>
+            </a:fillRef>
+            <a:effectRef idx="0">
+              <a:schemeClr val="accent1"/>
+            </a:effectRef>
+            <a:fontRef idx="minor">
+              <a:schemeClr val="lt1"/>
+            </a:fontRef>
+          </p:style>
+          <p:txBody>
+            <a:bodyPr rtlCol="0" anchor="ctr"/>
+            <a:lstStyle/>
+            <a:p>
+              <a:pPr algn="ctr"/>
+              <a:r>
+                <a:rPr kumimoji="1" lang="zh-CN" altLang="en-US" sz="1000" dirty="0"/>
+                <a:t>罪名向量</a:t>
+              </a:r>
+            </a:p>
+          </p:txBody>
+        </p:sp>
+        <p:sp>
+          <p:nvSpPr>
+            <p:cNvPr id="132" name="圆角矩形 131">
+              <a:extLst>
+                <a:ext uri="{FF2B5EF4-FFF2-40B4-BE49-F238E27FC236}">
+                  <a16:creationId xmlns:a16="http://schemas.microsoft.com/office/drawing/2014/main" id="{1ADBF650-1723-CB43-8B32-C076468C0653}"/>
+                </a:ext>
+              </a:extLst>
+            </p:cNvPr>
+            <p:cNvSpPr/>
+            <p:nvPr/>
+          </p:nvSpPr>
+          <p:spPr>
+            <a:xfrm>
+              <a:off x="4932755" y="1534506"/>
+              <a:ext cx="806400" cy="288000"/>
+            </a:xfrm>
+            <a:prstGeom prst="roundRect">
+              <a:avLst/>
+            </a:prstGeom>
+            <a:solidFill>
+              <a:srgbClr val="4578D4"/>
+            </a:solidFill>
+            <a:ln>
+              <a:solidFill>
+                <a:schemeClr val="tx1"/>
+              </a:solidFill>
+            </a:ln>
+          </p:spPr>
+          <p:style>
+            <a:lnRef idx="2">
+              <a:schemeClr val="accent1">
+                <a:shade val="50000"/>
+              </a:schemeClr>
+            </a:lnRef>
+            <a:fillRef idx="1">
+              <a:schemeClr val="accent1"/>
+            </a:fillRef>
+            <a:effectRef idx="0">
+              <a:schemeClr val="accent1"/>
+            </a:effectRef>
+            <a:fontRef idx="minor">
+              <a:schemeClr val="lt1"/>
+            </a:fontRef>
+          </p:style>
+          <p:txBody>
+            <a:bodyPr rtlCol="0" anchor="ctr"/>
+            <a:lstStyle/>
+            <a:p>
+              <a:pPr algn="ctr"/>
+              <a:r>
+                <a:rPr kumimoji="1" lang="zh-CN" altLang="en-US" sz="1000" dirty="0"/>
+                <a:t>法条向量</a:t>
+              </a:r>
+            </a:p>
+          </p:txBody>
+        </p:sp>
+        <p:sp>
+          <p:nvSpPr>
+            <p:cNvPr id="133" name="圆角矩形 132">
+              <a:extLst>
+                <a:ext uri="{FF2B5EF4-FFF2-40B4-BE49-F238E27FC236}">
+                  <a16:creationId xmlns:a16="http://schemas.microsoft.com/office/drawing/2014/main" id="{F56B37F0-45E5-2742-BB1E-94D30E863AFA}"/>
+                </a:ext>
+              </a:extLst>
+            </p:cNvPr>
+            <p:cNvSpPr/>
+            <p:nvPr/>
+          </p:nvSpPr>
+          <p:spPr>
+            <a:xfrm>
+              <a:off x="4932755" y="1823164"/>
+              <a:ext cx="806400" cy="288000"/>
+            </a:xfrm>
+            <a:prstGeom prst="roundRect">
+              <a:avLst/>
+            </a:prstGeom>
+            <a:solidFill>
+              <a:srgbClr val="4578D4"/>
+            </a:solidFill>
+            <a:ln>
+              <a:solidFill>
+                <a:schemeClr val="tx1"/>
+              </a:solidFill>
+            </a:ln>
+          </p:spPr>
+          <p:style>
+            <a:lnRef idx="2">
+              <a:schemeClr val="accent1">
+                <a:shade val="50000"/>
+              </a:schemeClr>
+            </a:lnRef>
+            <a:fillRef idx="1">
+              <a:schemeClr val="accent1"/>
+            </a:fillRef>
+            <a:effectRef idx="0">
+              <a:schemeClr val="accent1"/>
+            </a:effectRef>
+            <a:fontRef idx="minor">
+              <a:schemeClr val="lt1"/>
+            </a:fontRef>
+          </p:style>
+          <p:txBody>
+            <a:bodyPr rtlCol="0" anchor="ctr"/>
+            <a:lstStyle/>
+            <a:p>
+              <a:pPr algn="ctr"/>
+              <a:r>
+                <a:rPr kumimoji="1" lang="zh-CN" altLang="en-US" sz="1000" dirty="0"/>
+                <a:t>刑期向量</a:t>
+              </a:r>
+            </a:p>
+          </p:txBody>
+        </p:sp>
+      </p:grpSp>
+      <p:sp>
+        <p:nvSpPr>
+          <p:cNvPr id="135" name="右箭头 134">
+            <a:extLst>
+              <a:ext uri="{FF2B5EF4-FFF2-40B4-BE49-F238E27FC236}">
+                <a16:creationId xmlns:a16="http://schemas.microsoft.com/office/drawing/2014/main" id="{57B8A1A7-5512-2445-8037-05AF2C8CD1E4}"/>
+              </a:ext>
+            </a:extLst>
+          </p:cNvPr>
+          <p:cNvSpPr/>
+          <p:nvPr/>
+        </p:nvSpPr>
+        <p:spPr>
+          <a:xfrm>
+            <a:off x="6794681" y="1903069"/>
+            <a:ext cx="180000" cy="360000"/>
+          </a:xfrm>
+          <a:prstGeom prst="rightArrow">
+            <a:avLst/>
+          </a:prstGeom>
+          <a:solidFill>
+            <a:schemeClr val="bg1"/>
+          </a:solidFill>
+          <a:ln>
+            <a:solidFill>
+              <a:schemeClr val="tx1"/>
+            </a:solidFill>
+          </a:ln>
+        </p:spPr>
+        <p:style>
+          <a:lnRef idx="2">
+            <a:schemeClr val="accent1">
+              <a:shade val="50000"/>
+            </a:schemeClr>
+          </a:lnRef>
+          <a:fillRef idx="1">
+            <a:schemeClr val="accent1"/>
+          </a:fillRef>
+          <a:effectRef idx="0">
+            <a:schemeClr val="accent1"/>
+          </a:effectRef>
+          <a:fontRef idx="minor">
+            <a:schemeClr val="lt1"/>
+          </a:fontRef>
+        </p:style>
+        <p:txBody>
+          <a:bodyPr rtlCol="0" anchor="ctr"/>
+          <a:lstStyle/>
+          <a:p>
+            <a:pPr algn="ctr"/>
+            <a:endParaRPr kumimoji="1" lang="zh-CN" altLang="en-US" sz="679"/>
+          </a:p>
+        </p:txBody>
+      </p:sp>
+      <p:sp>
+        <p:nvSpPr>
+          <p:cNvPr id="136" name="左大括号 135">
+            <a:extLst>
+              <a:ext uri="{FF2B5EF4-FFF2-40B4-BE49-F238E27FC236}">
+                <a16:creationId xmlns:a16="http://schemas.microsoft.com/office/drawing/2014/main" id="{F29E9FD2-3E63-7845-A5E6-F2EC8DB3A6FE}"/>
+              </a:ext>
+            </a:extLst>
+          </p:cNvPr>
+          <p:cNvSpPr/>
+          <p:nvPr/>
+        </p:nvSpPr>
+        <p:spPr>
+          <a:xfrm>
+            <a:off x="4752965" y="984498"/>
+            <a:ext cx="95986" cy="786522"/>
+          </a:xfrm>
+          <a:prstGeom prst="leftBrace">
+            <a:avLst>
+              <a:gd name="adj1" fmla="val 8333"/>
+              <a:gd name="adj2" fmla="val 57656"/>
+            </a:avLst>
+          </a:prstGeom>
+          <a:ln w="12700">
+            <a:solidFill>
+              <a:schemeClr val="tx1"/>
+            </a:solidFill>
+          </a:ln>
+        </p:spPr>
+        <p:style>
+          <a:lnRef idx="1">
+            <a:schemeClr val="accent1"/>
+          </a:lnRef>
+          <a:fillRef idx="0">
+            <a:schemeClr val="accent1"/>
+          </a:fillRef>
+          <a:effectRef idx="0">
+            <a:schemeClr val="accent1"/>
+          </a:effectRef>
+          <a:fontRef idx="minor">
+            <a:schemeClr val="tx1"/>
+          </a:fontRef>
+        </p:style>
+        <p:txBody>
+          <a:bodyPr rtlCol="0" anchor="ctr"/>
+          <a:lstStyle/>
+          <a:p>
+            <a:pPr algn="ctr"/>
+            <a:endParaRPr kumimoji="1" lang="zh-CN" altLang="en-US" sz="679" dirty="0"/>
+          </a:p>
+        </p:txBody>
+      </p:sp>
+      <p:sp>
+        <p:nvSpPr>
+          <p:cNvPr id="65" name="矩形 64">
+            <a:extLst>
+              <a:ext uri="{FF2B5EF4-FFF2-40B4-BE49-F238E27FC236}">
+                <a16:creationId xmlns:a16="http://schemas.microsoft.com/office/drawing/2014/main" id="{FCB5163E-6B9C-C34B-8580-0921A448F6F7}"/>
+              </a:ext>
+            </a:extLst>
+          </p:cNvPr>
+          <p:cNvSpPr/>
+          <p:nvPr/>
+        </p:nvSpPr>
+        <p:spPr>
+          <a:xfrm>
+            <a:off x="7035885" y="1965208"/>
+            <a:ext cx="828000" cy="306000"/>
+          </a:xfrm>
+          <a:prstGeom prst="rect">
+            <a:avLst/>
+          </a:prstGeom>
+          <a:solidFill>
+            <a:srgbClr val="AB89E1"/>
+          </a:solidFill>
+          <a:ln w="12700" cap="rnd">
+            <a:solidFill>
+              <a:schemeClr val="tx1"/>
+            </a:solidFill>
+            <a:prstDash val="solid"/>
+            <a:round/>
+          </a:ln>
+        </p:spPr>
+        <p:style>
+          <a:lnRef idx="2">
+            <a:schemeClr val="accent1">
+              <a:shade val="50000"/>
+            </a:schemeClr>
+          </a:lnRef>
+          <a:fillRef idx="1">
+            <a:schemeClr val="accent1"/>
+          </a:fillRef>
+          <a:effectRef idx="0">
+            <a:schemeClr val="accent1"/>
+          </a:effectRef>
+          <a:fontRef idx="minor">
+            <a:schemeClr val="lt1"/>
+          </a:fontRef>
+        </p:style>
+        <p:txBody>
+          <a:bodyPr rtlCol="0" anchor="ctr"/>
+          <a:lstStyle/>
+          <a:p>
+            <a:pPr algn="ctr"/>
+            <a:r>
+              <a:rPr kumimoji="1" lang="zh-CN" altLang="en-US" sz="1000" dirty="0">
+                <a:solidFill>
+                  <a:schemeClr val="bg1"/>
+                </a:solidFill>
+              </a:rPr>
+              <a:t>关键词抽取</a:t>
+            </a:r>
+          </a:p>
+        </p:txBody>
+      </p:sp>
+      <p:grpSp>
+        <p:nvGrpSpPr>
+          <p:cNvPr id="42" name="组合 41">
+            <a:extLst>
+              <a:ext uri="{FF2B5EF4-FFF2-40B4-BE49-F238E27FC236}">
+                <a16:creationId xmlns:a16="http://schemas.microsoft.com/office/drawing/2014/main" id="{0DCA3DE1-43C0-7347-B209-6219B09D7C6D}"/>
+              </a:ext>
+            </a:extLst>
+          </p:cNvPr>
+          <p:cNvGrpSpPr/>
+          <p:nvPr/>
+        </p:nvGrpSpPr>
+        <p:grpSpPr>
+          <a:xfrm>
+            <a:off x="7035885" y="674701"/>
+            <a:ext cx="828000" cy="1220303"/>
+            <a:chOff x="7035885" y="931158"/>
+            <a:chExt cx="828000" cy="1220303"/>
+          </a:xfrm>
+        </p:grpSpPr>
+        <p:sp>
+          <p:nvSpPr>
+            <p:cNvPr id="98" name="矩形 97">
+              <a:extLst>
+                <a:ext uri="{FF2B5EF4-FFF2-40B4-BE49-F238E27FC236}">
+                  <a16:creationId xmlns:a16="http://schemas.microsoft.com/office/drawing/2014/main" id="{9B90DD70-3892-A949-86A4-44A7843E5861}"/>
+                </a:ext>
+              </a:extLst>
+            </p:cNvPr>
+            <p:cNvSpPr/>
+            <p:nvPr/>
+          </p:nvSpPr>
+          <p:spPr>
+            <a:xfrm>
+              <a:off x="7035885" y="931158"/>
+              <a:ext cx="828000" cy="306000"/>
+            </a:xfrm>
+            <a:prstGeom prst="rect">
+              <a:avLst/>
+            </a:prstGeom>
+            <a:solidFill>
+              <a:srgbClr val="AB89E1"/>
+            </a:solidFill>
+            <a:ln w="12700" cap="rnd">
+              <a:solidFill>
+                <a:schemeClr val="tx1"/>
+              </a:solidFill>
+              <a:prstDash val="solid"/>
+              <a:round/>
+            </a:ln>
+          </p:spPr>
+          <p:style>
+            <a:lnRef idx="2">
+              <a:schemeClr val="accent1">
+                <a:shade val="50000"/>
+              </a:schemeClr>
+            </a:lnRef>
+            <a:fillRef idx="1">
+              <a:schemeClr val="accent1"/>
+            </a:fillRef>
+            <a:effectRef idx="0">
+              <a:schemeClr val="accent1"/>
+            </a:effectRef>
+            <a:fontRef idx="minor">
+              <a:schemeClr val="lt1"/>
+            </a:fontRef>
+          </p:style>
+          <p:txBody>
+            <a:bodyPr rtlCol="0" anchor="ctr"/>
+            <a:lstStyle/>
+            <a:p>
+              <a:pPr algn="ctr"/>
+              <a:r>
+                <a:rPr kumimoji="1" lang="zh-CN" altLang="en-US" sz="1000" dirty="0">
+                  <a:solidFill>
+                    <a:schemeClr val="bg1"/>
+                  </a:solidFill>
+                </a:rPr>
+                <a:t>判案要素</a:t>
+              </a:r>
+            </a:p>
+          </p:txBody>
+        </p:sp>
+        <p:sp>
+          <p:nvSpPr>
+            <p:cNvPr id="110" name="矩形 109">
+              <a:extLst>
+                <a:ext uri="{FF2B5EF4-FFF2-40B4-BE49-F238E27FC236}">
+                  <a16:creationId xmlns:a16="http://schemas.microsoft.com/office/drawing/2014/main" id="{329852A4-B5BA-F543-8511-DD7021827614}"/>
+                </a:ext>
+              </a:extLst>
+            </p:cNvPr>
+            <p:cNvSpPr/>
+            <p:nvPr/>
+          </p:nvSpPr>
+          <p:spPr>
+            <a:xfrm>
+              <a:off x="7035885" y="1237961"/>
+              <a:ext cx="828000" cy="306000"/>
+            </a:xfrm>
+            <a:prstGeom prst="rect">
+              <a:avLst/>
+            </a:prstGeom>
+            <a:solidFill>
+              <a:srgbClr val="AB89E1"/>
+            </a:solidFill>
+            <a:ln w="12700" cap="rnd">
+              <a:solidFill>
+                <a:schemeClr val="tx1"/>
+              </a:solidFill>
+              <a:prstDash val="solid"/>
+              <a:round/>
+            </a:ln>
+          </p:spPr>
+          <p:style>
+            <a:lnRef idx="2">
+              <a:schemeClr val="accent1">
+                <a:shade val="50000"/>
+              </a:schemeClr>
+            </a:lnRef>
+            <a:fillRef idx="1">
+              <a:schemeClr val="accent1"/>
+            </a:fillRef>
+            <a:effectRef idx="0">
+              <a:schemeClr val="accent1"/>
+            </a:effectRef>
+            <a:fontRef idx="minor">
+              <a:schemeClr val="lt1"/>
+            </a:fontRef>
+          </p:style>
+          <p:txBody>
+            <a:bodyPr rtlCol="0" anchor="ctr"/>
+            <a:lstStyle/>
+            <a:p>
+              <a:pPr algn="ctr"/>
+              <a:r>
+                <a:rPr kumimoji="1" lang="zh-CN" altLang="en-US" sz="1000" dirty="0">
+                  <a:solidFill>
+                    <a:schemeClr val="bg1"/>
+                  </a:solidFill>
+                </a:rPr>
+                <a:t>罪名预测</a:t>
+              </a:r>
+            </a:p>
+          </p:txBody>
+        </p:sp>
+        <p:sp>
+          <p:nvSpPr>
+            <p:cNvPr id="111" name="矩形 110">
+              <a:extLst>
+                <a:ext uri="{FF2B5EF4-FFF2-40B4-BE49-F238E27FC236}">
+                  <a16:creationId xmlns:a16="http://schemas.microsoft.com/office/drawing/2014/main" id="{AF5276B0-F13F-3040-AC1A-1A622EBBE3C9}"/>
+                </a:ext>
+              </a:extLst>
+            </p:cNvPr>
+            <p:cNvSpPr/>
+            <p:nvPr/>
+          </p:nvSpPr>
+          <p:spPr>
+            <a:xfrm>
+              <a:off x="7035885" y="1543086"/>
+              <a:ext cx="828000" cy="306000"/>
+            </a:xfrm>
+            <a:prstGeom prst="rect">
+              <a:avLst/>
+            </a:prstGeom>
+            <a:solidFill>
+              <a:srgbClr val="AB89E1"/>
+            </a:solidFill>
+            <a:ln w="12700" cap="rnd">
+              <a:solidFill>
+                <a:schemeClr val="tx1"/>
+              </a:solidFill>
+              <a:prstDash val="solid"/>
+              <a:round/>
+            </a:ln>
+          </p:spPr>
+          <p:style>
+            <a:lnRef idx="2">
+              <a:schemeClr val="accent1">
+                <a:shade val="50000"/>
+              </a:schemeClr>
+            </a:lnRef>
+            <a:fillRef idx="1">
+              <a:schemeClr val="accent1"/>
+            </a:fillRef>
+            <a:effectRef idx="0">
+              <a:schemeClr val="accent1"/>
+            </a:effectRef>
+            <a:fontRef idx="minor">
+              <a:schemeClr val="lt1"/>
+            </a:fontRef>
+          </p:style>
+          <p:txBody>
+            <a:bodyPr rtlCol="0" anchor="ctr"/>
+            <a:lstStyle/>
+            <a:p>
+              <a:pPr algn="ctr"/>
+              <a:r>
+                <a:rPr kumimoji="1" lang="zh-CN" altLang="en-US" sz="1000" dirty="0">
+                  <a:solidFill>
+                    <a:schemeClr val="bg1"/>
+                  </a:solidFill>
+                </a:rPr>
+                <a:t>法条推荐</a:t>
+              </a:r>
+            </a:p>
+          </p:txBody>
+        </p:sp>
+        <p:sp>
+          <p:nvSpPr>
+            <p:cNvPr id="112" name="矩形 111">
+              <a:extLst>
+                <a:ext uri="{FF2B5EF4-FFF2-40B4-BE49-F238E27FC236}">
+                  <a16:creationId xmlns:a16="http://schemas.microsoft.com/office/drawing/2014/main" id="{799F4B23-9650-A942-B4E3-F099C298CAC7}"/>
+                </a:ext>
+              </a:extLst>
+            </p:cNvPr>
+            <p:cNvSpPr/>
+            <p:nvPr/>
+          </p:nvSpPr>
+          <p:spPr>
+            <a:xfrm>
+              <a:off x="7035885" y="1845461"/>
+              <a:ext cx="828000" cy="306000"/>
+            </a:xfrm>
+            <a:prstGeom prst="rect">
+              <a:avLst/>
+            </a:prstGeom>
+            <a:solidFill>
+              <a:srgbClr val="AB89E1"/>
+            </a:solidFill>
+            <a:ln w="12700" cap="rnd">
+              <a:solidFill>
+                <a:schemeClr val="tx1"/>
+              </a:solidFill>
+              <a:prstDash val="solid"/>
+              <a:round/>
+            </a:ln>
+          </p:spPr>
+          <p:style>
+            <a:lnRef idx="2">
+              <a:schemeClr val="accent1">
+                <a:shade val="50000"/>
+              </a:schemeClr>
+            </a:lnRef>
+            <a:fillRef idx="1">
+              <a:schemeClr val="accent1"/>
+            </a:fillRef>
+            <a:effectRef idx="0">
+              <a:schemeClr val="accent1"/>
+            </a:effectRef>
+            <a:fontRef idx="minor">
+              <a:schemeClr val="lt1"/>
+            </a:fontRef>
+          </p:style>
+          <p:txBody>
+            <a:bodyPr rtlCol="0" anchor="ctr"/>
+            <a:lstStyle/>
+            <a:p>
+              <a:pPr algn="ctr"/>
+              <a:r>
+                <a:rPr kumimoji="1" lang="zh-CN" altLang="en-US" sz="1000" dirty="0">
+                  <a:solidFill>
+                    <a:schemeClr val="bg1"/>
+                  </a:solidFill>
+                </a:rPr>
+                <a:t>刑期预测</a:t>
+              </a:r>
+            </a:p>
+          </p:txBody>
+        </p:sp>
+      </p:grpSp>
+      <p:sp>
+        <p:nvSpPr>
+          <p:cNvPr id="137" name="矩形 136">
+            <a:extLst>
+              <a:ext uri="{FF2B5EF4-FFF2-40B4-BE49-F238E27FC236}">
+                <a16:creationId xmlns:a16="http://schemas.microsoft.com/office/drawing/2014/main" id="{20E1FB46-FF57-7C44-9D8C-1F3561B0863F}"/>
+              </a:ext>
+            </a:extLst>
+          </p:cNvPr>
+          <p:cNvSpPr/>
+          <p:nvPr/>
+        </p:nvSpPr>
+        <p:spPr>
+          <a:xfrm flipH="1">
+            <a:off x="6991939" y="165759"/>
+            <a:ext cx="932776" cy="3028432"/>
+          </a:xfrm>
+          <a:prstGeom prst="rect">
+            <a:avLst/>
+          </a:prstGeom>
+          <a:noFill/>
+          <a:ln w="12700">
+            <a:solidFill>
+              <a:srgbClr val="FF0000"/>
+            </a:solidFill>
+            <a:prstDash val="dash"/>
+          </a:ln>
+        </p:spPr>
+        <p:style>
+          <a:lnRef idx="2">
+            <a:schemeClr val="accent1">
+              <a:shade val="50000"/>
+            </a:schemeClr>
+          </a:lnRef>
+          <a:fillRef idx="1">
+            <a:schemeClr val="accent1"/>
+          </a:fillRef>
+          <a:effectRef idx="0">
+            <a:schemeClr val="accent1"/>
+          </a:effectRef>
+          <a:fontRef idx="minor">
+            <a:schemeClr val="lt1"/>
+          </a:fontRef>
+        </p:style>
+        <p:txBody>
+          <a:bodyPr rtlCol="0" anchor="ctr"/>
+          <a:lstStyle/>
+          <a:p>
+            <a:pPr algn="ctr"/>
+            <a:endParaRPr kumimoji="1" lang="zh-CN" altLang="en-US" sz="679" dirty="0"/>
+          </a:p>
+        </p:txBody>
+      </p:sp>
+      <p:sp>
+        <p:nvSpPr>
+          <p:cNvPr id="94" name="圆角矩形 93">
+            <a:extLst>
+              <a:ext uri="{FF2B5EF4-FFF2-40B4-BE49-F238E27FC236}">
+                <a16:creationId xmlns:a16="http://schemas.microsoft.com/office/drawing/2014/main" id="{3F568423-EFF6-404F-B057-0FC26D42769B}"/>
+              </a:ext>
+            </a:extLst>
+          </p:cNvPr>
+          <p:cNvSpPr/>
+          <p:nvPr/>
+        </p:nvSpPr>
+        <p:spPr>
+          <a:xfrm>
+            <a:off x="5970592" y="1170375"/>
+            <a:ext cx="756000" cy="360000"/>
+          </a:xfrm>
+          <a:prstGeom prst="roundRect">
+            <a:avLst/>
+          </a:prstGeom>
+          <a:solidFill>
+            <a:srgbClr val="C06D43"/>
+          </a:solidFill>
+          <a:ln>
+            <a:solidFill>
+              <a:schemeClr val="tx1"/>
+            </a:solidFill>
+          </a:ln>
+        </p:spPr>
+        <p:style>
+          <a:lnRef idx="2">
+            <a:schemeClr val="accent1">
+              <a:shade val="50000"/>
+            </a:schemeClr>
+          </a:lnRef>
+          <a:fillRef idx="1">
+            <a:schemeClr val="accent1"/>
+          </a:fillRef>
+          <a:effectRef idx="0">
+            <a:schemeClr val="accent1"/>
+          </a:effectRef>
+          <a:fontRef idx="minor">
+            <a:schemeClr val="lt1"/>
+          </a:fontRef>
+        </p:style>
+        <p:txBody>
+          <a:bodyPr rtlCol="0" anchor="ctr"/>
+          <a:lstStyle/>
+          <a:p>
+            <a:pPr algn="ctr"/>
+            <a:r>
+              <a:rPr kumimoji="1" lang="en-US" altLang="zh-CN" sz="1000" dirty="0" err="1"/>
+              <a:t>TopJudge</a:t>
+            </a:r>
+            <a:endParaRPr kumimoji="1" lang="zh-CN" altLang="en-US" sz="1000" dirty="0"/>
+          </a:p>
+        </p:txBody>
+      </p:sp>
+    </p:spTree>
+    <p:extLst>
+      <p:ext uri="{BB962C8B-B14F-4D97-AF65-F5344CB8AC3E}">
+        <p14:creationId xmlns:p14="http://schemas.microsoft.com/office/powerpoint/2010/main" val="2095728329"/>
       </p:ext>
     </p:extLst>
   </p:cSld>
